--- a/Modelagem PedaleV!VA.pptx
+++ b/Modelagem PedaleV!VA.pptx
@@ -2,10 +2,11 @@
 <file path=ppt/presentation.xml><?xml version="1.0" encoding="utf-8"?>
 <p:presentation xmlns:a="http://schemas.openxmlformats.org/drawingml/2006/main" xmlns:r="http://schemas.openxmlformats.org/officeDocument/2006/relationships" xmlns:p="http://schemas.openxmlformats.org/presentationml/2006/main" saveSubsetFonts="1">
   <p:sldMasterIdLst>
-    <p:sldMasterId id="2147483648" r:id="rId1"/>
+    <p:sldMasterId id="2147483696" r:id="rId1"/>
   </p:sldMasterIdLst>
   <p:sldIdLst>
-    <p:sldId id="256" r:id="rId2"/>
+    <p:sldId id="257" r:id="rId2"/>
+    <p:sldId id="256" r:id="rId3"/>
   </p:sldIdLst>
   <p:sldSz cx="12192000" cy="6858000"/>
   <p:notesSz cx="6858000" cy="9144000"/>
@@ -125,7 +126,7 @@
 
 <file path=ppt/slideLayouts/slideLayout1.xml><?xml version="1.0" encoding="utf-8"?>
 <p:sldLayout xmlns:a="http://schemas.openxmlformats.org/drawingml/2006/main" xmlns:r="http://schemas.openxmlformats.org/officeDocument/2006/relationships" xmlns:p="http://schemas.openxmlformats.org/presentationml/2006/main" type="title" preserve="1">
-  <p:cSld name="Slide de Título">
+  <p:cSld name="Slide de título">
     <p:spTree>
       <p:nvGrpSpPr>
         <p:cNvPr id="1" name=""/>
@@ -142,13 +143,7 @@
       </p:grpSpPr>
       <p:sp>
         <p:nvSpPr>
-          <p:cNvPr id="2" name="Título 1">
-            <a:extLst>
-              <a:ext uri="{FF2B5EF4-FFF2-40B4-BE49-F238E27FC236}">
-                <a16:creationId xmlns:a16="http://schemas.microsoft.com/office/drawing/2014/main" xmlns="" id="{7A91D7FD-4BAA-4817-BA3D-C911857F3A79}"/>
-              </a:ext>
-            </a:extLst>
-          </p:cNvPr>
+          <p:cNvPr id="2" name="Title 1"/>
           <p:cNvSpPr>
             <a:spLocks noGrp="1"/>
           </p:cNvSpPr>
@@ -158,34 +153,46 @@
         </p:nvSpPr>
         <p:spPr>
           <a:xfrm>
-            <a:off x="1524000" y="1122363"/>
-            <a:ext cx="9144000" cy="2387600"/>
-          </a:xfrm>
-        </p:spPr>
-        <p:txBody>
-          <a:bodyPr anchor="b"/>
+            <a:off x="1751012" y="609601"/>
+            <a:ext cx="8676222" cy="3200400"/>
+          </a:xfrm>
+        </p:spPr>
+        <p:txBody>
+          <a:bodyPr anchor="b">
+            <a:normAutofit/>
+          </a:bodyPr>
           <a:lstStyle>
             <a:lvl1pPr algn="ctr">
-              <a:defRPr sz="6000"/>
+              <a:defRPr sz="4800">
+                <a:effectLst>
+                  <a:glow rad="38100">
+                    <a:schemeClr val="bg1">
+                      <a:lumMod val="65000"/>
+                      <a:lumOff val="35000"/>
+                      <a:alpha val="50000"/>
+                    </a:schemeClr>
+                  </a:glow>
+                  <a:outerShdw blurRad="28575" dist="31750" dir="13200000" algn="tl" rotWithShape="0">
+                    <a:srgbClr val="000000">
+                      <a:alpha val="25000"/>
+                    </a:srgbClr>
+                  </a:outerShdw>
+                </a:effectLst>
+              </a:defRPr>
             </a:lvl1pPr>
           </a:lstStyle>
           <a:p>
             <a:r>
-              <a:rPr lang="pt-BR"/>
-              <a:t>Clique para editar o título Mestre</a:t>
-            </a:r>
-          </a:p>
-        </p:txBody>
-      </p:sp>
-      <p:sp>
-        <p:nvSpPr>
-          <p:cNvPr id="3" name="Subtítulo 2">
-            <a:extLst>
-              <a:ext uri="{FF2B5EF4-FFF2-40B4-BE49-F238E27FC236}">
-                <a16:creationId xmlns:a16="http://schemas.microsoft.com/office/drawing/2014/main" xmlns="" id="{0D29839F-6BCF-46A1-8A43-7BC6F5675B5E}"/>
-              </a:ext>
-            </a:extLst>
-          </p:cNvPr>
+              <a:rPr lang="pt-BR" smtClean="0"/>
+              <a:t>Clique para editar o título mestre</a:t>
+            </a:r>
+            <a:endParaRPr lang="en-US" dirty="0"/>
+          </a:p>
+        </p:txBody>
+      </p:sp>
+      <p:sp>
+        <p:nvSpPr>
+          <p:cNvPr id="3" name="Subtitle 2"/>
           <p:cNvSpPr>
             <a:spLocks noGrp="1"/>
           </p:cNvSpPr>
@@ -195,67 +202,127 @@
         </p:nvSpPr>
         <p:spPr>
           <a:xfrm>
-            <a:off x="1524000" y="3602038"/>
-            <a:ext cx="9144000" cy="1655762"/>
-          </a:xfrm>
-        </p:spPr>
-        <p:txBody>
-          <a:bodyPr/>
+            <a:off x="1751012" y="3886200"/>
+            <a:ext cx="8676222" cy="1905000"/>
+          </a:xfrm>
+        </p:spPr>
+        <p:txBody>
+          <a:bodyPr anchor="t">
+            <a:normAutofit/>
+          </a:bodyPr>
           <a:lstStyle>
             <a:lvl1pPr marL="0" indent="0" algn="ctr">
               <a:buNone/>
-              <a:defRPr sz="2400"/>
+              <a:defRPr sz="2100">
+                <a:gradFill flip="none" rotWithShape="1">
+                  <a:gsLst>
+                    <a:gs pos="0">
+                      <a:schemeClr val="tx1"/>
+                    </a:gs>
+                    <a:gs pos="100000">
+                      <a:schemeClr val="tx1">
+                        <a:lumMod val="75000"/>
+                      </a:schemeClr>
+                    </a:gs>
+                  </a:gsLst>
+                  <a:lin ang="5400000" scaled="0"/>
+                  <a:tileRect/>
+                </a:gradFill>
+              </a:defRPr>
             </a:lvl1pPr>
             <a:lvl2pPr marL="457200" indent="0" algn="ctr">
               <a:buNone/>
-              <a:defRPr sz="2000"/>
+              <a:defRPr>
+                <a:solidFill>
+                  <a:schemeClr val="tx1">
+                    <a:tint val="75000"/>
+                  </a:schemeClr>
+                </a:solidFill>
+              </a:defRPr>
             </a:lvl2pPr>
             <a:lvl3pPr marL="914400" indent="0" algn="ctr">
               <a:buNone/>
-              <a:defRPr sz="1800"/>
+              <a:defRPr>
+                <a:solidFill>
+                  <a:schemeClr val="tx1">
+                    <a:tint val="75000"/>
+                  </a:schemeClr>
+                </a:solidFill>
+              </a:defRPr>
             </a:lvl3pPr>
             <a:lvl4pPr marL="1371600" indent="0" algn="ctr">
               <a:buNone/>
-              <a:defRPr sz="1600"/>
+              <a:defRPr>
+                <a:solidFill>
+                  <a:schemeClr val="tx1">
+                    <a:tint val="75000"/>
+                  </a:schemeClr>
+                </a:solidFill>
+              </a:defRPr>
             </a:lvl4pPr>
             <a:lvl5pPr marL="1828800" indent="0" algn="ctr">
               <a:buNone/>
-              <a:defRPr sz="1600"/>
+              <a:defRPr>
+                <a:solidFill>
+                  <a:schemeClr val="tx1">
+                    <a:tint val="75000"/>
+                  </a:schemeClr>
+                </a:solidFill>
+              </a:defRPr>
             </a:lvl5pPr>
             <a:lvl6pPr marL="2286000" indent="0" algn="ctr">
               <a:buNone/>
-              <a:defRPr sz="1600"/>
+              <a:defRPr>
+                <a:solidFill>
+                  <a:schemeClr val="tx1">
+                    <a:tint val="75000"/>
+                  </a:schemeClr>
+                </a:solidFill>
+              </a:defRPr>
             </a:lvl6pPr>
             <a:lvl7pPr marL="2743200" indent="0" algn="ctr">
               <a:buNone/>
-              <a:defRPr sz="1600"/>
+              <a:defRPr>
+                <a:solidFill>
+                  <a:schemeClr val="tx1">
+                    <a:tint val="75000"/>
+                  </a:schemeClr>
+                </a:solidFill>
+              </a:defRPr>
             </a:lvl7pPr>
             <a:lvl8pPr marL="3200400" indent="0" algn="ctr">
               <a:buNone/>
-              <a:defRPr sz="1600"/>
+              <a:defRPr>
+                <a:solidFill>
+                  <a:schemeClr val="tx1">
+                    <a:tint val="75000"/>
+                  </a:schemeClr>
+                </a:solidFill>
+              </a:defRPr>
             </a:lvl8pPr>
             <a:lvl9pPr marL="3657600" indent="0" algn="ctr">
               <a:buNone/>
-              <a:defRPr sz="1600"/>
+              <a:defRPr>
+                <a:solidFill>
+                  <a:schemeClr val="tx1">
+                    <a:tint val="75000"/>
+                  </a:schemeClr>
+                </a:solidFill>
+              </a:defRPr>
             </a:lvl9pPr>
           </a:lstStyle>
           <a:p>
             <a:r>
-              <a:rPr lang="pt-BR"/>
-              <a:t>Clique para editar o estilo do subtítulo Mestre</a:t>
-            </a:r>
-          </a:p>
-        </p:txBody>
-      </p:sp>
-      <p:sp>
-        <p:nvSpPr>
-          <p:cNvPr id="4" name="Espaço Reservado para Data 3">
-            <a:extLst>
-              <a:ext uri="{FF2B5EF4-FFF2-40B4-BE49-F238E27FC236}">
-                <a16:creationId xmlns:a16="http://schemas.microsoft.com/office/drawing/2014/main" xmlns="" id="{557B1A1B-1474-4D4A-A4EC-F20204003F7C}"/>
-              </a:ext>
-            </a:extLst>
-          </p:cNvPr>
+              <a:rPr lang="pt-BR" smtClean="0"/>
+              <a:t>Clique para editar o estilo do subtítulo mestre</a:t>
+            </a:r>
+            <a:endParaRPr lang="en-US" dirty="0"/>
+          </a:p>
+        </p:txBody>
+      </p:sp>
+      <p:sp>
+        <p:nvSpPr>
+          <p:cNvPr id="4" name="Date Placeholder 3"/>
           <p:cNvSpPr>
             <a:spLocks noGrp="1"/>
           </p:cNvSpPr>
@@ -270,7 +337,7 @@
           <a:p>
             <a:fld id="{EA4EE4DA-341A-437B-944B-3DB1D1B2090A}" type="datetimeFigureOut">
               <a:rPr lang="pt-BR" smtClean="0"/>
-              <a:t>27/09/2019</a:t>
+              <a:t>28/09/2019</a:t>
             </a:fld>
             <a:endParaRPr lang="pt-BR"/>
           </a:p>
@@ -278,13 +345,7 @@
       </p:sp>
       <p:sp>
         <p:nvSpPr>
-          <p:cNvPr id="5" name="Espaço Reservado para Rodapé 4">
-            <a:extLst>
-              <a:ext uri="{FF2B5EF4-FFF2-40B4-BE49-F238E27FC236}">
-                <a16:creationId xmlns:a16="http://schemas.microsoft.com/office/drawing/2014/main" xmlns="" id="{DF8965A2-6409-47AB-98F1-B7450B7D9B16}"/>
-              </a:ext>
-            </a:extLst>
-          </p:cNvPr>
+          <p:cNvPr id="5" name="Footer Placeholder 4"/>
           <p:cNvSpPr>
             <a:spLocks noGrp="1"/>
           </p:cNvSpPr>
@@ -303,13 +364,7 @@
       </p:sp>
       <p:sp>
         <p:nvSpPr>
-          <p:cNvPr id="6" name="Espaço Reservado para Número de Slide 5">
-            <a:extLst>
-              <a:ext uri="{FF2B5EF4-FFF2-40B4-BE49-F238E27FC236}">
-                <a16:creationId xmlns:a16="http://schemas.microsoft.com/office/drawing/2014/main" xmlns="" id="{3D2520ED-F7EE-463D-9950-414A2D186838}"/>
-              </a:ext>
-            </a:extLst>
-          </p:cNvPr>
+          <p:cNvPr id="6" name="Slide Number Placeholder 5"/>
           <p:cNvSpPr>
             <a:spLocks noGrp="1"/>
           </p:cNvSpPr>
@@ -333,7 +388,7 @@
     </p:spTree>
     <p:extLst>
       <p:ext uri="{BB962C8B-B14F-4D97-AF65-F5344CB8AC3E}">
-        <p14:creationId xmlns:p14="http://schemas.microsoft.com/office/powerpoint/2010/main" val="4280249040"/>
+        <p14:creationId xmlns:p14="http://schemas.microsoft.com/office/powerpoint/2010/main" val="2642967172"/>
       </p:ext>
     </p:extLst>
   </p:cSld>
@@ -344,8 +399,8 @@
 </file>
 
 <file path=ppt/slideLayouts/slideLayout10.xml><?xml version="1.0" encoding="utf-8"?>
-<p:sldLayout xmlns:a="http://schemas.openxmlformats.org/drawingml/2006/main" xmlns:r="http://schemas.openxmlformats.org/officeDocument/2006/relationships" xmlns:p="http://schemas.openxmlformats.org/presentationml/2006/main" type="vertTx" preserve="1">
-  <p:cSld name="Título e Texto Vertical">
+<p:sldLayout xmlns:a="http://schemas.openxmlformats.org/drawingml/2006/main" xmlns:r="http://schemas.openxmlformats.org/officeDocument/2006/relationships" xmlns:p="http://schemas.openxmlformats.org/presentationml/2006/main" preserve="1">
+  <p:cSld name="Foto Panorâmica com Legenda">
     <p:spTree>
       <p:nvGrpSpPr>
         <p:cNvPr id="1" name=""/>
@@ -362,18 +417,208 @@
       </p:grpSpPr>
       <p:sp>
         <p:nvSpPr>
-          <p:cNvPr id="2" name="Título 1">
-            <a:extLst>
-              <a:ext uri="{FF2B5EF4-FFF2-40B4-BE49-F238E27FC236}">
-                <a16:creationId xmlns:a16="http://schemas.microsoft.com/office/drawing/2014/main" xmlns="" id="{A9236A5C-1CCD-4554-8EDB-FCFB4CA65A3E}"/>
-              </a:ext>
-            </a:extLst>
-          </p:cNvPr>
+          <p:cNvPr id="2" name="Title 1"/>
           <p:cNvSpPr>
             <a:spLocks noGrp="1"/>
           </p:cNvSpPr>
           <p:nvPr>
             <p:ph type="title"/>
+          </p:nvPr>
+        </p:nvSpPr>
+        <p:spPr>
+          <a:xfrm>
+            <a:off x="1141413" y="4732865"/>
+            <a:ext cx="9906000" cy="566738"/>
+          </a:xfrm>
+        </p:spPr>
+        <p:txBody>
+          <a:bodyPr anchor="b">
+            <a:normAutofit/>
+          </a:bodyPr>
+          <a:lstStyle>
+            <a:lvl1pPr algn="l">
+              <a:defRPr sz="2400" b="0"/>
+            </a:lvl1pPr>
+          </a:lstStyle>
+          <a:p>
+            <a:r>
+              <a:rPr lang="pt-BR" smtClean="0"/>
+              <a:t>Clique para editar o título mestre</a:t>
+            </a:r>
+            <a:endParaRPr lang="en-US" dirty="0"/>
+          </a:p>
+        </p:txBody>
+      </p:sp>
+      <p:sp>
+        <p:nvSpPr>
+          <p:cNvPr id="3" name="Picture Placeholder 2"/>
+          <p:cNvSpPr>
+            <a:spLocks noGrp="1" noChangeAspect="1"/>
+          </p:cNvSpPr>
+          <p:nvPr>
+            <p:ph type="pic" idx="1"/>
+          </p:nvPr>
+        </p:nvSpPr>
+        <p:spPr>
+          <a:xfrm>
+            <a:off x="1979612" y="932112"/>
+            <a:ext cx="8225944" cy="3164976"/>
+          </a:xfrm>
+          <a:prstGeom prst="roundRect">
+            <a:avLst>
+              <a:gd name="adj" fmla="val 4380"/>
+            </a:avLst>
+          </a:prstGeom>
+          <a:ln w="38100">
+            <a:gradFill flip="none" rotWithShape="1">
+              <a:gsLst>
+                <a:gs pos="0">
+                  <a:schemeClr val="bg2"/>
+                </a:gs>
+                <a:gs pos="100000">
+                  <a:schemeClr val="bg2">
+                    <a:lumMod val="75000"/>
+                  </a:schemeClr>
+                </a:gs>
+              </a:gsLst>
+              <a:lin ang="5400000" scaled="0"/>
+              <a:tileRect/>
+            </a:gradFill>
+          </a:ln>
+          <a:effectLst>
+            <a:innerShdw blurRad="57150" dist="38100" dir="14460000">
+              <a:srgbClr val="000000">
+                <a:alpha val="70000"/>
+              </a:srgbClr>
+            </a:innerShdw>
+          </a:effectLst>
+        </p:spPr>
+        <p:txBody>
+          <a:bodyPr anchor="t">
+            <a:normAutofit/>
+          </a:bodyPr>
+          <a:lstStyle>
+            <a:lvl1pPr marL="0" indent="0" algn="ctr">
+              <a:buNone/>
+              <a:defRPr sz="1600"/>
+            </a:lvl1pPr>
+            <a:lvl2pPr marL="457200" indent="0">
+              <a:buNone/>
+              <a:defRPr sz="1600"/>
+            </a:lvl2pPr>
+            <a:lvl3pPr marL="914400" indent="0">
+              <a:buNone/>
+              <a:defRPr sz="1600"/>
+            </a:lvl3pPr>
+            <a:lvl4pPr marL="1371600" indent="0">
+              <a:buNone/>
+              <a:defRPr sz="1600"/>
+            </a:lvl4pPr>
+            <a:lvl5pPr marL="1828800" indent="0">
+              <a:buNone/>
+              <a:defRPr sz="1600"/>
+            </a:lvl5pPr>
+            <a:lvl6pPr marL="2286000" indent="0">
+              <a:buNone/>
+              <a:defRPr sz="1600"/>
+            </a:lvl6pPr>
+            <a:lvl7pPr marL="2743200" indent="0">
+              <a:buNone/>
+              <a:defRPr sz="1600"/>
+            </a:lvl7pPr>
+            <a:lvl8pPr marL="3200400" indent="0">
+              <a:buNone/>
+              <a:defRPr sz="1600"/>
+            </a:lvl8pPr>
+            <a:lvl9pPr marL="3657600" indent="0">
+              <a:buNone/>
+              <a:defRPr sz="1600"/>
+            </a:lvl9pPr>
+          </a:lstStyle>
+          <a:p>
+            <a:r>
+              <a:rPr lang="pt-BR" smtClean="0"/>
+              <a:t>Clique no ícone para adicionar uma imagem</a:t>
+            </a:r>
+            <a:endParaRPr lang="en-US" dirty="0"/>
+          </a:p>
+        </p:txBody>
+      </p:sp>
+      <p:sp>
+        <p:nvSpPr>
+          <p:cNvPr id="4" name="Text Placeholder 3"/>
+          <p:cNvSpPr>
+            <a:spLocks noGrp="1"/>
+          </p:cNvSpPr>
+          <p:nvPr>
+            <p:ph type="body" sz="half" idx="2"/>
+          </p:nvPr>
+        </p:nvSpPr>
+        <p:spPr>
+          <a:xfrm>
+            <a:off x="1141413" y="5299603"/>
+            <a:ext cx="9906000" cy="493712"/>
+          </a:xfrm>
+        </p:spPr>
+        <p:txBody>
+          <a:bodyPr>
+            <a:normAutofit/>
+          </a:bodyPr>
+          <a:lstStyle>
+            <a:lvl1pPr marL="0" indent="0">
+              <a:buNone/>
+              <a:defRPr sz="1400"/>
+            </a:lvl1pPr>
+            <a:lvl2pPr marL="457200" indent="0">
+              <a:buNone/>
+              <a:defRPr sz="1200"/>
+            </a:lvl2pPr>
+            <a:lvl3pPr marL="914400" indent="0">
+              <a:buNone/>
+              <a:defRPr sz="1000"/>
+            </a:lvl3pPr>
+            <a:lvl4pPr marL="1371600" indent="0">
+              <a:buNone/>
+              <a:defRPr sz="900"/>
+            </a:lvl4pPr>
+            <a:lvl5pPr marL="1828800" indent="0">
+              <a:buNone/>
+              <a:defRPr sz="900"/>
+            </a:lvl5pPr>
+            <a:lvl6pPr marL="2286000" indent="0">
+              <a:buNone/>
+              <a:defRPr sz="900"/>
+            </a:lvl6pPr>
+            <a:lvl7pPr marL="2743200" indent="0">
+              <a:buNone/>
+              <a:defRPr sz="900"/>
+            </a:lvl7pPr>
+            <a:lvl8pPr marL="3200400" indent="0">
+              <a:buNone/>
+              <a:defRPr sz="900"/>
+            </a:lvl8pPr>
+            <a:lvl9pPr marL="3657600" indent="0">
+              <a:buNone/>
+              <a:defRPr sz="900"/>
+            </a:lvl9pPr>
+          </a:lstStyle>
+          <a:p>
+            <a:pPr lvl="0"/>
+            <a:r>
+              <a:rPr lang="pt-BR" smtClean="0"/>
+              <a:t>Clique para editar o texto mestre</a:t>
+            </a:r>
+          </a:p>
+        </p:txBody>
+      </p:sp>
+      <p:sp>
+        <p:nvSpPr>
+          <p:cNvPr id="5" name="Date Placeholder 4"/>
+          <p:cNvSpPr>
+            <a:spLocks noGrp="1"/>
+          </p:cNvSpPr>
+          <p:nvPr>
+            <p:ph type="dt" sz="half" idx="10"/>
           </p:nvPr>
         </p:nvSpPr>
         <p:spPr/>
@@ -381,84 +626,22 @@
           <a:bodyPr/>
           <a:lstStyle/>
           <a:p>
-            <a:r>
-              <a:rPr lang="pt-BR"/>
-              <a:t>Clique para editar o título Mestre</a:t>
-            </a:r>
-          </a:p>
-        </p:txBody>
-      </p:sp>
-      <p:sp>
-        <p:nvSpPr>
-          <p:cNvPr id="3" name="Espaço Reservado para Texto Vertical 2">
-            <a:extLst>
-              <a:ext uri="{FF2B5EF4-FFF2-40B4-BE49-F238E27FC236}">
-                <a16:creationId xmlns:a16="http://schemas.microsoft.com/office/drawing/2014/main" xmlns="" id="{879B7875-584E-4599-8D94-5412CDB9146B}"/>
-              </a:ext>
-            </a:extLst>
-          </p:cNvPr>
-          <p:cNvSpPr>
-            <a:spLocks noGrp="1"/>
-          </p:cNvSpPr>
-          <p:nvPr>
-            <p:ph type="body" orient="vert" idx="1"/>
-          </p:nvPr>
-        </p:nvSpPr>
-        <p:spPr/>
-        <p:txBody>
-          <a:bodyPr vert="eaVert"/>
-          <a:lstStyle/>
-          <a:p>
-            <a:pPr lvl="0"/>
-            <a:r>
-              <a:rPr lang="pt-BR"/>
-              <a:t>Clique para editar os estilos de texto Mestres</a:t>
-            </a:r>
-          </a:p>
-          <a:p>
-            <a:pPr lvl="1"/>
-            <a:r>
-              <a:rPr lang="pt-BR"/>
-              <a:t>Segundo nível</a:t>
-            </a:r>
-          </a:p>
-          <a:p>
-            <a:pPr lvl="2"/>
-            <a:r>
-              <a:rPr lang="pt-BR"/>
-              <a:t>Terceiro nível</a:t>
-            </a:r>
-          </a:p>
-          <a:p>
-            <a:pPr lvl="3"/>
-            <a:r>
-              <a:rPr lang="pt-BR"/>
-              <a:t>Quarto nível</a:t>
-            </a:r>
-          </a:p>
-          <a:p>
-            <a:pPr lvl="4"/>
-            <a:r>
-              <a:rPr lang="pt-BR"/>
-              <a:t>Quinto nível</a:t>
-            </a:r>
-          </a:p>
-        </p:txBody>
-      </p:sp>
-      <p:sp>
-        <p:nvSpPr>
-          <p:cNvPr id="4" name="Espaço Reservado para Data 3">
-            <a:extLst>
-              <a:ext uri="{FF2B5EF4-FFF2-40B4-BE49-F238E27FC236}">
-                <a16:creationId xmlns:a16="http://schemas.microsoft.com/office/drawing/2014/main" xmlns="" id="{EB859E2F-D9B2-4CA9-95EA-235040AF240E}"/>
-              </a:ext>
-            </a:extLst>
-          </p:cNvPr>
-          <p:cNvSpPr>
-            <a:spLocks noGrp="1"/>
-          </p:cNvSpPr>
-          <p:nvPr>
-            <p:ph type="dt" sz="half" idx="10"/>
+            <a:fld id="{EA4EE4DA-341A-437B-944B-3DB1D1B2090A}" type="datetimeFigureOut">
+              <a:rPr lang="pt-BR" smtClean="0"/>
+              <a:t>28/09/2019</a:t>
+            </a:fld>
+            <a:endParaRPr lang="pt-BR"/>
+          </a:p>
+        </p:txBody>
+      </p:sp>
+      <p:sp>
+        <p:nvSpPr>
+          <p:cNvPr id="6" name="Footer Placeholder 5"/>
+          <p:cNvSpPr>
+            <a:spLocks noGrp="1"/>
+          </p:cNvSpPr>
+          <p:nvPr>
+            <p:ph type="ftr" sz="quarter" idx="11"/>
           </p:nvPr>
         </p:nvSpPr>
         <p:spPr/>
@@ -466,48 +649,13 @@
           <a:bodyPr/>
           <a:lstStyle/>
           <a:p>
-            <a:fld id="{EA4EE4DA-341A-437B-944B-3DB1D1B2090A}" type="datetimeFigureOut">
-              <a:rPr lang="pt-BR" smtClean="0"/>
-              <a:t>27/09/2019</a:t>
-            </a:fld>
             <a:endParaRPr lang="pt-BR"/>
           </a:p>
         </p:txBody>
       </p:sp>
       <p:sp>
         <p:nvSpPr>
-          <p:cNvPr id="5" name="Espaço Reservado para Rodapé 4">
-            <a:extLst>
-              <a:ext uri="{FF2B5EF4-FFF2-40B4-BE49-F238E27FC236}">
-                <a16:creationId xmlns:a16="http://schemas.microsoft.com/office/drawing/2014/main" xmlns="" id="{29CB4C8B-B25E-4BF4-800A-6B765E81E491}"/>
-              </a:ext>
-            </a:extLst>
-          </p:cNvPr>
-          <p:cNvSpPr>
-            <a:spLocks noGrp="1"/>
-          </p:cNvSpPr>
-          <p:nvPr>
-            <p:ph type="ftr" sz="quarter" idx="11"/>
-          </p:nvPr>
-        </p:nvSpPr>
-        <p:spPr/>
-        <p:txBody>
-          <a:bodyPr/>
-          <a:lstStyle/>
-          <a:p>
-            <a:endParaRPr lang="pt-BR"/>
-          </a:p>
-        </p:txBody>
-      </p:sp>
-      <p:sp>
-        <p:nvSpPr>
-          <p:cNvPr id="6" name="Espaço Reservado para Número de Slide 5">
-            <a:extLst>
-              <a:ext uri="{FF2B5EF4-FFF2-40B4-BE49-F238E27FC236}">
-                <a16:creationId xmlns:a16="http://schemas.microsoft.com/office/drawing/2014/main" xmlns="" id="{DDFBA395-D8E7-46CC-A133-423027E7FDE0}"/>
-              </a:ext>
-            </a:extLst>
-          </p:cNvPr>
+          <p:cNvPr id="7" name="Slide Number Placeholder 6"/>
           <p:cNvSpPr>
             <a:spLocks noGrp="1"/>
           </p:cNvSpPr>
@@ -531,7 +679,7 @@
     </p:spTree>
     <p:extLst>
       <p:ext uri="{BB962C8B-B14F-4D97-AF65-F5344CB8AC3E}">
-        <p14:creationId xmlns:p14="http://schemas.microsoft.com/office/powerpoint/2010/main" val="3962197422"/>
+        <p14:creationId xmlns:p14="http://schemas.microsoft.com/office/powerpoint/2010/main" val="1681015659"/>
       </p:ext>
     </p:extLst>
   </p:cSld>
@@ -542,8 +690,8 @@
 </file>
 
 <file path=ppt/slideLayouts/slideLayout11.xml><?xml version="1.0" encoding="utf-8"?>
-<p:sldLayout xmlns:a="http://schemas.openxmlformats.org/drawingml/2006/main" xmlns:r="http://schemas.openxmlformats.org/officeDocument/2006/relationships" xmlns:p="http://schemas.openxmlformats.org/presentationml/2006/main" type="vertTitleAndTx" preserve="1">
-  <p:cSld name="Texto e Título Vertical">
+<p:sldLayout xmlns:a="http://schemas.openxmlformats.org/drawingml/2006/main" xmlns:r="http://schemas.openxmlformats.org/officeDocument/2006/relationships" xmlns:p="http://schemas.openxmlformats.org/presentationml/2006/main" preserve="1">
+  <p:cSld name="Título e Legenda">
     <p:spTree>
       <p:nvGrpSpPr>
         <p:cNvPr id="1" name=""/>
@@ -560,108 +708,171 @@
       </p:grpSpPr>
       <p:sp>
         <p:nvSpPr>
-          <p:cNvPr id="2" name="Título Vertical 1">
-            <a:extLst>
-              <a:ext uri="{FF2B5EF4-FFF2-40B4-BE49-F238E27FC236}">
-                <a16:creationId xmlns:a16="http://schemas.microsoft.com/office/drawing/2014/main" xmlns="" id="{78BD8CFC-0EFC-4DF1-AB2D-7C2DC66A3A33}"/>
-              </a:ext>
-            </a:extLst>
-          </p:cNvPr>
-          <p:cNvSpPr>
-            <a:spLocks noGrp="1"/>
-          </p:cNvSpPr>
-          <p:nvPr>
-            <p:ph type="title" orient="vert"/>
-          </p:nvPr>
-        </p:nvSpPr>
-        <p:spPr>
-          <a:xfrm>
-            <a:off x="8724900" y="365125"/>
-            <a:ext cx="2628900" cy="5811838"/>
-          </a:xfrm>
-        </p:spPr>
-        <p:txBody>
-          <a:bodyPr vert="eaVert"/>
-          <a:lstStyle/>
-          <a:p>
-            <a:r>
-              <a:rPr lang="pt-BR"/>
-              <a:t>Clique para editar o título Mestre</a:t>
-            </a:r>
-          </a:p>
-        </p:txBody>
-      </p:sp>
-      <p:sp>
-        <p:nvSpPr>
-          <p:cNvPr id="3" name="Espaço Reservado para Texto Vertical 2">
-            <a:extLst>
-              <a:ext uri="{FF2B5EF4-FFF2-40B4-BE49-F238E27FC236}">
-                <a16:creationId xmlns:a16="http://schemas.microsoft.com/office/drawing/2014/main" xmlns="" id="{131CCCE1-5CEF-4888-8BA8-C3B0D3F425CF}"/>
-              </a:ext>
-            </a:extLst>
-          </p:cNvPr>
-          <p:cNvSpPr>
-            <a:spLocks noGrp="1"/>
-          </p:cNvSpPr>
-          <p:nvPr>
-            <p:ph type="body" orient="vert" idx="1"/>
-          </p:nvPr>
-        </p:nvSpPr>
-        <p:spPr>
-          <a:xfrm>
-            <a:off x="838200" y="365125"/>
-            <a:ext cx="7734300" cy="5811838"/>
-          </a:xfrm>
-        </p:spPr>
-        <p:txBody>
-          <a:bodyPr vert="eaVert"/>
-          <a:lstStyle/>
+          <p:cNvPr id="2" name="Title 1"/>
+          <p:cNvSpPr>
+            <a:spLocks noGrp="1"/>
+          </p:cNvSpPr>
+          <p:nvPr>
+            <p:ph type="title"/>
+          </p:nvPr>
+        </p:nvSpPr>
+        <p:spPr>
+          <a:xfrm>
+            <a:off x="1141412" y="609601"/>
+            <a:ext cx="9905999" cy="3124199"/>
+          </a:xfrm>
+        </p:spPr>
+        <p:txBody>
+          <a:bodyPr anchor="ctr">
+            <a:normAutofit/>
+          </a:bodyPr>
+          <a:lstStyle>
+            <a:lvl1pPr algn="l">
+              <a:defRPr sz="3200" b="0" cap="all"/>
+            </a:lvl1pPr>
+          </a:lstStyle>
+          <a:p>
+            <a:r>
+              <a:rPr lang="pt-BR" smtClean="0"/>
+              <a:t>Clique para editar o título mestre</a:t>
+            </a:r>
+            <a:endParaRPr lang="en-US" dirty="0"/>
+          </a:p>
+        </p:txBody>
+      </p:sp>
+      <p:sp>
+        <p:nvSpPr>
+          <p:cNvPr id="3" name="Text Placeholder 2"/>
+          <p:cNvSpPr>
+            <a:spLocks noGrp="1"/>
+          </p:cNvSpPr>
+          <p:nvPr>
+            <p:ph type="body" idx="1"/>
+          </p:nvPr>
+        </p:nvSpPr>
+        <p:spPr>
+          <a:xfrm>
+            <a:off x="1141411" y="4343400"/>
+            <a:ext cx="9906000" cy="1447800"/>
+          </a:xfrm>
+        </p:spPr>
+        <p:txBody>
+          <a:bodyPr anchor="ctr">
+            <a:normAutofit/>
+          </a:bodyPr>
+          <a:lstStyle>
+            <a:lvl1pPr marL="0" indent="0" algn="l">
+              <a:buNone/>
+              <a:defRPr sz="2000">
+                <a:gradFill flip="none" rotWithShape="1">
+                  <a:gsLst>
+                    <a:gs pos="0">
+                      <a:schemeClr val="tx1"/>
+                    </a:gs>
+                    <a:gs pos="100000">
+                      <a:schemeClr val="tx1">
+                        <a:lumMod val="75000"/>
+                      </a:schemeClr>
+                    </a:gs>
+                  </a:gsLst>
+                  <a:lin ang="5400000" scaled="0"/>
+                  <a:tileRect/>
+                </a:gradFill>
+              </a:defRPr>
+            </a:lvl1pPr>
+            <a:lvl2pPr marL="457200" indent="0">
+              <a:buNone/>
+              <a:defRPr sz="1800">
+                <a:solidFill>
+                  <a:schemeClr val="tx1">
+                    <a:tint val="75000"/>
+                  </a:schemeClr>
+                </a:solidFill>
+              </a:defRPr>
+            </a:lvl2pPr>
+            <a:lvl3pPr marL="914400" indent="0">
+              <a:buNone/>
+              <a:defRPr sz="1600">
+                <a:solidFill>
+                  <a:schemeClr val="tx1">
+                    <a:tint val="75000"/>
+                  </a:schemeClr>
+                </a:solidFill>
+              </a:defRPr>
+            </a:lvl3pPr>
+            <a:lvl4pPr marL="1371600" indent="0">
+              <a:buNone/>
+              <a:defRPr sz="1400">
+                <a:solidFill>
+                  <a:schemeClr val="tx1">
+                    <a:tint val="75000"/>
+                  </a:schemeClr>
+                </a:solidFill>
+              </a:defRPr>
+            </a:lvl4pPr>
+            <a:lvl5pPr marL="1828800" indent="0">
+              <a:buNone/>
+              <a:defRPr sz="1400">
+                <a:solidFill>
+                  <a:schemeClr val="tx1">
+                    <a:tint val="75000"/>
+                  </a:schemeClr>
+                </a:solidFill>
+              </a:defRPr>
+            </a:lvl5pPr>
+            <a:lvl6pPr marL="2286000" indent="0">
+              <a:buNone/>
+              <a:defRPr sz="1400">
+                <a:solidFill>
+                  <a:schemeClr val="tx1">
+                    <a:tint val="75000"/>
+                  </a:schemeClr>
+                </a:solidFill>
+              </a:defRPr>
+            </a:lvl6pPr>
+            <a:lvl7pPr marL="2743200" indent="0">
+              <a:buNone/>
+              <a:defRPr sz="1400">
+                <a:solidFill>
+                  <a:schemeClr val="tx1">
+                    <a:tint val="75000"/>
+                  </a:schemeClr>
+                </a:solidFill>
+              </a:defRPr>
+            </a:lvl7pPr>
+            <a:lvl8pPr marL="3200400" indent="0">
+              <a:buNone/>
+              <a:defRPr sz="1400">
+                <a:solidFill>
+                  <a:schemeClr val="tx1">
+                    <a:tint val="75000"/>
+                  </a:schemeClr>
+                </a:solidFill>
+              </a:defRPr>
+            </a:lvl8pPr>
+            <a:lvl9pPr marL="3657600" indent="0">
+              <a:buNone/>
+              <a:defRPr sz="1400">
+                <a:solidFill>
+                  <a:schemeClr val="tx1">
+                    <a:tint val="75000"/>
+                  </a:schemeClr>
+                </a:solidFill>
+              </a:defRPr>
+            </a:lvl9pPr>
+          </a:lstStyle>
           <a:p>
             <a:pPr lvl="0"/>
             <a:r>
-              <a:rPr lang="pt-BR"/>
-              <a:t>Clique para editar os estilos de texto Mestres</a:t>
-            </a:r>
-          </a:p>
-          <a:p>
-            <a:pPr lvl="1"/>
-            <a:r>
-              <a:rPr lang="pt-BR"/>
-              <a:t>Segundo nível</a:t>
-            </a:r>
-          </a:p>
-          <a:p>
-            <a:pPr lvl="2"/>
-            <a:r>
-              <a:rPr lang="pt-BR"/>
-              <a:t>Terceiro nível</a:t>
-            </a:r>
-          </a:p>
-          <a:p>
-            <a:pPr lvl="3"/>
-            <a:r>
-              <a:rPr lang="pt-BR"/>
-              <a:t>Quarto nível</a:t>
-            </a:r>
-          </a:p>
-          <a:p>
-            <a:pPr lvl="4"/>
-            <a:r>
-              <a:rPr lang="pt-BR"/>
-              <a:t>Quinto nível</a:t>
-            </a:r>
-          </a:p>
-        </p:txBody>
-      </p:sp>
-      <p:sp>
-        <p:nvSpPr>
-          <p:cNvPr id="4" name="Espaço Reservado para Data 3">
-            <a:extLst>
-              <a:ext uri="{FF2B5EF4-FFF2-40B4-BE49-F238E27FC236}">
-                <a16:creationId xmlns:a16="http://schemas.microsoft.com/office/drawing/2014/main" xmlns="" id="{DB5F1ED4-81EF-453A-867C-94875AEEFAF9}"/>
-              </a:ext>
-            </a:extLst>
-          </p:cNvPr>
+              <a:rPr lang="pt-BR" smtClean="0"/>
+              <a:t>Clique para editar o texto mestre</a:t>
+            </a:r>
+          </a:p>
+        </p:txBody>
+      </p:sp>
+      <p:sp>
+        <p:nvSpPr>
+          <p:cNvPr id="4" name="Date Placeholder 3"/>
           <p:cNvSpPr>
             <a:spLocks noGrp="1"/>
           </p:cNvSpPr>
@@ -676,7 +887,7 @@
           <a:p>
             <a:fld id="{EA4EE4DA-341A-437B-944B-3DB1D1B2090A}" type="datetimeFigureOut">
               <a:rPr lang="pt-BR" smtClean="0"/>
-              <a:t>27/09/2019</a:t>
+              <a:t>28/09/2019</a:t>
             </a:fld>
             <a:endParaRPr lang="pt-BR"/>
           </a:p>
@@ -684,13 +895,7 @@
       </p:sp>
       <p:sp>
         <p:nvSpPr>
-          <p:cNvPr id="5" name="Espaço Reservado para Rodapé 4">
-            <a:extLst>
-              <a:ext uri="{FF2B5EF4-FFF2-40B4-BE49-F238E27FC236}">
-                <a16:creationId xmlns:a16="http://schemas.microsoft.com/office/drawing/2014/main" xmlns="" id="{9AB390E3-5FE8-4052-9C16-94EF681E9B38}"/>
-              </a:ext>
-            </a:extLst>
-          </p:cNvPr>
+          <p:cNvPr id="5" name="Footer Placeholder 4"/>
           <p:cNvSpPr>
             <a:spLocks noGrp="1"/>
           </p:cNvSpPr>
@@ -709,13 +914,7 @@
       </p:sp>
       <p:sp>
         <p:nvSpPr>
-          <p:cNvPr id="6" name="Espaço Reservado para Número de Slide 5">
-            <a:extLst>
-              <a:ext uri="{FF2B5EF4-FFF2-40B4-BE49-F238E27FC236}">
-                <a16:creationId xmlns:a16="http://schemas.microsoft.com/office/drawing/2014/main" xmlns="" id="{A346EDA0-3EAC-43DB-B86B-6807BACEF043}"/>
-              </a:ext>
-            </a:extLst>
-          </p:cNvPr>
+          <p:cNvPr id="6" name="Slide Number Placeholder 5"/>
           <p:cNvSpPr>
             <a:spLocks noGrp="1"/>
           </p:cNvSpPr>
@@ -739,7 +938,7 @@
     </p:spTree>
     <p:extLst>
       <p:ext uri="{BB962C8B-B14F-4D97-AF65-F5344CB8AC3E}">
-        <p14:creationId xmlns:p14="http://schemas.microsoft.com/office/powerpoint/2010/main" val="3821661038"/>
+        <p14:creationId xmlns:p14="http://schemas.microsoft.com/office/powerpoint/2010/main" val="3591981736"/>
       </p:ext>
     </p:extLst>
   </p:cSld>
@@ -749,9 +948,9 @@
 </p:sldLayout>
 </file>
 
-<file path=ppt/slideLayouts/slideLayout2.xml><?xml version="1.0" encoding="utf-8"?>
-<p:sldLayout xmlns:a="http://schemas.openxmlformats.org/drawingml/2006/main" xmlns:r="http://schemas.openxmlformats.org/officeDocument/2006/relationships" xmlns:p="http://schemas.openxmlformats.org/presentationml/2006/main" type="obj" preserve="1">
-  <p:cSld name="Título e Conteúdo">
+<file path=ppt/slideLayouts/slideLayout12.xml><?xml version="1.0" encoding="utf-8"?>
+<p:sldLayout xmlns:a="http://schemas.openxmlformats.org/drawingml/2006/main" xmlns:r="http://schemas.openxmlformats.org/officeDocument/2006/relationships" xmlns:p="http://schemas.openxmlformats.org/presentationml/2006/main" preserve="1">
+  <p:cSld name="Citação com Legenda">
     <p:spTree>
       <p:nvGrpSpPr>
         <p:cNvPr id="1" name=""/>
@@ -768,18 +967,386 @@
       </p:grpSpPr>
       <p:sp>
         <p:nvSpPr>
-          <p:cNvPr id="2" name="Título 1">
-            <a:extLst>
-              <a:ext uri="{FF2B5EF4-FFF2-40B4-BE49-F238E27FC236}">
-                <a16:creationId xmlns:a16="http://schemas.microsoft.com/office/drawing/2014/main" xmlns="" id="{9A823CF9-FFF3-464D-8484-DF0F35BC0587}"/>
-              </a:ext>
-            </a:extLst>
-          </p:cNvPr>
+          <p:cNvPr id="14" name="TextBox 13"/>
+          <p:cNvSpPr txBox="1"/>
+          <p:nvPr/>
+        </p:nvSpPr>
+        <p:spPr>
+          <a:xfrm>
+            <a:off x="836612" y="786824"/>
+            <a:ext cx="609600" cy="584776"/>
+          </a:xfrm>
+          <a:prstGeom prst="rect">
+            <a:avLst/>
+          </a:prstGeom>
+        </p:spPr>
+        <p:txBody>
+          <a:bodyPr vert="horz" lIns="91440" tIns="45720" rIns="91440" bIns="45720" rtlCol="0" anchor="ctr">
+            <a:noAutofit/>
+          </a:bodyPr>
+          <a:lstStyle>
+            <a:lvl1pPr>
+              <a:spcBef>
+                <a:spcPct val="0"/>
+              </a:spcBef>
+              <a:buNone/>
+              <a:defRPr sz="3200" b="0" cap="all">
+                <a:ln w="3175" cmpd="sng">
+                  <a:noFill/>
+                </a:ln>
+                <a:effectLst>
+                  <a:glow rad="38100">
+                    <a:schemeClr val="bg1">
+                      <a:lumMod val="65000"/>
+                      <a:lumOff val="35000"/>
+                      <a:alpha val="40000"/>
+                    </a:schemeClr>
+                  </a:glow>
+                  <a:outerShdw blurRad="28575" dist="38100" dir="14040000" algn="tl" rotWithShape="0">
+                    <a:srgbClr val="000000">
+                      <a:alpha val="25000"/>
+                    </a:srgbClr>
+                  </a:outerShdw>
+                </a:effectLst>
+              </a:defRPr>
+            </a:lvl1pPr>
+            <a:lvl2pPr>
+              <a:defRPr>
+                <a:solidFill>
+                  <a:schemeClr val="tx2"/>
+                </a:solidFill>
+              </a:defRPr>
+            </a:lvl2pPr>
+            <a:lvl3pPr>
+              <a:defRPr>
+                <a:solidFill>
+                  <a:schemeClr val="tx2"/>
+                </a:solidFill>
+              </a:defRPr>
+            </a:lvl3pPr>
+            <a:lvl4pPr>
+              <a:defRPr>
+                <a:solidFill>
+                  <a:schemeClr val="tx2"/>
+                </a:solidFill>
+              </a:defRPr>
+            </a:lvl4pPr>
+            <a:lvl5pPr>
+              <a:defRPr>
+                <a:solidFill>
+                  <a:schemeClr val="tx2"/>
+                </a:solidFill>
+              </a:defRPr>
+            </a:lvl5pPr>
+            <a:lvl6pPr>
+              <a:defRPr>
+                <a:solidFill>
+                  <a:schemeClr val="tx2"/>
+                </a:solidFill>
+              </a:defRPr>
+            </a:lvl6pPr>
+            <a:lvl7pPr>
+              <a:defRPr>
+                <a:solidFill>
+                  <a:schemeClr val="tx2"/>
+                </a:solidFill>
+              </a:defRPr>
+            </a:lvl7pPr>
+            <a:lvl8pPr>
+              <a:defRPr>
+                <a:solidFill>
+                  <a:schemeClr val="tx2"/>
+                </a:solidFill>
+              </a:defRPr>
+            </a:lvl8pPr>
+            <a:lvl9pPr>
+              <a:defRPr>
+                <a:solidFill>
+                  <a:schemeClr val="tx2"/>
+                </a:solidFill>
+              </a:defRPr>
+            </a:lvl9pPr>
+          </a:lstStyle>
+          <a:p>
+            <a:pPr lvl="0"/>
+            <a:r>
+              <a:rPr lang="en-US" sz="8000" dirty="0">
+                <a:solidFill>
+                  <a:schemeClr val="accent1"/>
+                </a:solidFill>
+              </a:rPr>
+              <a:t>“</a:t>
+            </a:r>
+          </a:p>
+        </p:txBody>
+      </p:sp>
+      <p:sp>
+        <p:nvSpPr>
+          <p:cNvPr id="15" name="TextBox 14"/>
+          <p:cNvSpPr txBox="1"/>
+          <p:nvPr/>
+        </p:nvSpPr>
+        <p:spPr>
+          <a:xfrm>
+            <a:off x="10437812" y="2743200"/>
+            <a:ext cx="609600" cy="584776"/>
+          </a:xfrm>
+          <a:prstGeom prst="rect">
+            <a:avLst/>
+          </a:prstGeom>
+        </p:spPr>
+        <p:txBody>
+          <a:bodyPr vert="horz" lIns="91440" tIns="45720" rIns="91440" bIns="45720" rtlCol="0" anchor="ctr">
+            <a:noAutofit/>
+          </a:bodyPr>
+          <a:lstStyle>
+            <a:lvl1pPr>
+              <a:spcBef>
+                <a:spcPct val="0"/>
+              </a:spcBef>
+              <a:buNone/>
+              <a:defRPr sz="3200" b="0" cap="all">
+                <a:ln w="3175" cmpd="sng">
+                  <a:noFill/>
+                </a:ln>
+                <a:effectLst>
+                  <a:glow rad="38100">
+                    <a:schemeClr val="bg1">
+                      <a:lumMod val="65000"/>
+                      <a:lumOff val="35000"/>
+                      <a:alpha val="40000"/>
+                    </a:schemeClr>
+                  </a:glow>
+                  <a:outerShdw blurRad="28575" dist="38100" dir="14040000" algn="tl" rotWithShape="0">
+                    <a:srgbClr val="000000">
+                      <a:alpha val="25000"/>
+                    </a:srgbClr>
+                  </a:outerShdw>
+                </a:effectLst>
+              </a:defRPr>
+            </a:lvl1pPr>
+            <a:lvl2pPr>
+              <a:defRPr>
+                <a:solidFill>
+                  <a:schemeClr val="tx2"/>
+                </a:solidFill>
+              </a:defRPr>
+            </a:lvl2pPr>
+            <a:lvl3pPr>
+              <a:defRPr>
+                <a:solidFill>
+                  <a:schemeClr val="tx2"/>
+                </a:solidFill>
+              </a:defRPr>
+            </a:lvl3pPr>
+            <a:lvl4pPr>
+              <a:defRPr>
+                <a:solidFill>
+                  <a:schemeClr val="tx2"/>
+                </a:solidFill>
+              </a:defRPr>
+            </a:lvl4pPr>
+            <a:lvl5pPr>
+              <a:defRPr>
+                <a:solidFill>
+                  <a:schemeClr val="tx2"/>
+                </a:solidFill>
+              </a:defRPr>
+            </a:lvl5pPr>
+            <a:lvl6pPr>
+              <a:defRPr>
+                <a:solidFill>
+                  <a:schemeClr val="tx2"/>
+                </a:solidFill>
+              </a:defRPr>
+            </a:lvl6pPr>
+            <a:lvl7pPr>
+              <a:defRPr>
+                <a:solidFill>
+                  <a:schemeClr val="tx2"/>
+                </a:solidFill>
+              </a:defRPr>
+            </a:lvl7pPr>
+            <a:lvl8pPr>
+              <a:defRPr>
+                <a:solidFill>
+                  <a:schemeClr val="tx2"/>
+                </a:solidFill>
+              </a:defRPr>
+            </a:lvl8pPr>
+            <a:lvl9pPr>
+              <a:defRPr>
+                <a:solidFill>
+                  <a:schemeClr val="tx2"/>
+                </a:solidFill>
+              </a:defRPr>
+            </a:lvl9pPr>
+          </a:lstStyle>
+          <a:p>
+            <a:pPr lvl="0" algn="r"/>
+            <a:r>
+              <a:rPr lang="en-US" sz="8000" dirty="0">
+                <a:solidFill>
+                  <a:schemeClr val="accent1"/>
+                </a:solidFill>
+              </a:rPr>
+              <a:t>”</a:t>
+            </a:r>
+          </a:p>
+        </p:txBody>
+      </p:sp>
+      <p:sp>
+        <p:nvSpPr>
+          <p:cNvPr id="2" name="Title 1"/>
           <p:cNvSpPr>
             <a:spLocks noGrp="1"/>
           </p:cNvSpPr>
           <p:nvPr>
             <p:ph type="title"/>
+          </p:nvPr>
+        </p:nvSpPr>
+        <p:spPr>
+          <a:xfrm>
+            <a:off x="1446213" y="609601"/>
+            <a:ext cx="9296398" cy="2743199"/>
+          </a:xfrm>
+        </p:spPr>
+        <p:txBody>
+          <a:bodyPr anchor="ctr">
+            <a:normAutofit/>
+          </a:bodyPr>
+          <a:lstStyle>
+            <a:lvl1pPr algn="l">
+              <a:defRPr sz="3200" b="0" cap="all">
+                <a:solidFill>
+                  <a:schemeClr val="tx1"/>
+                </a:solidFill>
+              </a:defRPr>
+            </a:lvl1pPr>
+          </a:lstStyle>
+          <a:p>
+            <a:r>
+              <a:rPr lang="pt-BR" smtClean="0"/>
+              <a:t>Clique para editar o título mestre</a:t>
+            </a:r>
+            <a:endParaRPr lang="en-US" dirty="0"/>
+          </a:p>
+        </p:txBody>
+      </p:sp>
+      <p:sp>
+        <p:nvSpPr>
+          <p:cNvPr id="10" name="Text Placeholder 9"/>
+          <p:cNvSpPr>
+            <a:spLocks noGrp="1"/>
+          </p:cNvSpPr>
+          <p:nvPr>
+            <p:ph type="body" sz="quarter" idx="13"/>
+          </p:nvPr>
+        </p:nvSpPr>
+        <p:spPr>
+          <a:xfrm>
+            <a:off x="1674812" y="3352800"/>
+            <a:ext cx="8839202" cy="381000"/>
+          </a:xfrm>
+        </p:spPr>
+        <p:txBody>
+          <a:bodyPr anchor="ctr"/>
+          <a:lstStyle>
+            <a:lvl1pPr marL="0" indent="0">
+              <a:buFontTx/>
+              <a:buNone/>
+              <a:defRPr/>
+            </a:lvl1pPr>
+            <a:lvl2pPr marL="457200" indent="0">
+              <a:buFontTx/>
+              <a:buNone/>
+              <a:defRPr/>
+            </a:lvl2pPr>
+            <a:lvl3pPr marL="914400" indent="0">
+              <a:buFontTx/>
+              <a:buNone/>
+              <a:defRPr/>
+            </a:lvl3pPr>
+            <a:lvl4pPr marL="1371600" indent="0">
+              <a:buFontTx/>
+              <a:buNone/>
+              <a:defRPr/>
+            </a:lvl4pPr>
+            <a:lvl5pPr marL="1828800" indent="0">
+              <a:buFontTx/>
+              <a:buNone/>
+              <a:defRPr/>
+            </a:lvl5pPr>
+          </a:lstStyle>
+          <a:p>
+            <a:pPr lvl="0"/>
+            <a:r>
+              <a:rPr lang="pt-BR" smtClean="0"/>
+              <a:t>Clique para editar o texto mestre</a:t>
+            </a:r>
+          </a:p>
+        </p:txBody>
+      </p:sp>
+      <p:sp>
+        <p:nvSpPr>
+          <p:cNvPr id="3" name="Text Placeholder 2"/>
+          <p:cNvSpPr>
+            <a:spLocks noGrp="1"/>
+          </p:cNvSpPr>
+          <p:nvPr>
+            <p:ph type="body" idx="1"/>
+          </p:nvPr>
+        </p:nvSpPr>
+        <p:spPr>
+          <a:xfrm>
+            <a:off x="1141411" y="4343400"/>
+            <a:ext cx="9906000" cy="1447800"/>
+          </a:xfrm>
+        </p:spPr>
+        <p:txBody>
+          <a:bodyPr vert="horz" lIns="91440" tIns="45720" rIns="91440" bIns="45720" rtlCol="0" anchor="ctr">
+            <a:normAutofit/>
+          </a:bodyPr>
+          <a:lstStyle>
+            <a:lvl1pPr>
+              <a:buNone/>
+              <a:defRPr lang="en-US" sz="2000">
+                <a:gradFill flip="none" rotWithShape="1">
+                  <a:gsLst>
+                    <a:gs pos="0">
+                      <a:schemeClr val="tx1"/>
+                    </a:gs>
+                    <a:gs pos="100000">
+                      <a:schemeClr val="tx1">
+                        <a:lumMod val="75000"/>
+                      </a:schemeClr>
+                    </a:gs>
+                  </a:gsLst>
+                  <a:lin ang="5400000" scaled="0"/>
+                  <a:tileRect/>
+                </a:gradFill>
+              </a:defRPr>
+            </a:lvl1pPr>
+          </a:lstStyle>
+          <a:p>
+            <a:pPr marL="0" lvl="0" indent="0">
+              <a:buNone/>
+            </a:pPr>
+            <a:r>
+              <a:rPr lang="pt-BR" smtClean="0"/>
+              <a:t>Clique para editar o texto mestre</a:t>
+            </a:r>
+          </a:p>
+        </p:txBody>
+      </p:sp>
+      <p:sp>
+        <p:nvSpPr>
+          <p:cNvPr id="4" name="Date Placeholder 3"/>
+          <p:cNvSpPr>
+            <a:spLocks noGrp="1"/>
+          </p:cNvSpPr>
+          <p:nvPr>
+            <p:ph type="dt" sz="half" idx="10"/>
           </p:nvPr>
         </p:nvSpPr>
         <p:spPr/>
@@ -787,27 +1354,22 @@
           <a:bodyPr/>
           <a:lstStyle/>
           <a:p>
-            <a:r>
-              <a:rPr lang="pt-BR"/>
-              <a:t>Clique para editar o título Mestre</a:t>
-            </a:r>
-          </a:p>
-        </p:txBody>
-      </p:sp>
-      <p:sp>
-        <p:nvSpPr>
-          <p:cNvPr id="3" name="Espaço Reservado para Conteúdo 2">
-            <a:extLst>
-              <a:ext uri="{FF2B5EF4-FFF2-40B4-BE49-F238E27FC236}">
-                <a16:creationId xmlns:a16="http://schemas.microsoft.com/office/drawing/2014/main" xmlns="" id="{0F18404F-E038-4286-A6A0-78E52238ABC8}"/>
-              </a:ext>
-            </a:extLst>
-          </p:cNvPr>
-          <p:cNvSpPr>
-            <a:spLocks noGrp="1"/>
-          </p:cNvSpPr>
-          <p:nvPr>
-            <p:ph idx="1"/>
+            <a:fld id="{EA4EE4DA-341A-437B-944B-3DB1D1B2090A}" type="datetimeFigureOut">
+              <a:rPr lang="pt-BR" smtClean="0"/>
+              <a:t>28/09/2019</a:t>
+            </a:fld>
+            <a:endParaRPr lang="pt-BR"/>
+          </a:p>
+        </p:txBody>
+      </p:sp>
+      <p:sp>
+        <p:nvSpPr>
+          <p:cNvPr id="5" name="Footer Placeholder 4"/>
+          <p:cNvSpPr>
+            <a:spLocks noGrp="1"/>
+          </p:cNvSpPr>
+          <p:nvPr>
+            <p:ph type="ftr" sz="quarter" idx="11"/>
           </p:nvPr>
         </p:nvSpPr>
         <p:spPr/>
@@ -815,105 +1377,13 @@
           <a:bodyPr/>
           <a:lstStyle/>
           <a:p>
-            <a:pPr lvl="0"/>
-            <a:r>
-              <a:rPr lang="pt-BR"/>
-              <a:t>Clique para editar os estilos de texto Mestres</a:t>
-            </a:r>
-          </a:p>
-          <a:p>
-            <a:pPr lvl="1"/>
-            <a:r>
-              <a:rPr lang="pt-BR"/>
-              <a:t>Segundo nível</a:t>
-            </a:r>
-          </a:p>
-          <a:p>
-            <a:pPr lvl="2"/>
-            <a:r>
-              <a:rPr lang="pt-BR"/>
-              <a:t>Terceiro nível</a:t>
-            </a:r>
-          </a:p>
-          <a:p>
-            <a:pPr lvl="3"/>
-            <a:r>
-              <a:rPr lang="pt-BR"/>
-              <a:t>Quarto nível</a:t>
-            </a:r>
-          </a:p>
-          <a:p>
-            <a:pPr lvl="4"/>
-            <a:r>
-              <a:rPr lang="pt-BR"/>
-              <a:t>Quinto nível</a:t>
-            </a:r>
-          </a:p>
-        </p:txBody>
-      </p:sp>
-      <p:sp>
-        <p:nvSpPr>
-          <p:cNvPr id="4" name="Espaço Reservado para Data 3">
-            <a:extLst>
-              <a:ext uri="{FF2B5EF4-FFF2-40B4-BE49-F238E27FC236}">
-                <a16:creationId xmlns:a16="http://schemas.microsoft.com/office/drawing/2014/main" xmlns="" id="{5847AEFC-51FD-4F2A-9289-9C7CA76F0BBE}"/>
-              </a:ext>
-            </a:extLst>
-          </p:cNvPr>
-          <p:cNvSpPr>
-            <a:spLocks noGrp="1"/>
-          </p:cNvSpPr>
-          <p:nvPr>
-            <p:ph type="dt" sz="half" idx="10"/>
-          </p:nvPr>
-        </p:nvSpPr>
-        <p:spPr/>
-        <p:txBody>
-          <a:bodyPr/>
-          <a:lstStyle/>
-          <a:p>
-            <a:fld id="{EA4EE4DA-341A-437B-944B-3DB1D1B2090A}" type="datetimeFigureOut">
-              <a:rPr lang="pt-BR" smtClean="0"/>
-              <a:t>27/09/2019</a:t>
-            </a:fld>
             <a:endParaRPr lang="pt-BR"/>
           </a:p>
         </p:txBody>
       </p:sp>
       <p:sp>
         <p:nvSpPr>
-          <p:cNvPr id="5" name="Espaço Reservado para Rodapé 4">
-            <a:extLst>
-              <a:ext uri="{FF2B5EF4-FFF2-40B4-BE49-F238E27FC236}">
-                <a16:creationId xmlns:a16="http://schemas.microsoft.com/office/drawing/2014/main" xmlns="" id="{08EB43FE-3163-4417-BF22-428144690AAD}"/>
-              </a:ext>
-            </a:extLst>
-          </p:cNvPr>
-          <p:cNvSpPr>
-            <a:spLocks noGrp="1"/>
-          </p:cNvSpPr>
-          <p:nvPr>
-            <p:ph type="ftr" sz="quarter" idx="11"/>
-          </p:nvPr>
-        </p:nvSpPr>
-        <p:spPr/>
-        <p:txBody>
-          <a:bodyPr/>
-          <a:lstStyle/>
-          <a:p>
-            <a:endParaRPr lang="pt-BR"/>
-          </a:p>
-        </p:txBody>
-      </p:sp>
-      <p:sp>
-        <p:nvSpPr>
-          <p:cNvPr id="6" name="Espaço Reservado para Número de Slide 5">
-            <a:extLst>
-              <a:ext uri="{FF2B5EF4-FFF2-40B4-BE49-F238E27FC236}">
-                <a16:creationId xmlns:a16="http://schemas.microsoft.com/office/drawing/2014/main" xmlns="" id="{E1A6E150-10C7-455B-BD8D-FB559C6DF199}"/>
-              </a:ext>
-            </a:extLst>
-          </p:cNvPr>
+          <p:cNvPr id="6" name="Slide Number Placeholder 5"/>
           <p:cNvSpPr>
             <a:spLocks noGrp="1"/>
           </p:cNvSpPr>
@@ -937,7 +1407,1620 @@
     </p:spTree>
     <p:extLst>
       <p:ext uri="{BB962C8B-B14F-4D97-AF65-F5344CB8AC3E}">
-        <p14:creationId xmlns:p14="http://schemas.microsoft.com/office/powerpoint/2010/main" val="3851954885"/>
+        <p14:creationId xmlns:p14="http://schemas.microsoft.com/office/powerpoint/2010/main" val="3764050657"/>
+      </p:ext>
+    </p:extLst>
+  </p:cSld>
+  <p:clrMapOvr>
+    <a:masterClrMapping/>
+  </p:clrMapOvr>
+</p:sldLayout>
+</file>
+
+<file path=ppt/slideLayouts/slideLayout13.xml><?xml version="1.0" encoding="utf-8"?>
+<p:sldLayout xmlns:a="http://schemas.openxmlformats.org/drawingml/2006/main" xmlns:r="http://schemas.openxmlformats.org/officeDocument/2006/relationships" xmlns:p="http://schemas.openxmlformats.org/presentationml/2006/main" preserve="1">
+  <p:cSld name="Cartão de Nome">
+    <p:spTree>
+      <p:nvGrpSpPr>
+        <p:cNvPr id="1" name=""/>
+        <p:cNvGrpSpPr/>
+        <p:nvPr/>
+      </p:nvGrpSpPr>
+      <p:grpSpPr>
+        <a:xfrm>
+          <a:off x="0" y="0"/>
+          <a:ext cx="0" cy="0"/>
+          <a:chOff x="0" y="0"/>
+          <a:chExt cx="0" cy="0"/>
+        </a:xfrm>
+      </p:grpSpPr>
+      <p:sp>
+        <p:nvSpPr>
+          <p:cNvPr id="2" name="Title 1"/>
+          <p:cNvSpPr>
+            <a:spLocks noGrp="1"/>
+          </p:cNvSpPr>
+          <p:nvPr>
+            <p:ph type="title"/>
+          </p:nvPr>
+        </p:nvSpPr>
+        <p:spPr>
+          <a:xfrm>
+            <a:off x="1141412" y="3308581"/>
+            <a:ext cx="9906000" cy="1468800"/>
+          </a:xfrm>
+        </p:spPr>
+        <p:txBody>
+          <a:bodyPr anchor="b">
+            <a:normAutofit/>
+          </a:bodyPr>
+          <a:lstStyle>
+            <a:lvl1pPr algn="l">
+              <a:defRPr sz="3200" b="0" cap="all"/>
+            </a:lvl1pPr>
+          </a:lstStyle>
+          <a:p>
+            <a:r>
+              <a:rPr lang="pt-BR" smtClean="0"/>
+              <a:t>Clique para editar o título mestre</a:t>
+            </a:r>
+            <a:endParaRPr lang="en-US" dirty="0"/>
+          </a:p>
+        </p:txBody>
+      </p:sp>
+      <p:sp>
+        <p:nvSpPr>
+          <p:cNvPr id="3" name="Text Placeholder 2"/>
+          <p:cNvSpPr>
+            <a:spLocks noGrp="1"/>
+          </p:cNvSpPr>
+          <p:nvPr>
+            <p:ph type="body" idx="1"/>
+          </p:nvPr>
+        </p:nvSpPr>
+        <p:spPr>
+          <a:xfrm>
+            <a:off x="1141410" y="4777381"/>
+            <a:ext cx="9906001" cy="860400"/>
+          </a:xfrm>
+        </p:spPr>
+        <p:txBody>
+          <a:bodyPr vert="horz" lIns="91440" tIns="45720" rIns="91440" bIns="45720" rtlCol="0" anchor="t">
+            <a:normAutofit/>
+          </a:bodyPr>
+          <a:lstStyle>
+            <a:lvl1pPr>
+              <a:defRPr lang="en-US" sz="2000">
+                <a:gradFill flip="none" rotWithShape="1">
+                  <a:gsLst>
+                    <a:gs pos="0">
+                      <a:schemeClr val="tx1"/>
+                    </a:gs>
+                    <a:gs pos="100000">
+                      <a:schemeClr val="tx1">
+                        <a:lumMod val="75000"/>
+                      </a:schemeClr>
+                    </a:gs>
+                  </a:gsLst>
+                  <a:lin ang="5400000" scaled="0"/>
+                  <a:tileRect/>
+                </a:gradFill>
+              </a:defRPr>
+            </a:lvl1pPr>
+          </a:lstStyle>
+          <a:p>
+            <a:pPr marL="0" lvl="0" indent="0">
+              <a:buNone/>
+            </a:pPr>
+            <a:r>
+              <a:rPr lang="pt-BR" smtClean="0"/>
+              <a:t>Clique para editar o texto mestre</a:t>
+            </a:r>
+          </a:p>
+        </p:txBody>
+      </p:sp>
+      <p:sp>
+        <p:nvSpPr>
+          <p:cNvPr id="4" name="Date Placeholder 3"/>
+          <p:cNvSpPr>
+            <a:spLocks noGrp="1"/>
+          </p:cNvSpPr>
+          <p:nvPr>
+            <p:ph type="dt" sz="half" idx="10"/>
+          </p:nvPr>
+        </p:nvSpPr>
+        <p:spPr/>
+        <p:txBody>
+          <a:bodyPr/>
+          <a:lstStyle/>
+          <a:p>
+            <a:fld id="{EA4EE4DA-341A-437B-944B-3DB1D1B2090A}" type="datetimeFigureOut">
+              <a:rPr lang="pt-BR" smtClean="0"/>
+              <a:t>28/09/2019</a:t>
+            </a:fld>
+            <a:endParaRPr lang="pt-BR"/>
+          </a:p>
+        </p:txBody>
+      </p:sp>
+      <p:sp>
+        <p:nvSpPr>
+          <p:cNvPr id="5" name="Footer Placeholder 4"/>
+          <p:cNvSpPr>
+            <a:spLocks noGrp="1"/>
+          </p:cNvSpPr>
+          <p:nvPr>
+            <p:ph type="ftr" sz="quarter" idx="11"/>
+          </p:nvPr>
+        </p:nvSpPr>
+        <p:spPr/>
+        <p:txBody>
+          <a:bodyPr/>
+          <a:lstStyle/>
+          <a:p>
+            <a:endParaRPr lang="pt-BR"/>
+          </a:p>
+        </p:txBody>
+      </p:sp>
+      <p:sp>
+        <p:nvSpPr>
+          <p:cNvPr id="6" name="Slide Number Placeholder 5"/>
+          <p:cNvSpPr>
+            <a:spLocks noGrp="1"/>
+          </p:cNvSpPr>
+          <p:nvPr>
+            <p:ph type="sldNum" sz="quarter" idx="12"/>
+          </p:nvPr>
+        </p:nvSpPr>
+        <p:spPr/>
+        <p:txBody>
+          <a:bodyPr/>
+          <a:lstStyle/>
+          <a:p>
+            <a:fld id="{0B506350-F006-4649-A85F-51630F9CE444}" type="slidenum">
+              <a:rPr lang="pt-BR" smtClean="0"/>
+              <a:t>‹nº›</a:t>
+            </a:fld>
+            <a:endParaRPr lang="pt-BR"/>
+          </a:p>
+        </p:txBody>
+      </p:sp>
+    </p:spTree>
+    <p:extLst>
+      <p:ext uri="{BB962C8B-B14F-4D97-AF65-F5344CB8AC3E}">
+        <p14:creationId xmlns:p14="http://schemas.microsoft.com/office/powerpoint/2010/main" val="1562086272"/>
+      </p:ext>
+    </p:extLst>
+  </p:cSld>
+  <p:clrMapOvr>
+    <a:masterClrMapping/>
+  </p:clrMapOvr>
+</p:sldLayout>
+</file>
+
+<file path=ppt/slideLayouts/slideLayout14.xml><?xml version="1.0" encoding="utf-8"?>
+<p:sldLayout xmlns:a="http://schemas.openxmlformats.org/drawingml/2006/main" xmlns:r="http://schemas.openxmlformats.org/officeDocument/2006/relationships" xmlns:p="http://schemas.openxmlformats.org/presentationml/2006/main" preserve="1">
+  <p:cSld name="Citar o Cartão de Nome">
+    <p:spTree>
+      <p:nvGrpSpPr>
+        <p:cNvPr id="1" name=""/>
+        <p:cNvGrpSpPr/>
+        <p:nvPr/>
+      </p:nvGrpSpPr>
+      <p:grpSpPr>
+        <a:xfrm>
+          <a:off x="0" y="0"/>
+          <a:ext cx="0" cy="0"/>
+          <a:chOff x="0" y="0"/>
+          <a:chExt cx="0" cy="0"/>
+        </a:xfrm>
+      </p:grpSpPr>
+      <p:sp>
+        <p:nvSpPr>
+          <p:cNvPr id="14" name="TextBox 13"/>
+          <p:cNvSpPr txBox="1"/>
+          <p:nvPr/>
+        </p:nvSpPr>
+        <p:spPr>
+          <a:xfrm>
+            <a:off x="836612" y="786824"/>
+            <a:ext cx="609600" cy="584776"/>
+          </a:xfrm>
+          <a:prstGeom prst="rect">
+            <a:avLst/>
+          </a:prstGeom>
+        </p:spPr>
+        <p:txBody>
+          <a:bodyPr vert="horz" lIns="91440" tIns="45720" rIns="91440" bIns="45720" rtlCol="0" anchor="ctr">
+            <a:noAutofit/>
+          </a:bodyPr>
+          <a:lstStyle>
+            <a:lvl1pPr>
+              <a:spcBef>
+                <a:spcPct val="0"/>
+              </a:spcBef>
+              <a:buNone/>
+              <a:defRPr sz="3200" b="0" cap="all">
+                <a:ln w="3175" cmpd="sng">
+                  <a:noFill/>
+                </a:ln>
+                <a:effectLst>
+                  <a:glow rad="38100">
+                    <a:schemeClr val="bg1">
+                      <a:lumMod val="65000"/>
+                      <a:lumOff val="35000"/>
+                      <a:alpha val="40000"/>
+                    </a:schemeClr>
+                  </a:glow>
+                  <a:outerShdw blurRad="28575" dist="38100" dir="14040000" algn="tl" rotWithShape="0">
+                    <a:srgbClr val="000000">
+                      <a:alpha val="25000"/>
+                    </a:srgbClr>
+                  </a:outerShdw>
+                </a:effectLst>
+              </a:defRPr>
+            </a:lvl1pPr>
+            <a:lvl2pPr>
+              <a:defRPr>
+                <a:solidFill>
+                  <a:schemeClr val="tx2"/>
+                </a:solidFill>
+              </a:defRPr>
+            </a:lvl2pPr>
+            <a:lvl3pPr>
+              <a:defRPr>
+                <a:solidFill>
+                  <a:schemeClr val="tx2"/>
+                </a:solidFill>
+              </a:defRPr>
+            </a:lvl3pPr>
+            <a:lvl4pPr>
+              <a:defRPr>
+                <a:solidFill>
+                  <a:schemeClr val="tx2"/>
+                </a:solidFill>
+              </a:defRPr>
+            </a:lvl4pPr>
+            <a:lvl5pPr>
+              <a:defRPr>
+                <a:solidFill>
+                  <a:schemeClr val="tx2"/>
+                </a:solidFill>
+              </a:defRPr>
+            </a:lvl5pPr>
+            <a:lvl6pPr>
+              <a:defRPr>
+                <a:solidFill>
+                  <a:schemeClr val="tx2"/>
+                </a:solidFill>
+              </a:defRPr>
+            </a:lvl6pPr>
+            <a:lvl7pPr>
+              <a:defRPr>
+                <a:solidFill>
+                  <a:schemeClr val="tx2"/>
+                </a:solidFill>
+              </a:defRPr>
+            </a:lvl7pPr>
+            <a:lvl8pPr>
+              <a:defRPr>
+                <a:solidFill>
+                  <a:schemeClr val="tx2"/>
+                </a:solidFill>
+              </a:defRPr>
+            </a:lvl8pPr>
+            <a:lvl9pPr>
+              <a:defRPr>
+                <a:solidFill>
+                  <a:schemeClr val="tx2"/>
+                </a:solidFill>
+              </a:defRPr>
+            </a:lvl9pPr>
+          </a:lstStyle>
+          <a:p>
+            <a:pPr lvl="0"/>
+            <a:r>
+              <a:rPr lang="en-US" sz="8000" dirty="0">
+                <a:solidFill>
+                  <a:schemeClr val="accent1"/>
+                </a:solidFill>
+              </a:rPr>
+              <a:t>“</a:t>
+            </a:r>
+          </a:p>
+        </p:txBody>
+      </p:sp>
+      <p:sp>
+        <p:nvSpPr>
+          <p:cNvPr id="15" name="TextBox 14"/>
+          <p:cNvSpPr txBox="1"/>
+          <p:nvPr/>
+        </p:nvSpPr>
+        <p:spPr>
+          <a:xfrm>
+            <a:off x="10437812" y="2743200"/>
+            <a:ext cx="609600" cy="584776"/>
+          </a:xfrm>
+          <a:prstGeom prst="rect">
+            <a:avLst/>
+          </a:prstGeom>
+        </p:spPr>
+        <p:txBody>
+          <a:bodyPr vert="horz" lIns="91440" tIns="45720" rIns="91440" bIns="45720" rtlCol="0" anchor="ctr">
+            <a:noAutofit/>
+          </a:bodyPr>
+          <a:lstStyle>
+            <a:lvl1pPr>
+              <a:spcBef>
+                <a:spcPct val="0"/>
+              </a:spcBef>
+              <a:buNone/>
+              <a:defRPr sz="3200" b="0" cap="all">
+                <a:ln w="3175" cmpd="sng">
+                  <a:noFill/>
+                </a:ln>
+                <a:effectLst>
+                  <a:glow rad="38100">
+                    <a:schemeClr val="bg1">
+                      <a:lumMod val="65000"/>
+                      <a:lumOff val="35000"/>
+                      <a:alpha val="40000"/>
+                    </a:schemeClr>
+                  </a:glow>
+                  <a:outerShdw blurRad="28575" dist="38100" dir="14040000" algn="tl" rotWithShape="0">
+                    <a:srgbClr val="000000">
+                      <a:alpha val="25000"/>
+                    </a:srgbClr>
+                  </a:outerShdw>
+                </a:effectLst>
+              </a:defRPr>
+            </a:lvl1pPr>
+            <a:lvl2pPr>
+              <a:defRPr>
+                <a:solidFill>
+                  <a:schemeClr val="tx2"/>
+                </a:solidFill>
+              </a:defRPr>
+            </a:lvl2pPr>
+            <a:lvl3pPr>
+              <a:defRPr>
+                <a:solidFill>
+                  <a:schemeClr val="tx2"/>
+                </a:solidFill>
+              </a:defRPr>
+            </a:lvl3pPr>
+            <a:lvl4pPr>
+              <a:defRPr>
+                <a:solidFill>
+                  <a:schemeClr val="tx2"/>
+                </a:solidFill>
+              </a:defRPr>
+            </a:lvl4pPr>
+            <a:lvl5pPr>
+              <a:defRPr>
+                <a:solidFill>
+                  <a:schemeClr val="tx2"/>
+                </a:solidFill>
+              </a:defRPr>
+            </a:lvl5pPr>
+            <a:lvl6pPr>
+              <a:defRPr>
+                <a:solidFill>
+                  <a:schemeClr val="tx2"/>
+                </a:solidFill>
+              </a:defRPr>
+            </a:lvl6pPr>
+            <a:lvl7pPr>
+              <a:defRPr>
+                <a:solidFill>
+                  <a:schemeClr val="tx2"/>
+                </a:solidFill>
+              </a:defRPr>
+            </a:lvl7pPr>
+            <a:lvl8pPr>
+              <a:defRPr>
+                <a:solidFill>
+                  <a:schemeClr val="tx2"/>
+                </a:solidFill>
+              </a:defRPr>
+            </a:lvl8pPr>
+            <a:lvl9pPr>
+              <a:defRPr>
+                <a:solidFill>
+                  <a:schemeClr val="tx2"/>
+                </a:solidFill>
+              </a:defRPr>
+            </a:lvl9pPr>
+          </a:lstStyle>
+          <a:p>
+            <a:pPr lvl="0" algn="r"/>
+            <a:r>
+              <a:rPr lang="en-US" sz="8000" dirty="0">
+                <a:solidFill>
+                  <a:schemeClr val="accent1"/>
+                </a:solidFill>
+              </a:rPr>
+              <a:t>”</a:t>
+            </a:r>
+          </a:p>
+        </p:txBody>
+      </p:sp>
+      <p:sp>
+        <p:nvSpPr>
+          <p:cNvPr id="2" name="Title 1"/>
+          <p:cNvSpPr>
+            <a:spLocks noGrp="1"/>
+          </p:cNvSpPr>
+          <p:nvPr>
+            <p:ph type="title"/>
+          </p:nvPr>
+        </p:nvSpPr>
+        <p:spPr>
+          <a:xfrm>
+            <a:off x="1446213" y="609601"/>
+            <a:ext cx="9296398" cy="2743199"/>
+          </a:xfrm>
+        </p:spPr>
+        <p:txBody>
+          <a:bodyPr anchor="ctr">
+            <a:normAutofit/>
+          </a:bodyPr>
+          <a:lstStyle>
+            <a:lvl1pPr algn="l">
+              <a:defRPr sz="3200" b="0" cap="all">
+                <a:gradFill flip="none" rotWithShape="1">
+                  <a:gsLst>
+                    <a:gs pos="0">
+                      <a:schemeClr val="tx1"/>
+                    </a:gs>
+                    <a:gs pos="100000">
+                      <a:schemeClr val="tx1">
+                        <a:lumMod val="75000"/>
+                      </a:schemeClr>
+                    </a:gs>
+                  </a:gsLst>
+                  <a:lin ang="5400000" scaled="0"/>
+                  <a:tileRect/>
+                </a:gradFill>
+              </a:defRPr>
+            </a:lvl1pPr>
+          </a:lstStyle>
+          <a:p>
+            <a:r>
+              <a:rPr lang="pt-BR" smtClean="0"/>
+              <a:t>Clique para editar o título mestre</a:t>
+            </a:r>
+            <a:endParaRPr lang="en-US" dirty="0"/>
+          </a:p>
+        </p:txBody>
+      </p:sp>
+      <p:sp>
+        <p:nvSpPr>
+          <p:cNvPr id="10" name="Text Placeholder 9"/>
+          <p:cNvSpPr>
+            <a:spLocks noGrp="1"/>
+          </p:cNvSpPr>
+          <p:nvPr>
+            <p:ph type="body" sz="quarter" idx="13"/>
+          </p:nvPr>
+        </p:nvSpPr>
+        <p:spPr>
+          <a:xfrm>
+            <a:off x="1141412" y="3886200"/>
+            <a:ext cx="9906000" cy="889000"/>
+          </a:xfrm>
+        </p:spPr>
+        <p:txBody>
+          <a:bodyPr vert="horz" lIns="91440" tIns="45720" rIns="91440" bIns="45720" rtlCol="0" anchor="b">
+            <a:normAutofit/>
+          </a:bodyPr>
+          <a:lstStyle>
+            <a:lvl1pPr>
+              <a:buNone/>
+              <a:defRPr lang="en-US" sz="2400" b="0" cap="all" dirty="0">
+                <a:ln w="3175" cmpd="sng">
+                  <a:noFill/>
+                </a:ln>
+                <a:gradFill flip="none" rotWithShape="1">
+                  <a:gsLst>
+                    <a:gs pos="0">
+                      <a:schemeClr val="tx1"/>
+                    </a:gs>
+                    <a:gs pos="100000">
+                      <a:schemeClr val="tx1">
+                        <a:lumMod val="75000"/>
+                      </a:schemeClr>
+                    </a:gs>
+                  </a:gsLst>
+                  <a:lin ang="5400000" scaled="0"/>
+                  <a:tileRect/>
+                </a:gradFill>
+                <a:effectLst>
+                  <a:glow rad="38100">
+                    <a:schemeClr val="bg1">
+                      <a:lumMod val="65000"/>
+                      <a:lumOff val="35000"/>
+                      <a:alpha val="40000"/>
+                    </a:schemeClr>
+                  </a:glow>
+                  <a:outerShdw blurRad="28575" dist="38100" dir="14040000" algn="tl" rotWithShape="0">
+                    <a:srgbClr val="000000">
+                      <a:alpha val="25000"/>
+                    </a:srgbClr>
+                  </a:outerShdw>
+                </a:effectLst>
+              </a:defRPr>
+            </a:lvl1pPr>
+          </a:lstStyle>
+          <a:p>
+            <a:pPr marL="0" lvl="0">
+              <a:spcBef>
+                <a:spcPct val="0"/>
+              </a:spcBef>
+              <a:buNone/>
+            </a:pPr>
+            <a:r>
+              <a:rPr lang="pt-BR" smtClean="0"/>
+              <a:t>Clique para editar o texto mestre</a:t>
+            </a:r>
+          </a:p>
+        </p:txBody>
+      </p:sp>
+      <p:sp>
+        <p:nvSpPr>
+          <p:cNvPr id="3" name="Text Placeholder 2"/>
+          <p:cNvSpPr>
+            <a:spLocks noGrp="1"/>
+          </p:cNvSpPr>
+          <p:nvPr>
+            <p:ph type="body" idx="1"/>
+          </p:nvPr>
+        </p:nvSpPr>
+        <p:spPr>
+          <a:xfrm>
+            <a:off x="1141411" y="4775200"/>
+            <a:ext cx="9906000" cy="1016000"/>
+          </a:xfrm>
+        </p:spPr>
+        <p:txBody>
+          <a:bodyPr anchor="t">
+            <a:normAutofit/>
+          </a:bodyPr>
+          <a:lstStyle>
+            <a:lvl1pPr marL="0" indent="0" algn="l">
+              <a:buNone/>
+              <a:defRPr sz="1800">
+                <a:gradFill flip="none" rotWithShape="1">
+                  <a:gsLst>
+                    <a:gs pos="0">
+                      <a:schemeClr val="tx1"/>
+                    </a:gs>
+                    <a:gs pos="100000">
+                      <a:schemeClr val="tx1">
+                        <a:lumMod val="75000"/>
+                      </a:schemeClr>
+                    </a:gs>
+                  </a:gsLst>
+                  <a:lin ang="5400000" scaled="0"/>
+                  <a:tileRect/>
+                </a:gradFill>
+              </a:defRPr>
+            </a:lvl1pPr>
+            <a:lvl2pPr marL="457200" indent="0">
+              <a:buNone/>
+              <a:defRPr sz="1800">
+                <a:solidFill>
+                  <a:schemeClr val="tx1">
+                    <a:tint val="75000"/>
+                  </a:schemeClr>
+                </a:solidFill>
+              </a:defRPr>
+            </a:lvl2pPr>
+            <a:lvl3pPr marL="914400" indent="0">
+              <a:buNone/>
+              <a:defRPr sz="1600">
+                <a:solidFill>
+                  <a:schemeClr val="tx1">
+                    <a:tint val="75000"/>
+                  </a:schemeClr>
+                </a:solidFill>
+              </a:defRPr>
+            </a:lvl3pPr>
+            <a:lvl4pPr marL="1371600" indent="0">
+              <a:buNone/>
+              <a:defRPr sz="1400">
+                <a:solidFill>
+                  <a:schemeClr val="tx1">
+                    <a:tint val="75000"/>
+                  </a:schemeClr>
+                </a:solidFill>
+              </a:defRPr>
+            </a:lvl4pPr>
+            <a:lvl5pPr marL="1828800" indent="0">
+              <a:buNone/>
+              <a:defRPr sz="1400">
+                <a:solidFill>
+                  <a:schemeClr val="tx1">
+                    <a:tint val="75000"/>
+                  </a:schemeClr>
+                </a:solidFill>
+              </a:defRPr>
+            </a:lvl5pPr>
+            <a:lvl6pPr marL="2286000" indent="0">
+              <a:buNone/>
+              <a:defRPr sz="1400">
+                <a:solidFill>
+                  <a:schemeClr val="tx1">
+                    <a:tint val="75000"/>
+                  </a:schemeClr>
+                </a:solidFill>
+              </a:defRPr>
+            </a:lvl6pPr>
+            <a:lvl7pPr marL="2743200" indent="0">
+              <a:buNone/>
+              <a:defRPr sz="1400">
+                <a:solidFill>
+                  <a:schemeClr val="tx1">
+                    <a:tint val="75000"/>
+                  </a:schemeClr>
+                </a:solidFill>
+              </a:defRPr>
+            </a:lvl7pPr>
+            <a:lvl8pPr marL="3200400" indent="0">
+              <a:buNone/>
+              <a:defRPr sz="1400">
+                <a:solidFill>
+                  <a:schemeClr val="tx1">
+                    <a:tint val="75000"/>
+                  </a:schemeClr>
+                </a:solidFill>
+              </a:defRPr>
+            </a:lvl8pPr>
+            <a:lvl9pPr marL="3657600" indent="0">
+              <a:buNone/>
+              <a:defRPr sz="1400">
+                <a:solidFill>
+                  <a:schemeClr val="tx1">
+                    <a:tint val="75000"/>
+                  </a:schemeClr>
+                </a:solidFill>
+              </a:defRPr>
+            </a:lvl9pPr>
+          </a:lstStyle>
+          <a:p>
+            <a:pPr lvl="0"/>
+            <a:r>
+              <a:rPr lang="pt-BR" smtClean="0"/>
+              <a:t>Clique para editar o texto mestre</a:t>
+            </a:r>
+          </a:p>
+        </p:txBody>
+      </p:sp>
+      <p:sp>
+        <p:nvSpPr>
+          <p:cNvPr id="4" name="Date Placeholder 3"/>
+          <p:cNvSpPr>
+            <a:spLocks noGrp="1"/>
+          </p:cNvSpPr>
+          <p:nvPr>
+            <p:ph type="dt" sz="half" idx="10"/>
+          </p:nvPr>
+        </p:nvSpPr>
+        <p:spPr/>
+        <p:txBody>
+          <a:bodyPr/>
+          <a:lstStyle/>
+          <a:p>
+            <a:fld id="{EA4EE4DA-341A-437B-944B-3DB1D1B2090A}" type="datetimeFigureOut">
+              <a:rPr lang="pt-BR" smtClean="0"/>
+              <a:t>28/09/2019</a:t>
+            </a:fld>
+            <a:endParaRPr lang="pt-BR"/>
+          </a:p>
+        </p:txBody>
+      </p:sp>
+      <p:sp>
+        <p:nvSpPr>
+          <p:cNvPr id="5" name="Footer Placeholder 4"/>
+          <p:cNvSpPr>
+            <a:spLocks noGrp="1"/>
+          </p:cNvSpPr>
+          <p:nvPr>
+            <p:ph type="ftr" sz="quarter" idx="11"/>
+          </p:nvPr>
+        </p:nvSpPr>
+        <p:spPr/>
+        <p:txBody>
+          <a:bodyPr/>
+          <a:lstStyle/>
+          <a:p>
+            <a:endParaRPr lang="pt-BR"/>
+          </a:p>
+        </p:txBody>
+      </p:sp>
+      <p:sp>
+        <p:nvSpPr>
+          <p:cNvPr id="6" name="Slide Number Placeholder 5"/>
+          <p:cNvSpPr>
+            <a:spLocks noGrp="1"/>
+          </p:cNvSpPr>
+          <p:nvPr>
+            <p:ph type="sldNum" sz="quarter" idx="12"/>
+          </p:nvPr>
+        </p:nvSpPr>
+        <p:spPr/>
+        <p:txBody>
+          <a:bodyPr/>
+          <a:lstStyle/>
+          <a:p>
+            <a:fld id="{0B506350-F006-4649-A85F-51630F9CE444}" type="slidenum">
+              <a:rPr lang="pt-BR" smtClean="0"/>
+              <a:t>‹nº›</a:t>
+            </a:fld>
+            <a:endParaRPr lang="pt-BR"/>
+          </a:p>
+        </p:txBody>
+      </p:sp>
+    </p:spTree>
+    <p:extLst>
+      <p:ext uri="{BB962C8B-B14F-4D97-AF65-F5344CB8AC3E}">
+        <p14:creationId xmlns:p14="http://schemas.microsoft.com/office/powerpoint/2010/main" val="4134480548"/>
+      </p:ext>
+    </p:extLst>
+  </p:cSld>
+  <p:clrMapOvr>
+    <a:masterClrMapping/>
+  </p:clrMapOvr>
+</p:sldLayout>
+</file>
+
+<file path=ppt/slideLayouts/slideLayout15.xml><?xml version="1.0" encoding="utf-8"?>
+<p:sldLayout xmlns:a="http://schemas.openxmlformats.org/drawingml/2006/main" xmlns:r="http://schemas.openxmlformats.org/officeDocument/2006/relationships" xmlns:p="http://schemas.openxmlformats.org/presentationml/2006/main" preserve="1">
+  <p:cSld name="Verdadeiro ou Falso">
+    <p:spTree>
+      <p:nvGrpSpPr>
+        <p:cNvPr id="1" name=""/>
+        <p:cNvGrpSpPr/>
+        <p:nvPr/>
+      </p:nvGrpSpPr>
+      <p:grpSpPr>
+        <a:xfrm>
+          <a:off x="0" y="0"/>
+          <a:ext cx="0" cy="0"/>
+          <a:chOff x="0" y="0"/>
+          <a:chExt cx="0" cy="0"/>
+        </a:xfrm>
+      </p:grpSpPr>
+      <p:sp>
+        <p:nvSpPr>
+          <p:cNvPr id="2" name="Title 1"/>
+          <p:cNvSpPr>
+            <a:spLocks noGrp="1"/>
+          </p:cNvSpPr>
+          <p:nvPr>
+            <p:ph type="title"/>
+          </p:nvPr>
+        </p:nvSpPr>
+        <p:spPr>
+          <a:xfrm>
+            <a:off x="1141412" y="609601"/>
+            <a:ext cx="9905999" cy="2743199"/>
+          </a:xfrm>
+        </p:spPr>
+        <p:txBody>
+          <a:bodyPr vert="horz" lIns="91440" tIns="45720" rIns="91440" bIns="45720" rtlCol="0" anchor="ctr">
+            <a:normAutofit/>
+          </a:bodyPr>
+          <a:lstStyle>
+            <a:lvl1pPr>
+              <a:defRPr lang="en-US" b="0" dirty="0"/>
+            </a:lvl1pPr>
+          </a:lstStyle>
+          <a:p>
+            <a:pPr marL="0" lvl="0"/>
+            <a:r>
+              <a:rPr lang="pt-BR" smtClean="0"/>
+              <a:t>Clique para editar o título mestre</a:t>
+            </a:r>
+            <a:endParaRPr lang="en-US" dirty="0"/>
+          </a:p>
+        </p:txBody>
+      </p:sp>
+      <p:sp>
+        <p:nvSpPr>
+          <p:cNvPr id="10" name="Text Placeholder 9"/>
+          <p:cNvSpPr>
+            <a:spLocks noGrp="1"/>
+          </p:cNvSpPr>
+          <p:nvPr>
+            <p:ph type="body" sz="quarter" idx="13"/>
+          </p:nvPr>
+        </p:nvSpPr>
+        <p:spPr>
+          <a:xfrm>
+            <a:off x="1141412" y="3505200"/>
+            <a:ext cx="9906000" cy="838200"/>
+          </a:xfrm>
+        </p:spPr>
+        <p:txBody>
+          <a:bodyPr vert="horz" lIns="91440" tIns="45720" rIns="91440" bIns="45720" rtlCol="0" anchor="b">
+            <a:normAutofit/>
+          </a:bodyPr>
+          <a:lstStyle>
+            <a:lvl1pPr>
+              <a:buNone/>
+              <a:defRPr lang="en-US" sz="2800" b="0" cap="all" dirty="0">
+                <a:ln w="3175" cmpd="sng">
+                  <a:noFill/>
+                </a:ln>
+                <a:gradFill flip="none" rotWithShape="1">
+                  <a:gsLst>
+                    <a:gs pos="0">
+                      <a:schemeClr val="tx1"/>
+                    </a:gs>
+                    <a:gs pos="100000">
+                      <a:schemeClr val="tx1">
+                        <a:lumMod val="75000"/>
+                      </a:schemeClr>
+                    </a:gs>
+                  </a:gsLst>
+                  <a:lin ang="5400000" scaled="0"/>
+                  <a:tileRect/>
+                </a:gradFill>
+                <a:effectLst>
+                  <a:glow rad="38100">
+                    <a:schemeClr val="bg1">
+                      <a:lumMod val="65000"/>
+                      <a:lumOff val="35000"/>
+                      <a:alpha val="40000"/>
+                    </a:schemeClr>
+                  </a:glow>
+                  <a:outerShdw blurRad="28575" dist="38100" dir="14040000" algn="tl" rotWithShape="0">
+                    <a:srgbClr val="000000">
+                      <a:alpha val="25000"/>
+                    </a:srgbClr>
+                  </a:outerShdw>
+                </a:effectLst>
+              </a:defRPr>
+            </a:lvl1pPr>
+          </a:lstStyle>
+          <a:p>
+            <a:pPr marL="0" lvl="0">
+              <a:spcBef>
+                <a:spcPct val="0"/>
+              </a:spcBef>
+              <a:buNone/>
+            </a:pPr>
+            <a:r>
+              <a:rPr lang="pt-BR" smtClean="0"/>
+              <a:t>Clique para editar o texto mestre</a:t>
+            </a:r>
+          </a:p>
+        </p:txBody>
+      </p:sp>
+      <p:sp>
+        <p:nvSpPr>
+          <p:cNvPr id="3" name="Text Placeholder 2"/>
+          <p:cNvSpPr>
+            <a:spLocks noGrp="1"/>
+          </p:cNvSpPr>
+          <p:nvPr>
+            <p:ph type="body" idx="1"/>
+          </p:nvPr>
+        </p:nvSpPr>
+        <p:spPr>
+          <a:xfrm>
+            <a:off x="1141411" y="4343400"/>
+            <a:ext cx="9906000" cy="1447800"/>
+          </a:xfrm>
+        </p:spPr>
+        <p:txBody>
+          <a:bodyPr anchor="t">
+            <a:normAutofit/>
+          </a:bodyPr>
+          <a:lstStyle>
+            <a:lvl1pPr marL="0" indent="0" algn="l">
+              <a:buNone/>
+              <a:defRPr sz="1800">
+                <a:gradFill flip="none" rotWithShape="1">
+                  <a:gsLst>
+                    <a:gs pos="0">
+                      <a:schemeClr val="tx1"/>
+                    </a:gs>
+                    <a:gs pos="100000">
+                      <a:schemeClr val="tx1">
+                        <a:lumMod val="75000"/>
+                      </a:schemeClr>
+                    </a:gs>
+                  </a:gsLst>
+                  <a:lin ang="5400000" scaled="0"/>
+                  <a:tileRect/>
+                </a:gradFill>
+              </a:defRPr>
+            </a:lvl1pPr>
+            <a:lvl2pPr marL="457200" indent="0">
+              <a:buNone/>
+              <a:defRPr sz="1800">
+                <a:solidFill>
+                  <a:schemeClr val="tx1">
+                    <a:tint val="75000"/>
+                  </a:schemeClr>
+                </a:solidFill>
+              </a:defRPr>
+            </a:lvl2pPr>
+            <a:lvl3pPr marL="914400" indent="0">
+              <a:buNone/>
+              <a:defRPr sz="1600">
+                <a:solidFill>
+                  <a:schemeClr val="tx1">
+                    <a:tint val="75000"/>
+                  </a:schemeClr>
+                </a:solidFill>
+              </a:defRPr>
+            </a:lvl3pPr>
+            <a:lvl4pPr marL="1371600" indent="0">
+              <a:buNone/>
+              <a:defRPr sz="1400">
+                <a:solidFill>
+                  <a:schemeClr val="tx1">
+                    <a:tint val="75000"/>
+                  </a:schemeClr>
+                </a:solidFill>
+              </a:defRPr>
+            </a:lvl4pPr>
+            <a:lvl5pPr marL="1828800" indent="0">
+              <a:buNone/>
+              <a:defRPr sz="1400">
+                <a:solidFill>
+                  <a:schemeClr val="tx1">
+                    <a:tint val="75000"/>
+                  </a:schemeClr>
+                </a:solidFill>
+              </a:defRPr>
+            </a:lvl5pPr>
+            <a:lvl6pPr marL="2286000" indent="0">
+              <a:buNone/>
+              <a:defRPr sz="1400">
+                <a:solidFill>
+                  <a:schemeClr val="tx1">
+                    <a:tint val="75000"/>
+                  </a:schemeClr>
+                </a:solidFill>
+              </a:defRPr>
+            </a:lvl6pPr>
+            <a:lvl7pPr marL="2743200" indent="0">
+              <a:buNone/>
+              <a:defRPr sz="1400">
+                <a:solidFill>
+                  <a:schemeClr val="tx1">
+                    <a:tint val="75000"/>
+                  </a:schemeClr>
+                </a:solidFill>
+              </a:defRPr>
+            </a:lvl7pPr>
+            <a:lvl8pPr marL="3200400" indent="0">
+              <a:buNone/>
+              <a:defRPr sz="1400">
+                <a:solidFill>
+                  <a:schemeClr val="tx1">
+                    <a:tint val="75000"/>
+                  </a:schemeClr>
+                </a:solidFill>
+              </a:defRPr>
+            </a:lvl8pPr>
+            <a:lvl9pPr marL="3657600" indent="0">
+              <a:buNone/>
+              <a:defRPr sz="1400">
+                <a:solidFill>
+                  <a:schemeClr val="tx1">
+                    <a:tint val="75000"/>
+                  </a:schemeClr>
+                </a:solidFill>
+              </a:defRPr>
+            </a:lvl9pPr>
+          </a:lstStyle>
+          <a:p>
+            <a:pPr lvl="0"/>
+            <a:r>
+              <a:rPr lang="pt-BR" smtClean="0"/>
+              <a:t>Clique para editar o texto mestre</a:t>
+            </a:r>
+          </a:p>
+        </p:txBody>
+      </p:sp>
+      <p:sp>
+        <p:nvSpPr>
+          <p:cNvPr id="4" name="Date Placeholder 3"/>
+          <p:cNvSpPr>
+            <a:spLocks noGrp="1"/>
+          </p:cNvSpPr>
+          <p:nvPr>
+            <p:ph type="dt" sz="half" idx="10"/>
+          </p:nvPr>
+        </p:nvSpPr>
+        <p:spPr/>
+        <p:txBody>
+          <a:bodyPr/>
+          <a:lstStyle/>
+          <a:p>
+            <a:fld id="{EA4EE4DA-341A-437B-944B-3DB1D1B2090A}" type="datetimeFigureOut">
+              <a:rPr lang="pt-BR" smtClean="0"/>
+              <a:t>28/09/2019</a:t>
+            </a:fld>
+            <a:endParaRPr lang="pt-BR"/>
+          </a:p>
+        </p:txBody>
+      </p:sp>
+      <p:sp>
+        <p:nvSpPr>
+          <p:cNvPr id="5" name="Footer Placeholder 4"/>
+          <p:cNvSpPr>
+            <a:spLocks noGrp="1"/>
+          </p:cNvSpPr>
+          <p:nvPr>
+            <p:ph type="ftr" sz="quarter" idx="11"/>
+          </p:nvPr>
+        </p:nvSpPr>
+        <p:spPr/>
+        <p:txBody>
+          <a:bodyPr/>
+          <a:lstStyle/>
+          <a:p>
+            <a:endParaRPr lang="pt-BR"/>
+          </a:p>
+        </p:txBody>
+      </p:sp>
+      <p:sp>
+        <p:nvSpPr>
+          <p:cNvPr id="6" name="Slide Number Placeholder 5"/>
+          <p:cNvSpPr>
+            <a:spLocks noGrp="1"/>
+          </p:cNvSpPr>
+          <p:nvPr>
+            <p:ph type="sldNum" sz="quarter" idx="12"/>
+          </p:nvPr>
+        </p:nvSpPr>
+        <p:spPr/>
+        <p:txBody>
+          <a:bodyPr/>
+          <a:lstStyle/>
+          <a:p>
+            <a:fld id="{0B506350-F006-4649-A85F-51630F9CE444}" type="slidenum">
+              <a:rPr lang="pt-BR" smtClean="0"/>
+              <a:t>‹nº›</a:t>
+            </a:fld>
+            <a:endParaRPr lang="pt-BR"/>
+          </a:p>
+        </p:txBody>
+      </p:sp>
+    </p:spTree>
+    <p:extLst>
+      <p:ext uri="{BB962C8B-B14F-4D97-AF65-F5344CB8AC3E}">
+        <p14:creationId xmlns:p14="http://schemas.microsoft.com/office/powerpoint/2010/main" val="1722854345"/>
+      </p:ext>
+    </p:extLst>
+  </p:cSld>
+  <p:clrMapOvr>
+    <a:masterClrMapping/>
+  </p:clrMapOvr>
+</p:sldLayout>
+</file>
+
+<file path=ppt/slideLayouts/slideLayout16.xml><?xml version="1.0" encoding="utf-8"?>
+<p:sldLayout xmlns:a="http://schemas.openxmlformats.org/drawingml/2006/main" xmlns:r="http://schemas.openxmlformats.org/officeDocument/2006/relationships" xmlns:p="http://schemas.openxmlformats.org/presentationml/2006/main" type="vertTx" preserve="1">
+  <p:cSld name="Título e texto vertical">
+    <p:spTree>
+      <p:nvGrpSpPr>
+        <p:cNvPr id="1" name=""/>
+        <p:cNvGrpSpPr/>
+        <p:nvPr/>
+      </p:nvGrpSpPr>
+      <p:grpSpPr>
+        <a:xfrm>
+          <a:off x="0" y="0"/>
+          <a:ext cx="0" cy="0"/>
+          <a:chOff x="0" y="0"/>
+          <a:chExt cx="0" cy="0"/>
+        </a:xfrm>
+      </p:grpSpPr>
+      <p:sp>
+        <p:nvSpPr>
+          <p:cNvPr id="7" name="Title 1"/>
+          <p:cNvSpPr>
+            <a:spLocks noGrp="1"/>
+          </p:cNvSpPr>
+          <p:nvPr>
+            <p:ph type="title"/>
+          </p:nvPr>
+        </p:nvSpPr>
+        <p:spPr>
+          <a:xfrm>
+            <a:off x="1141413" y="609600"/>
+            <a:ext cx="9905998" cy="1905000"/>
+          </a:xfrm>
+        </p:spPr>
+        <p:txBody>
+          <a:bodyPr/>
+          <a:lstStyle/>
+          <a:p>
+            <a:r>
+              <a:rPr lang="pt-BR" smtClean="0"/>
+              <a:t>Clique para editar o título mestre</a:t>
+            </a:r>
+            <a:endParaRPr lang="en-US" dirty="0"/>
+          </a:p>
+        </p:txBody>
+      </p:sp>
+      <p:sp>
+        <p:nvSpPr>
+          <p:cNvPr id="3" name="Vertical Text Placeholder 2"/>
+          <p:cNvSpPr>
+            <a:spLocks noGrp="1"/>
+          </p:cNvSpPr>
+          <p:nvPr>
+            <p:ph type="body" orient="vert" idx="1"/>
+          </p:nvPr>
+        </p:nvSpPr>
+        <p:spPr/>
+        <p:txBody>
+          <a:bodyPr vert="eaVert" anchor="t"/>
+          <a:lstStyle/>
+          <a:p>
+            <a:pPr lvl="0"/>
+            <a:r>
+              <a:rPr lang="pt-BR" smtClean="0"/>
+              <a:t>Clique para editar o texto mestre</a:t>
+            </a:r>
+          </a:p>
+          <a:p>
+            <a:pPr lvl="1"/>
+            <a:r>
+              <a:rPr lang="pt-BR" smtClean="0"/>
+              <a:t>Segundo nível</a:t>
+            </a:r>
+          </a:p>
+          <a:p>
+            <a:pPr lvl="2"/>
+            <a:r>
+              <a:rPr lang="pt-BR" smtClean="0"/>
+              <a:t>Terceiro nível</a:t>
+            </a:r>
+          </a:p>
+          <a:p>
+            <a:pPr lvl="3"/>
+            <a:r>
+              <a:rPr lang="pt-BR" smtClean="0"/>
+              <a:t>Quarto nível</a:t>
+            </a:r>
+          </a:p>
+          <a:p>
+            <a:pPr lvl="4"/>
+            <a:r>
+              <a:rPr lang="pt-BR" smtClean="0"/>
+              <a:t>Quinto nível</a:t>
+            </a:r>
+            <a:endParaRPr lang="en-US" dirty="0"/>
+          </a:p>
+        </p:txBody>
+      </p:sp>
+      <p:sp>
+        <p:nvSpPr>
+          <p:cNvPr id="4" name="Date Placeholder 3"/>
+          <p:cNvSpPr>
+            <a:spLocks noGrp="1"/>
+          </p:cNvSpPr>
+          <p:nvPr>
+            <p:ph type="dt" sz="half" idx="10"/>
+          </p:nvPr>
+        </p:nvSpPr>
+        <p:spPr/>
+        <p:txBody>
+          <a:bodyPr/>
+          <a:lstStyle/>
+          <a:p>
+            <a:fld id="{EA4EE4DA-341A-437B-944B-3DB1D1B2090A}" type="datetimeFigureOut">
+              <a:rPr lang="pt-BR" smtClean="0"/>
+              <a:t>28/09/2019</a:t>
+            </a:fld>
+            <a:endParaRPr lang="pt-BR"/>
+          </a:p>
+        </p:txBody>
+      </p:sp>
+      <p:sp>
+        <p:nvSpPr>
+          <p:cNvPr id="5" name="Footer Placeholder 4"/>
+          <p:cNvSpPr>
+            <a:spLocks noGrp="1"/>
+          </p:cNvSpPr>
+          <p:nvPr>
+            <p:ph type="ftr" sz="quarter" idx="11"/>
+          </p:nvPr>
+        </p:nvSpPr>
+        <p:spPr/>
+        <p:txBody>
+          <a:bodyPr/>
+          <a:lstStyle/>
+          <a:p>
+            <a:endParaRPr lang="pt-BR"/>
+          </a:p>
+        </p:txBody>
+      </p:sp>
+      <p:sp>
+        <p:nvSpPr>
+          <p:cNvPr id="6" name="Slide Number Placeholder 5"/>
+          <p:cNvSpPr>
+            <a:spLocks noGrp="1"/>
+          </p:cNvSpPr>
+          <p:nvPr>
+            <p:ph type="sldNum" sz="quarter" idx="12"/>
+          </p:nvPr>
+        </p:nvSpPr>
+        <p:spPr/>
+        <p:txBody>
+          <a:bodyPr/>
+          <a:lstStyle/>
+          <a:p>
+            <a:fld id="{0B506350-F006-4649-A85F-51630F9CE444}" type="slidenum">
+              <a:rPr lang="pt-BR" smtClean="0"/>
+              <a:t>‹nº›</a:t>
+            </a:fld>
+            <a:endParaRPr lang="pt-BR"/>
+          </a:p>
+        </p:txBody>
+      </p:sp>
+    </p:spTree>
+    <p:extLst>
+      <p:ext uri="{BB962C8B-B14F-4D97-AF65-F5344CB8AC3E}">
+        <p14:creationId xmlns:p14="http://schemas.microsoft.com/office/powerpoint/2010/main" val="751187434"/>
+      </p:ext>
+    </p:extLst>
+  </p:cSld>
+  <p:clrMapOvr>
+    <a:masterClrMapping/>
+  </p:clrMapOvr>
+</p:sldLayout>
+</file>
+
+<file path=ppt/slideLayouts/slideLayout17.xml><?xml version="1.0" encoding="utf-8"?>
+<p:sldLayout xmlns:a="http://schemas.openxmlformats.org/drawingml/2006/main" xmlns:r="http://schemas.openxmlformats.org/officeDocument/2006/relationships" xmlns:p="http://schemas.openxmlformats.org/presentationml/2006/main" type="vertTitleAndTx" preserve="1">
+  <p:cSld name="Título e texto verticais">
+    <p:spTree>
+      <p:nvGrpSpPr>
+        <p:cNvPr id="1" name=""/>
+        <p:cNvGrpSpPr/>
+        <p:nvPr/>
+      </p:nvGrpSpPr>
+      <p:grpSpPr>
+        <a:xfrm>
+          <a:off x="0" y="0"/>
+          <a:ext cx="0" cy="0"/>
+          <a:chOff x="0" y="0"/>
+          <a:chExt cx="0" cy="0"/>
+        </a:xfrm>
+      </p:grpSpPr>
+      <p:sp>
+        <p:nvSpPr>
+          <p:cNvPr id="2" name="Vertical Title 1"/>
+          <p:cNvSpPr>
+            <a:spLocks noGrp="1"/>
+          </p:cNvSpPr>
+          <p:nvPr>
+            <p:ph type="title" orient="vert"/>
+          </p:nvPr>
+        </p:nvSpPr>
+        <p:spPr>
+          <a:xfrm>
+            <a:off x="8836898" y="609599"/>
+            <a:ext cx="2210514" cy="5181601"/>
+          </a:xfrm>
+        </p:spPr>
+        <p:txBody>
+          <a:bodyPr vert="eaVert"/>
+          <a:lstStyle/>
+          <a:p>
+            <a:r>
+              <a:rPr lang="pt-BR" smtClean="0"/>
+              <a:t>Clique para editar o título mestre</a:t>
+            </a:r>
+            <a:endParaRPr lang="en-US" dirty="0"/>
+          </a:p>
+        </p:txBody>
+      </p:sp>
+      <p:sp>
+        <p:nvSpPr>
+          <p:cNvPr id="3" name="Vertical Text Placeholder 2"/>
+          <p:cNvSpPr>
+            <a:spLocks noGrp="1"/>
+          </p:cNvSpPr>
+          <p:nvPr>
+            <p:ph type="body" orient="vert" idx="1"/>
+          </p:nvPr>
+        </p:nvSpPr>
+        <p:spPr>
+          <a:xfrm>
+            <a:off x="1141412" y="609600"/>
+            <a:ext cx="7543800" cy="5181600"/>
+          </a:xfrm>
+        </p:spPr>
+        <p:txBody>
+          <a:bodyPr vert="eaVert" anchor="t"/>
+          <a:lstStyle/>
+          <a:p>
+            <a:pPr lvl="0"/>
+            <a:r>
+              <a:rPr lang="pt-BR" smtClean="0"/>
+              <a:t>Clique para editar o texto mestre</a:t>
+            </a:r>
+          </a:p>
+          <a:p>
+            <a:pPr lvl="1"/>
+            <a:r>
+              <a:rPr lang="pt-BR" smtClean="0"/>
+              <a:t>Segundo nível</a:t>
+            </a:r>
+          </a:p>
+          <a:p>
+            <a:pPr lvl="2"/>
+            <a:r>
+              <a:rPr lang="pt-BR" smtClean="0"/>
+              <a:t>Terceiro nível</a:t>
+            </a:r>
+          </a:p>
+          <a:p>
+            <a:pPr lvl="3"/>
+            <a:r>
+              <a:rPr lang="pt-BR" smtClean="0"/>
+              <a:t>Quarto nível</a:t>
+            </a:r>
+          </a:p>
+          <a:p>
+            <a:pPr lvl="4"/>
+            <a:r>
+              <a:rPr lang="pt-BR" smtClean="0"/>
+              <a:t>Quinto nível</a:t>
+            </a:r>
+            <a:endParaRPr lang="en-US" dirty="0"/>
+          </a:p>
+        </p:txBody>
+      </p:sp>
+      <p:sp>
+        <p:nvSpPr>
+          <p:cNvPr id="4" name="Date Placeholder 3"/>
+          <p:cNvSpPr>
+            <a:spLocks noGrp="1"/>
+          </p:cNvSpPr>
+          <p:nvPr>
+            <p:ph type="dt" sz="half" idx="10"/>
+          </p:nvPr>
+        </p:nvSpPr>
+        <p:spPr/>
+        <p:txBody>
+          <a:bodyPr/>
+          <a:lstStyle/>
+          <a:p>
+            <a:fld id="{EA4EE4DA-341A-437B-944B-3DB1D1B2090A}" type="datetimeFigureOut">
+              <a:rPr lang="pt-BR" smtClean="0"/>
+              <a:t>28/09/2019</a:t>
+            </a:fld>
+            <a:endParaRPr lang="pt-BR"/>
+          </a:p>
+        </p:txBody>
+      </p:sp>
+      <p:sp>
+        <p:nvSpPr>
+          <p:cNvPr id="5" name="Footer Placeholder 4"/>
+          <p:cNvSpPr>
+            <a:spLocks noGrp="1"/>
+          </p:cNvSpPr>
+          <p:nvPr>
+            <p:ph type="ftr" sz="quarter" idx="11"/>
+          </p:nvPr>
+        </p:nvSpPr>
+        <p:spPr/>
+        <p:txBody>
+          <a:bodyPr/>
+          <a:lstStyle/>
+          <a:p>
+            <a:endParaRPr lang="pt-BR"/>
+          </a:p>
+        </p:txBody>
+      </p:sp>
+      <p:sp>
+        <p:nvSpPr>
+          <p:cNvPr id="6" name="Slide Number Placeholder 5"/>
+          <p:cNvSpPr>
+            <a:spLocks noGrp="1"/>
+          </p:cNvSpPr>
+          <p:nvPr>
+            <p:ph type="sldNum" sz="quarter" idx="12"/>
+          </p:nvPr>
+        </p:nvSpPr>
+        <p:spPr/>
+        <p:txBody>
+          <a:bodyPr/>
+          <a:lstStyle/>
+          <a:p>
+            <a:fld id="{0B506350-F006-4649-A85F-51630F9CE444}" type="slidenum">
+              <a:rPr lang="pt-BR" smtClean="0"/>
+              <a:t>‹nº›</a:t>
+            </a:fld>
+            <a:endParaRPr lang="pt-BR"/>
+          </a:p>
+        </p:txBody>
+      </p:sp>
+    </p:spTree>
+    <p:extLst>
+      <p:ext uri="{BB962C8B-B14F-4D97-AF65-F5344CB8AC3E}">
+        <p14:creationId xmlns:p14="http://schemas.microsoft.com/office/powerpoint/2010/main" val="3397794648"/>
+      </p:ext>
+    </p:extLst>
+  </p:cSld>
+  <p:clrMapOvr>
+    <a:masterClrMapping/>
+  </p:clrMapOvr>
+</p:sldLayout>
+</file>
+
+<file path=ppt/slideLayouts/slideLayout2.xml><?xml version="1.0" encoding="utf-8"?>
+<p:sldLayout xmlns:a="http://schemas.openxmlformats.org/drawingml/2006/main" xmlns:r="http://schemas.openxmlformats.org/officeDocument/2006/relationships" xmlns:p="http://schemas.openxmlformats.org/presentationml/2006/main" type="obj" preserve="1">
+  <p:cSld name="Título e conteúdo">
+    <p:spTree>
+      <p:nvGrpSpPr>
+        <p:cNvPr id="1" name=""/>
+        <p:cNvGrpSpPr/>
+        <p:nvPr/>
+      </p:nvGrpSpPr>
+      <p:grpSpPr>
+        <a:xfrm>
+          <a:off x="0" y="0"/>
+          <a:ext cx="0" cy="0"/>
+          <a:chOff x="0" y="0"/>
+          <a:chExt cx="0" cy="0"/>
+        </a:xfrm>
+      </p:grpSpPr>
+      <p:sp>
+        <p:nvSpPr>
+          <p:cNvPr id="2" name="Title 1"/>
+          <p:cNvSpPr>
+            <a:spLocks noGrp="1"/>
+          </p:cNvSpPr>
+          <p:nvPr>
+            <p:ph type="title"/>
+          </p:nvPr>
+        </p:nvSpPr>
+        <p:spPr/>
+        <p:txBody>
+          <a:bodyPr/>
+          <a:lstStyle/>
+          <a:p>
+            <a:r>
+              <a:rPr lang="pt-BR" smtClean="0"/>
+              <a:t>Clique para editar o título mestre</a:t>
+            </a:r>
+            <a:endParaRPr lang="en-US" dirty="0"/>
+          </a:p>
+        </p:txBody>
+      </p:sp>
+      <p:sp>
+        <p:nvSpPr>
+          <p:cNvPr id="3" name="Content Placeholder 2"/>
+          <p:cNvSpPr>
+            <a:spLocks noGrp="1"/>
+          </p:cNvSpPr>
+          <p:nvPr>
+            <p:ph idx="1"/>
+          </p:nvPr>
+        </p:nvSpPr>
+        <p:spPr/>
+        <p:txBody>
+          <a:bodyPr anchor="ctr"/>
+          <a:lstStyle/>
+          <a:p>
+            <a:pPr lvl="0"/>
+            <a:r>
+              <a:rPr lang="pt-BR" smtClean="0"/>
+              <a:t>Clique para editar o texto mestre</a:t>
+            </a:r>
+          </a:p>
+          <a:p>
+            <a:pPr lvl="1"/>
+            <a:r>
+              <a:rPr lang="pt-BR" smtClean="0"/>
+              <a:t>Segundo nível</a:t>
+            </a:r>
+          </a:p>
+          <a:p>
+            <a:pPr lvl="2"/>
+            <a:r>
+              <a:rPr lang="pt-BR" smtClean="0"/>
+              <a:t>Terceiro nível</a:t>
+            </a:r>
+          </a:p>
+          <a:p>
+            <a:pPr lvl="3"/>
+            <a:r>
+              <a:rPr lang="pt-BR" smtClean="0"/>
+              <a:t>Quarto nível</a:t>
+            </a:r>
+          </a:p>
+          <a:p>
+            <a:pPr lvl="4"/>
+            <a:r>
+              <a:rPr lang="pt-BR" smtClean="0"/>
+              <a:t>Quinto nível</a:t>
+            </a:r>
+            <a:endParaRPr lang="en-US" dirty="0"/>
+          </a:p>
+        </p:txBody>
+      </p:sp>
+      <p:sp>
+        <p:nvSpPr>
+          <p:cNvPr id="4" name="Date Placeholder 3"/>
+          <p:cNvSpPr>
+            <a:spLocks noGrp="1"/>
+          </p:cNvSpPr>
+          <p:nvPr>
+            <p:ph type="dt" sz="half" idx="10"/>
+          </p:nvPr>
+        </p:nvSpPr>
+        <p:spPr/>
+        <p:txBody>
+          <a:bodyPr/>
+          <a:lstStyle/>
+          <a:p>
+            <a:fld id="{EA4EE4DA-341A-437B-944B-3DB1D1B2090A}" type="datetimeFigureOut">
+              <a:rPr lang="pt-BR" smtClean="0"/>
+              <a:t>28/09/2019</a:t>
+            </a:fld>
+            <a:endParaRPr lang="pt-BR"/>
+          </a:p>
+        </p:txBody>
+      </p:sp>
+      <p:sp>
+        <p:nvSpPr>
+          <p:cNvPr id="5" name="Footer Placeholder 4"/>
+          <p:cNvSpPr>
+            <a:spLocks noGrp="1"/>
+          </p:cNvSpPr>
+          <p:nvPr>
+            <p:ph type="ftr" sz="quarter" idx="11"/>
+          </p:nvPr>
+        </p:nvSpPr>
+        <p:spPr/>
+        <p:txBody>
+          <a:bodyPr/>
+          <a:lstStyle/>
+          <a:p>
+            <a:endParaRPr lang="pt-BR"/>
+          </a:p>
+        </p:txBody>
+      </p:sp>
+      <p:sp>
+        <p:nvSpPr>
+          <p:cNvPr id="6" name="Slide Number Placeholder 5"/>
+          <p:cNvSpPr>
+            <a:spLocks noGrp="1"/>
+          </p:cNvSpPr>
+          <p:nvPr>
+            <p:ph type="sldNum" sz="quarter" idx="12"/>
+          </p:nvPr>
+        </p:nvSpPr>
+        <p:spPr/>
+        <p:txBody>
+          <a:bodyPr/>
+          <a:lstStyle/>
+          <a:p>
+            <a:fld id="{0B506350-F006-4649-A85F-51630F9CE444}" type="slidenum">
+              <a:rPr lang="pt-BR" smtClean="0"/>
+              <a:t>‹nº›</a:t>
+            </a:fld>
+            <a:endParaRPr lang="pt-BR"/>
+          </a:p>
+        </p:txBody>
+      </p:sp>
+    </p:spTree>
+    <p:extLst>
+      <p:ext uri="{BB962C8B-B14F-4D97-AF65-F5344CB8AC3E}">
+        <p14:creationId xmlns:p14="http://schemas.microsoft.com/office/powerpoint/2010/main" val="1846597945"/>
       </p:ext>
     </p:extLst>
   </p:cSld>
@@ -966,13 +3049,7 @@
       </p:grpSpPr>
       <p:sp>
         <p:nvSpPr>
-          <p:cNvPr id="2" name="Título 1">
-            <a:extLst>
-              <a:ext uri="{FF2B5EF4-FFF2-40B4-BE49-F238E27FC236}">
-                <a16:creationId xmlns:a16="http://schemas.microsoft.com/office/drawing/2014/main" xmlns="" id="{5DCABC34-53EC-4267-A815-79BA6DFCE8B9}"/>
-              </a:ext>
-            </a:extLst>
-          </p:cNvPr>
+          <p:cNvPr id="2" name="Title 1"/>
           <p:cNvSpPr>
             <a:spLocks noGrp="1"/>
           </p:cNvSpPr>
@@ -982,34 +3059,29 @@
         </p:nvSpPr>
         <p:spPr>
           <a:xfrm>
-            <a:off x="831850" y="1709738"/>
-            <a:ext cx="10515600" cy="2852737"/>
+            <a:off x="1751013" y="3308581"/>
+            <a:ext cx="8686800" cy="1468800"/>
           </a:xfrm>
         </p:spPr>
         <p:txBody>
           <a:bodyPr anchor="b"/>
           <a:lstStyle>
-            <a:lvl1pPr>
-              <a:defRPr sz="6000"/>
+            <a:lvl1pPr algn="r">
+              <a:defRPr sz="4000" b="0" cap="all"/>
             </a:lvl1pPr>
           </a:lstStyle>
           <a:p>
             <a:r>
-              <a:rPr lang="pt-BR"/>
-              <a:t>Clique para editar o título Mestre</a:t>
-            </a:r>
-          </a:p>
-        </p:txBody>
-      </p:sp>
-      <p:sp>
-        <p:nvSpPr>
-          <p:cNvPr id="3" name="Espaço Reservado para Texto 2">
-            <a:extLst>
-              <a:ext uri="{FF2B5EF4-FFF2-40B4-BE49-F238E27FC236}">
-                <a16:creationId xmlns:a16="http://schemas.microsoft.com/office/drawing/2014/main" xmlns="" id="{13DDB081-C19F-403D-BFFF-CDACE262E86A}"/>
-              </a:ext>
-            </a:extLst>
-          </p:cNvPr>
+              <a:rPr lang="pt-BR" smtClean="0"/>
+              <a:t>Clique para editar o título mestre</a:t>
+            </a:r>
+            <a:endParaRPr lang="en-US" dirty="0"/>
+          </a:p>
+        </p:txBody>
+      </p:sp>
+      <p:sp>
+        <p:nvSpPr>
+          <p:cNvPr id="3" name="Text Placeholder 2"/>
           <p:cNvSpPr>
             <a:spLocks noGrp="1"/>
           </p:cNvSpPr>
@@ -1019,34 +3091,35 @@
         </p:nvSpPr>
         <p:spPr>
           <a:xfrm>
-            <a:off x="831850" y="4589463"/>
-            <a:ext cx="10515600" cy="1500187"/>
-          </a:xfrm>
-        </p:spPr>
-        <p:txBody>
-          <a:bodyPr/>
+            <a:off x="1751011" y="4777381"/>
+            <a:ext cx="8686801" cy="860400"/>
+          </a:xfrm>
+        </p:spPr>
+        <p:txBody>
+          <a:bodyPr anchor="t">
+            <a:normAutofit/>
+          </a:bodyPr>
           <a:lstStyle>
-            <a:lvl1pPr marL="0" indent="0">
-              <a:buNone/>
-              <a:defRPr sz="2400">
-                <a:solidFill>
-                  <a:schemeClr val="tx1">
-                    <a:tint val="75000"/>
-                  </a:schemeClr>
-                </a:solidFill>
+            <a:lvl1pPr marL="0" indent="0" algn="r">
+              <a:buNone/>
+              <a:defRPr sz="2000">
+                <a:gradFill flip="none" rotWithShape="1">
+                  <a:gsLst>
+                    <a:gs pos="0">
+                      <a:schemeClr val="tx1"/>
+                    </a:gs>
+                    <a:gs pos="100000">
+                      <a:schemeClr val="tx1">
+                        <a:lumMod val="75000"/>
+                      </a:schemeClr>
+                    </a:gs>
+                  </a:gsLst>
+                  <a:lin ang="5400000" scaled="0"/>
+                  <a:tileRect/>
+                </a:gradFill>
               </a:defRPr>
             </a:lvl1pPr>
             <a:lvl2pPr marL="457200" indent="0">
-              <a:buNone/>
-              <a:defRPr sz="2000">
-                <a:solidFill>
-                  <a:schemeClr val="tx1">
-                    <a:tint val="75000"/>
-                  </a:schemeClr>
-                </a:solidFill>
-              </a:defRPr>
-            </a:lvl2pPr>
-            <a:lvl3pPr marL="914400" indent="0">
               <a:buNone/>
               <a:defRPr sz="1800">
                 <a:solidFill>
@@ -1055,8 +3128,8 @@
                   </a:schemeClr>
                 </a:solidFill>
               </a:defRPr>
-            </a:lvl3pPr>
-            <a:lvl4pPr marL="1371600" indent="0">
+            </a:lvl2pPr>
+            <a:lvl3pPr marL="914400" indent="0">
               <a:buNone/>
               <a:defRPr sz="1600">
                 <a:solidFill>
@@ -1065,76 +3138,80 @@
                   </a:schemeClr>
                 </a:solidFill>
               </a:defRPr>
-            </a:lvl4pPr>
-            <a:lvl5pPr marL="1828800" indent="0">
-              <a:buNone/>
-              <a:defRPr sz="1600">
+            </a:lvl3pPr>
+            <a:lvl4pPr marL="1371600" indent="0">
+              <a:buNone/>
+              <a:defRPr sz="1400">
                 <a:solidFill>
                   <a:schemeClr val="tx1">
                     <a:tint val="75000"/>
                   </a:schemeClr>
                 </a:solidFill>
               </a:defRPr>
-            </a:lvl5pPr>
-            <a:lvl6pPr marL="2286000" indent="0">
-              <a:buNone/>
-              <a:defRPr sz="1600">
+            </a:lvl4pPr>
+            <a:lvl5pPr marL="1828800" indent="0">
+              <a:buNone/>
+              <a:defRPr sz="1400">
                 <a:solidFill>
                   <a:schemeClr val="tx1">
                     <a:tint val="75000"/>
                   </a:schemeClr>
                 </a:solidFill>
               </a:defRPr>
-            </a:lvl6pPr>
-            <a:lvl7pPr marL="2743200" indent="0">
-              <a:buNone/>
-              <a:defRPr sz="1600">
+            </a:lvl5pPr>
+            <a:lvl6pPr marL="2286000" indent="0">
+              <a:buNone/>
+              <a:defRPr sz="1400">
                 <a:solidFill>
                   <a:schemeClr val="tx1">
                     <a:tint val="75000"/>
                   </a:schemeClr>
                 </a:solidFill>
               </a:defRPr>
-            </a:lvl7pPr>
-            <a:lvl8pPr marL="3200400" indent="0">
-              <a:buNone/>
-              <a:defRPr sz="1600">
+            </a:lvl6pPr>
+            <a:lvl7pPr marL="2743200" indent="0">
+              <a:buNone/>
+              <a:defRPr sz="1400">
                 <a:solidFill>
                   <a:schemeClr val="tx1">
                     <a:tint val="75000"/>
                   </a:schemeClr>
                 </a:solidFill>
               </a:defRPr>
-            </a:lvl8pPr>
-            <a:lvl9pPr marL="3657600" indent="0">
-              <a:buNone/>
-              <a:defRPr sz="1600">
+            </a:lvl7pPr>
+            <a:lvl8pPr marL="3200400" indent="0">
+              <a:buNone/>
+              <a:defRPr sz="1400">
                 <a:solidFill>
                   <a:schemeClr val="tx1">
                     <a:tint val="75000"/>
                   </a:schemeClr>
                 </a:solidFill>
               </a:defRPr>
+            </a:lvl8pPr>
+            <a:lvl9pPr marL="3657600" indent="0">
+              <a:buNone/>
+              <a:defRPr sz="1400">
+                <a:solidFill>
+                  <a:schemeClr val="tx1">
+                    <a:tint val="75000"/>
+                  </a:schemeClr>
+                </a:solidFill>
+              </a:defRPr>
             </a:lvl9pPr>
           </a:lstStyle>
           <a:p>
             <a:pPr lvl="0"/>
             <a:r>
-              <a:rPr lang="pt-BR"/>
-              <a:t>Clique para editar os estilos de texto Mestres</a:t>
-            </a:r>
-          </a:p>
-        </p:txBody>
-      </p:sp>
-      <p:sp>
-        <p:nvSpPr>
-          <p:cNvPr id="4" name="Espaço Reservado para Data 3">
-            <a:extLst>
-              <a:ext uri="{FF2B5EF4-FFF2-40B4-BE49-F238E27FC236}">
-                <a16:creationId xmlns:a16="http://schemas.microsoft.com/office/drawing/2014/main" xmlns="" id="{5813E7EB-93FC-49EE-9D60-1DFE8492AEDE}"/>
-              </a:ext>
-            </a:extLst>
-          </p:cNvPr>
+              <a:rPr lang="pt-BR" smtClean="0"/>
+              <a:t>Clique para editar o texto mestre</a:t>
+            </a:r>
+          </a:p>
+        </p:txBody>
+      </p:sp>
+      <p:sp>
+        <p:nvSpPr>
+          <p:cNvPr id="4" name="Date Placeholder 3"/>
           <p:cNvSpPr>
             <a:spLocks noGrp="1"/>
           </p:cNvSpPr>
@@ -1149,7 +3226,7 @@
           <a:p>
             <a:fld id="{EA4EE4DA-341A-437B-944B-3DB1D1B2090A}" type="datetimeFigureOut">
               <a:rPr lang="pt-BR" smtClean="0"/>
-              <a:t>27/09/2019</a:t>
+              <a:t>28/09/2019</a:t>
             </a:fld>
             <a:endParaRPr lang="pt-BR"/>
           </a:p>
@@ -1157,13 +3234,7 @@
       </p:sp>
       <p:sp>
         <p:nvSpPr>
-          <p:cNvPr id="5" name="Espaço Reservado para Rodapé 4">
-            <a:extLst>
-              <a:ext uri="{FF2B5EF4-FFF2-40B4-BE49-F238E27FC236}">
-                <a16:creationId xmlns:a16="http://schemas.microsoft.com/office/drawing/2014/main" xmlns="" id="{0B025B02-A5D0-4408-B61E-286EB687A7B5}"/>
-              </a:ext>
-            </a:extLst>
-          </p:cNvPr>
+          <p:cNvPr id="5" name="Footer Placeholder 4"/>
           <p:cNvSpPr>
             <a:spLocks noGrp="1"/>
           </p:cNvSpPr>
@@ -1182,13 +3253,7 @@
       </p:sp>
       <p:sp>
         <p:nvSpPr>
-          <p:cNvPr id="6" name="Espaço Reservado para Número de Slide 5">
-            <a:extLst>
-              <a:ext uri="{FF2B5EF4-FFF2-40B4-BE49-F238E27FC236}">
-                <a16:creationId xmlns:a16="http://schemas.microsoft.com/office/drawing/2014/main" xmlns="" id="{08D7B3A3-74EA-425A-9E67-FBCB982902DA}"/>
-              </a:ext>
-            </a:extLst>
-          </p:cNvPr>
+          <p:cNvPr id="6" name="Slide Number Placeholder 5"/>
           <p:cNvSpPr>
             <a:spLocks noGrp="1"/>
           </p:cNvSpPr>
@@ -1212,7 +3277,7 @@
     </p:spTree>
     <p:extLst>
       <p:ext uri="{BB962C8B-B14F-4D97-AF65-F5344CB8AC3E}">
-        <p14:creationId xmlns:p14="http://schemas.microsoft.com/office/powerpoint/2010/main" val="1112286479"/>
+        <p14:creationId xmlns:p14="http://schemas.microsoft.com/office/powerpoint/2010/main" val="2827403560"/>
       </p:ext>
     </p:extLst>
   </p:cSld>
@@ -1241,13 +3306,7 @@
       </p:grpSpPr>
       <p:sp>
         <p:nvSpPr>
-          <p:cNvPr id="2" name="Título 1">
-            <a:extLst>
-              <a:ext uri="{FF2B5EF4-FFF2-40B4-BE49-F238E27FC236}">
-                <a16:creationId xmlns:a16="http://schemas.microsoft.com/office/drawing/2014/main" xmlns="" id="{43D9661A-A8A8-4F11-9BC0-0D3673506D14}"/>
-              </a:ext>
-            </a:extLst>
-          </p:cNvPr>
+          <p:cNvPr id="2" name="Title 1"/>
           <p:cNvSpPr>
             <a:spLocks noGrp="1"/>
           </p:cNvSpPr>
@@ -1261,21 +3320,16 @@
           <a:lstStyle/>
           <a:p>
             <a:r>
-              <a:rPr lang="pt-BR"/>
-              <a:t>Clique para editar o título Mestre</a:t>
-            </a:r>
-          </a:p>
-        </p:txBody>
-      </p:sp>
-      <p:sp>
-        <p:nvSpPr>
-          <p:cNvPr id="3" name="Espaço Reservado para Conteúdo 2">
-            <a:extLst>
-              <a:ext uri="{FF2B5EF4-FFF2-40B4-BE49-F238E27FC236}">
-                <a16:creationId xmlns:a16="http://schemas.microsoft.com/office/drawing/2014/main" xmlns="" id="{BA2DA3FF-18CE-4E6F-8ABC-E30186031848}"/>
-              </a:ext>
-            </a:extLst>
-          </p:cNvPr>
+              <a:rPr lang="pt-BR" smtClean="0"/>
+              <a:t>Clique para editar o título mestre</a:t>
+            </a:r>
+            <a:endParaRPr lang="en-US" dirty="0"/>
+          </a:p>
+        </p:txBody>
+      </p:sp>
+      <p:sp>
+        <p:nvSpPr>
+          <p:cNvPr id="3" name="Content Placeholder 2"/>
           <p:cNvSpPr>
             <a:spLocks noGrp="1"/>
           </p:cNvSpPr>
@@ -1285,175 +3339,213 @@
         </p:nvSpPr>
         <p:spPr>
           <a:xfrm>
-            <a:off x="838200" y="1825625"/>
-            <a:ext cx="5181600" cy="4351338"/>
-          </a:xfrm>
-        </p:spPr>
+            <a:off x="1141412" y="2666999"/>
+            <a:ext cx="4876800" cy="3124201"/>
+          </a:xfrm>
+        </p:spPr>
+        <p:txBody>
+          <a:bodyPr>
+            <a:normAutofit/>
+          </a:bodyPr>
+          <a:lstStyle>
+            <a:lvl1pPr>
+              <a:defRPr sz="1800"/>
+            </a:lvl1pPr>
+            <a:lvl2pPr>
+              <a:defRPr sz="1600"/>
+            </a:lvl2pPr>
+            <a:lvl3pPr>
+              <a:defRPr sz="1400"/>
+            </a:lvl3pPr>
+            <a:lvl4pPr>
+              <a:defRPr sz="1200"/>
+            </a:lvl4pPr>
+            <a:lvl5pPr>
+              <a:defRPr sz="1200"/>
+            </a:lvl5pPr>
+            <a:lvl6pPr>
+              <a:defRPr sz="1200"/>
+            </a:lvl6pPr>
+            <a:lvl7pPr>
+              <a:defRPr sz="1200"/>
+            </a:lvl7pPr>
+            <a:lvl8pPr>
+              <a:defRPr sz="1200"/>
+            </a:lvl8pPr>
+            <a:lvl9pPr>
+              <a:defRPr sz="1200"/>
+            </a:lvl9pPr>
+          </a:lstStyle>
+          <a:p>
+            <a:pPr lvl="0"/>
+            <a:r>
+              <a:rPr lang="pt-BR" smtClean="0"/>
+              <a:t>Clique para editar o texto mestre</a:t>
+            </a:r>
+          </a:p>
+          <a:p>
+            <a:pPr lvl="1"/>
+            <a:r>
+              <a:rPr lang="pt-BR" smtClean="0"/>
+              <a:t>Segundo nível</a:t>
+            </a:r>
+          </a:p>
+          <a:p>
+            <a:pPr lvl="2"/>
+            <a:r>
+              <a:rPr lang="pt-BR" smtClean="0"/>
+              <a:t>Terceiro nível</a:t>
+            </a:r>
+          </a:p>
+          <a:p>
+            <a:pPr lvl="3"/>
+            <a:r>
+              <a:rPr lang="pt-BR" smtClean="0"/>
+              <a:t>Quarto nível</a:t>
+            </a:r>
+          </a:p>
+          <a:p>
+            <a:pPr lvl="4"/>
+            <a:r>
+              <a:rPr lang="pt-BR" smtClean="0"/>
+              <a:t>Quinto nível</a:t>
+            </a:r>
+            <a:endParaRPr lang="en-US" dirty="0"/>
+          </a:p>
+        </p:txBody>
+      </p:sp>
+      <p:sp>
+        <p:nvSpPr>
+          <p:cNvPr id="4" name="Content Placeholder 3"/>
+          <p:cNvSpPr>
+            <a:spLocks noGrp="1"/>
+          </p:cNvSpPr>
+          <p:nvPr>
+            <p:ph sz="half" idx="2"/>
+          </p:nvPr>
+        </p:nvSpPr>
+        <p:spPr>
+          <a:xfrm>
+            <a:off x="6170612" y="2667000"/>
+            <a:ext cx="4876800" cy="3124200"/>
+          </a:xfrm>
+        </p:spPr>
+        <p:txBody>
+          <a:bodyPr>
+            <a:normAutofit/>
+          </a:bodyPr>
+          <a:lstStyle>
+            <a:lvl1pPr>
+              <a:defRPr sz="1800"/>
+            </a:lvl1pPr>
+            <a:lvl2pPr>
+              <a:defRPr sz="1600"/>
+            </a:lvl2pPr>
+            <a:lvl3pPr>
+              <a:defRPr sz="1400"/>
+            </a:lvl3pPr>
+            <a:lvl4pPr>
+              <a:defRPr sz="1200"/>
+            </a:lvl4pPr>
+            <a:lvl5pPr>
+              <a:defRPr sz="1200"/>
+            </a:lvl5pPr>
+            <a:lvl6pPr>
+              <a:defRPr sz="1200"/>
+            </a:lvl6pPr>
+            <a:lvl7pPr>
+              <a:defRPr sz="1200"/>
+            </a:lvl7pPr>
+            <a:lvl8pPr>
+              <a:defRPr sz="1200"/>
+            </a:lvl8pPr>
+            <a:lvl9pPr>
+              <a:defRPr sz="1200"/>
+            </a:lvl9pPr>
+          </a:lstStyle>
+          <a:p>
+            <a:pPr lvl="0"/>
+            <a:r>
+              <a:rPr lang="pt-BR" smtClean="0"/>
+              <a:t>Clique para editar o texto mestre</a:t>
+            </a:r>
+          </a:p>
+          <a:p>
+            <a:pPr lvl="1"/>
+            <a:r>
+              <a:rPr lang="pt-BR" smtClean="0"/>
+              <a:t>Segundo nível</a:t>
+            </a:r>
+          </a:p>
+          <a:p>
+            <a:pPr lvl="2"/>
+            <a:r>
+              <a:rPr lang="pt-BR" smtClean="0"/>
+              <a:t>Terceiro nível</a:t>
+            </a:r>
+          </a:p>
+          <a:p>
+            <a:pPr lvl="3"/>
+            <a:r>
+              <a:rPr lang="pt-BR" smtClean="0"/>
+              <a:t>Quarto nível</a:t>
+            </a:r>
+          </a:p>
+          <a:p>
+            <a:pPr lvl="4"/>
+            <a:r>
+              <a:rPr lang="pt-BR" smtClean="0"/>
+              <a:t>Quinto nível</a:t>
+            </a:r>
+            <a:endParaRPr lang="en-US" dirty="0"/>
+          </a:p>
+        </p:txBody>
+      </p:sp>
+      <p:sp>
+        <p:nvSpPr>
+          <p:cNvPr id="5" name="Date Placeholder 4"/>
+          <p:cNvSpPr>
+            <a:spLocks noGrp="1"/>
+          </p:cNvSpPr>
+          <p:nvPr>
+            <p:ph type="dt" sz="half" idx="10"/>
+          </p:nvPr>
+        </p:nvSpPr>
+        <p:spPr/>
         <p:txBody>
           <a:bodyPr/>
           <a:lstStyle/>
           <a:p>
-            <a:pPr lvl="0"/>
-            <a:r>
-              <a:rPr lang="pt-BR"/>
-              <a:t>Clique para editar os estilos de texto Mestres</a:t>
-            </a:r>
-          </a:p>
-          <a:p>
-            <a:pPr lvl="1"/>
-            <a:r>
-              <a:rPr lang="pt-BR"/>
-              <a:t>Segundo nível</a:t>
-            </a:r>
-          </a:p>
-          <a:p>
-            <a:pPr lvl="2"/>
-            <a:r>
-              <a:rPr lang="pt-BR"/>
-              <a:t>Terceiro nível</a:t>
-            </a:r>
-          </a:p>
-          <a:p>
-            <a:pPr lvl="3"/>
-            <a:r>
-              <a:rPr lang="pt-BR"/>
-              <a:t>Quarto nível</a:t>
-            </a:r>
-          </a:p>
-          <a:p>
-            <a:pPr lvl="4"/>
-            <a:r>
-              <a:rPr lang="pt-BR"/>
-              <a:t>Quinto nível</a:t>
-            </a:r>
-          </a:p>
-        </p:txBody>
-      </p:sp>
-      <p:sp>
-        <p:nvSpPr>
-          <p:cNvPr id="4" name="Espaço Reservado para Conteúdo 3">
-            <a:extLst>
-              <a:ext uri="{FF2B5EF4-FFF2-40B4-BE49-F238E27FC236}">
-                <a16:creationId xmlns:a16="http://schemas.microsoft.com/office/drawing/2014/main" xmlns="" id="{D58CAC1E-D9CF-41E0-BA37-77A400A9B9D2}"/>
-              </a:ext>
-            </a:extLst>
-          </p:cNvPr>
-          <p:cNvSpPr>
-            <a:spLocks noGrp="1"/>
-          </p:cNvSpPr>
-          <p:nvPr>
-            <p:ph sz="half" idx="2"/>
-          </p:nvPr>
-        </p:nvSpPr>
-        <p:spPr>
-          <a:xfrm>
-            <a:off x="6172200" y="1825625"/>
-            <a:ext cx="5181600" cy="4351338"/>
-          </a:xfrm>
-        </p:spPr>
+            <a:fld id="{EA4EE4DA-341A-437B-944B-3DB1D1B2090A}" type="datetimeFigureOut">
+              <a:rPr lang="pt-BR" smtClean="0"/>
+              <a:t>28/09/2019</a:t>
+            </a:fld>
+            <a:endParaRPr lang="pt-BR"/>
+          </a:p>
+        </p:txBody>
+      </p:sp>
+      <p:sp>
+        <p:nvSpPr>
+          <p:cNvPr id="6" name="Footer Placeholder 5"/>
+          <p:cNvSpPr>
+            <a:spLocks noGrp="1"/>
+          </p:cNvSpPr>
+          <p:nvPr>
+            <p:ph type="ftr" sz="quarter" idx="11"/>
+          </p:nvPr>
+        </p:nvSpPr>
+        <p:spPr/>
         <p:txBody>
           <a:bodyPr/>
           <a:lstStyle/>
           <a:p>
-            <a:pPr lvl="0"/>
-            <a:r>
-              <a:rPr lang="pt-BR"/>
-              <a:t>Clique para editar os estilos de texto Mestres</a:t>
-            </a:r>
-          </a:p>
-          <a:p>
-            <a:pPr lvl="1"/>
-            <a:r>
-              <a:rPr lang="pt-BR"/>
-              <a:t>Segundo nível</a:t>
-            </a:r>
-          </a:p>
-          <a:p>
-            <a:pPr lvl="2"/>
-            <a:r>
-              <a:rPr lang="pt-BR"/>
-              <a:t>Terceiro nível</a:t>
-            </a:r>
-          </a:p>
-          <a:p>
-            <a:pPr lvl="3"/>
-            <a:r>
-              <a:rPr lang="pt-BR"/>
-              <a:t>Quarto nível</a:t>
-            </a:r>
-          </a:p>
-          <a:p>
-            <a:pPr lvl="4"/>
-            <a:r>
-              <a:rPr lang="pt-BR"/>
-              <a:t>Quinto nível</a:t>
-            </a:r>
-          </a:p>
-        </p:txBody>
-      </p:sp>
-      <p:sp>
-        <p:nvSpPr>
-          <p:cNvPr id="5" name="Espaço Reservado para Data 4">
-            <a:extLst>
-              <a:ext uri="{FF2B5EF4-FFF2-40B4-BE49-F238E27FC236}">
-                <a16:creationId xmlns:a16="http://schemas.microsoft.com/office/drawing/2014/main" xmlns="" id="{07EDCD39-5980-4821-888B-D589349F8092}"/>
-              </a:ext>
-            </a:extLst>
-          </p:cNvPr>
-          <p:cNvSpPr>
-            <a:spLocks noGrp="1"/>
-          </p:cNvSpPr>
-          <p:nvPr>
-            <p:ph type="dt" sz="half" idx="10"/>
-          </p:nvPr>
-        </p:nvSpPr>
-        <p:spPr/>
-        <p:txBody>
-          <a:bodyPr/>
-          <a:lstStyle/>
-          <a:p>
-            <a:fld id="{EA4EE4DA-341A-437B-944B-3DB1D1B2090A}" type="datetimeFigureOut">
-              <a:rPr lang="pt-BR" smtClean="0"/>
-              <a:t>27/09/2019</a:t>
-            </a:fld>
             <a:endParaRPr lang="pt-BR"/>
           </a:p>
         </p:txBody>
       </p:sp>
       <p:sp>
         <p:nvSpPr>
-          <p:cNvPr id="6" name="Espaço Reservado para Rodapé 5">
-            <a:extLst>
-              <a:ext uri="{FF2B5EF4-FFF2-40B4-BE49-F238E27FC236}">
-                <a16:creationId xmlns:a16="http://schemas.microsoft.com/office/drawing/2014/main" xmlns="" id="{74DEC340-AA9E-4E70-98F3-BEFF611A6212}"/>
-              </a:ext>
-            </a:extLst>
-          </p:cNvPr>
-          <p:cNvSpPr>
-            <a:spLocks noGrp="1"/>
-          </p:cNvSpPr>
-          <p:nvPr>
-            <p:ph type="ftr" sz="quarter" idx="11"/>
-          </p:nvPr>
-        </p:nvSpPr>
-        <p:spPr/>
-        <p:txBody>
-          <a:bodyPr/>
-          <a:lstStyle/>
-          <a:p>
-            <a:endParaRPr lang="pt-BR"/>
-          </a:p>
-        </p:txBody>
-      </p:sp>
-      <p:sp>
-        <p:nvSpPr>
-          <p:cNvPr id="7" name="Espaço Reservado para Número de Slide 6">
-            <a:extLst>
-              <a:ext uri="{FF2B5EF4-FFF2-40B4-BE49-F238E27FC236}">
-                <a16:creationId xmlns:a16="http://schemas.microsoft.com/office/drawing/2014/main" xmlns="" id="{C61ED80F-5467-4757-B256-687A4F74DE99}"/>
-              </a:ext>
-            </a:extLst>
-          </p:cNvPr>
+          <p:cNvPr id="7" name="Slide Number Placeholder 6"/>
           <p:cNvSpPr>
             <a:spLocks noGrp="1"/>
           </p:cNvSpPr>
@@ -1477,7 +3569,7 @@
     </p:spTree>
     <p:extLst>
       <p:ext uri="{BB962C8B-B14F-4D97-AF65-F5344CB8AC3E}">
-        <p14:creationId xmlns:p14="http://schemas.microsoft.com/office/powerpoint/2010/main" val="647298977"/>
+        <p14:creationId xmlns:p14="http://schemas.microsoft.com/office/powerpoint/2010/main" val="2227152837"/>
       </p:ext>
     </p:extLst>
   </p:cSld>
@@ -1506,13 +3598,7 @@
       </p:grpSpPr>
       <p:sp>
         <p:nvSpPr>
-          <p:cNvPr id="2" name="Título 1">
-            <a:extLst>
-              <a:ext uri="{FF2B5EF4-FFF2-40B4-BE49-F238E27FC236}">
-                <a16:creationId xmlns:a16="http://schemas.microsoft.com/office/drawing/2014/main" xmlns="" id="{78CA2A67-EC99-4515-87F2-438C3F64540D}"/>
-              </a:ext>
-            </a:extLst>
-          </p:cNvPr>
+          <p:cNvPr id="2" name="Title 1"/>
           <p:cNvSpPr>
             <a:spLocks noGrp="1"/>
           </p:cNvSpPr>
@@ -1520,32 +3606,26 @@
             <p:ph type="title"/>
           </p:nvPr>
         </p:nvSpPr>
-        <p:spPr>
-          <a:xfrm>
-            <a:off x="839788" y="365125"/>
-            <a:ext cx="10515600" cy="1325563"/>
-          </a:xfrm>
-        </p:spPr>
+        <p:spPr/>
         <p:txBody>
           <a:bodyPr/>
-          <a:lstStyle/>
-          <a:p>
-            <a:r>
-              <a:rPr lang="pt-BR"/>
-              <a:t>Clique para editar o título Mestre</a:t>
-            </a:r>
-          </a:p>
-        </p:txBody>
-      </p:sp>
-      <p:sp>
-        <p:nvSpPr>
-          <p:cNvPr id="3" name="Espaço Reservado para Texto 2">
-            <a:extLst>
-              <a:ext uri="{FF2B5EF4-FFF2-40B4-BE49-F238E27FC236}">
-                <a16:creationId xmlns:a16="http://schemas.microsoft.com/office/drawing/2014/main" xmlns="" id="{B92ADC00-0175-4B46-9EE1-65A14FD11548}"/>
-              </a:ext>
-            </a:extLst>
-          </p:cNvPr>
+          <a:lstStyle>
+            <a:lvl1pPr>
+              <a:defRPr/>
+            </a:lvl1pPr>
+          </a:lstStyle>
+          <a:p>
+            <a:r>
+              <a:rPr lang="pt-BR" smtClean="0"/>
+              <a:t>Clique para editar o título mestre</a:t>
+            </a:r>
+            <a:endParaRPr lang="en-US" dirty="0"/>
+          </a:p>
+        </p:txBody>
+      </p:sp>
+      <p:sp>
+        <p:nvSpPr>
+          <p:cNvPr id="3" name="Text Placeholder 2"/>
           <p:cNvSpPr>
             <a:spLocks noGrp="1"/>
           </p:cNvSpPr>
@@ -1555,16 +3635,18 @@
         </p:nvSpPr>
         <p:spPr>
           <a:xfrm>
-            <a:off x="839788" y="1681163"/>
-            <a:ext cx="5157787" cy="823912"/>
-          </a:xfrm>
-        </p:spPr>
-        <p:txBody>
-          <a:bodyPr anchor="b"/>
+            <a:off x="1429280" y="2658533"/>
+            <a:ext cx="4588931" cy="576262"/>
+          </a:xfrm>
+        </p:spPr>
+        <p:txBody>
+          <a:bodyPr anchor="b">
+            <a:noAutofit/>
+          </a:bodyPr>
           <a:lstStyle>
             <a:lvl1pPr marL="0" indent="0">
               <a:buNone/>
-              <a:defRPr sz="2400" b="1"/>
+              <a:defRPr sz="2800" b="0"/>
             </a:lvl1pPr>
             <a:lvl2pPr marL="457200" indent="0">
               <a:buNone/>
@@ -1602,21 +3684,15 @@
           <a:p>
             <a:pPr lvl="0"/>
             <a:r>
-              <a:rPr lang="pt-BR"/>
-              <a:t>Clique para editar os estilos de texto Mestres</a:t>
-            </a:r>
-          </a:p>
-        </p:txBody>
-      </p:sp>
-      <p:sp>
-        <p:nvSpPr>
-          <p:cNvPr id="4" name="Espaço Reservado para Conteúdo 3">
-            <a:extLst>
-              <a:ext uri="{FF2B5EF4-FFF2-40B4-BE49-F238E27FC236}">
-                <a16:creationId xmlns:a16="http://schemas.microsoft.com/office/drawing/2014/main" xmlns="" id="{76C1A782-D25E-42F2-9FE9-FB82C618DE01}"/>
-              </a:ext>
-            </a:extLst>
-          </p:cNvPr>
+              <a:rPr lang="pt-BR" smtClean="0"/>
+              <a:t>Clique para editar o texto mestre</a:t>
+            </a:r>
+          </a:p>
+        </p:txBody>
+      </p:sp>
+      <p:sp>
+        <p:nvSpPr>
+          <p:cNvPr id="4" name="Content Placeholder 3"/>
           <p:cNvSpPr>
             <a:spLocks noGrp="1"/>
           </p:cNvSpPr>
@@ -1626,59 +3702,84 @@
         </p:nvSpPr>
         <p:spPr>
           <a:xfrm>
-            <a:off x="839788" y="2505075"/>
-            <a:ext cx="5157787" cy="3684588"/>
-          </a:xfrm>
-        </p:spPr>
-        <p:txBody>
-          <a:bodyPr/>
-          <a:lstStyle/>
+            <a:off x="1141412" y="3243262"/>
+            <a:ext cx="4876800" cy="2547937"/>
+          </a:xfrm>
+        </p:spPr>
+        <p:txBody>
+          <a:bodyPr anchor="t">
+            <a:normAutofit/>
+          </a:bodyPr>
+          <a:lstStyle>
+            <a:lvl1pPr>
+              <a:defRPr sz="1800"/>
+            </a:lvl1pPr>
+            <a:lvl2pPr>
+              <a:defRPr sz="1600"/>
+            </a:lvl2pPr>
+            <a:lvl3pPr>
+              <a:defRPr sz="1400"/>
+            </a:lvl3pPr>
+            <a:lvl4pPr>
+              <a:defRPr sz="1200"/>
+            </a:lvl4pPr>
+            <a:lvl5pPr>
+              <a:defRPr sz="1200"/>
+            </a:lvl5pPr>
+            <a:lvl6pPr>
+              <a:defRPr sz="1200"/>
+            </a:lvl6pPr>
+            <a:lvl7pPr>
+              <a:defRPr sz="1200"/>
+            </a:lvl7pPr>
+            <a:lvl8pPr>
+              <a:defRPr sz="1200"/>
+            </a:lvl8pPr>
+            <a:lvl9pPr>
+              <a:defRPr sz="1200"/>
+            </a:lvl9pPr>
+          </a:lstStyle>
           <a:p>
             <a:pPr lvl="0"/>
             <a:r>
-              <a:rPr lang="pt-BR"/>
-              <a:t>Clique para editar os estilos de texto Mestres</a:t>
+              <a:rPr lang="pt-BR" smtClean="0"/>
+              <a:t>Clique para editar o texto mestre</a:t>
             </a:r>
           </a:p>
           <a:p>
             <a:pPr lvl="1"/>
             <a:r>
-              <a:rPr lang="pt-BR"/>
+              <a:rPr lang="pt-BR" smtClean="0"/>
               <a:t>Segundo nível</a:t>
             </a:r>
           </a:p>
           <a:p>
             <a:pPr lvl="2"/>
             <a:r>
-              <a:rPr lang="pt-BR"/>
+              <a:rPr lang="pt-BR" smtClean="0"/>
               <a:t>Terceiro nível</a:t>
             </a:r>
           </a:p>
           <a:p>
             <a:pPr lvl="3"/>
             <a:r>
-              <a:rPr lang="pt-BR"/>
+              <a:rPr lang="pt-BR" smtClean="0"/>
               <a:t>Quarto nível</a:t>
             </a:r>
           </a:p>
           <a:p>
             <a:pPr lvl="4"/>
             <a:r>
-              <a:rPr lang="pt-BR"/>
+              <a:rPr lang="pt-BR" smtClean="0"/>
               <a:t>Quinto nível</a:t>
             </a:r>
-          </a:p>
-        </p:txBody>
-      </p:sp>
-      <p:sp>
-        <p:nvSpPr>
-          <p:cNvPr id="5" name="Espaço Reservado para Texto 4">
-            <a:extLst>
-              <a:ext uri="{FF2B5EF4-FFF2-40B4-BE49-F238E27FC236}">
-                <a16:creationId xmlns:a16="http://schemas.microsoft.com/office/drawing/2014/main" xmlns="" id="{6AE845D2-EFE8-4F5D-8854-F5B0DFC079D8}"/>
-              </a:ext>
-            </a:extLst>
-          </p:cNvPr>
+            <a:endParaRPr lang="en-US" dirty="0"/>
+          </a:p>
+        </p:txBody>
+      </p:sp>
+      <p:sp>
+        <p:nvSpPr>
+          <p:cNvPr id="5" name="Text Placeholder 4"/>
           <p:cNvSpPr>
             <a:spLocks noGrp="1"/>
           </p:cNvSpPr>
@@ -1688,16 +3789,18 @@
         </p:nvSpPr>
         <p:spPr>
           <a:xfrm>
-            <a:off x="6172200" y="1681163"/>
-            <a:ext cx="5183188" cy="823912"/>
-          </a:xfrm>
-        </p:spPr>
-        <p:txBody>
-          <a:bodyPr anchor="b"/>
+            <a:off x="6443133" y="2667000"/>
+            <a:ext cx="4604280" cy="576262"/>
+          </a:xfrm>
+        </p:spPr>
+        <p:txBody>
+          <a:bodyPr anchor="b">
+            <a:noAutofit/>
+          </a:bodyPr>
           <a:lstStyle>
             <a:lvl1pPr marL="0" indent="0">
               <a:buNone/>
-              <a:defRPr sz="2400" b="1"/>
+              <a:defRPr sz="2800" b="0"/>
             </a:lvl1pPr>
             <a:lvl2pPr marL="457200" indent="0">
               <a:buNone/>
@@ -1735,21 +3838,15 @@
           <a:p>
             <a:pPr lvl="0"/>
             <a:r>
-              <a:rPr lang="pt-BR"/>
-              <a:t>Clique para editar os estilos de texto Mestres</a:t>
-            </a:r>
-          </a:p>
-        </p:txBody>
-      </p:sp>
-      <p:sp>
-        <p:nvSpPr>
-          <p:cNvPr id="6" name="Espaço Reservado para Conteúdo 5">
-            <a:extLst>
-              <a:ext uri="{FF2B5EF4-FFF2-40B4-BE49-F238E27FC236}">
-                <a16:creationId xmlns:a16="http://schemas.microsoft.com/office/drawing/2014/main" xmlns="" id="{DB67B1DB-51EE-4A05-856F-F4F1E6DB6398}"/>
-              </a:ext>
-            </a:extLst>
-          </p:cNvPr>
+              <a:rPr lang="pt-BR" smtClean="0"/>
+              <a:t>Clique para editar o texto mestre</a:t>
+            </a:r>
+          </a:p>
+        </p:txBody>
+      </p:sp>
+      <p:sp>
+        <p:nvSpPr>
+          <p:cNvPr id="6" name="Content Placeholder 5"/>
           <p:cNvSpPr>
             <a:spLocks noGrp="1"/>
           </p:cNvSpPr>
@@ -1759,64 +3856,112 @@
         </p:nvSpPr>
         <p:spPr>
           <a:xfrm>
-            <a:off x="6172200" y="2505075"/>
-            <a:ext cx="5183188" cy="3684588"/>
-          </a:xfrm>
-        </p:spPr>
+            <a:off x="6170612" y="3243262"/>
+            <a:ext cx="4876801" cy="2547937"/>
+          </a:xfrm>
+        </p:spPr>
+        <p:txBody>
+          <a:bodyPr anchor="t">
+            <a:normAutofit/>
+          </a:bodyPr>
+          <a:lstStyle>
+            <a:lvl1pPr>
+              <a:defRPr sz="1800"/>
+            </a:lvl1pPr>
+            <a:lvl2pPr>
+              <a:defRPr sz="1600"/>
+            </a:lvl2pPr>
+            <a:lvl3pPr>
+              <a:defRPr sz="1400"/>
+            </a:lvl3pPr>
+            <a:lvl4pPr>
+              <a:defRPr sz="1200"/>
+            </a:lvl4pPr>
+            <a:lvl5pPr>
+              <a:defRPr sz="1200"/>
+            </a:lvl5pPr>
+            <a:lvl6pPr>
+              <a:defRPr sz="1200"/>
+            </a:lvl6pPr>
+            <a:lvl7pPr>
+              <a:defRPr sz="1200"/>
+            </a:lvl7pPr>
+            <a:lvl8pPr>
+              <a:defRPr sz="1200"/>
+            </a:lvl8pPr>
+            <a:lvl9pPr>
+              <a:defRPr sz="1200"/>
+            </a:lvl9pPr>
+          </a:lstStyle>
+          <a:p>
+            <a:pPr lvl="0"/>
+            <a:r>
+              <a:rPr lang="pt-BR" smtClean="0"/>
+              <a:t>Clique para editar o texto mestre</a:t>
+            </a:r>
+          </a:p>
+          <a:p>
+            <a:pPr lvl="1"/>
+            <a:r>
+              <a:rPr lang="pt-BR" smtClean="0"/>
+              <a:t>Segundo nível</a:t>
+            </a:r>
+          </a:p>
+          <a:p>
+            <a:pPr lvl="2"/>
+            <a:r>
+              <a:rPr lang="pt-BR" smtClean="0"/>
+              <a:t>Terceiro nível</a:t>
+            </a:r>
+          </a:p>
+          <a:p>
+            <a:pPr lvl="3"/>
+            <a:r>
+              <a:rPr lang="pt-BR" smtClean="0"/>
+              <a:t>Quarto nível</a:t>
+            </a:r>
+          </a:p>
+          <a:p>
+            <a:pPr lvl="4"/>
+            <a:r>
+              <a:rPr lang="pt-BR" smtClean="0"/>
+              <a:t>Quinto nível</a:t>
+            </a:r>
+            <a:endParaRPr lang="en-US" dirty="0"/>
+          </a:p>
+        </p:txBody>
+      </p:sp>
+      <p:sp>
+        <p:nvSpPr>
+          <p:cNvPr id="7" name="Date Placeholder 6"/>
+          <p:cNvSpPr>
+            <a:spLocks noGrp="1"/>
+          </p:cNvSpPr>
+          <p:nvPr>
+            <p:ph type="dt" sz="half" idx="10"/>
+          </p:nvPr>
+        </p:nvSpPr>
+        <p:spPr/>
         <p:txBody>
           <a:bodyPr/>
           <a:lstStyle/>
           <a:p>
-            <a:pPr lvl="0"/>
-            <a:r>
-              <a:rPr lang="pt-BR"/>
-              <a:t>Clique para editar os estilos de texto Mestres</a:t>
-            </a:r>
-          </a:p>
-          <a:p>
-            <a:pPr lvl="1"/>
-            <a:r>
-              <a:rPr lang="pt-BR"/>
-              <a:t>Segundo nível</a:t>
-            </a:r>
-          </a:p>
-          <a:p>
-            <a:pPr lvl="2"/>
-            <a:r>
-              <a:rPr lang="pt-BR"/>
-              <a:t>Terceiro nível</a:t>
-            </a:r>
-          </a:p>
-          <a:p>
-            <a:pPr lvl="3"/>
-            <a:r>
-              <a:rPr lang="pt-BR"/>
-              <a:t>Quarto nível</a:t>
-            </a:r>
-          </a:p>
-          <a:p>
-            <a:pPr lvl="4"/>
-            <a:r>
-              <a:rPr lang="pt-BR"/>
-              <a:t>Quinto nível</a:t>
-            </a:r>
-          </a:p>
-        </p:txBody>
-      </p:sp>
-      <p:sp>
-        <p:nvSpPr>
-          <p:cNvPr id="7" name="Espaço Reservado para Data 6">
-            <a:extLst>
-              <a:ext uri="{FF2B5EF4-FFF2-40B4-BE49-F238E27FC236}">
-                <a16:creationId xmlns:a16="http://schemas.microsoft.com/office/drawing/2014/main" xmlns="" id="{D4C13509-473B-46E3-BADD-8A7B723D82D9}"/>
-              </a:ext>
-            </a:extLst>
-          </p:cNvPr>
-          <p:cNvSpPr>
-            <a:spLocks noGrp="1"/>
-          </p:cNvSpPr>
-          <p:nvPr>
-            <p:ph type="dt" sz="half" idx="10"/>
+            <a:fld id="{EA4EE4DA-341A-437B-944B-3DB1D1B2090A}" type="datetimeFigureOut">
+              <a:rPr lang="pt-BR" smtClean="0"/>
+              <a:t>28/09/2019</a:t>
+            </a:fld>
+            <a:endParaRPr lang="pt-BR"/>
+          </a:p>
+        </p:txBody>
+      </p:sp>
+      <p:sp>
+        <p:nvSpPr>
+          <p:cNvPr id="8" name="Footer Placeholder 7"/>
+          <p:cNvSpPr>
+            <a:spLocks noGrp="1"/>
+          </p:cNvSpPr>
+          <p:nvPr>
+            <p:ph type="ftr" sz="quarter" idx="11"/>
           </p:nvPr>
         </p:nvSpPr>
         <p:spPr/>
@@ -1824,48 +3969,13 @@
           <a:bodyPr/>
           <a:lstStyle/>
           <a:p>
-            <a:fld id="{EA4EE4DA-341A-437B-944B-3DB1D1B2090A}" type="datetimeFigureOut">
-              <a:rPr lang="pt-BR" smtClean="0"/>
-              <a:t>27/09/2019</a:t>
-            </a:fld>
             <a:endParaRPr lang="pt-BR"/>
           </a:p>
         </p:txBody>
       </p:sp>
       <p:sp>
         <p:nvSpPr>
-          <p:cNvPr id="8" name="Espaço Reservado para Rodapé 7">
-            <a:extLst>
-              <a:ext uri="{FF2B5EF4-FFF2-40B4-BE49-F238E27FC236}">
-                <a16:creationId xmlns:a16="http://schemas.microsoft.com/office/drawing/2014/main" xmlns="" id="{92D2A833-6909-4A59-9D84-4EDBAF5B9469}"/>
-              </a:ext>
-            </a:extLst>
-          </p:cNvPr>
-          <p:cNvSpPr>
-            <a:spLocks noGrp="1"/>
-          </p:cNvSpPr>
-          <p:nvPr>
-            <p:ph type="ftr" sz="quarter" idx="11"/>
-          </p:nvPr>
-        </p:nvSpPr>
-        <p:spPr/>
-        <p:txBody>
-          <a:bodyPr/>
-          <a:lstStyle/>
-          <a:p>
-            <a:endParaRPr lang="pt-BR"/>
-          </a:p>
-        </p:txBody>
-      </p:sp>
-      <p:sp>
-        <p:nvSpPr>
-          <p:cNvPr id="9" name="Espaço Reservado para Número de Slide 8">
-            <a:extLst>
-              <a:ext uri="{FF2B5EF4-FFF2-40B4-BE49-F238E27FC236}">
-                <a16:creationId xmlns:a16="http://schemas.microsoft.com/office/drawing/2014/main" xmlns="" id="{07BDD2AE-6B9D-4CE9-A52E-17DA4BA97901}"/>
-              </a:ext>
-            </a:extLst>
-          </p:cNvPr>
+          <p:cNvPr id="9" name="Slide Number Placeholder 8"/>
           <p:cNvSpPr>
             <a:spLocks noGrp="1"/>
           </p:cNvSpPr>
@@ -1889,7 +3999,7 @@
     </p:spTree>
     <p:extLst>
       <p:ext uri="{BB962C8B-B14F-4D97-AF65-F5344CB8AC3E}">
-        <p14:creationId xmlns:p14="http://schemas.microsoft.com/office/powerpoint/2010/main" val="2645373014"/>
+        <p14:creationId xmlns:p14="http://schemas.microsoft.com/office/powerpoint/2010/main" val="1971991777"/>
       </p:ext>
     </p:extLst>
   </p:cSld>
@@ -1901,7 +4011,7 @@
 
 <file path=ppt/slideLayouts/slideLayout6.xml><?xml version="1.0" encoding="utf-8"?>
 <p:sldLayout xmlns:a="http://schemas.openxmlformats.org/drawingml/2006/main" xmlns:r="http://schemas.openxmlformats.org/officeDocument/2006/relationships" xmlns:p="http://schemas.openxmlformats.org/presentationml/2006/main" type="titleOnly" preserve="1">
-  <p:cSld name="Somente Título">
+  <p:cSld name="Somente título">
     <p:spTree>
       <p:nvGrpSpPr>
         <p:cNvPr id="1" name=""/>
@@ -1918,13 +4028,7 @@
       </p:grpSpPr>
       <p:sp>
         <p:nvSpPr>
-          <p:cNvPr id="2" name="Título 1">
-            <a:extLst>
-              <a:ext uri="{FF2B5EF4-FFF2-40B4-BE49-F238E27FC236}">
-                <a16:creationId xmlns:a16="http://schemas.microsoft.com/office/drawing/2014/main" xmlns="" id="{CD774EB4-CE4D-4E59-A072-99FF8290AC6D}"/>
-              </a:ext>
-            </a:extLst>
-          </p:cNvPr>
+          <p:cNvPr id="2" name="Title 1"/>
           <p:cNvSpPr>
             <a:spLocks noGrp="1"/>
           </p:cNvSpPr>
@@ -1938,21 +4042,16 @@
           <a:lstStyle/>
           <a:p>
             <a:r>
-              <a:rPr lang="pt-BR"/>
-              <a:t>Clique para editar o título Mestre</a:t>
-            </a:r>
-          </a:p>
-        </p:txBody>
-      </p:sp>
-      <p:sp>
-        <p:nvSpPr>
-          <p:cNvPr id="3" name="Espaço Reservado para Data 2">
-            <a:extLst>
-              <a:ext uri="{FF2B5EF4-FFF2-40B4-BE49-F238E27FC236}">
-                <a16:creationId xmlns:a16="http://schemas.microsoft.com/office/drawing/2014/main" xmlns="" id="{DC328D5D-DC91-41EF-B214-E23D521B0A4C}"/>
-              </a:ext>
-            </a:extLst>
-          </p:cNvPr>
+              <a:rPr lang="pt-BR" smtClean="0"/>
+              <a:t>Clique para editar o título mestre</a:t>
+            </a:r>
+            <a:endParaRPr lang="en-US" dirty="0"/>
+          </a:p>
+        </p:txBody>
+      </p:sp>
+      <p:sp>
+        <p:nvSpPr>
+          <p:cNvPr id="3" name="Date Placeholder 2"/>
           <p:cNvSpPr>
             <a:spLocks noGrp="1"/>
           </p:cNvSpPr>
@@ -1967,7 +4066,7 @@
           <a:p>
             <a:fld id="{EA4EE4DA-341A-437B-944B-3DB1D1B2090A}" type="datetimeFigureOut">
               <a:rPr lang="pt-BR" smtClean="0"/>
-              <a:t>27/09/2019</a:t>
+              <a:t>28/09/2019</a:t>
             </a:fld>
             <a:endParaRPr lang="pt-BR"/>
           </a:p>
@@ -1975,13 +4074,7 @@
       </p:sp>
       <p:sp>
         <p:nvSpPr>
-          <p:cNvPr id="4" name="Espaço Reservado para Rodapé 3">
-            <a:extLst>
-              <a:ext uri="{FF2B5EF4-FFF2-40B4-BE49-F238E27FC236}">
-                <a16:creationId xmlns:a16="http://schemas.microsoft.com/office/drawing/2014/main" xmlns="" id="{AF805642-D279-40F2-8FE0-AF79E04BB798}"/>
-              </a:ext>
-            </a:extLst>
-          </p:cNvPr>
+          <p:cNvPr id="4" name="Footer Placeholder 3"/>
           <p:cNvSpPr>
             <a:spLocks noGrp="1"/>
           </p:cNvSpPr>
@@ -2000,13 +4093,7 @@
       </p:sp>
       <p:sp>
         <p:nvSpPr>
-          <p:cNvPr id="5" name="Espaço Reservado para Número de Slide 4">
-            <a:extLst>
-              <a:ext uri="{FF2B5EF4-FFF2-40B4-BE49-F238E27FC236}">
-                <a16:creationId xmlns:a16="http://schemas.microsoft.com/office/drawing/2014/main" xmlns="" id="{38894973-4563-49C0-9316-6CED990A80B9}"/>
-              </a:ext>
-            </a:extLst>
-          </p:cNvPr>
+          <p:cNvPr id="5" name="Slide Number Placeholder 4"/>
           <p:cNvSpPr>
             <a:spLocks noGrp="1"/>
           </p:cNvSpPr>
@@ -2030,7 +4117,7 @@
     </p:spTree>
     <p:extLst>
       <p:ext uri="{BB962C8B-B14F-4D97-AF65-F5344CB8AC3E}">
-        <p14:creationId xmlns:p14="http://schemas.microsoft.com/office/powerpoint/2010/main" val="721879863"/>
+        <p14:creationId xmlns:p14="http://schemas.microsoft.com/office/powerpoint/2010/main" val="249457655"/>
       </p:ext>
     </p:extLst>
   </p:cSld>
@@ -2042,7 +4129,7 @@
 
 <file path=ppt/slideLayouts/slideLayout7.xml><?xml version="1.0" encoding="utf-8"?>
 <p:sldLayout xmlns:a="http://schemas.openxmlformats.org/drawingml/2006/main" xmlns:r="http://schemas.openxmlformats.org/officeDocument/2006/relationships" xmlns:p="http://schemas.openxmlformats.org/presentationml/2006/main" type="blank" preserve="1">
-  <p:cSld name="Em Branco">
+  <p:cSld name="Em branco">
     <p:spTree>
       <p:nvGrpSpPr>
         <p:cNvPr id="1" name=""/>
@@ -2059,13 +4146,7 @@
       </p:grpSpPr>
       <p:sp>
         <p:nvSpPr>
-          <p:cNvPr id="2" name="Espaço Reservado para Data 1">
-            <a:extLst>
-              <a:ext uri="{FF2B5EF4-FFF2-40B4-BE49-F238E27FC236}">
-                <a16:creationId xmlns:a16="http://schemas.microsoft.com/office/drawing/2014/main" xmlns="" id="{6928B9CA-78ED-4E0B-8D55-177ABCD74D73}"/>
-              </a:ext>
-            </a:extLst>
-          </p:cNvPr>
+          <p:cNvPr id="2" name="Date Placeholder 1"/>
           <p:cNvSpPr>
             <a:spLocks noGrp="1"/>
           </p:cNvSpPr>
@@ -2080,7 +4161,7 @@
           <a:p>
             <a:fld id="{EA4EE4DA-341A-437B-944B-3DB1D1B2090A}" type="datetimeFigureOut">
               <a:rPr lang="pt-BR" smtClean="0"/>
-              <a:t>27/09/2019</a:t>
+              <a:t>28/09/2019</a:t>
             </a:fld>
             <a:endParaRPr lang="pt-BR"/>
           </a:p>
@@ -2088,13 +4169,7 @@
       </p:sp>
       <p:sp>
         <p:nvSpPr>
-          <p:cNvPr id="3" name="Espaço Reservado para Rodapé 2">
-            <a:extLst>
-              <a:ext uri="{FF2B5EF4-FFF2-40B4-BE49-F238E27FC236}">
-                <a16:creationId xmlns:a16="http://schemas.microsoft.com/office/drawing/2014/main" xmlns="" id="{8BAA637A-C6D5-4EE1-9FB9-28789583C1EB}"/>
-              </a:ext>
-            </a:extLst>
-          </p:cNvPr>
+          <p:cNvPr id="3" name="Footer Placeholder 2"/>
           <p:cNvSpPr>
             <a:spLocks noGrp="1"/>
           </p:cNvSpPr>
@@ -2113,13 +4188,7 @@
       </p:sp>
       <p:sp>
         <p:nvSpPr>
-          <p:cNvPr id="4" name="Espaço Reservado para Número de Slide 3">
-            <a:extLst>
-              <a:ext uri="{FF2B5EF4-FFF2-40B4-BE49-F238E27FC236}">
-                <a16:creationId xmlns:a16="http://schemas.microsoft.com/office/drawing/2014/main" xmlns="" id="{882B9BDE-58F1-4EF3-B80B-B568202E1685}"/>
-              </a:ext>
-            </a:extLst>
-          </p:cNvPr>
+          <p:cNvPr id="4" name="Slide Number Placeholder 3"/>
           <p:cNvSpPr>
             <a:spLocks noGrp="1"/>
           </p:cNvSpPr>
@@ -2143,7 +4212,7 @@
     </p:spTree>
     <p:extLst>
       <p:ext uri="{BB962C8B-B14F-4D97-AF65-F5344CB8AC3E}">
-        <p14:creationId xmlns:p14="http://schemas.microsoft.com/office/powerpoint/2010/main" val="3224041508"/>
+        <p14:creationId xmlns:p14="http://schemas.microsoft.com/office/powerpoint/2010/main" val="2169845955"/>
       </p:ext>
     </p:extLst>
   </p:cSld>
@@ -2172,13 +4241,7 @@
       </p:grpSpPr>
       <p:sp>
         <p:nvSpPr>
-          <p:cNvPr id="2" name="Título 1">
-            <a:extLst>
-              <a:ext uri="{FF2B5EF4-FFF2-40B4-BE49-F238E27FC236}">
-                <a16:creationId xmlns:a16="http://schemas.microsoft.com/office/drawing/2014/main" xmlns="" id="{903F8D8C-24D5-4FAC-9DC4-2B536429482D}"/>
-              </a:ext>
-            </a:extLst>
-          </p:cNvPr>
+          <p:cNvPr id="2" name="Title 1"/>
           <p:cNvSpPr>
             <a:spLocks noGrp="1"/>
           </p:cNvSpPr>
@@ -2188,124 +4251,118 @@
         </p:nvSpPr>
         <p:spPr>
           <a:xfrm>
-            <a:off x="839788" y="457200"/>
-            <a:ext cx="3932237" cy="1600200"/>
-          </a:xfrm>
-        </p:spPr>
-        <p:txBody>
-          <a:bodyPr anchor="b"/>
+            <a:off x="1141411" y="1600200"/>
+            <a:ext cx="3549121" cy="1371600"/>
+          </a:xfrm>
+        </p:spPr>
+        <p:txBody>
+          <a:bodyPr anchor="b">
+            <a:normAutofit/>
+          </a:bodyPr>
+          <a:lstStyle>
+            <a:lvl1pPr algn="l">
+              <a:defRPr sz="2400" b="0"/>
+            </a:lvl1pPr>
+          </a:lstStyle>
+          <a:p>
+            <a:r>
+              <a:rPr lang="pt-BR" smtClean="0"/>
+              <a:t>Clique para editar o título mestre</a:t>
+            </a:r>
+            <a:endParaRPr lang="en-US" dirty="0"/>
+          </a:p>
+        </p:txBody>
+      </p:sp>
+      <p:sp>
+        <p:nvSpPr>
+          <p:cNvPr id="3" name="Content Placeholder 2"/>
+          <p:cNvSpPr>
+            <a:spLocks noGrp="1"/>
+          </p:cNvSpPr>
+          <p:nvPr>
+            <p:ph idx="1"/>
+          </p:nvPr>
+        </p:nvSpPr>
+        <p:spPr>
+          <a:xfrm>
+            <a:off x="5103812" y="609601"/>
+            <a:ext cx="5943601" cy="5181600"/>
+          </a:xfrm>
+        </p:spPr>
+        <p:txBody>
+          <a:bodyPr anchor="ctr">
+            <a:normAutofit/>
+          </a:bodyPr>
           <a:lstStyle>
             <a:lvl1pPr>
-              <a:defRPr sz="3200"/>
-            </a:lvl1pPr>
-          </a:lstStyle>
-          <a:p>
-            <a:r>
-              <a:rPr lang="pt-BR"/>
-              <a:t>Clique para editar o título Mestre</a:t>
-            </a:r>
-          </a:p>
-        </p:txBody>
-      </p:sp>
-      <p:sp>
-        <p:nvSpPr>
-          <p:cNvPr id="3" name="Espaço Reservado para Conteúdo 2">
-            <a:extLst>
-              <a:ext uri="{FF2B5EF4-FFF2-40B4-BE49-F238E27FC236}">
-                <a16:creationId xmlns:a16="http://schemas.microsoft.com/office/drawing/2014/main" xmlns="" id="{DF7CF04E-45FE-4817-B174-97F4003102D9}"/>
-              </a:ext>
-            </a:extLst>
-          </p:cNvPr>
-          <p:cNvSpPr>
-            <a:spLocks noGrp="1"/>
-          </p:cNvSpPr>
-          <p:nvPr>
-            <p:ph idx="1"/>
-          </p:nvPr>
-        </p:nvSpPr>
-        <p:spPr>
-          <a:xfrm>
-            <a:off x="5183188" y="987425"/>
-            <a:ext cx="6172200" cy="4873625"/>
-          </a:xfrm>
-        </p:spPr>
-        <p:txBody>
-          <a:bodyPr/>
-          <a:lstStyle>
-            <a:lvl1pPr>
-              <a:defRPr sz="3200"/>
+              <a:defRPr sz="2000"/>
             </a:lvl1pPr>
             <a:lvl2pPr>
-              <a:defRPr sz="2800"/>
+              <a:defRPr sz="1800"/>
             </a:lvl2pPr>
             <a:lvl3pPr>
-              <a:defRPr sz="2400"/>
+              <a:defRPr sz="1600"/>
             </a:lvl3pPr>
             <a:lvl4pPr>
-              <a:defRPr sz="2000"/>
+              <a:defRPr sz="1400"/>
             </a:lvl4pPr>
             <a:lvl5pPr>
-              <a:defRPr sz="2000"/>
+              <a:defRPr sz="1400"/>
             </a:lvl5pPr>
             <a:lvl6pPr>
-              <a:defRPr sz="2000"/>
+              <a:defRPr sz="1400"/>
             </a:lvl6pPr>
             <a:lvl7pPr>
-              <a:defRPr sz="2000"/>
+              <a:defRPr sz="1400"/>
             </a:lvl7pPr>
             <a:lvl8pPr>
-              <a:defRPr sz="2000"/>
+              <a:defRPr sz="1400"/>
             </a:lvl8pPr>
             <a:lvl9pPr>
-              <a:defRPr sz="2000"/>
+              <a:defRPr sz="1400"/>
             </a:lvl9pPr>
           </a:lstStyle>
           <a:p>
             <a:pPr lvl="0"/>
             <a:r>
-              <a:rPr lang="pt-BR"/>
-              <a:t>Clique para editar os estilos de texto Mestres</a:t>
+              <a:rPr lang="pt-BR" smtClean="0"/>
+              <a:t>Clique para editar o texto mestre</a:t>
             </a:r>
           </a:p>
           <a:p>
             <a:pPr lvl="1"/>
             <a:r>
-              <a:rPr lang="pt-BR"/>
+              <a:rPr lang="pt-BR" smtClean="0"/>
               <a:t>Segundo nível</a:t>
             </a:r>
           </a:p>
           <a:p>
             <a:pPr lvl="2"/>
             <a:r>
-              <a:rPr lang="pt-BR"/>
+              <a:rPr lang="pt-BR" smtClean="0"/>
               <a:t>Terceiro nível</a:t>
             </a:r>
           </a:p>
           <a:p>
             <a:pPr lvl="3"/>
             <a:r>
-              <a:rPr lang="pt-BR"/>
+              <a:rPr lang="pt-BR" smtClean="0"/>
               <a:t>Quarto nível</a:t>
             </a:r>
           </a:p>
           <a:p>
             <a:pPr lvl="4"/>
             <a:r>
-              <a:rPr lang="pt-BR"/>
+              <a:rPr lang="pt-BR" smtClean="0"/>
               <a:t>Quinto nível</a:t>
             </a:r>
-          </a:p>
-        </p:txBody>
-      </p:sp>
-      <p:sp>
-        <p:nvSpPr>
-          <p:cNvPr id="4" name="Espaço Reservado para Texto 3">
-            <a:extLst>
-              <a:ext uri="{FF2B5EF4-FFF2-40B4-BE49-F238E27FC236}">
-                <a16:creationId xmlns:a16="http://schemas.microsoft.com/office/drawing/2014/main" xmlns="" id="{A6ED907C-14B0-414A-8312-9FBCEEE88AC2}"/>
-              </a:ext>
-            </a:extLst>
-          </p:cNvPr>
+            <a:endParaRPr lang="en-US" dirty="0"/>
+          </a:p>
+        </p:txBody>
+      </p:sp>
+      <p:sp>
+        <p:nvSpPr>
+          <p:cNvPr id="4" name="Text Placeholder 3"/>
           <p:cNvSpPr>
             <a:spLocks noGrp="1"/>
           </p:cNvSpPr>
@@ -2315,12 +4372,14 @@
         </p:nvSpPr>
         <p:spPr>
           <a:xfrm>
-            <a:off x="839788" y="2057400"/>
-            <a:ext cx="3932237" cy="3811588"/>
-          </a:xfrm>
-        </p:spPr>
-        <p:txBody>
-          <a:bodyPr/>
+            <a:off x="1141411" y="2971800"/>
+            <a:ext cx="3549121" cy="1828800"/>
+          </a:xfrm>
+        </p:spPr>
+        <p:txBody>
+          <a:bodyPr>
+            <a:normAutofit/>
+          </a:bodyPr>
           <a:lstStyle>
             <a:lvl1pPr marL="0" indent="0">
               <a:buNone/>
@@ -2328,55 +4387,49 @@
             </a:lvl1pPr>
             <a:lvl2pPr marL="457200" indent="0">
               <a:buNone/>
-              <a:defRPr sz="1400"/>
+              <a:defRPr sz="1200"/>
             </a:lvl2pPr>
             <a:lvl3pPr marL="914400" indent="0">
               <a:buNone/>
-              <a:defRPr sz="1200"/>
+              <a:defRPr sz="1000"/>
             </a:lvl3pPr>
             <a:lvl4pPr marL="1371600" indent="0">
               <a:buNone/>
-              <a:defRPr sz="1000"/>
+              <a:defRPr sz="900"/>
             </a:lvl4pPr>
             <a:lvl5pPr marL="1828800" indent="0">
               <a:buNone/>
-              <a:defRPr sz="1000"/>
+              <a:defRPr sz="900"/>
             </a:lvl5pPr>
             <a:lvl6pPr marL="2286000" indent="0">
               <a:buNone/>
-              <a:defRPr sz="1000"/>
+              <a:defRPr sz="900"/>
             </a:lvl6pPr>
             <a:lvl7pPr marL="2743200" indent="0">
               <a:buNone/>
-              <a:defRPr sz="1000"/>
+              <a:defRPr sz="900"/>
             </a:lvl7pPr>
             <a:lvl8pPr marL="3200400" indent="0">
               <a:buNone/>
-              <a:defRPr sz="1000"/>
+              <a:defRPr sz="900"/>
             </a:lvl8pPr>
             <a:lvl9pPr marL="3657600" indent="0">
               <a:buNone/>
-              <a:defRPr sz="1000"/>
+              <a:defRPr sz="900"/>
             </a:lvl9pPr>
           </a:lstStyle>
           <a:p>
             <a:pPr lvl="0"/>
             <a:r>
-              <a:rPr lang="pt-BR"/>
-              <a:t>Clique para editar os estilos de texto Mestres</a:t>
-            </a:r>
-          </a:p>
-        </p:txBody>
-      </p:sp>
-      <p:sp>
-        <p:nvSpPr>
-          <p:cNvPr id="5" name="Espaço Reservado para Data 4">
-            <a:extLst>
-              <a:ext uri="{FF2B5EF4-FFF2-40B4-BE49-F238E27FC236}">
-                <a16:creationId xmlns:a16="http://schemas.microsoft.com/office/drawing/2014/main" xmlns="" id="{8F57C88E-0CE9-4A2F-BC11-62CEEE041171}"/>
-              </a:ext>
-            </a:extLst>
-          </p:cNvPr>
+              <a:rPr lang="pt-BR" smtClean="0"/>
+              <a:t>Clique para editar o texto mestre</a:t>
+            </a:r>
+          </a:p>
+        </p:txBody>
+      </p:sp>
+      <p:sp>
+        <p:nvSpPr>
+          <p:cNvPr id="5" name="Date Placeholder 4"/>
           <p:cNvSpPr>
             <a:spLocks noGrp="1"/>
           </p:cNvSpPr>
@@ -2391,7 +4444,7 @@
           <a:p>
             <a:fld id="{EA4EE4DA-341A-437B-944B-3DB1D1B2090A}" type="datetimeFigureOut">
               <a:rPr lang="pt-BR" smtClean="0"/>
-              <a:t>27/09/2019</a:t>
+              <a:t>28/09/2019</a:t>
             </a:fld>
             <a:endParaRPr lang="pt-BR"/>
           </a:p>
@@ -2399,13 +4452,7 @@
       </p:sp>
       <p:sp>
         <p:nvSpPr>
-          <p:cNvPr id="6" name="Espaço Reservado para Rodapé 5">
-            <a:extLst>
-              <a:ext uri="{FF2B5EF4-FFF2-40B4-BE49-F238E27FC236}">
-                <a16:creationId xmlns:a16="http://schemas.microsoft.com/office/drawing/2014/main" xmlns="" id="{EBEC36FB-3FAC-44A6-B866-1A4C8F029FB6}"/>
-              </a:ext>
-            </a:extLst>
-          </p:cNvPr>
+          <p:cNvPr id="6" name="Footer Placeholder 5"/>
           <p:cNvSpPr>
             <a:spLocks noGrp="1"/>
           </p:cNvSpPr>
@@ -2424,13 +4471,7 @@
       </p:sp>
       <p:sp>
         <p:nvSpPr>
-          <p:cNvPr id="7" name="Espaço Reservado para Número de Slide 6">
-            <a:extLst>
-              <a:ext uri="{FF2B5EF4-FFF2-40B4-BE49-F238E27FC236}">
-                <a16:creationId xmlns:a16="http://schemas.microsoft.com/office/drawing/2014/main" xmlns="" id="{88A680CC-DDF6-4E4A-A410-51B586BC20FF}"/>
-              </a:ext>
-            </a:extLst>
-          </p:cNvPr>
+          <p:cNvPr id="7" name="Slide Number Placeholder 6"/>
           <p:cNvSpPr>
             <a:spLocks noGrp="1"/>
           </p:cNvSpPr>
@@ -2454,7 +4495,7 @@
     </p:spTree>
     <p:extLst>
       <p:ext uri="{BB962C8B-B14F-4D97-AF65-F5344CB8AC3E}">
-        <p14:creationId xmlns:p14="http://schemas.microsoft.com/office/powerpoint/2010/main" val="1832536506"/>
+        <p14:creationId xmlns:p14="http://schemas.microsoft.com/office/powerpoint/2010/main" val="2645574295"/>
       </p:ext>
     </p:extLst>
   </p:cSld>
@@ -2483,13 +4524,7 @@
       </p:grpSpPr>
       <p:sp>
         <p:nvSpPr>
-          <p:cNvPr id="2" name="Título 1">
-            <a:extLst>
-              <a:ext uri="{FF2B5EF4-FFF2-40B4-BE49-F238E27FC236}">
-                <a16:creationId xmlns:a16="http://schemas.microsoft.com/office/drawing/2014/main" xmlns="" id="{22F5085C-DF6B-45D7-A03B-554189D83DC7}"/>
-              </a:ext>
-            </a:extLst>
-          </p:cNvPr>
+          <p:cNvPr id="2" name="Title 1"/>
           <p:cNvSpPr>
             <a:spLocks noGrp="1"/>
           </p:cNvSpPr>
@@ -2499,36 +4534,33 @@
         </p:nvSpPr>
         <p:spPr>
           <a:xfrm>
-            <a:off x="839788" y="457200"/>
-            <a:ext cx="3932237" cy="1600200"/>
-          </a:xfrm>
-        </p:spPr>
-        <p:txBody>
-          <a:bodyPr anchor="b"/>
+            <a:off x="1141411" y="1600200"/>
+            <a:ext cx="5334001" cy="1371600"/>
+          </a:xfrm>
+        </p:spPr>
+        <p:txBody>
+          <a:bodyPr anchor="b">
+            <a:normAutofit/>
+          </a:bodyPr>
           <a:lstStyle>
-            <a:lvl1pPr>
-              <a:defRPr sz="3200"/>
+            <a:lvl1pPr algn="l">
+              <a:defRPr sz="2800" b="0"/>
             </a:lvl1pPr>
           </a:lstStyle>
           <a:p>
             <a:r>
-              <a:rPr lang="pt-BR"/>
-              <a:t>Clique para editar o título Mestre</a:t>
-            </a:r>
-          </a:p>
-        </p:txBody>
-      </p:sp>
-      <p:sp>
-        <p:nvSpPr>
-          <p:cNvPr id="3" name="Espaço Reservado para Imagem 2">
-            <a:extLst>
-              <a:ext uri="{FF2B5EF4-FFF2-40B4-BE49-F238E27FC236}">
-                <a16:creationId xmlns:a16="http://schemas.microsoft.com/office/drawing/2014/main" xmlns="" id="{4BFCAC72-6B26-4E17-82E8-76FE1108DF2E}"/>
-              </a:ext>
-            </a:extLst>
-          </p:cNvPr>
-          <p:cNvSpPr>
-            <a:spLocks noGrp="1"/>
+              <a:rPr lang="pt-BR" smtClean="0"/>
+              <a:t>Clique para editar o título mestre</a:t>
+            </a:r>
+            <a:endParaRPr lang="en-US" dirty="0"/>
+          </a:p>
+        </p:txBody>
+      </p:sp>
+      <p:sp>
+        <p:nvSpPr>
+          <p:cNvPr id="14" name="Picture Placeholder 2"/>
+          <p:cNvSpPr>
+            <a:spLocks noGrp="1" noChangeAspect="1"/>
           </p:cNvSpPr>
           <p:nvPr>
             <p:ph type="pic" idx="1"/>
@@ -2536,135 +4568,154 @@
         </p:nvSpPr>
         <p:spPr>
           <a:xfrm>
-            <a:off x="5183188" y="987425"/>
-            <a:ext cx="6172200" cy="4873625"/>
-          </a:xfrm>
-        </p:spPr>
-        <p:txBody>
-          <a:bodyPr/>
+            <a:off x="7433733" y="-18288"/>
+            <a:ext cx="3276599" cy="6903720"/>
+          </a:xfrm>
+          <a:ln w="38100">
+            <a:gradFill flip="none" rotWithShape="1">
+              <a:gsLst>
+                <a:gs pos="0">
+                  <a:schemeClr val="bg2"/>
+                </a:gs>
+                <a:gs pos="100000">
+                  <a:schemeClr val="bg2">
+                    <a:lumMod val="75000"/>
+                  </a:schemeClr>
+                </a:gs>
+              </a:gsLst>
+              <a:lin ang="5400000" scaled="0"/>
+              <a:tileRect/>
+            </a:gradFill>
+          </a:ln>
+          <a:effectLst>
+            <a:innerShdw blurRad="57150" dist="38100" dir="10800000">
+              <a:srgbClr val="000000">
+                <a:alpha val="70000"/>
+              </a:srgbClr>
+            </a:innerShdw>
+          </a:effectLst>
+        </p:spPr>
+        <p:txBody>
+          <a:bodyPr anchor="t">
+            <a:normAutofit/>
+          </a:bodyPr>
           <a:lstStyle>
-            <a:lvl1pPr marL="0" indent="0">
-              <a:buNone/>
-              <a:defRPr sz="3200"/>
-            </a:lvl1pPr>
-            <a:lvl2pPr marL="457200" indent="0">
-              <a:buNone/>
-              <a:defRPr sz="2800"/>
-            </a:lvl2pPr>
-            <a:lvl3pPr marL="914400" indent="0">
-              <a:buNone/>
-              <a:defRPr sz="2400"/>
-            </a:lvl3pPr>
-            <a:lvl4pPr marL="1371600" indent="0">
-              <a:buNone/>
-              <a:defRPr sz="2000"/>
-            </a:lvl4pPr>
-            <a:lvl5pPr marL="1828800" indent="0">
-              <a:buNone/>
-              <a:defRPr sz="2000"/>
-            </a:lvl5pPr>
-            <a:lvl6pPr marL="2286000" indent="0">
-              <a:buNone/>
-              <a:defRPr sz="2000"/>
-            </a:lvl6pPr>
-            <a:lvl7pPr marL="2743200" indent="0">
-              <a:buNone/>
-              <a:defRPr sz="2000"/>
-            </a:lvl7pPr>
-            <a:lvl8pPr marL="3200400" indent="0">
-              <a:buNone/>
-              <a:defRPr sz="2000"/>
-            </a:lvl8pPr>
-            <a:lvl9pPr marL="3657600" indent="0">
-              <a:buNone/>
-              <a:defRPr sz="2000"/>
-            </a:lvl9pPr>
-          </a:lstStyle>
-          <a:p>
-            <a:endParaRPr lang="pt-BR"/>
-          </a:p>
-        </p:txBody>
-      </p:sp>
-      <p:sp>
-        <p:nvSpPr>
-          <p:cNvPr id="4" name="Espaço Reservado para Texto 3">
-            <a:extLst>
-              <a:ext uri="{FF2B5EF4-FFF2-40B4-BE49-F238E27FC236}">
-                <a16:creationId xmlns:a16="http://schemas.microsoft.com/office/drawing/2014/main" xmlns="" id="{380348AA-7468-4A6A-96DE-0099B96F407C}"/>
-              </a:ext>
-            </a:extLst>
-          </p:cNvPr>
-          <p:cNvSpPr>
-            <a:spLocks noGrp="1"/>
-          </p:cNvSpPr>
-          <p:nvPr>
-            <p:ph type="body" sz="half" idx="2"/>
-          </p:nvPr>
-        </p:nvSpPr>
-        <p:spPr>
-          <a:xfrm>
-            <a:off x="839788" y="2057400"/>
-            <a:ext cx="3932237" cy="3811588"/>
-          </a:xfrm>
-        </p:spPr>
-        <p:txBody>
-          <a:bodyPr/>
-          <a:lstStyle>
-            <a:lvl1pPr marL="0" indent="0">
+            <a:lvl1pPr marL="0" indent="0" algn="ctr">
               <a:buNone/>
               <a:defRPr sz="1600"/>
             </a:lvl1pPr>
             <a:lvl2pPr marL="457200" indent="0">
               <a:buNone/>
-              <a:defRPr sz="1400"/>
+              <a:defRPr sz="1600"/>
             </a:lvl2pPr>
             <a:lvl3pPr marL="914400" indent="0">
               <a:buNone/>
-              <a:defRPr sz="1200"/>
+              <a:defRPr sz="1600"/>
             </a:lvl3pPr>
             <a:lvl4pPr marL="1371600" indent="0">
               <a:buNone/>
-              <a:defRPr sz="1000"/>
+              <a:defRPr sz="1600"/>
             </a:lvl4pPr>
             <a:lvl5pPr marL="1828800" indent="0">
               <a:buNone/>
-              <a:defRPr sz="1000"/>
+              <a:defRPr sz="1600"/>
             </a:lvl5pPr>
             <a:lvl6pPr marL="2286000" indent="0">
               <a:buNone/>
-              <a:defRPr sz="1000"/>
+              <a:defRPr sz="1600"/>
             </a:lvl6pPr>
             <a:lvl7pPr marL="2743200" indent="0">
               <a:buNone/>
-              <a:defRPr sz="1000"/>
+              <a:defRPr sz="1600"/>
             </a:lvl7pPr>
             <a:lvl8pPr marL="3200400" indent="0">
               <a:buNone/>
-              <a:defRPr sz="1000"/>
+              <a:defRPr sz="1600"/>
             </a:lvl8pPr>
             <a:lvl9pPr marL="3657600" indent="0">
               <a:buNone/>
-              <a:defRPr sz="1000"/>
+              <a:defRPr sz="1600"/>
             </a:lvl9pPr>
           </a:lstStyle>
           <a:p>
+            <a:r>
+              <a:rPr lang="pt-BR" smtClean="0"/>
+              <a:t>Clique no ícone para adicionar uma imagem</a:t>
+            </a:r>
+            <a:endParaRPr lang="en-US" dirty="0"/>
+          </a:p>
+        </p:txBody>
+      </p:sp>
+      <p:sp>
+        <p:nvSpPr>
+          <p:cNvPr id="4" name="Text Placeholder 3"/>
+          <p:cNvSpPr>
+            <a:spLocks noGrp="1"/>
+          </p:cNvSpPr>
+          <p:nvPr>
+            <p:ph type="body" sz="half" idx="2"/>
+          </p:nvPr>
+        </p:nvSpPr>
+        <p:spPr>
+          <a:xfrm>
+            <a:off x="1141411" y="2971800"/>
+            <a:ext cx="5334001" cy="1828800"/>
+          </a:xfrm>
+        </p:spPr>
+        <p:txBody>
+          <a:bodyPr>
+            <a:normAutofit/>
+          </a:bodyPr>
+          <a:lstStyle>
+            <a:lvl1pPr marL="0" indent="0">
+              <a:buNone/>
+              <a:defRPr sz="1800"/>
+            </a:lvl1pPr>
+            <a:lvl2pPr marL="457200" indent="0">
+              <a:buNone/>
+              <a:defRPr sz="1200"/>
+            </a:lvl2pPr>
+            <a:lvl3pPr marL="914400" indent="0">
+              <a:buNone/>
+              <a:defRPr sz="1000"/>
+            </a:lvl3pPr>
+            <a:lvl4pPr marL="1371600" indent="0">
+              <a:buNone/>
+              <a:defRPr sz="900"/>
+            </a:lvl4pPr>
+            <a:lvl5pPr marL="1828800" indent="0">
+              <a:buNone/>
+              <a:defRPr sz="900"/>
+            </a:lvl5pPr>
+            <a:lvl6pPr marL="2286000" indent="0">
+              <a:buNone/>
+              <a:defRPr sz="900"/>
+            </a:lvl6pPr>
+            <a:lvl7pPr marL="2743200" indent="0">
+              <a:buNone/>
+              <a:defRPr sz="900"/>
+            </a:lvl7pPr>
+            <a:lvl8pPr marL="3200400" indent="0">
+              <a:buNone/>
+              <a:defRPr sz="900"/>
+            </a:lvl8pPr>
+            <a:lvl9pPr marL="3657600" indent="0">
+              <a:buNone/>
+              <a:defRPr sz="900"/>
+            </a:lvl9pPr>
+          </a:lstStyle>
+          <a:p>
             <a:pPr lvl="0"/>
             <a:r>
-              <a:rPr lang="pt-BR"/>
-              <a:t>Clique para editar os estilos de texto Mestres</a:t>
-            </a:r>
-          </a:p>
-        </p:txBody>
-      </p:sp>
-      <p:sp>
-        <p:nvSpPr>
-          <p:cNvPr id="5" name="Espaço Reservado para Data 4">
-            <a:extLst>
-              <a:ext uri="{FF2B5EF4-FFF2-40B4-BE49-F238E27FC236}">
-                <a16:creationId xmlns:a16="http://schemas.microsoft.com/office/drawing/2014/main" xmlns="" id="{87A3C73F-0AC4-4D13-920F-F58BD7F215DF}"/>
-              </a:ext>
-            </a:extLst>
-          </p:cNvPr>
+              <a:rPr lang="pt-BR" smtClean="0"/>
+              <a:t>Clique para editar o texto mestre</a:t>
+            </a:r>
+          </a:p>
+        </p:txBody>
+      </p:sp>
+      <p:sp>
+        <p:nvSpPr>
+          <p:cNvPr id="5" name="Date Placeholder 4"/>
           <p:cNvSpPr>
             <a:spLocks noGrp="1"/>
           </p:cNvSpPr>
@@ -2672,14 +4723,19 @@
             <p:ph type="dt" sz="half" idx="10"/>
           </p:nvPr>
         </p:nvSpPr>
-        <p:spPr/>
+        <p:spPr>
+          <a:xfrm>
+            <a:off x="6399212" y="5883275"/>
+            <a:ext cx="914400" cy="365125"/>
+          </a:xfrm>
+        </p:spPr>
         <p:txBody>
           <a:bodyPr/>
           <a:lstStyle/>
           <a:p>
             <a:fld id="{EA4EE4DA-341A-437B-944B-3DB1D1B2090A}" type="datetimeFigureOut">
               <a:rPr lang="pt-BR" smtClean="0"/>
-              <a:t>27/09/2019</a:t>
+              <a:t>28/09/2019</a:t>
             </a:fld>
             <a:endParaRPr lang="pt-BR"/>
           </a:p>
@@ -2687,13 +4743,7 @@
       </p:sp>
       <p:sp>
         <p:nvSpPr>
-          <p:cNvPr id="6" name="Espaço Reservado para Rodapé 5">
-            <a:extLst>
-              <a:ext uri="{FF2B5EF4-FFF2-40B4-BE49-F238E27FC236}">
-                <a16:creationId xmlns:a16="http://schemas.microsoft.com/office/drawing/2014/main" xmlns="" id="{9E775C61-6AAE-40DE-80B8-8C8601421BF9}"/>
-              </a:ext>
-            </a:extLst>
-          </p:cNvPr>
+          <p:cNvPr id="6" name="Footer Placeholder 5"/>
           <p:cNvSpPr>
             <a:spLocks noGrp="1"/>
           </p:cNvSpPr>
@@ -2701,7 +4751,12 @@
             <p:ph type="ftr" sz="quarter" idx="11"/>
           </p:nvPr>
         </p:nvSpPr>
-        <p:spPr/>
+        <p:spPr>
+          <a:xfrm>
+            <a:off x="1141412" y="5883275"/>
+            <a:ext cx="5105400" cy="365125"/>
+          </a:xfrm>
+        </p:spPr>
         <p:txBody>
           <a:bodyPr/>
           <a:lstStyle/>
@@ -2712,13 +4767,7 @@
       </p:sp>
       <p:sp>
         <p:nvSpPr>
-          <p:cNvPr id="7" name="Espaço Reservado para Número de Slide 6">
-            <a:extLst>
-              <a:ext uri="{FF2B5EF4-FFF2-40B4-BE49-F238E27FC236}">
-                <a16:creationId xmlns:a16="http://schemas.microsoft.com/office/drawing/2014/main" xmlns="" id="{2CEF04BC-AF58-416F-BE9A-B020FD05BFED}"/>
-              </a:ext>
-            </a:extLst>
-          </p:cNvPr>
+          <p:cNvPr id="7" name="Slide Number Placeholder 6"/>
           <p:cNvSpPr>
             <a:spLocks noGrp="1"/>
           </p:cNvSpPr>
@@ -2726,7 +4775,12 @@
             <p:ph type="sldNum" sz="quarter" idx="12"/>
           </p:nvPr>
         </p:nvSpPr>
-        <p:spPr/>
+        <p:spPr>
+          <a:xfrm>
+            <a:off x="10742612" y="5883275"/>
+            <a:ext cx="322567" cy="365125"/>
+          </a:xfrm>
+        </p:spPr>
         <p:txBody>
           <a:bodyPr/>
           <a:lstStyle/>
@@ -2742,7 +4796,7 @@
     </p:spTree>
     <p:extLst>
       <p:ext uri="{BB962C8B-B14F-4D97-AF65-F5344CB8AC3E}">
-        <p14:creationId xmlns:p14="http://schemas.microsoft.com/office/powerpoint/2010/main" val="1204930401"/>
+        <p14:creationId xmlns:p14="http://schemas.microsoft.com/office/powerpoint/2010/main" val="2986526655"/>
       </p:ext>
     </p:extLst>
   </p:cSld>
@@ -2756,8 +4810,8 @@
 <p:sldMaster xmlns:a="http://schemas.openxmlformats.org/drawingml/2006/main" xmlns:r="http://schemas.openxmlformats.org/officeDocument/2006/relationships" xmlns:p="http://schemas.openxmlformats.org/presentationml/2006/main">
   <p:cSld>
     <p:bg>
-      <p:bgRef idx="1001">
-        <a:schemeClr val="bg1"/>
+      <p:bgRef idx="1003">
+        <a:schemeClr val="bg2"/>
       </p:bgRef>
     </p:bg>
     <p:spTree>
@@ -2776,13 +4830,7 @@
       </p:grpSpPr>
       <p:sp>
         <p:nvSpPr>
-          <p:cNvPr id="2" name="Espaço Reservado para Título 1">
-            <a:extLst>
-              <a:ext uri="{FF2B5EF4-FFF2-40B4-BE49-F238E27FC236}">
-                <a16:creationId xmlns:a16="http://schemas.microsoft.com/office/drawing/2014/main" xmlns="" id="{C06A5C8C-751B-4EFC-9B87-8EA64368872E}"/>
-              </a:ext>
-            </a:extLst>
-          </p:cNvPr>
+          <p:cNvPr id="2" name="Title Placeholder 1"/>
           <p:cNvSpPr>
             <a:spLocks noGrp="1"/>
           </p:cNvSpPr>
@@ -2792,8 +4840,8 @@
         </p:nvSpPr>
         <p:spPr>
           <a:xfrm>
-            <a:off x="838200" y="365125"/>
-            <a:ext cx="10515600" cy="1325563"/>
+            <a:off x="1141413" y="609600"/>
+            <a:ext cx="9905998" cy="1905000"/>
           </a:xfrm>
           <a:prstGeom prst="rect">
             <a:avLst/>
@@ -2806,21 +4854,16 @@
           <a:lstStyle/>
           <a:p>
             <a:r>
-              <a:rPr lang="pt-BR"/>
-              <a:t>Clique para editar o título Mestre</a:t>
-            </a:r>
-          </a:p>
-        </p:txBody>
-      </p:sp>
-      <p:sp>
-        <p:nvSpPr>
-          <p:cNvPr id="3" name="Espaço Reservado para Texto 2">
-            <a:extLst>
-              <a:ext uri="{FF2B5EF4-FFF2-40B4-BE49-F238E27FC236}">
-                <a16:creationId xmlns:a16="http://schemas.microsoft.com/office/drawing/2014/main" xmlns="" id="{2AF427E6-B9E1-4640-A10B-8F378C203F3D}"/>
-              </a:ext>
-            </a:extLst>
-          </p:cNvPr>
+              <a:rPr lang="pt-BR" smtClean="0"/>
+              <a:t>Clique para editar o título mestre</a:t>
+            </a:r>
+            <a:endParaRPr lang="en-US" dirty="0"/>
+          </a:p>
+        </p:txBody>
+      </p:sp>
+      <p:sp>
+        <p:nvSpPr>
+          <p:cNvPr id="3" name="Text Placeholder 2"/>
           <p:cNvSpPr>
             <a:spLocks noGrp="1"/>
           </p:cNvSpPr>
@@ -2830,64 +4873,59 @@
         </p:nvSpPr>
         <p:spPr>
           <a:xfrm>
-            <a:off x="838200" y="1825625"/>
-            <a:ext cx="10515600" cy="4351338"/>
+            <a:off x="1141413" y="2666999"/>
+            <a:ext cx="9905998" cy="3124201"/>
           </a:xfrm>
           <a:prstGeom prst="rect">
             <a:avLst/>
           </a:prstGeom>
         </p:spPr>
         <p:txBody>
-          <a:bodyPr vert="horz" lIns="91440" tIns="45720" rIns="91440" bIns="45720" rtlCol="0">
+          <a:bodyPr vert="horz" lIns="91440" tIns="45720" rIns="91440" bIns="45720" rtlCol="0" anchor="ctr">
             <a:normAutofit/>
           </a:bodyPr>
           <a:lstStyle/>
           <a:p>
             <a:pPr lvl="0"/>
             <a:r>
-              <a:rPr lang="pt-BR"/>
-              <a:t>Clique para editar os estilos de texto Mestres</a:t>
+              <a:rPr lang="pt-BR" smtClean="0"/>
+              <a:t>Clique para editar o texto mestre</a:t>
             </a:r>
           </a:p>
           <a:p>
             <a:pPr lvl="1"/>
             <a:r>
-              <a:rPr lang="pt-BR"/>
+              <a:rPr lang="pt-BR" smtClean="0"/>
               <a:t>Segundo nível</a:t>
             </a:r>
           </a:p>
           <a:p>
             <a:pPr lvl="2"/>
             <a:r>
-              <a:rPr lang="pt-BR"/>
+              <a:rPr lang="pt-BR" smtClean="0"/>
               <a:t>Terceiro nível</a:t>
             </a:r>
           </a:p>
           <a:p>
             <a:pPr lvl="3"/>
             <a:r>
-              <a:rPr lang="pt-BR"/>
+              <a:rPr lang="pt-BR" smtClean="0"/>
               <a:t>Quarto nível</a:t>
             </a:r>
           </a:p>
           <a:p>
             <a:pPr lvl="4"/>
             <a:r>
-              <a:rPr lang="pt-BR"/>
+              <a:rPr lang="pt-BR" smtClean="0"/>
               <a:t>Quinto nível</a:t>
             </a:r>
-          </a:p>
-        </p:txBody>
-      </p:sp>
-      <p:sp>
-        <p:nvSpPr>
-          <p:cNvPr id="4" name="Espaço Reservado para Data 3">
-            <a:extLst>
-              <a:ext uri="{FF2B5EF4-FFF2-40B4-BE49-F238E27FC236}">
-                <a16:creationId xmlns:a16="http://schemas.microsoft.com/office/drawing/2014/main" xmlns="" id="{5813B230-CD41-4A9D-8246-63B09FC710EF}"/>
-              </a:ext>
-            </a:extLst>
-          </p:cNvPr>
+            <a:endParaRPr lang="en-US" dirty="0"/>
+          </a:p>
+        </p:txBody>
+      </p:sp>
+      <p:sp>
+        <p:nvSpPr>
+          <p:cNvPr id="4" name="Date Placeholder 3"/>
           <p:cNvSpPr>
             <a:spLocks noGrp="1"/>
           </p:cNvSpPr>
@@ -2897,8 +4935,8 @@
         </p:nvSpPr>
         <p:spPr>
           <a:xfrm>
-            <a:off x="838200" y="6356350"/>
-            <a:ext cx="2743200" cy="365125"/>
+            <a:off x="8837612" y="5883275"/>
+            <a:ext cx="1600200" cy="365125"/>
           </a:xfrm>
           <a:prstGeom prst="rect">
             <a:avLst/>
@@ -2907,20 +4945,28 @@
         <p:txBody>
           <a:bodyPr vert="horz" lIns="91440" tIns="45720" rIns="91440" bIns="45720" rtlCol="0" anchor="ctr"/>
           <a:lstStyle>
-            <a:lvl1pPr algn="l">
-              <a:defRPr sz="1200">
+            <a:lvl1pPr algn="r">
+              <a:defRPr sz="900" b="1" i="0">
                 <a:solidFill>
                   <a:schemeClr val="tx1">
-                    <a:tint val="75000"/>
+                    <a:lumMod val="75000"/>
                   </a:schemeClr>
                 </a:solidFill>
+                <a:effectLst>
+                  <a:outerShdw blurRad="50800" dist="38100" dir="2700000" algn="tl" rotWithShape="0">
+                    <a:srgbClr val="000000">
+                      <a:alpha val="43000"/>
+                    </a:srgbClr>
+                  </a:outerShdw>
+                </a:effectLst>
+                <a:latin typeface="+mn-lt"/>
               </a:defRPr>
             </a:lvl1pPr>
           </a:lstStyle>
           <a:p>
             <a:fld id="{EA4EE4DA-341A-437B-944B-3DB1D1B2090A}" type="datetimeFigureOut">
               <a:rPr lang="pt-BR" smtClean="0"/>
-              <a:t>27/09/2019</a:t>
+              <a:t>28/09/2019</a:t>
             </a:fld>
             <a:endParaRPr lang="pt-BR"/>
           </a:p>
@@ -2928,13 +4974,7 @@
       </p:sp>
       <p:sp>
         <p:nvSpPr>
-          <p:cNvPr id="5" name="Espaço Reservado para Rodapé 4">
-            <a:extLst>
-              <a:ext uri="{FF2B5EF4-FFF2-40B4-BE49-F238E27FC236}">
-                <a16:creationId xmlns:a16="http://schemas.microsoft.com/office/drawing/2014/main" xmlns="" id="{3C005270-241B-46D7-BDCB-0DF73A5FC939}"/>
-              </a:ext>
-            </a:extLst>
-          </p:cNvPr>
+          <p:cNvPr id="5" name="Footer Placeholder 4"/>
           <p:cNvSpPr>
             <a:spLocks noGrp="1"/>
           </p:cNvSpPr>
@@ -2944,8 +4984,8 @@
         </p:nvSpPr>
         <p:spPr>
           <a:xfrm>
-            <a:off x="4038600" y="6356350"/>
-            <a:ext cx="4114800" cy="365125"/>
+            <a:off x="1141412" y="5883275"/>
+            <a:ext cx="7543800" cy="365125"/>
           </a:xfrm>
           <a:prstGeom prst="rect">
             <a:avLst/>
@@ -2954,13 +4994,21 @@
         <p:txBody>
           <a:bodyPr vert="horz" lIns="91440" tIns="45720" rIns="91440" bIns="45720" rtlCol="0" anchor="ctr"/>
           <a:lstStyle>
-            <a:lvl1pPr algn="ctr">
-              <a:defRPr sz="1200">
+            <a:lvl1pPr algn="l">
+              <a:defRPr sz="900" b="1" i="0">
                 <a:solidFill>
                   <a:schemeClr val="tx1">
-                    <a:tint val="75000"/>
+                    <a:lumMod val="75000"/>
                   </a:schemeClr>
                 </a:solidFill>
+                <a:effectLst>
+                  <a:outerShdw blurRad="50800" dist="38100" dir="2700000" algn="tl" rotWithShape="0">
+                    <a:srgbClr val="000000">
+                      <a:alpha val="43000"/>
+                    </a:srgbClr>
+                  </a:outerShdw>
+                </a:effectLst>
+                <a:latin typeface="+mn-lt"/>
               </a:defRPr>
             </a:lvl1pPr>
           </a:lstStyle>
@@ -2971,13 +5019,7 @@
       </p:sp>
       <p:sp>
         <p:nvSpPr>
-          <p:cNvPr id="6" name="Espaço Reservado para Número de Slide 5">
-            <a:extLst>
-              <a:ext uri="{FF2B5EF4-FFF2-40B4-BE49-F238E27FC236}">
-                <a16:creationId xmlns:a16="http://schemas.microsoft.com/office/drawing/2014/main" xmlns="" id="{40865DF4-0032-411C-9627-54FC315187AD}"/>
-              </a:ext>
-            </a:extLst>
-          </p:cNvPr>
+          <p:cNvPr id="6" name="Slide Number Placeholder 5"/>
           <p:cNvSpPr>
             <a:spLocks noGrp="1"/>
           </p:cNvSpPr>
@@ -2987,8 +5029,8 @@
         </p:nvSpPr>
         <p:spPr>
           <a:xfrm>
-            <a:off x="8610600" y="6356350"/>
-            <a:ext cx="2743200" cy="365125"/>
+            <a:off x="10514012" y="5883275"/>
+            <a:ext cx="551167" cy="365125"/>
           </a:xfrm>
           <a:prstGeom prst="rect">
             <a:avLst/>
@@ -2998,12 +5040,20 @@
           <a:bodyPr vert="horz" lIns="91440" tIns="45720" rIns="91440" bIns="45720" rtlCol="0" anchor="ctr"/>
           <a:lstStyle>
             <a:lvl1pPr algn="r">
-              <a:defRPr sz="1200">
+              <a:defRPr sz="900" b="1" i="0">
                 <a:solidFill>
                   <a:schemeClr val="tx1">
-                    <a:tint val="75000"/>
+                    <a:lumMod val="75000"/>
                   </a:schemeClr>
                 </a:solidFill>
+                <a:effectLst>
+                  <a:outerShdw blurRad="50800" dist="38100" dir="2700000" algn="tl" rotWithShape="0">
+                    <a:srgbClr val="000000">
+                      <a:alpha val="43000"/>
+                    </a:srgbClr>
+                  </a:outerShdw>
+                </a:effectLst>
+                <a:latin typeface="+mn-lt"/>
               </a:defRPr>
             </a:lvl1pPr>
           </a:lstStyle>
@@ -3019,55 +5069,562 @@
     </p:spTree>
     <p:extLst>
       <p:ext uri="{BB962C8B-B14F-4D97-AF65-F5344CB8AC3E}">
-        <p14:creationId xmlns:p14="http://schemas.microsoft.com/office/powerpoint/2010/main" val="1602742558"/>
+        <p14:creationId xmlns:p14="http://schemas.microsoft.com/office/powerpoint/2010/main" val="4102337156"/>
       </p:ext>
     </p:extLst>
   </p:cSld>
-  <p:clrMap bg1="lt1" tx1="dk1" bg2="lt2" tx2="dk2" accent1="accent1" accent2="accent2" accent3="accent3" accent4="accent4" accent5="accent5" accent6="accent6" hlink="hlink" folHlink="folHlink"/>
+  <p:clrMap bg1="dk1" tx1="lt1" bg2="dk2" tx2="lt2" accent1="accent1" accent2="accent2" accent3="accent3" accent4="accent4" accent5="accent5" accent6="accent6" hlink="hlink" folHlink="folHlink"/>
   <p:sldLayoutIdLst>
-    <p:sldLayoutId id="2147483649" r:id="rId1"/>
-    <p:sldLayoutId id="2147483650" r:id="rId2"/>
-    <p:sldLayoutId id="2147483651" r:id="rId3"/>
-    <p:sldLayoutId id="2147483652" r:id="rId4"/>
-    <p:sldLayoutId id="2147483653" r:id="rId5"/>
-    <p:sldLayoutId id="2147483654" r:id="rId6"/>
-    <p:sldLayoutId id="2147483655" r:id="rId7"/>
-    <p:sldLayoutId id="2147483656" r:id="rId8"/>
-    <p:sldLayoutId id="2147483657" r:id="rId9"/>
-    <p:sldLayoutId id="2147483658" r:id="rId10"/>
-    <p:sldLayoutId id="2147483659" r:id="rId11"/>
+    <p:sldLayoutId id="2147483697" r:id="rId1"/>
+    <p:sldLayoutId id="2147483698" r:id="rId2"/>
+    <p:sldLayoutId id="2147483699" r:id="rId3"/>
+    <p:sldLayoutId id="2147483700" r:id="rId4"/>
+    <p:sldLayoutId id="2147483701" r:id="rId5"/>
+    <p:sldLayoutId id="2147483702" r:id="rId6"/>
+    <p:sldLayoutId id="2147483703" r:id="rId7"/>
+    <p:sldLayoutId id="2147483704" r:id="rId8"/>
+    <p:sldLayoutId id="2147483705" r:id="rId9"/>
+    <p:sldLayoutId id="2147483706" r:id="rId10"/>
+    <p:sldLayoutId id="2147483707" r:id="rId11"/>
+    <p:sldLayoutId id="2147483708" r:id="rId12"/>
+    <p:sldLayoutId id="2147483709" r:id="rId13"/>
+    <p:sldLayoutId id="2147483710" r:id="rId14"/>
+    <p:sldLayoutId id="2147483711" r:id="rId15"/>
+    <p:sldLayoutId id="2147483712" r:id="rId16"/>
+    <p:sldLayoutId id="2147483713" r:id="rId17"/>
   </p:sldLayoutIdLst>
   <p:txStyles>
     <p:titleStyle>
-      <a:lvl1pPr algn="l" defTabSz="914400" rtl="0" eaLnBrk="1" latinLnBrk="0" hangingPunct="1">
-        <a:lnSpc>
-          <a:spcPct val="90000"/>
-        </a:lnSpc>
+      <a:lvl1pPr algn="l" defTabSz="457200" rtl="0" eaLnBrk="1" latinLnBrk="0" hangingPunct="1">
         <a:spcBef>
           <a:spcPct val="0"/>
         </a:spcBef>
         <a:buNone/>
-        <a:defRPr sz="4400" kern="1200">
-          <a:solidFill>
-            <a:schemeClr val="tx1"/>
-          </a:solidFill>
+        <a:defRPr sz="3200" kern="1200" cap="all">
+          <a:ln w="3175" cmpd="sng">
+            <a:noFill/>
+          </a:ln>
+          <a:gradFill flip="none" rotWithShape="1">
+            <a:gsLst>
+              <a:gs pos="0">
+                <a:schemeClr val="tx1"/>
+              </a:gs>
+              <a:gs pos="100000">
+                <a:schemeClr val="tx1">
+                  <a:lumMod val="65000"/>
+                </a:schemeClr>
+              </a:gs>
+            </a:gsLst>
+            <a:lin ang="5580000" scaled="0"/>
+            <a:tileRect/>
+          </a:gradFill>
+          <a:effectLst>
+            <a:glow rad="38100">
+              <a:schemeClr val="bg1">
+                <a:lumMod val="65000"/>
+                <a:lumOff val="35000"/>
+                <a:alpha val="40000"/>
+              </a:schemeClr>
+            </a:glow>
+            <a:outerShdw blurRad="28575" dist="38100" dir="14040000" algn="tl" rotWithShape="0">
+              <a:srgbClr val="000000">
+                <a:alpha val="25000"/>
+              </a:srgbClr>
+            </a:outerShdw>
+          </a:effectLst>
           <a:latin typeface="+mj-lt"/>
           <a:ea typeface="+mj-ea"/>
           <a:cs typeface="+mj-cs"/>
         </a:defRPr>
       </a:lvl1pPr>
+      <a:lvl2pPr eaLnBrk="1" hangingPunct="1">
+        <a:defRPr>
+          <a:solidFill>
+            <a:schemeClr val="tx2"/>
+          </a:solidFill>
+        </a:defRPr>
+      </a:lvl2pPr>
+      <a:lvl3pPr eaLnBrk="1" hangingPunct="1">
+        <a:defRPr>
+          <a:solidFill>
+            <a:schemeClr val="tx2"/>
+          </a:solidFill>
+        </a:defRPr>
+      </a:lvl3pPr>
+      <a:lvl4pPr eaLnBrk="1" hangingPunct="1">
+        <a:defRPr>
+          <a:solidFill>
+            <a:schemeClr val="tx2"/>
+          </a:solidFill>
+        </a:defRPr>
+      </a:lvl4pPr>
+      <a:lvl5pPr eaLnBrk="1" hangingPunct="1">
+        <a:defRPr>
+          <a:solidFill>
+            <a:schemeClr val="tx2"/>
+          </a:solidFill>
+        </a:defRPr>
+      </a:lvl5pPr>
+      <a:lvl6pPr eaLnBrk="1" hangingPunct="1">
+        <a:defRPr>
+          <a:solidFill>
+            <a:schemeClr val="tx2"/>
+          </a:solidFill>
+        </a:defRPr>
+      </a:lvl6pPr>
+      <a:lvl7pPr eaLnBrk="1" hangingPunct="1">
+        <a:defRPr>
+          <a:solidFill>
+            <a:schemeClr val="tx2"/>
+          </a:solidFill>
+        </a:defRPr>
+      </a:lvl7pPr>
+      <a:lvl8pPr eaLnBrk="1" hangingPunct="1">
+        <a:defRPr>
+          <a:solidFill>
+            <a:schemeClr val="tx2"/>
+          </a:solidFill>
+        </a:defRPr>
+      </a:lvl8pPr>
+      <a:lvl9pPr eaLnBrk="1" hangingPunct="1">
+        <a:defRPr>
+          <a:solidFill>
+            <a:schemeClr val="tx2"/>
+          </a:solidFill>
+        </a:defRPr>
+      </a:lvl9pPr>
     </p:titleStyle>
     <p:bodyStyle>
-      <a:lvl1pPr marL="228600" indent="-228600" algn="l" defTabSz="914400" rtl="0" eaLnBrk="1" latinLnBrk="0" hangingPunct="1">
-        <a:lnSpc>
-          <a:spcPct val="90000"/>
-        </a:lnSpc>
+      <a:lvl1pPr marL="285750" indent="-285750" algn="l" defTabSz="457200" rtl="0" eaLnBrk="1" latinLnBrk="0" hangingPunct="1">
         <a:spcBef>
-          <a:spcPts val="1000"/>
+          <a:spcPct val="20000"/>
         </a:spcBef>
-        <a:buFont typeface="Arial" panose="020B0604020202020204" pitchFamily="34" charset="0"/>
+        <a:spcAft>
+          <a:spcPts val="600"/>
+        </a:spcAft>
+        <a:buClr>
+          <a:schemeClr val="tx1"/>
+        </a:buClr>
+        <a:buSzPct val="100000"/>
+        <a:buFont typeface="Arial"/>
         <a:buChar char="•"/>
-        <a:defRPr sz="2800" kern="1200">
+        <a:defRPr sz="2000" kern="1200" cap="small">
+          <a:gradFill flip="none" rotWithShape="1">
+            <a:gsLst>
+              <a:gs pos="0">
+                <a:schemeClr val="tx1"/>
+              </a:gs>
+              <a:gs pos="100000">
+                <a:schemeClr val="tx1">
+                  <a:lumMod val="75000"/>
+                </a:schemeClr>
+              </a:gs>
+            </a:gsLst>
+            <a:lin ang="5580000" scaled="0"/>
+            <a:tileRect/>
+          </a:gradFill>
+          <a:effectLst>
+            <a:glow rad="38100">
+              <a:schemeClr val="bg1">
+                <a:lumMod val="50000"/>
+                <a:lumOff val="50000"/>
+                <a:alpha val="20000"/>
+              </a:schemeClr>
+            </a:glow>
+            <a:outerShdw blurRad="44450" dist="12700" dir="13860000" algn="tl" rotWithShape="0">
+              <a:srgbClr val="000000">
+                <a:alpha val="20000"/>
+              </a:srgbClr>
+            </a:outerShdw>
+          </a:effectLst>
+          <a:latin typeface="+mn-lt"/>
+          <a:ea typeface="+mn-ea"/>
+          <a:cs typeface="+mn-cs"/>
+        </a:defRPr>
+      </a:lvl1pPr>
+      <a:lvl2pPr marL="742950" indent="-285750" algn="l" defTabSz="457200" rtl="0" eaLnBrk="1" latinLnBrk="0" hangingPunct="1">
+        <a:spcBef>
+          <a:spcPct val="20000"/>
+        </a:spcBef>
+        <a:spcAft>
+          <a:spcPts val="600"/>
+        </a:spcAft>
+        <a:buClr>
+          <a:schemeClr val="tx1"/>
+        </a:buClr>
+        <a:buSzPct val="100000"/>
+        <a:buFont typeface="Arial"/>
+        <a:buChar char="•"/>
+        <a:defRPr sz="1800" kern="1200" cap="small">
+          <a:gradFill flip="none" rotWithShape="1">
+            <a:gsLst>
+              <a:gs pos="0">
+                <a:schemeClr val="tx1"/>
+              </a:gs>
+              <a:gs pos="100000">
+                <a:schemeClr val="tx1">
+                  <a:lumMod val="75000"/>
+                </a:schemeClr>
+              </a:gs>
+            </a:gsLst>
+            <a:lin ang="5580000" scaled="0"/>
+            <a:tileRect/>
+          </a:gradFill>
+          <a:effectLst>
+            <a:glow rad="38100">
+              <a:schemeClr val="bg1">
+                <a:lumMod val="50000"/>
+                <a:lumOff val="50000"/>
+                <a:alpha val="20000"/>
+              </a:schemeClr>
+            </a:glow>
+            <a:outerShdw blurRad="44450" dist="12700" dir="13860000" algn="tl" rotWithShape="0">
+              <a:srgbClr val="000000">
+                <a:alpha val="20000"/>
+              </a:srgbClr>
+            </a:outerShdw>
+          </a:effectLst>
+          <a:latin typeface="+mn-lt"/>
+          <a:ea typeface="+mn-ea"/>
+          <a:cs typeface="+mn-cs"/>
+        </a:defRPr>
+      </a:lvl2pPr>
+      <a:lvl3pPr marL="1200150" indent="-285750" algn="l" defTabSz="457200" rtl="0" eaLnBrk="1" latinLnBrk="0" hangingPunct="1">
+        <a:spcBef>
+          <a:spcPct val="20000"/>
+        </a:spcBef>
+        <a:spcAft>
+          <a:spcPts val="600"/>
+        </a:spcAft>
+        <a:buClr>
+          <a:schemeClr val="tx1"/>
+        </a:buClr>
+        <a:buSzPct val="100000"/>
+        <a:buFont typeface="Arial"/>
+        <a:buChar char="•"/>
+        <a:defRPr sz="1600" kern="1200" cap="small">
+          <a:gradFill flip="none" rotWithShape="1">
+            <a:gsLst>
+              <a:gs pos="0">
+                <a:schemeClr val="tx1"/>
+              </a:gs>
+              <a:gs pos="100000">
+                <a:schemeClr val="tx1">
+                  <a:lumMod val="75000"/>
+                </a:schemeClr>
+              </a:gs>
+            </a:gsLst>
+            <a:lin ang="5580000" scaled="0"/>
+            <a:tileRect/>
+          </a:gradFill>
+          <a:effectLst>
+            <a:glow rad="38100">
+              <a:schemeClr val="bg1">
+                <a:lumMod val="50000"/>
+                <a:lumOff val="50000"/>
+                <a:alpha val="20000"/>
+              </a:schemeClr>
+            </a:glow>
+            <a:outerShdw blurRad="44450" dist="12700" dir="13860000" algn="tl" rotWithShape="0">
+              <a:srgbClr val="000000">
+                <a:alpha val="20000"/>
+              </a:srgbClr>
+            </a:outerShdw>
+          </a:effectLst>
+          <a:latin typeface="+mn-lt"/>
+          <a:ea typeface="+mn-ea"/>
+          <a:cs typeface="+mn-cs"/>
+        </a:defRPr>
+      </a:lvl3pPr>
+      <a:lvl4pPr marL="1543050" indent="-171450" algn="l" defTabSz="457200" rtl="0" eaLnBrk="1" latinLnBrk="0" hangingPunct="1">
+        <a:spcBef>
+          <a:spcPct val="20000"/>
+        </a:spcBef>
+        <a:spcAft>
+          <a:spcPts val="600"/>
+        </a:spcAft>
+        <a:buClr>
+          <a:schemeClr val="tx1"/>
+        </a:buClr>
+        <a:buSzPct val="100000"/>
+        <a:buFont typeface="Arial"/>
+        <a:buChar char="•"/>
+        <a:defRPr sz="1400" kern="1200" cap="small">
+          <a:gradFill flip="none" rotWithShape="1">
+            <a:gsLst>
+              <a:gs pos="0">
+                <a:schemeClr val="tx1"/>
+              </a:gs>
+              <a:gs pos="100000">
+                <a:schemeClr val="tx1">
+                  <a:lumMod val="75000"/>
+                </a:schemeClr>
+              </a:gs>
+            </a:gsLst>
+            <a:lin ang="5580000" scaled="0"/>
+            <a:tileRect/>
+          </a:gradFill>
+          <a:effectLst>
+            <a:glow rad="38100">
+              <a:schemeClr val="bg1">
+                <a:lumMod val="50000"/>
+                <a:lumOff val="50000"/>
+                <a:alpha val="20000"/>
+              </a:schemeClr>
+            </a:glow>
+            <a:outerShdw blurRad="44450" dist="12700" dir="13860000" algn="tl" rotWithShape="0">
+              <a:srgbClr val="000000">
+                <a:alpha val="20000"/>
+              </a:srgbClr>
+            </a:outerShdw>
+          </a:effectLst>
+          <a:latin typeface="+mn-lt"/>
+          <a:ea typeface="+mn-ea"/>
+          <a:cs typeface="+mn-cs"/>
+        </a:defRPr>
+      </a:lvl4pPr>
+      <a:lvl5pPr marL="2000250" indent="-171450" algn="l" defTabSz="457200" rtl="0" eaLnBrk="1" latinLnBrk="0" hangingPunct="1">
+        <a:spcBef>
+          <a:spcPct val="20000"/>
+        </a:spcBef>
+        <a:spcAft>
+          <a:spcPts val="600"/>
+        </a:spcAft>
+        <a:buClr>
+          <a:schemeClr val="tx1"/>
+        </a:buClr>
+        <a:buSzPct val="100000"/>
+        <a:buFont typeface="Arial"/>
+        <a:buChar char="•"/>
+        <a:defRPr sz="1400" kern="1200" cap="small">
+          <a:gradFill flip="none" rotWithShape="1">
+            <a:gsLst>
+              <a:gs pos="0">
+                <a:schemeClr val="tx1"/>
+              </a:gs>
+              <a:gs pos="100000">
+                <a:schemeClr val="tx1">
+                  <a:lumMod val="75000"/>
+                </a:schemeClr>
+              </a:gs>
+            </a:gsLst>
+            <a:lin ang="5580000" scaled="0"/>
+            <a:tileRect/>
+          </a:gradFill>
+          <a:effectLst>
+            <a:glow rad="38100">
+              <a:schemeClr val="bg1">
+                <a:lumMod val="50000"/>
+                <a:lumOff val="50000"/>
+                <a:alpha val="20000"/>
+              </a:schemeClr>
+            </a:glow>
+            <a:outerShdw blurRad="44450" dist="12700" dir="13860000" algn="tl" rotWithShape="0">
+              <a:srgbClr val="000000">
+                <a:alpha val="20000"/>
+              </a:srgbClr>
+            </a:outerShdw>
+          </a:effectLst>
+          <a:latin typeface="+mn-lt"/>
+          <a:ea typeface="+mn-ea"/>
+          <a:cs typeface="+mn-cs"/>
+        </a:defRPr>
+      </a:lvl5pPr>
+      <a:lvl6pPr marL="2514600" indent="-228600" algn="l" defTabSz="457200" rtl="0" eaLnBrk="1" latinLnBrk="0" hangingPunct="1">
+        <a:spcBef>
+          <a:spcPct val="20000"/>
+        </a:spcBef>
+        <a:spcAft>
+          <a:spcPts val="600"/>
+        </a:spcAft>
+        <a:buClr>
+          <a:schemeClr val="tx1"/>
+        </a:buClr>
+        <a:buSzPct val="100000"/>
+        <a:buFont typeface="Arial"/>
+        <a:buChar char="•"/>
+        <a:defRPr sz="1200" kern="1200" cap="small">
+          <a:gradFill flip="none" rotWithShape="1">
+            <a:gsLst>
+              <a:gs pos="0">
+                <a:schemeClr val="tx1"/>
+              </a:gs>
+              <a:gs pos="100000">
+                <a:schemeClr val="tx1">
+                  <a:lumMod val="75000"/>
+                </a:schemeClr>
+              </a:gs>
+            </a:gsLst>
+            <a:lin ang="5580000" scaled="0"/>
+            <a:tileRect/>
+          </a:gradFill>
+          <a:effectLst>
+            <a:glow rad="38100">
+              <a:schemeClr val="bg1">
+                <a:lumMod val="50000"/>
+                <a:lumOff val="50000"/>
+                <a:alpha val="20000"/>
+              </a:schemeClr>
+            </a:glow>
+            <a:outerShdw blurRad="44450" dist="12700" dir="13860000" algn="tl" rotWithShape="0">
+              <a:srgbClr val="000000">
+                <a:alpha val="20000"/>
+              </a:srgbClr>
+            </a:outerShdw>
+          </a:effectLst>
+          <a:latin typeface="+mn-lt"/>
+          <a:ea typeface="+mn-ea"/>
+          <a:cs typeface="+mn-cs"/>
+        </a:defRPr>
+      </a:lvl6pPr>
+      <a:lvl7pPr marL="2971800" indent="-228600" algn="l" defTabSz="457200" rtl="0" eaLnBrk="1" latinLnBrk="0" hangingPunct="1">
+        <a:spcBef>
+          <a:spcPct val="20000"/>
+        </a:spcBef>
+        <a:spcAft>
+          <a:spcPts val="600"/>
+        </a:spcAft>
+        <a:buClr>
+          <a:schemeClr val="tx1"/>
+        </a:buClr>
+        <a:buSzPct val="100000"/>
+        <a:buFont typeface="Arial"/>
+        <a:buChar char="•"/>
+        <a:defRPr sz="1200" kern="1200" cap="small">
+          <a:gradFill flip="none" rotWithShape="1">
+            <a:gsLst>
+              <a:gs pos="0">
+                <a:schemeClr val="tx1"/>
+              </a:gs>
+              <a:gs pos="100000">
+                <a:schemeClr val="tx1">
+                  <a:lumMod val="75000"/>
+                </a:schemeClr>
+              </a:gs>
+            </a:gsLst>
+            <a:lin ang="5580000" scaled="0"/>
+            <a:tileRect/>
+          </a:gradFill>
+          <a:effectLst>
+            <a:glow rad="38100">
+              <a:schemeClr val="bg1">
+                <a:lumMod val="50000"/>
+                <a:lumOff val="50000"/>
+                <a:alpha val="20000"/>
+              </a:schemeClr>
+            </a:glow>
+            <a:outerShdw blurRad="44450" dist="12700" dir="13860000" algn="tl" rotWithShape="0">
+              <a:srgbClr val="000000">
+                <a:alpha val="20000"/>
+              </a:srgbClr>
+            </a:outerShdw>
+          </a:effectLst>
+          <a:latin typeface="+mn-lt"/>
+          <a:ea typeface="+mn-ea"/>
+          <a:cs typeface="+mn-cs"/>
+        </a:defRPr>
+      </a:lvl7pPr>
+      <a:lvl8pPr marL="3429000" indent="-228600" algn="l" defTabSz="457200" rtl="0" eaLnBrk="1" latinLnBrk="0" hangingPunct="1">
+        <a:spcBef>
+          <a:spcPct val="20000"/>
+        </a:spcBef>
+        <a:spcAft>
+          <a:spcPts val="600"/>
+        </a:spcAft>
+        <a:buClr>
+          <a:schemeClr val="tx1"/>
+        </a:buClr>
+        <a:buSzPct val="100000"/>
+        <a:buFont typeface="Arial"/>
+        <a:buChar char="•"/>
+        <a:defRPr sz="1200" kern="1200" cap="small">
+          <a:gradFill flip="none" rotWithShape="1">
+            <a:gsLst>
+              <a:gs pos="0">
+                <a:schemeClr val="tx1"/>
+              </a:gs>
+              <a:gs pos="100000">
+                <a:schemeClr val="tx1">
+                  <a:lumMod val="75000"/>
+                </a:schemeClr>
+              </a:gs>
+            </a:gsLst>
+            <a:lin ang="5580000" scaled="0"/>
+            <a:tileRect/>
+          </a:gradFill>
+          <a:effectLst>
+            <a:glow rad="38100">
+              <a:schemeClr val="bg1">
+                <a:lumMod val="50000"/>
+                <a:lumOff val="50000"/>
+                <a:alpha val="20000"/>
+              </a:schemeClr>
+            </a:glow>
+            <a:outerShdw blurRad="44450" dist="12700" dir="13860000" algn="tl" rotWithShape="0">
+              <a:srgbClr val="000000">
+                <a:alpha val="20000"/>
+              </a:srgbClr>
+            </a:outerShdw>
+          </a:effectLst>
+          <a:latin typeface="+mn-lt"/>
+          <a:ea typeface="+mn-ea"/>
+          <a:cs typeface="+mn-cs"/>
+        </a:defRPr>
+      </a:lvl8pPr>
+      <a:lvl9pPr marL="3886200" indent="-228600" algn="l" defTabSz="457200" rtl="0" eaLnBrk="1" latinLnBrk="0" hangingPunct="1">
+        <a:spcBef>
+          <a:spcPct val="20000"/>
+        </a:spcBef>
+        <a:spcAft>
+          <a:spcPts val="600"/>
+        </a:spcAft>
+        <a:buClr>
+          <a:schemeClr val="tx1"/>
+        </a:buClr>
+        <a:buSzPct val="100000"/>
+        <a:buFont typeface="Arial"/>
+        <a:buChar char="•"/>
+        <a:defRPr sz="1200" kern="1200" cap="small">
+          <a:gradFill flip="none" rotWithShape="1">
+            <a:gsLst>
+              <a:gs pos="0">
+                <a:schemeClr val="tx1"/>
+              </a:gs>
+              <a:gs pos="100000">
+                <a:schemeClr val="tx1">
+                  <a:lumMod val="75000"/>
+                </a:schemeClr>
+              </a:gs>
+            </a:gsLst>
+            <a:lin ang="5580000" scaled="0"/>
+            <a:tileRect/>
+          </a:gradFill>
+          <a:effectLst>
+            <a:glow rad="38100">
+              <a:schemeClr val="bg1">
+                <a:lumMod val="50000"/>
+                <a:lumOff val="50000"/>
+                <a:alpha val="20000"/>
+              </a:schemeClr>
+            </a:glow>
+            <a:outerShdw blurRad="44450" dist="12700" dir="13860000" algn="tl" rotWithShape="0">
+              <a:srgbClr val="000000">
+                <a:alpha val="20000"/>
+              </a:srgbClr>
+            </a:outerShdw>
+          </a:effectLst>
+          <a:latin typeface="+mn-lt"/>
+          <a:ea typeface="+mn-ea"/>
+          <a:cs typeface="+mn-cs"/>
+        </a:defRPr>
+      </a:lvl9pPr>
+    </p:bodyStyle>
+    <p:otherStyle>
+      <a:defPPr>
+        <a:defRPr lang="en-US"/>
+      </a:defPPr>
+      <a:lvl1pPr marL="0" algn="l" defTabSz="457200" rtl="0" eaLnBrk="1" latinLnBrk="0" hangingPunct="1">
+        <a:defRPr sz="1800" kern="1200">
           <a:solidFill>
             <a:schemeClr val="tx1"/>
           </a:solidFill>
@@ -3076,16 +5633,8 @@
           <a:cs typeface="+mn-cs"/>
         </a:defRPr>
       </a:lvl1pPr>
-      <a:lvl2pPr marL="685800" indent="-228600" algn="l" defTabSz="914400" rtl="0" eaLnBrk="1" latinLnBrk="0" hangingPunct="1">
-        <a:lnSpc>
-          <a:spcPct val="90000"/>
-        </a:lnSpc>
-        <a:spcBef>
-          <a:spcPts val="500"/>
-        </a:spcBef>
-        <a:buFont typeface="Arial" panose="020B0604020202020204" pitchFamily="34" charset="0"/>
-        <a:buChar char="•"/>
-        <a:defRPr sz="2400" kern="1200">
+      <a:lvl2pPr marL="457200" algn="l" defTabSz="457200" rtl="0" eaLnBrk="1" latinLnBrk="0" hangingPunct="1">
+        <a:defRPr sz="1800" kern="1200">
           <a:solidFill>
             <a:schemeClr val="tx1"/>
           </a:solidFill>
@@ -3094,16 +5643,8 @@
           <a:cs typeface="+mn-cs"/>
         </a:defRPr>
       </a:lvl2pPr>
-      <a:lvl3pPr marL="1143000" indent="-228600" algn="l" defTabSz="914400" rtl="0" eaLnBrk="1" latinLnBrk="0" hangingPunct="1">
-        <a:lnSpc>
-          <a:spcPct val="90000"/>
-        </a:lnSpc>
-        <a:spcBef>
-          <a:spcPts val="500"/>
-        </a:spcBef>
-        <a:buFont typeface="Arial" panose="020B0604020202020204" pitchFamily="34" charset="0"/>
-        <a:buChar char="•"/>
-        <a:defRPr sz="2000" kern="1200">
+      <a:lvl3pPr marL="914400" algn="l" defTabSz="457200" rtl="0" eaLnBrk="1" latinLnBrk="0" hangingPunct="1">
+        <a:defRPr sz="1800" kern="1200">
           <a:solidFill>
             <a:schemeClr val="tx1"/>
           </a:solidFill>
@@ -3112,15 +5653,7 @@
           <a:cs typeface="+mn-cs"/>
         </a:defRPr>
       </a:lvl3pPr>
-      <a:lvl4pPr marL="1600200" indent="-228600" algn="l" defTabSz="914400" rtl="0" eaLnBrk="1" latinLnBrk="0" hangingPunct="1">
-        <a:lnSpc>
-          <a:spcPct val="90000"/>
-        </a:lnSpc>
-        <a:spcBef>
-          <a:spcPts val="500"/>
-        </a:spcBef>
-        <a:buFont typeface="Arial" panose="020B0604020202020204" pitchFamily="34" charset="0"/>
-        <a:buChar char="•"/>
+      <a:lvl4pPr marL="1371600" algn="l" defTabSz="457200" rtl="0" eaLnBrk="1" latinLnBrk="0" hangingPunct="1">
         <a:defRPr sz="1800" kern="1200">
           <a:solidFill>
             <a:schemeClr val="tx1"/>
@@ -3130,15 +5663,7 @@
           <a:cs typeface="+mn-cs"/>
         </a:defRPr>
       </a:lvl4pPr>
-      <a:lvl5pPr marL="2057400" indent="-228600" algn="l" defTabSz="914400" rtl="0" eaLnBrk="1" latinLnBrk="0" hangingPunct="1">
-        <a:lnSpc>
-          <a:spcPct val="90000"/>
-        </a:lnSpc>
-        <a:spcBef>
-          <a:spcPts val="500"/>
-        </a:spcBef>
-        <a:buFont typeface="Arial" panose="020B0604020202020204" pitchFamily="34" charset="0"/>
-        <a:buChar char="•"/>
+      <a:lvl5pPr marL="1828800" algn="l" defTabSz="457200" rtl="0" eaLnBrk="1" latinLnBrk="0" hangingPunct="1">
         <a:defRPr sz="1800" kern="1200">
           <a:solidFill>
             <a:schemeClr val="tx1"/>
@@ -3148,15 +5673,7 @@
           <a:cs typeface="+mn-cs"/>
         </a:defRPr>
       </a:lvl5pPr>
-      <a:lvl6pPr marL="2514600" indent="-228600" algn="l" defTabSz="914400" rtl="0" eaLnBrk="1" latinLnBrk="0" hangingPunct="1">
-        <a:lnSpc>
-          <a:spcPct val="90000"/>
-        </a:lnSpc>
-        <a:spcBef>
-          <a:spcPts val="500"/>
-        </a:spcBef>
-        <a:buFont typeface="Arial" panose="020B0604020202020204" pitchFamily="34" charset="0"/>
-        <a:buChar char="•"/>
+      <a:lvl6pPr marL="2286000" algn="l" defTabSz="457200" rtl="0" eaLnBrk="1" latinLnBrk="0" hangingPunct="1">
         <a:defRPr sz="1800" kern="1200">
           <a:solidFill>
             <a:schemeClr val="tx1"/>
@@ -3166,15 +5683,7 @@
           <a:cs typeface="+mn-cs"/>
         </a:defRPr>
       </a:lvl6pPr>
-      <a:lvl7pPr marL="2971800" indent="-228600" algn="l" defTabSz="914400" rtl="0" eaLnBrk="1" latinLnBrk="0" hangingPunct="1">
-        <a:lnSpc>
-          <a:spcPct val="90000"/>
-        </a:lnSpc>
-        <a:spcBef>
-          <a:spcPts val="500"/>
-        </a:spcBef>
-        <a:buFont typeface="Arial" panose="020B0604020202020204" pitchFamily="34" charset="0"/>
-        <a:buChar char="•"/>
+      <a:lvl7pPr marL="2743200" algn="l" defTabSz="457200" rtl="0" eaLnBrk="1" latinLnBrk="0" hangingPunct="1">
         <a:defRPr sz="1800" kern="1200">
           <a:solidFill>
             <a:schemeClr val="tx1"/>
@@ -3184,15 +5693,7 @@
           <a:cs typeface="+mn-cs"/>
         </a:defRPr>
       </a:lvl7pPr>
-      <a:lvl8pPr marL="3429000" indent="-228600" algn="l" defTabSz="914400" rtl="0" eaLnBrk="1" latinLnBrk="0" hangingPunct="1">
-        <a:lnSpc>
-          <a:spcPct val="90000"/>
-        </a:lnSpc>
-        <a:spcBef>
-          <a:spcPts val="500"/>
-        </a:spcBef>
-        <a:buFont typeface="Arial" panose="020B0604020202020204" pitchFamily="34" charset="0"/>
-        <a:buChar char="•"/>
+      <a:lvl8pPr marL="3200400" algn="l" defTabSz="457200" rtl="0" eaLnBrk="1" latinLnBrk="0" hangingPunct="1">
         <a:defRPr sz="1800" kern="1200">
           <a:solidFill>
             <a:schemeClr val="tx1"/>
@@ -3202,110 +5703,7 @@
           <a:cs typeface="+mn-cs"/>
         </a:defRPr>
       </a:lvl8pPr>
-      <a:lvl9pPr marL="3886200" indent="-228600" algn="l" defTabSz="914400" rtl="0" eaLnBrk="1" latinLnBrk="0" hangingPunct="1">
-        <a:lnSpc>
-          <a:spcPct val="90000"/>
-        </a:lnSpc>
-        <a:spcBef>
-          <a:spcPts val="500"/>
-        </a:spcBef>
-        <a:buFont typeface="Arial" panose="020B0604020202020204" pitchFamily="34" charset="0"/>
-        <a:buChar char="•"/>
-        <a:defRPr sz="1800" kern="1200">
-          <a:solidFill>
-            <a:schemeClr val="tx1"/>
-          </a:solidFill>
-          <a:latin typeface="+mn-lt"/>
-          <a:ea typeface="+mn-ea"/>
-          <a:cs typeface="+mn-cs"/>
-        </a:defRPr>
-      </a:lvl9pPr>
-    </p:bodyStyle>
-    <p:otherStyle>
-      <a:defPPr>
-        <a:defRPr lang="pt-BR"/>
-      </a:defPPr>
-      <a:lvl1pPr marL="0" algn="l" defTabSz="914400" rtl="0" eaLnBrk="1" latinLnBrk="0" hangingPunct="1">
-        <a:defRPr sz="1800" kern="1200">
-          <a:solidFill>
-            <a:schemeClr val="tx1"/>
-          </a:solidFill>
-          <a:latin typeface="+mn-lt"/>
-          <a:ea typeface="+mn-ea"/>
-          <a:cs typeface="+mn-cs"/>
-        </a:defRPr>
-      </a:lvl1pPr>
-      <a:lvl2pPr marL="457200" algn="l" defTabSz="914400" rtl="0" eaLnBrk="1" latinLnBrk="0" hangingPunct="1">
-        <a:defRPr sz="1800" kern="1200">
-          <a:solidFill>
-            <a:schemeClr val="tx1"/>
-          </a:solidFill>
-          <a:latin typeface="+mn-lt"/>
-          <a:ea typeface="+mn-ea"/>
-          <a:cs typeface="+mn-cs"/>
-        </a:defRPr>
-      </a:lvl2pPr>
-      <a:lvl3pPr marL="914400" algn="l" defTabSz="914400" rtl="0" eaLnBrk="1" latinLnBrk="0" hangingPunct="1">
-        <a:defRPr sz="1800" kern="1200">
-          <a:solidFill>
-            <a:schemeClr val="tx1"/>
-          </a:solidFill>
-          <a:latin typeface="+mn-lt"/>
-          <a:ea typeface="+mn-ea"/>
-          <a:cs typeface="+mn-cs"/>
-        </a:defRPr>
-      </a:lvl3pPr>
-      <a:lvl4pPr marL="1371600" algn="l" defTabSz="914400" rtl="0" eaLnBrk="1" latinLnBrk="0" hangingPunct="1">
-        <a:defRPr sz="1800" kern="1200">
-          <a:solidFill>
-            <a:schemeClr val="tx1"/>
-          </a:solidFill>
-          <a:latin typeface="+mn-lt"/>
-          <a:ea typeface="+mn-ea"/>
-          <a:cs typeface="+mn-cs"/>
-        </a:defRPr>
-      </a:lvl4pPr>
-      <a:lvl5pPr marL="1828800" algn="l" defTabSz="914400" rtl="0" eaLnBrk="1" latinLnBrk="0" hangingPunct="1">
-        <a:defRPr sz="1800" kern="1200">
-          <a:solidFill>
-            <a:schemeClr val="tx1"/>
-          </a:solidFill>
-          <a:latin typeface="+mn-lt"/>
-          <a:ea typeface="+mn-ea"/>
-          <a:cs typeface="+mn-cs"/>
-        </a:defRPr>
-      </a:lvl5pPr>
-      <a:lvl6pPr marL="2286000" algn="l" defTabSz="914400" rtl="0" eaLnBrk="1" latinLnBrk="0" hangingPunct="1">
-        <a:defRPr sz="1800" kern="1200">
-          <a:solidFill>
-            <a:schemeClr val="tx1"/>
-          </a:solidFill>
-          <a:latin typeface="+mn-lt"/>
-          <a:ea typeface="+mn-ea"/>
-          <a:cs typeface="+mn-cs"/>
-        </a:defRPr>
-      </a:lvl6pPr>
-      <a:lvl7pPr marL="2743200" algn="l" defTabSz="914400" rtl="0" eaLnBrk="1" latinLnBrk="0" hangingPunct="1">
-        <a:defRPr sz="1800" kern="1200">
-          <a:solidFill>
-            <a:schemeClr val="tx1"/>
-          </a:solidFill>
-          <a:latin typeface="+mn-lt"/>
-          <a:ea typeface="+mn-ea"/>
-          <a:cs typeface="+mn-cs"/>
-        </a:defRPr>
-      </a:lvl7pPr>
-      <a:lvl8pPr marL="3200400" algn="l" defTabSz="914400" rtl="0" eaLnBrk="1" latinLnBrk="0" hangingPunct="1">
-        <a:defRPr sz="1800" kern="1200">
-          <a:solidFill>
-            <a:schemeClr val="tx1"/>
-          </a:solidFill>
-          <a:latin typeface="+mn-lt"/>
-          <a:ea typeface="+mn-ea"/>
-          <a:cs typeface="+mn-cs"/>
-        </a:defRPr>
-      </a:lvl8pPr>
-      <a:lvl9pPr marL="3657600" algn="l" defTabSz="914400" rtl="0" eaLnBrk="1" latinLnBrk="0" hangingPunct="1">
+      <a:lvl9pPr marL="3657600" algn="l" defTabSz="457200" rtl="0" eaLnBrk="1" latinLnBrk="0" hangingPunct="1">
         <a:defRPr sz="1800" kern="1200">
           <a:solidFill>
             <a:schemeClr val="tx1"/>
@@ -3337,12 +5735,71 @@
           <a:chExt cx="0" cy="0"/>
         </a:xfrm>
       </p:grpSpPr>
+      <p:pic>
+        <p:nvPicPr>
+          <p:cNvPr id="4" name="Espaço Reservado para Conteúdo 3"/>
+          <p:cNvPicPr>
+            <a:picLocks noGrp="1" noChangeAspect="1"/>
+          </p:cNvPicPr>
+          <p:nvPr>
+            <p:ph idx="1"/>
+          </p:nvPr>
+        </p:nvPicPr>
+        <p:blipFill>
+          <a:blip r:embed="rId2" cstate="print">
+            <a:extLst>
+              <a:ext uri="{28A0092B-C50C-407E-A947-70E740481C1C}">
+                <a14:useLocalDpi xmlns:a14="http://schemas.microsoft.com/office/drawing/2010/main" val="0"/>
+              </a:ext>
+            </a:extLst>
+          </a:blip>
+          <a:stretch>
+            <a:fillRect/>
+          </a:stretch>
+        </p:blipFill>
+        <p:spPr>
+          <a:xfrm>
+            <a:off x="2975019" y="764405"/>
+            <a:ext cx="5241701" cy="5241701"/>
+          </a:xfrm>
+        </p:spPr>
+      </p:pic>
+    </p:spTree>
+    <p:extLst>
+      <p:ext uri="{BB962C8B-B14F-4D97-AF65-F5344CB8AC3E}">
+        <p14:creationId xmlns:p14="http://schemas.microsoft.com/office/powerpoint/2010/main" val="3415302623"/>
+      </p:ext>
+    </p:extLst>
+  </p:cSld>
+  <p:clrMapOvr>
+    <a:masterClrMapping/>
+  </p:clrMapOvr>
+</p:sld>
+</file>
+
+<file path=ppt/slides/slide2.xml><?xml version="1.0" encoding="utf-8"?>
+<p:sld xmlns:a="http://schemas.openxmlformats.org/drawingml/2006/main" xmlns:r="http://schemas.openxmlformats.org/officeDocument/2006/relationships" xmlns:p="http://schemas.openxmlformats.org/presentationml/2006/main">
+  <p:cSld>
+    <p:spTree>
+      <p:nvGrpSpPr>
+        <p:cNvPr id="1" name=""/>
+        <p:cNvGrpSpPr/>
+        <p:nvPr/>
+      </p:nvGrpSpPr>
+      <p:grpSpPr>
+        <a:xfrm>
+          <a:off x="0" y="0"/>
+          <a:ext cx="0" cy="0"/>
+          <a:chOff x="0" y="0"/>
+          <a:chExt cx="0" cy="0"/>
+        </a:xfrm>
+      </p:grpSpPr>
       <p:sp>
         <p:nvSpPr>
           <p:cNvPr id="4" name="Retângulo: Cantos Arredondados 3">
             <a:extLst>
               <a:ext uri="{FF2B5EF4-FFF2-40B4-BE49-F238E27FC236}">
-                <a16:creationId xmlns:a16="http://schemas.microsoft.com/office/drawing/2014/main" xmlns="" id="{5617D347-095C-4EDD-8A21-81346285C0AE}"/>
+                <a16:creationId xmlns="" xmlns:a16="http://schemas.microsoft.com/office/drawing/2014/main" id="{5617D347-095C-4EDD-8A21-81346285C0AE}"/>
               </a:ext>
             </a:extLst>
           </p:cNvPr>
@@ -3351,7 +5808,7 @@
         </p:nvSpPr>
         <p:spPr>
           <a:xfrm>
-            <a:off x="1418467" y="2771412"/>
+            <a:off x="1837871" y="3029486"/>
             <a:ext cx="1770927" cy="636608"/>
           </a:xfrm>
           <a:prstGeom prst="roundRect">
@@ -3418,7 +5875,7 @@
           <p:cNvPr id="6" name="Retângulo: Cantos Arredondados 5">
             <a:extLst>
               <a:ext uri="{FF2B5EF4-FFF2-40B4-BE49-F238E27FC236}">
-                <a16:creationId xmlns:a16="http://schemas.microsoft.com/office/drawing/2014/main" xmlns="" id="{B441271A-2DB2-4EA4-9F19-236DDE4A27FA}"/>
+                <a16:creationId xmlns="" xmlns:a16="http://schemas.microsoft.com/office/drawing/2014/main" id="{B441271A-2DB2-4EA4-9F19-236DDE4A27FA}"/>
               </a:ext>
             </a:extLst>
           </p:cNvPr>
@@ -3427,7 +5884,7 @@
         </p:nvSpPr>
         <p:spPr>
           <a:xfrm>
-            <a:off x="235920" y="4354250"/>
+            <a:off x="757089" y="4629149"/>
             <a:ext cx="1770927" cy="636608"/>
           </a:xfrm>
           <a:prstGeom prst="roundRect">
@@ -3494,7 +5951,7 @@
           <p:cNvPr id="7" name="Retângulo: Cantos Arredondados 6">
             <a:extLst>
               <a:ext uri="{FF2B5EF4-FFF2-40B4-BE49-F238E27FC236}">
-                <a16:creationId xmlns:a16="http://schemas.microsoft.com/office/drawing/2014/main" xmlns="" id="{247E6EEB-1C24-4EE4-B38B-3C7AEC53C5CD}"/>
+                <a16:creationId xmlns="" xmlns:a16="http://schemas.microsoft.com/office/drawing/2014/main" id="{247E6EEB-1C24-4EE4-B38B-3C7AEC53C5CD}"/>
               </a:ext>
             </a:extLst>
           </p:cNvPr>
@@ -3503,7 +5960,7 @@
         </p:nvSpPr>
         <p:spPr>
           <a:xfrm>
-            <a:off x="2323222" y="4362931"/>
+            <a:off x="2933220" y="4646164"/>
             <a:ext cx="1770927" cy="636608"/>
           </a:xfrm>
           <a:prstGeom prst="roundRect">
@@ -3570,7 +6027,7 @@
           <p:cNvPr id="8" name="Retângulo: Cantos Arredondados 7">
             <a:extLst>
               <a:ext uri="{FF2B5EF4-FFF2-40B4-BE49-F238E27FC236}">
-                <a16:creationId xmlns:a16="http://schemas.microsoft.com/office/drawing/2014/main" xmlns="" id="{86F055F3-A6DB-4930-8BEE-20A5386FCF0D}"/>
+                <a16:creationId xmlns="" xmlns:a16="http://schemas.microsoft.com/office/drawing/2014/main" id="{86F055F3-A6DB-4930-8BEE-20A5386FCF0D}"/>
               </a:ext>
             </a:extLst>
           </p:cNvPr>
@@ -3579,7 +6036,7 @@
         </p:nvSpPr>
         <p:spPr>
           <a:xfrm>
-            <a:off x="3846654" y="2083445"/>
+            <a:off x="1837871" y="1166273"/>
             <a:ext cx="1770927" cy="636608"/>
           </a:xfrm>
           <a:prstGeom prst="roundRect">
@@ -3630,9 +6087,8 @@
             <a:pPr algn="ctr"/>
             <a:r>
               <a:rPr lang="pt-BR" dirty="0" smtClean="0"/>
-              <a:t>Turmas</a:t>
-            </a:r>
-            <a:endParaRPr lang="pt-BR" dirty="0"/>
+              <a:t>Turma</a:t>
+            </a:r>
           </a:p>
         </p:txBody>
       </p:sp>
@@ -3641,7 +6097,7 @@
           <p:cNvPr id="10" name="Retângulo: Cantos Arredondados 9">
             <a:extLst>
               <a:ext uri="{FF2B5EF4-FFF2-40B4-BE49-F238E27FC236}">
-                <a16:creationId xmlns:a16="http://schemas.microsoft.com/office/drawing/2014/main" xmlns="" id="{37434C89-D090-4751-833D-FAE29E5C19FD}"/>
+                <a16:creationId xmlns="" xmlns:a16="http://schemas.microsoft.com/office/drawing/2014/main" id="{37434C89-D090-4751-833D-FAE29E5C19FD}"/>
               </a:ext>
             </a:extLst>
           </p:cNvPr>
@@ -3650,7 +6106,7 @@
         </p:nvSpPr>
         <p:spPr>
           <a:xfrm>
-            <a:off x="6421395" y="1232472"/>
+            <a:off x="4578567" y="1137971"/>
             <a:ext cx="1770927" cy="636608"/>
           </a:xfrm>
           <a:prstGeom prst="roundRect">
@@ -3701,9 +6157,8 @@
             <a:pPr algn="ctr"/>
             <a:r>
               <a:rPr lang="pt-BR" dirty="0" smtClean="0"/>
-              <a:t>Locais</a:t>
-            </a:r>
-            <a:endParaRPr lang="pt-BR" dirty="0"/>
+              <a:t>Local</a:t>
+            </a:r>
           </a:p>
         </p:txBody>
       </p:sp>
@@ -3712,7 +6167,7 @@
           <p:cNvPr id="11" name="Retângulo: Cantos Arredondados 10">
             <a:extLst>
               <a:ext uri="{FF2B5EF4-FFF2-40B4-BE49-F238E27FC236}">
-                <a16:creationId xmlns:a16="http://schemas.microsoft.com/office/drawing/2014/main" xmlns="" id="{BDC1C57B-3C9C-46B8-BD0A-2D73169D348B}"/>
+                <a16:creationId xmlns="" xmlns:a16="http://schemas.microsoft.com/office/drawing/2014/main" id="{BDC1C57B-3C9C-46B8-BD0A-2D73169D348B}"/>
               </a:ext>
             </a:extLst>
           </p:cNvPr>
@@ -3721,7 +6176,7 @@
         </p:nvSpPr>
         <p:spPr>
           <a:xfrm>
-            <a:off x="6424513" y="2095379"/>
+            <a:off x="4599082" y="1899821"/>
             <a:ext cx="1770927" cy="636608"/>
           </a:xfrm>
           <a:prstGeom prst="roundRect">
@@ -3771,7 +6226,7 @@
           <a:p>
             <a:pPr algn="ctr"/>
             <a:r>
-              <a:rPr lang="pt-BR" dirty="0" err="1" smtClean="0"/>
+              <a:rPr lang="pt-BR" dirty="0" smtClean="0"/>
               <a:t>Horario</a:t>
             </a:r>
             <a:endParaRPr lang="pt-BR" dirty="0"/>
@@ -3783,7 +6238,7 @@
           <p:cNvPr id="12" name="Retângulo: Cantos Arredondados 11">
             <a:extLst>
               <a:ext uri="{FF2B5EF4-FFF2-40B4-BE49-F238E27FC236}">
-                <a16:creationId xmlns:a16="http://schemas.microsoft.com/office/drawing/2014/main" xmlns="" id="{4DDDECF0-144A-46B1-B341-DC8FBC986F1B}"/>
+                <a16:creationId xmlns="" xmlns:a16="http://schemas.microsoft.com/office/drawing/2014/main" id="{4DDDECF0-144A-46B1-B341-DC8FBC986F1B}"/>
               </a:ext>
             </a:extLst>
           </p:cNvPr>
@@ -3792,7 +6247,7 @@
         </p:nvSpPr>
         <p:spPr>
           <a:xfrm>
-            <a:off x="8995032" y="3848613"/>
+            <a:off x="8312216" y="3793656"/>
             <a:ext cx="1770927" cy="636608"/>
           </a:xfrm>
           <a:prstGeom prst="roundRect">
@@ -3848,7 +6303,7 @@
             <a:pPr algn="ctr"/>
             <a:r>
               <a:rPr lang="pt-BR" dirty="0" smtClean="0"/>
-              <a:t>Rotas</a:t>
+              <a:t>Rota</a:t>
             </a:r>
             <a:endParaRPr lang="pt-BR" dirty="0"/>
           </a:p>
@@ -3859,7 +6314,7 @@
           <p:cNvPr id="15" name="Retângulo: Cantos Arredondados 14">
             <a:extLst>
               <a:ext uri="{FF2B5EF4-FFF2-40B4-BE49-F238E27FC236}">
-                <a16:creationId xmlns:a16="http://schemas.microsoft.com/office/drawing/2014/main" xmlns="" id="{4551501D-16D6-43B5-9CC1-38A1D0E37A5C}"/>
+                <a16:creationId xmlns="" xmlns:a16="http://schemas.microsoft.com/office/drawing/2014/main" id="{4551501D-16D6-43B5-9CC1-38A1D0E37A5C}"/>
               </a:ext>
             </a:extLst>
           </p:cNvPr>
@@ -3868,7 +6323,7 @@
         </p:nvSpPr>
         <p:spPr>
           <a:xfrm>
-            <a:off x="9022984" y="2105446"/>
+            <a:off x="7203899" y="1135846"/>
             <a:ext cx="1770927" cy="636608"/>
           </a:xfrm>
           <a:prstGeom prst="roundRect">
@@ -3924,9 +6379,8 @@
             <a:pPr algn="ctr"/>
             <a:r>
               <a:rPr lang="pt-BR" dirty="0" smtClean="0"/>
-              <a:t>Pontos</a:t>
-            </a:r>
-            <a:endParaRPr lang="pt-BR" dirty="0"/>
+              <a:t>Ponto</a:t>
+            </a:r>
           </a:p>
         </p:txBody>
       </p:sp>
@@ -3935,19 +6389,18 @@
           <p:cNvPr id="19" name="Conector reto 18">
             <a:extLst>
               <a:ext uri="{FF2B5EF4-FFF2-40B4-BE49-F238E27FC236}">
-                <a16:creationId xmlns:a16="http://schemas.microsoft.com/office/drawing/2014/main" xmlns="" id="{DA582E47-7B1E-4FC9-AF2B-19816562C53A}"/>
+                <a16:creationId xmlns="" xmlns:a16="http://schemas.microsoft.com/office/drawing/2014/main" id="{DA582E47-7B1E-4FC9-AF2B-19816562C53A}"/>
               </a:ext>
             </a:extLst>
           </p:cNvPr>
           <p:cNvCxnSpPr>
             <a:cxnSpLocks/>
-            <a:endCxn id="6" idx="0"/>
           </p:cNvCxnSpPr>
           <p:nvPr/>
         </p:nvCxnSpPr>
         <p:spPr>
           <a:xfrm>
-            <a:off x="1121384" y="3992541"/>
+            <a:off x="1574443" y="4249529"/>
             <a:ext cx="0" cy="361709"/>
           </a:xfrm>
           <a:prstGeom prst="line">
@@ -3975,7 +6428,7 @@
           <p:cNvPr id="22" name="Conector reto 21">
             <a:extLst>
               <a:ext uri="{FF2B5EF4-FFF2-40B4-BE49-F238E27FC236}">
-                <a16:creationId xmlns:a16="http://schemas.microsoft.com/office/drawing/2014/main" xmlns="" id="{5F3D12BD-81CB-4A5C-9C22-B4496868062C}"/>
+                <a16:creationId xmlns="" xmlns:a16="http://schemas.microsoft.com/office/drawing/2014/main" id="{5F3D12BD-81CB-4A5C-9C22-B4496868062C}"/>
               </a:ext>
             </a:extLst>
           </p:cNvPr>
@@ -3986,7 +6439,7 @@
         </p:nvCxnSpPr>
         <p:spPr>
           <a:xfrm>
-            <a:off x="2180468" y="3408020"/>
+            <a:off x="2727942" y="3665008"/>
             <a:ext cx="0" cy="584521"/>
           </a:xfrm>
           <a:prstGeom prst="line">
@@ -4017,7 +6470,7 @@
           <p:cNvPr id="24" name="Conector reto 23">
             <a:extLst>
               <a:ext uri="{FF2B5EF4-FFF2-40B4-BE49-F238E27FC236}">
-                <a16:creationId xmlns:a16="http://schemas.microsoft.com/office/drawing/2014/main" xmlns="" id="{F2096BAB-D5C4-47C8-A930-CDB9C4495E80}"/>
+                <a16:creationId xmlns="" xmlns:a16="http://schemas.microsoft.com/office/drawing/2014/main" id="{F2096BAB-D5C4-47C8-A930-CDB9C4495E80}"/>
               </a:ext>
             </a:extLst>
           </p:cNvPr>
@@ -4026,8 +6479,8 @@
         </p:nvCxnSpPr>
         <p:spPr>
           <a:xfrm>
-            <a:off x="1121384" y="3992541"/>
-            <a:ext cx="2106594" cy="0"/>
+            <a:off x="1574443" y="4249529"/>
+            <a:ext cx="2306998" cy="0"/>
           </a:xfrm>
           <a:prstGeom prst="line">
             <a:avLst/>
@@ -4054,7 +6507,7 @@
           <p:cNvPr id="25" name="Conector reto 24">
             <a:extLst>
               <a:ext uri="{FF2B5EF4-FFF2-40B4-BE49-F238E27FC236}">
-                <a16:creationId xmlns:a16="http://schemas.microsoft.com/office/drawing/2014/main" xmlns="" id="{7DC76B42-8877-4509-ADC0-74DFA6AFA042}"/>
+                <a16:creationId xmlns="" xmlns:a16="http://schemas.microsoft.com/office/drawing/2014/main" id="{7DC76B42-8877-4509-ADC0-74DFA6AFA042}"/>
               </a:ext>
             </a:extLst>
           </p:cNvPr>
@@ -4065,48 +6518,8 @@
         </p:nvCxnSpPr>
         <p:spPr>
           <a:xfrm>
-            <a:off x="3227978" y="3992541"/>
+            <a:off x="3881441" y="4255189"/>
             <a:ext cx="0" cy="361709"/>
-          </a:xfrm>
-          <a:prstGeom prst="line">
-            <a:avLst/>
-          </a:prstGeom>
-          <a:ln w="28575"/>
-        </p:spPr>
-        <p:style>
-          <a:lnRef idx="1">
-            <a:schemeClr val="accent1"/>
-          </a:lnRef>
-          <a:fillRef idx="0">
-            <a:schemeClr val="accent1"/>
-          </a:fillRef>
-          <a:effectRef idx="0">
-            <a:schemeClr val="accent1"/>
-          </a:effectRef>
-          <a:fontRef idx="minor">
-            <a:schemeClr val="tx1"/>
-          </a:fontRef>
-        </p:style>
-      </p:cxnSp>
-      <p:cxnSp>
-        <p:nvCxnSpPr>
-          <p:cNvPr id="29" name="Conector reto 28">
-            <a:extLst>
-              <a:ext uri="{FF2B5EF4-FFF2-40B4-BE49-F238E27FC236}">
-                <a16:creationId xmlns:a16="http://schemas.microsoft.com/office/drawing/2014/main" xmlns="" id="{B2D25110-7D4B-46E9-B090-9B2F3021C20E}"/>
-              </a:ext>
-            </a:extLst>
-          </p:cNvPr>
-          <p:cNvCxnSpPr>
-            <a:cxnSpLocks/>
-            <a:stCxn id="4" idx="3"/>
-          </p:cNvCxnSpPr>
-          <p:nvPr/>
-        </p:nvCxnSpPr>
-        <p:spPr>
-          <a:xfrm>
-            <a:off x="3189394" y="3089716"/>
-            <a:ext cx="331233" cy="0"/>
           </a:xfrm>
           <a:prstGeom prst="line">
             <a:avLst/>
@@ -4133,7 +6546,7 @@
           <p:cNvPr id="31" name="Conector reto 30">
             <a:extLst>
               <a:ext uri="{FF2B5EF4-FFF2-40B4-BE49-F238E27FC236}">
-                <a16:creationId xmlns:a16="http://schemas.microsoft.com/office/drawing/2014/main" xmlns="" id="{379A6EDB-D8D9-4059-B033-6C43B669DFBE}"/>
+                <a16:creationId xmlns="" xmlns:a16="http://schemas.microsoft.com/office/drawing/2014/main" id="{379A6EDB-D8D9-4059-B033-6C43B669DFBE}"/>
               </a:ext>
             </a:extLst>
           </p:cNvPr>
@@ -4144,47 +6557,8 @@
         </p:nvCxnSpPr>
         <p:spPr>
           <a:xfrm>
-            <a:off x="5617581" y="2401749"/>
+            <a:off x="3608798" y="1484577"/>
             <a:ext cx="445413" cy="0"/>
-          </a:xfrm>
-          <a:prstGeom prst="line">
-            <a:avLst/>
-          </a:prstGeom>
-          <a:ln w="28575"/>
-        </p:spPr>
-        <p:style>
-          <a:lnRef idx="1">
-            <a:schemeClr val="accent1"/>
-          </a:lnRef>
-          <a:fillRef idx="0">
-            <a:schemeClr val="accent1"/>
-          </a:fillRef>
-          <a:effectRef idx="0">
-            <a:schemeClr val="accent1"/>
-          </a:effectRef>
-          <a:fontRef idx="minor">
-            <a:schemeClr val="tx1"/>
-          </a:fontRef>
-        </p:style>
-      </p:cxnSp>
-      <p:cxnSp>
-        <p:nvCxnSpPr>
-          <p:cNvPr id="33" name="Conector reto 32">
-            <a:extLst>
-              <a:ext uri="{FF2B5EF4-FFF2-40B4-BE49-F238E27FC236}">
-                <a16:creationId xmlns:a16="http://schemas.microsoft.com/office/drawing/2014/main" xmlns="" id="{45F3DB6C-B02F-44DC-AD25-7A53EFCFE467}"/>
-              </a:ext>
-            </a:extLst>
-          </p:cNvPr>
-          <p:cNvCxnSpPr>
-            <a:cxnSpLocks/>
-          </p:cNvCxnSpPr>
-          <p:nvPr/>
-        </p:nvCxnSpPr>
-        <p:spPr>
-          <a:xfrm flipV="1">
-            <a:off x="6058231" y="1574503"/>
-            <a:ext cx="0" cy="1394018"/>
           </a:xfrm>
           <a:prstGeom prst="line">
             <a:avLst/>
@@ -4211,7 +6585,7 @@
           <p:cNvPr id="34" name="Conector reto 33">
             <a:extLst>
               <a:ext uri="{FF2B5EF4-FFF2-40B4-BE49-F238E27FC236}">
-                <a16:creationId xmlns:a16="http://schemas.microsoft.com/office/drawing/2014/main" xmlns="" id="{E53D85D2-87E1-48C5-9189-F2F9CCBA8097}"/>
+                <a16:creationId xmlns="" xmlns:a16="http://schemas.microsoft.com/office/drawing/2014/main" id="{E53D85D2-87E1-48C5-9189-F2F9CCBA8097}"/>
               </a:ext>
             </a:extLst>
           </p:cNvPr>
@@ -4222,7 +6596,7 @@
         </p:nvCxnSpPr>
         <p:spPr>
           <a:xfrm>
-            <a:off x="6057728" y="2401854"/>
+            <a:off x="4059686" y="2211354"/>
             <a:ext cx="388925" cy="0"/>
           </a:xfrm>
           <a:prstGeom prst="line">
@@ -4250,7 +6624,7 @@
           <p:cNvPr id="36" name="Conector reto 35">
             <a:extLst>
               <a:ext uri="{FF2B5EF4-FFF2-40B4-BE49-F238E27FC236}">
-                <a16:creationId xmlns:a16="http://schemas.microsoft.com/office/drawing/2014/main" xmlns="" id="{137CB4A4-DE11-4FFF-B8E7-468BBF3C6BEB}"/>
+                <a16:creationId xmlns="" xmlns:a16="http://schemas.microsoft.com/office/drawing/2014/main" id="{137CB4A4-DE11-4FFF-B8E7-468BBF3C6BEB}"/>
               </a:ext>
             </a:extLst>
           </p:cNvPr>
@@ -4261,8 +6635,8 @@
         </p:nvCxnSpPr>
         <p:spPr>
           <a:xfrm>
-            <a:off x="6041853" y="1574503"/>
-            <a:ext cx="388925" cy="0"/>
+            <a:off x="4060561" y="1484577"/>
+            <a:ext cx="518006" cy="0"/>
           </a:xfrm>
           <a:prstGeom prst="line">
             <a:avLst/>
@@ -4289,7 +6663,7 @@
           <p:cNvPr id="40" name="Conector reto 39">
             <a:extLst>
               <a:ext uri="{FF2B5EF4-FFF2-40B4-BE49-F238E27FC236}">
-                <a16:creationId xmlns:a16="http://schemas.microsoft.com/office/drawing/2014/main" xmlns="" id="{3B39D23B-96F5-4E63-85CD-581B86C34929}"/>
+                <a16:creationId xmlns="" xmlns:a16="http://schemas.microsoft.com/office/drawing/2014/main" id="{3B39D23B-96F5-4E63-85CD-581B86C34929}"/>
               </a:ext>
             </a:extLst>
           </p:cNvPr>
@@ -4300,86 +6674,8 @@
         </p:nvCxnSpPr>
         <p:spPr>
           <a:xfrm>
-            <a:off x="8585399" y="4123087"/>
-            <a:ext cx="398952" cy="0"/>
-          </a:xfrm>
-          <a:prstGeom prst="line">
-            <a:avLst/>
-          </a:prstGeom>
-          <a:ln w="28575"/>
-        </p:spPr>
-        <p:style>
-          <a:lnRef idx="1">
-            <a:schemeClr val="accent1"/>
-          </a:lnRef>
-          <a:fillRef idx="0">
-            <a:schemeClr val="accent1"/>
-          </a:fillRef>
-          <a:effectRef idx="0">
-            <a:schemeClr val="accent1"/>
-          </a:effectRef>
-          <a:fontRef idx="minor">
-            <a:schemeClr val="tx1"/>
-          </a:fontRef>
-        </p:style>
-      </p:cxnSp>
-      <p:cxnSp>
-        <p:nvCxnSpPr>
-          <p:cNvPr id="41" name="Conector reto 40">
-            <a:extLst>
-              <a:ext uri="{FF2B5EF4-FFF2-40B4-BE49-F238E27FC236}">
-                <a16:creationId xmlns:a16="http://schemas.microsoft.com/office/drawing/2014/main" xmlns="" id="{86E3BD9F-C548-49DC-81AA-EA34A251C48A}"/>
-              </a:ext>
-            </a:extLst>
-          </p:cNvPr>
-          <p:cNvCxnSpPr>
-            <a:cxnSpLocks/>
-          </p:cNvCxnSpPr>
-          <p:nvPr/>
-        </p:nvCxnSpPr>
-        <p:spPr>
-          <a:xfrm flipV="1">
-            <a:off x="8590292" y="3097310"/>
-            <a:ext cx="6311" cy="1036102"/>
-          </a:xfrm>
-          <a:prstGeom prst="line">
-            <a:avLst/>
-          </a:prstGeom>
-          <a:ln w="28575"/>
-        </p:spPr>
-        <p:style>
-          <a:lnRef idx="1">
-            <a:schemeClr val="accent1"/>
-          </a:lnRef>
-          <a:fillRef idx="0">
-            <a:schemeClr val="accent1"/>
-          </a:fillRef>
-          <a:effectRef idx="0">
-            <a:schemeClr val="accent1"/>
-          </a:effectRef>
-          <a:fontRef idx="minor">
-            <a:schemeClr val="tx1"/>
-          </a:fontRef>
-        </p:style>
-      </p:cxnSp>
-      <p:cxnSp>
-        <p:nvCxnSpPr>
-          <p:cNvPr id="43" name="Conector reto 42">
-            <a:extLst>
-              <a:ext uri="{FF2B5EF4-FFF2-40B4-BE49-F238E27FC236}">
-                <a16:creationId xmlns:a16="http://schemas.microsoft.com/office/drawing/2014/main" xmlns="" id="{659EFC6E-1745-44EC-A544-63CCA2EC58E0}"/>
-              </a:ext>
-            </a:extLst>
-          </p:cNvPr>
-          <p:cNvCxnSpPr>
-            <a:cxnSpLocks/>
-          </p:cNvCxnSpPr>
-          <p:nvPr/>
-        </p:nvCxnSpPr>
-        <p:spPr>
-          <a:xfrm>
-            <a:off x="8196102" y="3100648"/>
-            <a:ext cx="388925" cy="0"/>
+            <a:off x="7279244" y="4111960"/>
+            <a:ext cx="1007506" cy="0"/>
           </a:xfrm>
           <a:prstGeom prst="line">
             <a:avLst/>
@@ -4406,7 +6702,7 @@
           <p:cNvPr id="61" name="Conector reto 60">
             <a:extLst>
               <a:ext uri="{FF2B5EF4-FFF2-40B4-BE49-F238E27FC236}">
-                <a16:creationId xmlns:a16="http://schemas.microsoft.com/office/drawing/2014/main" xmlns="" id="{84BF3A0B-F685-4B36-B8F8-008B0EF2B694}"/>
+                <a16:creationId xmlns="" xmlns:a16="http://schemas.microsoft.com/office/drawing/2014/main" id="{84BF3A0B-F685-4B36-B8F8-008B0EF2B694}"/>
               </a:ext>
             </a:extLst>
           </p:cNvPr>
@@ -4417,7 +6713,7 @@
         </p:nvCxnSpPr>
         <p:spPr>
           <a:xfrm>
-            <a:off x="3515421" y="2386316"/>
+            <a:off x="1490164" y="3316543"/>
             <a:ext cx="331233" cy="0"/>
           </a:xfrm>
           <a:prstGeom prst="line">
@@ -4445,7 +6741,7 @@
           <p:cNvPr id="67" name="Fluxograma: Decisão 66">
             <a:extLst>
               <a:ext uri="{FF2B5EF4-FFF2-40B4-BE49-F238E27FC236}">
-                <a16:creationId xmlns:a16="http://schemas.microsoft.com/office/drawing/2014/main" xmlns="" id="{508115D7-4056-4CCA-BB18-C941D2FEFE60}"/>
+                <a16:creationId xmlns="" xmlns:a16="http://schemas.microsoft.com/office/drawing/2014/main" id="{508115D7-4056-4CCA-BB18-C941D2FEFE60}"/>
               </a:ext>
             </a:extLst>
           </p:cNvPr>
@@ -4454,7 +6750,7 @@
         </p:nvSpPr>
         <p:spPr>
           <a:xfrm>
-            <a:off x="6272071" y="2326619"/>
+            <a:off x="4448611" y="2140194"/>
             <a:ext cx="150471" cy="150470"/>
           </a:xfrm>
           <a:prstGeom prst="flowChartDecision">
@@ -4491,59 +6787,10 @@
       </p:sp>
       <p:sp>
         <p:nvSpPr>
-          <p:cNvPr id="68" name="Fluxograma: Decisão 67">
-            <a:extLst>
-              <a:ext uri="{FF2B5EF4-FFF2-40B4-BE49-F238E27FC236}">
-                <a16:creationId xmlns:a16="http://schemas.microsoft.com/office/drawing/2014/main" xmlns="" id="{610C35A9-595B-4841-8A61-137FDF3D586A}"/>
-              </a:ext>
-            </a:extLst>
-          </p:cNvPr>
-          <p:cNvSpPr/>
-          <p:nvPr/>
-        </p:nvSpPr>
-        <p:spPr>
-          <a:xfrm>
-            <a:off x="3194369" y="3013400"/>
-            <a:ext cx="150471" cy="150470"/>
-          </a:xfrm>
-          <a:prstGeom prst="flowChartDecision">
-            <a:avLst/>
-          </a:prstGeom>
-          <a:ln>
-            <a:noFill/>
-          </a:ln>
-        </p:spPr>
-        <p:style>
-          <a:lnRef idx="2">
-            <a:schemeClr val="accent1">
-              <a:shade val="50000"/>
-            </a:schemeClr>
-          </a:lnRef>
-          <a:fillRef idx="1">
-            <a:schemeClr val="accent1"/>
-          </a:fillRef>
-          <a:effectRef idx="0">
-            <a:schemeClr val="accent1"/>
-          </a:effectRef>
-          <a:fontRef idx="minor">
-            <a:schemeClr val="lt1"/>
-          </a:fontRef>
-        </p:style>
-        <p:txBody>
-          <a:bodyPr rtlCol="0" anchor="ctr"/>
-          <a:lstStyle/>
-          <a:p>
-            <a:pPr algn="ctr"/>
-            <a:endParaRPr lang="pt-BR"/>
-          </a:p>
-        </p:txBody>
-      </p:sp>
-      <p:sp>
-        <p:nvSpPr>
           <p:cNvPr id="70" name="CaixaDeTexto 69">
             <a:extLst>
               <a:ext uri="{FF2B5EF4-FFF2-40B4-BE49-F238E27FC236}">
-                <a16:creationId xmlns:a16="http://schemas.microsoft.com/office/drawing/2014/main" xmlns="" id="{CB0F5D38-951E-478A-8CA7-9F7D8881AE33}"/>
+                <a16:creationId xmlns="" xmlns:a16="http://schemas.microsoft.com/office/drawing/2014/main" id="{CB0F5D38-951E-478A-8CA7-9F7D8881AE33}"/>
               </a:ext>
             </a:extLst>
           </p:cNvPr>
@@ -4552,8 +6799,8 @@
         </p:nvSpPr>
         <p:spPr>
           <a:xfrm>
-            <a:off x="4105724" y="250807"/>
-            <a:ext cx="1275286" cy="369332"/>
+            <a:off x="4994522" y="278664"/>
+            <a:ext cx="1985827" cy="400110"/>
           </a:xfrm>
           <a:prstGeom prst="rect">
             <a:avLst/>
@@ -4561,16 +6808,23 @@
           <a:noFill/>
         </p:spPr>
         <p:txBody>
-          <a:bodyPr wrap="none" rtlCol="0">
+          <a:bodyPr wrap="square" rtlCol="0">
             <a:spAutoFit/>
           </a:bodyPr>
           <a:lstStyle/>
           <a:p>
             <a:r>
-              <a:rPr lang="pt-BR" u="sng" dirty="0" err="1"/>
+              <a:rPr lang="pt-BR" sz="2000" b="1" dirty="0">
+                <a:effectLst>
+                  <a:outerShdw blurRad="38100" dist="38100" dir="2700000" algn="tl">
+                    <a:srgbClr val="000000">
+                      <a:alpha val="43137"/>
+                    </a:srgbClr>
+                  </a:outerShdw>
+                </a:effectLst>
+              </a:rPr>
               <a:t>PedaleV!VA</a:t>
             </a:r>
-            <a:endParaRPr lang="pt-BR" u="sng" dirty="0"/>
           </a:p>
         </p:txBody>
       </p:sp>
@@ -4579,7 +6833,7 @@
           <p:cNvPr id="71" name="CaixaDeTexto 70">
             <a:extLst>
               <a:ext uri="{FF2B5EF4-FFF2-40B4-BE49-F238E27FC236}">
-                <a16:creationId xmlns:a16="http://schemas.microsoft.com/office/drawing/2014/main" xmlns="" id="{08A9FFBD-7F95-4273-8323-B353779F9150}"/>
+                <a16:creationId xmlns="" xmlns:a16="http://schemas.microsoft.com/office/drawing/2014/main" id="{08A9FFBD-7F95-4273-8323-B353779F9150}"/>
               </a:ext>
             </a:extLst>
           </p:cNvPr>
@@ -4588,8 +6842,8 @@
         </p:nvSpPr>
         <p:spPr>
           <a:xfrm>
-            <a:off x="9073784" y="6514536"/>
-            <a:ext cx="2984278" cy="307777"/>
+            <a:off x="8480783" y="6283264"/>
+            <a:ext cx="3724096" cy="523220"/>
           </a:xfrm>
           <a:prstGeom prst="rect">
             <a:avLst/>
@@ -4603,81 +6857,29 @@
           <a:lstStyle/>
           <a:p>
             <a:r>
+              <a:rPr lang="pt-BR" sz="1400" dirty="0" smtClean="0"/>
+              <a:t>Restinga Seca, 28  </a:t>
+            </a:r>
+            <a:r>
               <a:rPr lang="pt-BR" sz="1400" dirty="0"/>
-              <a:t>Bagé, 27  de setembro de 2019 – V1.0 </a:t>
+              <a:t>de setembro de </a:t>
+            </a:r>
+            <a:r>
+              <a:rPr lang="pt-BR" sz="1400" dirty="0" smtClean="0"/>
+              <a:t>2019 </a:t>
+            </a:r>
+          </a:p>
+          <a:p>
+            <a:pPr algn="ctr"/>
+            <a:r>
+              <a:rPr lang="pt-BR" sz="1400" dirty="0"/>
+              <a:t>v</a:t>
+            </a:r>
+            <a:r>
+              <a:rPr lang="pt-BR" sz="1400" dirty="0" smtClean="0"/>
+              <a:t>0.0.1 </a:t>
             </a:r>
             <a:endParaRPr lang="pt-BR" sz="1400" dirty="0"/>
-          </a:p>
-        </p:txBody>
-      </p:sp>
-      <p:sp>
-        <p:nvSpPr>
-          <p:cNvPr id="57" name="Retângulo: Cantos Arredondados 10">
-            <a:extLst>
-              <a:ext uri="{FF2B5EF4-FFF2-40B4-BE49-F238E27FC236}">
-                <a16:creationId xmlns:a16="http://schemas.microsoft.com/office/drawing/2014/main" xmlns="" id="{BDC1C57B-3C9C-46B8-BD0A-2D73169D348B}"/>
-              </a:ext>
-            </a:extLst>
-          </p:cNvPr>
-          <p:cNvSpPr/>
-          <p:nvPr/>
-        </p:nvSpPr>
-        <p:spPr>
-          <a:xfrm>
-            <a:off x="6424512" y="2935270"/>
-            <a:ext cx="1770927" cy="636608"/>
-          </a:xfrm>
-          <a:prstGeom prst="roundRect">
-            <a:avLst/>
-          </a:prstGeom>
-          <a:ln>
-            <a:noFill/>
-          </a:ln>
-          <a:effectLst>
-            <a:outerShdw blurRad="190500" dist="228600" dir="2700000" algn="ctr">
-              <a:srgbClr val="000000">
-                <a:alpha val="30000"/>
-              </a:srgbClr>
-            </a:outerShdw>
-          </a:effectLst>
-          <a:scene3d>
-            <a:camera prst="orthographicFront">
-              <a:rot lat="0" lon="0" rev="0"/>
-            </a:camera>
-            <a:lightRig rig="glow" dir="t">
-              <a:rot lat="0" lon="0" rev="4800000"/>
-            </a:lightRig>
-          </a:scene3d>
-          <a:sp3d prstMaterial="matte">
-            <a:bevelT w="127000" h="63500"/>
-          </a:sp3d>
-        </p:spPr>
-        <p:style>
-          <a:lnRef idx="2">
-            <a:schemeClr val="accent1">
-              <a:shade val="50000"/>
-            </a:schemeClr>
-          </a:lnRef>
-          <a:fillRef idx="1">
-            <a:schemeClr val="accent1"/>
-          </a:fillRef>
-          <a:effectRef idx="0">
-            <a:schemeClr val="accent1"/>
-          </a:effectRef>
-          <a:fontRef idx="minor">
-            <a:schemeClr val="lt1"/>
-          </a:fontRef>
-        </p:style>
-        <p:txBody>
-          <a:bodyPr rtlCol="0" anchor="ctr"/>
-          <a:lstStyle/>
-          <a:p>
-            <a:pPr algn="ctr"/>
-            <a:r>
-              <a:rPr lang="pt-BR" dirty="0" smtClean="0"/>
-              <a:t>Instrutor</a:t>
-            </a:r>
-            <a:endParaRPr lang="pt-BR" dirty="0"/>
           </a:p>
         </p:txBody>
       </p:sp>
@@ -4686,7 +6888,7 @@
           <p:cNvPr id="58" name="Conector reto 57">
             <a:extLst>
               <a:ext uri="{FF2B5EF4-FFF2-40B4-BE49-F238E27FC236}">
-                <a16:creationId xmlns:a16="http://schemas.microsoft.com/office/drawing/2014/main" xmlns="" id="{45F3DB6C-B02F-44DC-AD25-7A53EFCFE467}"/>
+                <a16:creationId xmlns="" xmlns:a16="http://schemas.microsoft.com/office/drawing/2014/main" id="{45F3DB6C-B02F-44DC-AD25-7A53EFCFE467}"/>
               </a:ext>
             </a:extLst>
           </p:cNvPr>
@@ -4696,9 +6898,9 @@
           <p:nvPr/>
         </p:nvCxnSpPr>
         <p:spPr>
-          <a:xfrm flipV="1">
-            <a:off x="6057728" y="1854393"/>
-            <a:ext cx="0" cy="1394018"/>
+          <a:xfrm flipH="1" flipV="1">
+            <a:off x="4058804" y="1484577"/>
+            <a:ext cx="1757" cy="1485590"/>
           </a:xfrm>
           <a:prstGeom prst="line">
             <a:avLst/>
@@ -4725,7 +6927,7 @@
           <p:cNvPr id="59" name="Conector reto 58">
             <a:extLst>
               <a:ext uri="{FF2B5EF4-FFF2-40B4-BE49-F238E27FC236}">
-                <a16:creationId xmlns:a16="http://schemas.microsoft.com/office/drawing/2014/main" xmlns="" id="{137CB4A4-DE11-4FFF-B8E7-468BBF3C6BEB}"/>
+                <a16:creationId xmlns="" xmlns:a16="http://schemas.microsoft.com/office/drawing/2014/main" id="{137CB4A4-DE11-4FFF-B8E7-468BBF3C6BEB}"/>
               </a:ext>
             </a:extLst>
           </p:cNvPr>
@@ -4736,8 +6938,8 @@
         </p:nvCxnSpPr>
         <p:spPr>
           <a:xfrm>
-            <a:off x="6044234" y="3257936"/>
-            <a:ext cx="388925" cy="0"/>
+            <a:off x="4060561" y="2970167"/>
+            <a:ext cx="518006" cy="0"/>
           </a:xfrm>
           <a:prstGeom prst="line">
             <a:avLst/>
@@ -4759,129 +6961,12 @@
           </a:fontRef>
         </p:style>
       </p:cxnSp>
-      <p:cxnSp>
-        <p:nvCxnSpPr>
-          <p:cNvPr id="63" name="Conector reto 62">
-            <a:extLst>
-              <a:ext uri="{FF2B5EF4-FFF2-40B4-BE49-F238E27FC236}">
-                <a16:creationId xmlns:a16="http://schemas.microsoft.com/office/drawing/2014/main" xmlns="" id="{8986E891-DFD6-4B73-942D-C1D0CF4297BF}"/>
-              </a:ext>
-            </a:extLst>
-          </p:cNvPr>
-          <p:cNvCxnSpPr>
-            <a:cxnSpLocks/>
-          </p:cNvCxnSpPr>
-          <p:nvPr/>
-        </p:nvCxnSpPr>
-        <p:spPr>
-          <a:xfrm>
-            <a:off x="4094149" y="4672554"/>
-            <a:ext cx="1836086" cy="0"/>
-          </a:xfrm>
-          <a:prstGeom prst="line">
-            <a:avLst/>
-          </a:prstGeom>
-          <a:ln w="28575"/>
-        </p:spPr>
-        <p:style>
-          <a:lnRef idx="1">
-            <a:schemeClr val="accent1"/>
-          </a:lnRef>
-          <a:fillRef idx="0">
-            <a:schemeClr val="accent1"/>
-          </a:fillRef>
-          <a:effectRef idx="0">
-            <a:schemeClr val="accent1"/>
-          </a:effectRef>
-          <a:fontRef idx="minor">
-            <a:schemeClr val="tx1"/>
-          </a:fontRef>
-        </p:style>
-      </p:cxnSp>
-      <p:cxnSp>
-        <p:nvCxnSpPr>
-          <p:cNvPr id="64" name="Conector reto 63">
-            <a:extLst>
-              <a:ext uri="{FF2B5EF4-FFF2-40B4-BE49-F238E27FC236}">
-                <a16:creationId xmlns:a16="http://schemas.microsoft.com/office/drawing/2014/main" xmlns="" id="{45F3DB6C-B02F-44DC-AD25-7A53EFCFE467}"/>
-              </a:ext>
-            </a:extLst>
-          </p:cNvPr>
-          <p:cNvCxnSpPr>
-            <a:cxnSpLocks/>
-          </p:cNvCxnSpPr>
-          <p:nvPr/>
-        </p:nvCxnSpPr>
-        <p:spPr>
-          <a:xfrm flipV="1">
-            <a:off x="5913869" y="3278536"/>
-            <a:ext cx="0" cy="1394018"/>
-          </a:xfrm>
-          <a:prstGeom prst="line">
-            <a:avLst/>
-          </a:prstGeom>
-          <a:ln w="28575"/>
-        </p:spPr>
-        <p:style>
-          <a:lnRef idx="1">
-            <a:schemeClr val="accent1"/>
-          </a:lnRef>
-          <a:fillRef idx="0">
-            <a:schemeClr val="accent1"/>
-          </a:fillRef>
-          <a:effectRef idx="0">
-            <a:schemeClr val="accent1"/>
-          </a:effectRef>
-          <a:fontRef idx="minor">
-            <a:schemeClr val="tx1"/>
-          </a:fontRef>
-        </p:style>
-      </p:cxnSp>
-      <p:cxnSp>
-        <p:nvCxnSpPr>
-          <p:cNvPr id="65" name="Conector reto 64">
-            <a:extLst>
-              <a:ext uri="{FF2B5EF4-FFF2-40B4-BE49-F238E27FC236}">
-                <a16:creationId xmlns:a16="http://schemas.microsoft.com/office/drawing/2014/main" xmlns="" id="{137CB4A4-DE11-4FFF-B8E7-468BBF3C6BEB}"/>
-              </a:ext>
-            </a:extLst>
-          </p:cNvPr>
-          <p:cNvCxnSpPr>
-            <a:cxnSpLocks/>
-          </p:cNvCxnSpPr>
-          <p:nvPr/>
-        </p:nvCxnSpPr>
-        <p:spPr>
-          <a:xfrm>
-            <a:off x="5898125" y="3257936"/>
-            <a:ext cx="388925" cy="0"/>
-          </a:xfrm>
-          <a:prstGeom prst="line">
-            <a:avLst/>
-          </a:prstGeom>
-          <a:ln w="28575"/>
-        </p:spPr>
-        <p:style>
-          <a:lnRef idx="1">
-            <a:schemeClr val="accent1"/>
-          </a:lnRef>
-          <a:fillRef idx="0">
-            <a:schemeClr val="accent1"/>
-          </a:fillRef>
-          <a:effectRef idx="0">
-            <a:schemeClr val="accent1"/>
-          </a:effectRef>
-          <a:fontRef idx="minor">
-            <a:schemeClr val="tx1"/>
-          </a:fontRef>
-        </p:style>
-      </p:cxnSp>
       <p:sp>
         <p:nvSpPr>
           <p:cNvPr id="66" name="Retângulo: Cantos Arredondados 6">
             <a:extLst>
               <a:ext uri="{FF2B5EF4-FFF2-40B4-BE49-F238E27FC236}">
-                <a16:creationId xmlns:a16="http://schemas.microsoft.com/office/drawing/2014/main" xmlns="" id="{247E6EEB-1C24-4EE4-B38B-3C7AEC53C5CD}"/>
+                <a16:creationId xmlns="" xmlns:a16="http://schemas.microsoft.com/office/drawing/2014/main" id="{247E6EEB-1C24-4EE4-B38B-3C7AEC53C5CD}"/>
               </a:ext>
             </a:extLst>
           </p:cNvPr>
@@ -4890,7 +6975,7 @@
         </p:nvSpPr>
         <p:spPr>
           <a:xfrm>
-            <a:off x="6419247" y="2922729"/>
+            <a:off x="5508317" y="3793656"/>
             <a:ext cx="1770927" cy="636608"/>
           </a:xfrm>
           <a:prstGeom prst="roundRect">
@@ -4954,10 +7039,10 @@
       </p:sp>
       <p:cxnSp>
         <p:nvCxnSpPr>
-          <p:cNvPr id="81" name="Conector reto 80">
+          <p:cNvPr id="98" name="Conector reto 97">
             <a:extLst>
               <a:ext uri="{FF2B5EF4-FFF2-40B4-BE49-F238E27FC236}">
-                <a16:creationId xmlns:a16="http://schemas.microsoft.com/office/drawing/2014/main" xmlns="" id="{45F3DB6C-B02F-44DC-AD25-7A53EFCFE467}"/>
+                <a16:creationId xmlns="" xmlns:a16="http://schemas.microsoft.com/office/drawing/2014/main" id="{45F3DB6C-B02F-44DC-AD25-7A53EFCFE467}"/>
               </a:ext>
             </a:extLst>
           </p:cNvPr>
@@ -4968,8 +7053,8 @@
         </p:nvCxnSpPr>
         <p:spPr>
           <a:xfrm flipV="1">
-            <a:off x="11311125" y="2359820"/>
-            <a:ext cx="0" cy="1829482"/>
+            <a:off x="1490164" y="1454150"/>
+            <a:ext cx="0" cy="1854787"/>
           </a:xfrm>
           <a:prstGeom prst="line">
             <a:avLst/>
@@ -4993,10 +7078,10 @@
       </p:cxnSp>
       <p:cxnSp>
         <p:nvCxnSpPr>
-          <p:cNvPr id="83" name="Conector reto 82">
+          <p:cNvPr id="53" name="Conector reto 52">
             <a:extLst>
               <a:ext uri="{FF2B5EF4-FFF2-40B4-BE49-F238E27FC236}">
-                <a16:creationId xmlns:a16="http://schemas.microsoft.com/office/drawing/2014/main" xmlns="" id="{3B39D23B-96F5-4E63-85CD-581B86C34929}"/>
+                <a16:creationId xmlns="" xmlns:a16="http://schemas.microsoft.com/office/drawing/2014/main" id="{84BF3A0B-F685-4B36-B8F8-008B0EF2B694}"/>
               </a:ext>
             </a:extLst>
           </p:cNvPr>
@@ -5007,8 +7092,116 @@
         </p:nvCxnSpPr>
         <p:spPr>
           <a:xfrm>
-            <a:off x="10793911" y="2369556"/>
-            <a:ext cx="517214" cy="4855"/>
+            <a:off x="1490164" y="1454150"/>
+            <a:ext cx="331233" cy="0"/>
+          </a:xfrm>
+          <a:prstGeom prst="line">
+            <a:avLst/>
+          </a:prstGeom>
+          <a:ln w="28575"/>
+        </p:spPr>
+        <p:style>
+          <a:lnRef idx="1">
+            <a:schemeClr val="accent1"/>
+          </a:lnRef>
+          <a:fillRef idx="0">
+            <a:schemeClr val="accent1"/>
+          </a:fillRef>
+          <a:effectRef idx="0">
+            <a:schemeClr val="accent1"/>
+          </a:effectRef>
+          <a:fontRef idx="minor">
+            <a:schemeClr val="tx1"/>
+          </a:fontRef>
+        </p:style>
+      </p:cxnSp>
+      <p:sp>
+        <p:nvSpPr>
+          <p:cNvPr id="60" name="Retângulo: Cantos Arredondados 10">
+            <a:extLst>
+              <a:ext uri="{FF2B5EF4-FFF2-40B4-BE49-F238E27FC236}">
+                <a16:creationId xmlns="" xmlns:a16="http://schemas.microsoft.com/office/drawing/2014/main" id="{BDC1C57B-3C9C-46B8-BD0A-2D73169D348B}"/>
+              </a:ext>
+            </a:extLst>
+          </p:cNvPr>
+          <p:cNvSpPr/>
+          <p:nvPr/>
+        </p:nvSpPr>
+        <p:spPr>
+          <a:xfrm>
+            <a:off x="4582369" y="2651863"/>
+            <a:ext cx="1770927" cy="636608"/>
+          </a:xfrm>
+          <a:prstGeom prst="roundRect">
+            <a:avLst/>
+          </a:prstGeom>
+          <a:ln>
+            <a:noFill/>
+          </a:ln>
+          <a:effectLst>
+            <a:outerShdw blurRad="190500" dist="228600" dir="2700000" algn="ctr">
+              <a:srgbClr val="000000">
+                <a:alpha val="30000"/>
+              </a:srgbClr>
+            </a:outerShdw>
+          </a:effectLst>
+          <a:scene3d>
+            <a:camera prst="orthographicFront">
+              <a:rot lat="0" lon="0" rev="0"/>
+            </a:camera>
+            <a:lightRig rig="glow" dir="t">
+              <a:rot lat="0" lon="0" rev="4800000"/>
+            </a:lightRig>
+          </a:scene3d>
+          <a:sp3d prstMaterial="matte">
+            <a:bevelT w="127000" h="63500"/>
+          </a:sp3d>
+        </p:spPr>
+        <p:style>
+          <a:lnRef idx="2">
+            <a:schemeClr val="accent1">
+              <a:shade val="50000"/>
+            </a:schemeClr>
+          </a:lnRef>
+          <a:fillRef idx="1">
+            <a:schemeClr val="accent1"/>
+          </a:fillRef>
+          <a:effectRef idx="0">
+            <a:schemeClr val="accent1"/>
+          </a:effectRef>
+          <a:fontRef idx="minor">
+            <a:schemeClr val="lt1"/>
+          </a:fontRef>
+        </p:style>
+        <p:txBody>
+          <a:bodyPr rtlCol="0" anchor="ctr"/>
+          <a:lstStyle/>
+          <a:p>
+            <a:pPr algn="ctr"/>
+            <a:r>
+              <a:rPr lang="pt-BR" dirty="0" smtClean="0"/>
+              <a:t>Zona</a:t>
+            </a:r>
+            <a:endParaRPr lang="pt-BR" dirty="0"/>
+          </a:p>
+        </p:txBody>
+      </p:sp>
+      <p:cxnSp>
+        <p:nvCxnSpPr>
+          <p:cNvPr id="62" name="Conector reto 61">
+            <a:extLst>
+              <a:ext uri="{FF2B5EF4-FFF2-40B4-BE49-F238E27FC236}">
+                <a16:creationId xmlns="" xmlns:a16="http://schemas.microsoft.com/office/drawing/2014/main" id="{379A6EDB-D8D9-4059-B033-6C43B669DFBE}"/>
+              </a:ext>
+            </a:extLst>
+          </p:cNvPr>
+          <p:cNvCxnSpPr/>
+          <p:nvPr/>
+        </p:nvCxnSpPr>
+        <p:spPr>
+          <a:xfrm>
+            <a:off x="3615148" y="3347790"/>
+            <a:ext cx="833463" cy="0"/>
           </a:xfrm>
           <a:prstGeom prst="line">
             <a:avLst/>
@@ -5032,10 +7225,10 @@
       </p:cxnSp>
       <p:cxnSp>
         <p:nvCxnSpPr>
-          <p:cNvPr id="85" name="Conector reto 84">
+          <p:cNvPr id="69" name="Conector reto 68">
             <a:extLst>
               <a:ext uri="{FF2B5EF4-FFF2-40B4-BE49-F238E27FC236}">
-                <a16:creationId xmlns:a16="http://schemas.microsoft.com/office/drawing/2014/main" xmlns="" id="{3B39D23B-96F5-4E63-85CD-581B86C34929}"/>
+                <a16:creationId xmlns="" xmlns:a16="http://schemas.microsoft.com/office/drawing/2014/main" id="{7DC76B42-8877-4509-ADC0-74DFA6AFA042}"/>
               </a:ext>
             </a:extLst>
           </p:cNvPr>
@@ -5046,8 +7239,8 @@
         </p:nvCxnSpPr>
         <p:spPr>
           <a:xfrm>
-            <a:off x="10765959" y="4189302"/>
-            <a:ext cx="545166" cy="0"/>
+            <a:off x="4448611" y="3347790"/>
+            <a:ext cx="0" cy="361709"/>
           </a:xfrm>
           <a:prstGeom prst="line">
             <a:avLst/>
@@ -5071,18 +7264,27 @@
       </p:cxnSp>
       <p:cxnSp>
         <p:nvCxnSpPr>
-          <p:cNvPr id="32" name="Conector reto 31"/>
-          <p:cNvCxnSpPr/>
+          <p:cNvPr id="72" name="Conector reto 71">
+            <a:extLst>
+              <a:ext uri="{FF2B5EF4-FFF2-40B4-BE49-F238E27FC236}">
+                <a16:creationId xmlns="" xmlns:a16="http://schemas.microsoft.com/office/drawing/2014/main" id="{137CB4A4-DE11-4FFF-B8E7-468BBF3C6BEB}"/>
+              </a:ext>
+            </a:extLst>
+          </p:cNvPr>
+          <p:cNvCxnSpPr>
+            <a:cxnSpLocks/>
+          </p:cNvCxnSpPr>
           <p:nvPr/>
         </p:nvCxnSpPr>
         <p:spPr>
           <a:xfrm>
-            <a:off x="9950172" y="829869"/>
-            <a:ext cx="8970" cy="1265510"/>
+            <a:off x="4445144" y="3709499"/>
+            <a:ext cx="518006" cy="0"/>
           </a:xfrm>
           <a:prstGeom prst="line">
             <a:avLst/>
           </a:prstGeom>
+          <a:ln w="28575"/>
         </p:spPr>
         <p:style>
           <a:lnRef idx="1">
@@ -5101,18 +7303,27 @@
       </p:cxnSp>
       <p:cxnSp>
         <p:nvCxnSpPr>
-          <p:cNvPr id="42" name="Conector reto 41"/>
-          <p:cNvCxnSpPr/>
+          <p:cNvPr id="73" name="Conector reto 72">
+            <a:extLst>
+              <a:ext uri="{FF2B5EF4-FFF2-40B4-BE49-F238E27FC236}">
+                <a16:creationId xmlns="" xmlns:a16="http://schemas.microsoft.com/office/drawing/2014/main" id="{7DC76B42-8877-4509-ADC0-74DFA6AFA042}"/>
+              </a:ext>
+            </a:extLst>
+          </p:cNvPr>
+          <p:cNvCxnSpPr>
+            <a:cxnSpLocks/>
+          </p:cNvCxnSpPr>
           <p:nvPr/>
         </p:nvCxnSpPr>
         <p:spPr>
           <a:xfrm>
-            <a:off x="626117" y="800100"/>
-            <a:ext cx="25673" cy="3553608"/>
+            <a:off x="4963150" y="3709499"/>
+            <a:ext cx="0" cy="361709"/>
           </a:xfrm>
           <a:prstGeom prst="line">
             <a:avLst/>
           </a:prstGeom>
+          <a:ln w="28575"/>
         </p:spPr>
         <p:style>
           <a:lnRef idx="1">
@@ -5131,18 +7342,27 @@
       </p:cxnSp>
       <p:cxnSp>
         <p:nvCxnSpPr>
-          <p:cNvPr id="52" name="Conector reto 51"/>
-          <p:cNvCxnSpPr/>
+          <p:cNvPr id="74" name="Conector reto 73">
+            <a:extLst>
+              <a:ext uri="{FF2B5EF4-FFF2-40B4-BE49-F238E27FC236}">
+                <a16:creationId xmlns="" xmlns:a16="http://schemas.microsoft.com/office/drawing/2014/main" id="{137CB4A4-DE11-4FFF-B8E7-468BBF3C6BEB}"/>
+              </a:ext>
+            </a:extLst>
+          </p:cNvPr>
+          <p:cNvCxnSpPr>
+            <a:cxnSpLocks/>
+          </p:cNvCxnSpPr>
           <p:nvPr/>
         </p:nvCxnSpPr>
         <p:spPr>
-          <a:xfrm flipV="1">
-            <a:off x="609322" y="799558"/>
-            <a:ext cx="9324472" cy="30311"/>
+          <a:xfrm>
+            <a:off x="4966539" y="4071208"/>
+            <a:ext cx="518006" cy="0"/>
           </a:xfrm>
           <a:prstGeom prst="line">
             <a:avLst/>
           </a:prstGeom>
+          <a:ln w="28575"/>
         </p:spPr>
         <p:style>
           <a:lnRef idx="1">
@@ -5161,10 +7381,91 @@
       </p:cxnSp>
       <p:cxnSp>
         <p:nvCxnSpPr>
-          <p:cNvPr id="98" name="Conector reto 97">
+          <p:cNvPr id="75" name="Conector reto 74">
             <a:extLst>
               <a:ext uri="{FF2B5EF4-FFF2-40B4-BE49-F238E27FC236}">
-                <a16:creationId xmlns:a16="http://schemas.microsoft.com/office/drawing/2014/main" xmlns="" id="{45F3DB6C-B02F-44DC-AD25-7A53EFCFE467}"/>
+                <a16:creationId xmlns="" xmlns:a16="http://schemas.microsoft.com/office/drawing/2014/main" id="{379A6EDB-D8D9-4059-B033-6C43B669DFBE}"/>
+              </a:ext>
+            </a:extLst>
+          </p:cNvPr>
+          <p:cNvCxnSpPr/>
+          <p:nvPr/>
+        </p:nvCxnSpPr>
+        <p:spPr>
+          <a:xfrm>
+            <a:off x="6355844" y="1455602"/>
+            <a:ext cx="833463" cy="0"/>
+          </a:xfrm>
+          <a:prstGeom prst="line">
+            <a:avLst/>
+          </a:prstGeom>
+          <a:ln w="28575"/>
+        </p:spPr>
+        <p:style>
+          <a:lnRef idx="1">
+            <a:schemeClr val="accent1"/>
+          </a:lnRef>
+          <a:fillRef idx="0">
+            <a:schemeClr val="accent1"/>
+          </a:fillRef>
+          <a:effectRef idx="0">
+            <a:schemeClr val="accent1"/>
+          </a:effectRef>
+          <a:fontRef idx="minor">
+            <a:schemeClr val="tx1"/>
+          </a:fontRef>
+        </p:style>
+      </p:cxnSp>
+      <p:sp>
+        <p:nvSpPr>
+          <p:cNvPr id="26" name="Elipse 25"/>
+          <p:cNvSpPr/>
+          <p:nvPr/>
+        </p:nvSpPr>
+        <p:spPr>
+          <a:xfrm>
+            <a:off x="3729546" y="5632906"/>
+            <a:ext cx="914400" cy="914400"/>
+          </a:xfrm>
+          <a:prstGeom prst="ellipse">
+            <a:avLst/>
+          </a:prstGeom>
+        </p:spPr>
+        <p:style>
+          <a:lnRef idx="2">
+            <a:schemeClr val="accent1">
+              <a:shade val="50000"/>
+            </a:schemeClr>
+          </a:lnRef>
+          <a:fillRef idx="1">
+            <a:schemeClr val="accent1"/>
+          </a:fillRef>
+          <a:effectRef idx="0">
+            <a:schemeClr val="accent1"/>
+          </a:effectRef>
+          <a:fontRef idx="minor">
+            <a:schemeClr val="lt1"/>
+          </a:fontRef>
+        </p:style>
+        <p:txBody>
+          <a:bodyPr rtlCol="0" anchor="ctr"/>
+          <a:lstStyle/>
+          <a:p>
+            <a:pPr algn="ctr"/>
+            <a:r>
+              <a:rPr lang="pt-BR" sz="1200" dirty="0" smtClean="0"/>
+              <a:t>View_V!VA</a:t>
+            </a:r>
+            <a:endParaRPr lang="pt-BR" sz="1200" dirty="0"/>
+          </a:p>
+        </p:txBody>
+      </p:sp>
+      <p:cxnSp>
+        <p:nvCxnSpPr>
+          <p:cNvPr id="76" name="Conector reto 75">
+            <a:extLst>
+              <a:ext uri="{FF2B5EF4-FFF2-40B4-BE49-F238E27FC236}">
+                <a16:creationId xmlns="" xmlns:a16="http://schemas.microsoft.com/office/drawing/2014/main" id="{7DC76B42-8877-4509-ADC0-74DFA6AFA042}"/>
               </a:ext>
             </a:extLst>
           </p:cNvPr>
@@ -5174,9 +7475,9 @@
           <p:nvPr/>
         </p:nvCxnSpPr>
         <p:spPr>
-          <a:xfrm flipV="1">
-            <a:off x="3515421" y="2359820"/>
-            <a:ext cx="0" cy="737490"/>
+          <a:xfrm>
+            <a:off x="3729546" y="5610226"/>
+            <a:ext cx="0" cy="960029"/>
           </a:xfrm>
           <a:prstGeom prst="line">
             <a:avLst/>
@@ -5198,188 +7499,367 @@
           </a:fontRef>
         </p:style>
       </p:cxnSp>
-      <p:sp>
-        <p:nvSpPr>
-          <p:cNvPr id="86" name="CaixaDeTexto 85"/>
-          <p:cNvSpPr txBox="1"/>
+      <p:cxnSp>
+        <p:nvCxnSpPr>
+          <p:cNvPr id="77" name="Conector reto 76">
+            <a:extLst>
+              <a:ext uri="{FF2B5EF4-FFF2-40B4-BE49-F238E27FC236}">
+                <a16:creationId xmlns="" xmlns:a16="http://schemas.microsoft.com/office/drawing/2014/main" id="{137CB4A4-DE11-4FFF-B8E7-468BBF3C6BEB}"/>
+              </a:ext>
+            </a:extLst>
+          </p:cNvPr>
+          <p:cNvCxnSpPr>
+            <a:cxnSpLocks/>
+          </p:cNvCxnSpPr>
           <p:nvPr/>
-        </p:nvSpPr>
-        <p:spPr>
-          <a:xfrm>
-            <a:off x="3467644" y="2719856"/>
-            <a:ext cx="960519" cy="369332"/>
-          </a:xfrm>
-          <a:prstGeom prst="rect">
+        </p:nvCxnSpPr>
+        <p:spPr>
+          <a:xfrm>
+            <a:off x="4674192" y="6082297"/>
+            <a:ext cx="518006" cy="0"/>
+          </a:xfrm>
+          <a:prstGeom prst="line">
             <a:avLst/>
           </a:prstGeom>
-          <a:noFill/>
-        </p:spPr>
-        <p:txBody>
-          <a:bodyPr wrap="none" rtlCol="0">
-            <a:spAutoFit/>
-          </a:bodyPr>
-          <a:lstStyle/>
-          <a:p>
-            <a:r>
-              <a:rPr lang="pt-BR" dirty="0" smtClean="0"/>
-              <a:t>Inscreve</a:t>
-            </a:r>
-            <a:endParaRPr lang="pt-BR" dirty="0"/>
-          </a:p>
-        </p:txBody>
-      </p:sp>
-      <p:sp>
-        <p:nvSpPr>
-          <p:cNvPr id="87" name="CaixaDeTexto 86"/>
-          <p:cNvSpPr txBox="1"/>
+          <a:ln w="28575"/>
+        </p:spPr>
+        <p:style>
+          <a:lnRef idx="1">
+            <a:schemeClr val="accent1"/>
+          </a:lnRef>
+          <a:fillRef idx="0">
+            <a:schemeClr val="accent1"/>
+          </a:fillRef>
+          <a:effectRef idx="0">
+            <a:schemeClr val="accent1"/>
+          </a:effectRef>
+          <a:fontRef idx="minor">
+            <a:schemeClr val="tx1"/>
+          </a:fontRef>
+        </p:style>
+      </p:cxnSp>
+      <p:sp>
+        <p:nvSpPr>
+          <p:cNvPr id="28" name="Elipse 27"/>
+          <p:cNvSpPr/>
           <p:nvPr/>
         </p:nvSpPr>
         <p:spPr>
           <a:xfrm>
-            <a:off x="5625809" y="1145584"/>
-            <a:ext cx="576120" cy="369332"/>
-          </a:xfrm>
-          <a:prstGeom prst="rect">
+            <a:off x="5192198" y="5605055"/>
+            <a:ext cx="914400" cy="914400"/>
+          </a:xfrm>
+          <a:prstGeom prst="ellipse">
             <a:avLst/>
           </a:prstGeom>
-          <a:noFill/>
-        </p:spPr>
-        <p:txBody>
-          <a:bodyPr wrap="none" rtlCol="0">
-            <a:spAutoFit/>
-          </a:bodyPr>
+        </p:spPr>
+        <p:style>
+          <a:lnRef idx="2">
+            <a:schemeClr val="accent1">
+              <a:shade val="50000"/>
+            </a:schemeClr>
+          </a:lnRef>
+          <a:fillRef idx="1">
+            <a:schemeClr val="accent1"/>
+          </a:fillRef>
+          <a:effectRef idx="0">
+            <a:schemeClr val="accent1"/>
+          </a:effectRef>
+          <a:fontRef idx="minor">
+            <a:schemeClr val="lt1"/>
+          </a:fontRef>
+        </p:style>
+        <p:txBody>
+          <a:bodyPr rtlCol="0" anchor="ctr"/>
           <a:lstStyle/>
           <a:p>
-            <a:r>
-              <a:rPr lang="pt-BR" dirty="0" smtClean="0"/>
-              <a:t>Tem</a:t>
-            </a:r>
-            <a:endParaRPr lang="pt-BR" dirty="0"/>
-          </a:p>
-        </p:txBody>
-      </p:sp>
-      <p:sp>
-        <p:nvSpPr>
-          <p:cNvPr id="89" name="CaixaDeTexto 88"/>
-          <p:cNvSpPr txBox="1"/>
+            <a:pPr algn="ctr"/>
+            <a:r>
+              <a:rPr lang="pt-BR" sz="1000" dirty="0" smtClean="0"/>
+              <a:t>Control</a:t>
+            </a:r>
+            <a:r>
+              <a:rPr lang="pt-BR" sz="1100" dirty="0" smtClean="0"/>
+              <a:t>_V!VA</a:t>
+            </a:r>
+            <a:endParaRPr lang="pt-BR" sz="1100" dirty="0"/>
+          </a:p>
+        </p:txBody>
+      </p:sp>
+      <p:sp>
+        <p:nvSpPr>
+          <p:cNvPr id="78" name="Elipse 77"/>
+          <p:cNvSpPr/>
           <p:nvPr/>
         </p:nvSpPr>
         <p:spPr>
           <a:xfrm>
-            <a:off x="5601249" y="4841303"/>
-            <a:ext cx="296876" cy="646331"/>
-          </a:xfrm>
-          <a:prstGeom prst="rect">
+            <a:off x="6651983" y="5605055"/>
+            <a:ext cx="914400" cy="914400"/>
+          </a:xfrm>
+          <a:prstGeom prst="ellipse">
             <a:avLst/>
           </a:prstGeom>
-          <a:noFill/>
-        </p:spPr>
-        <p:txBody>
-          <a:bodyPr wrap="none" rtlCol="0">
-            <a:spAutoFit/>
-          </a:bodyPr>
+        </p:spPr>
+        <p:style>
+          <a:lnRef idx="2">
+            <a:schemeClr val="accent1">
+              <a:shade val="50000"/>
+            </a:schemeClr>
+          </a:lnRef>
+          <a:fillRef idx="1">
+            <a:schemeClr val="accent1"/>
+          </a:fillRef>
+          <a:effectRef idx="0">
+            <a:schemeClr val="accent1"/>
+          </a:effectRef>
+          <a:fontRef idx="minor">
+            <a:schemeClr val="lt1"/>
+          </a:fontRef>
+        </p:style>
+        <p:txBody>
+          <a:bodyPr rtlCol="0" anchor="ctr"/>
           <a:lstStyle/>
           <a:p>
-            <a:r>
-              <a:rPr lang="pt-BR" dirty="0" smtClean="0"/>
-              <a:t>É</a:t>
-            </a:r>
-          </a:p>
-          <a:p>
-            <a:endParaRPr lang="pt-BR" dirty="0"/>
-          </a:p>
-        </p:txBody>
-      </p:sp>
-      <p:sp>
-        <p:nvSpPr>
-          <p:cNvPr id="90" name="CaixaDeTexto 89"/>
-          <p:cNvSpPr txBox="1"/>
+            <a:pPr algn="ctr"/>
+            <a:r>
+              <a:rPr lang="pt-BR" sz="1200" dirty="0" smtClean="0"/>
+              <a:t>Base_V!VA</a:t>
+            </a:r>
+            <a:endParaRPr lang="pt-BR" sz="1200" dirty="0"/>
+          </a:p>
+        </p:txBody>
+      </p:sp>
+      <p:cxnSp>
+        <p:nvCxnSpPr>
+          <p:cNvPr id="79" name="Conector reto 78">
+            <a:extLst>
+              <a:ext uri="{FF2B5EF4-FFF2-40B4-BE49-F238E27FC236}">
+                <a16:creationId xmlns="" xmlns:a16="http://schemas.microsoft.com/office/drawing/2014/main" id="{137CB4A4-DE11-4FFF-B8E7-468BBF3C6BEB}"/>
+              </a:ext>
+            </a:extLst>
+          </p:cNvPr>
+          <p:cNvCxnSpPr>
+            <a:cxnSpLocks/>
+          </p:cNvCxnSpPr>
           <p:nvPr/>
-        </p:nvSpPr>
-        <p:spPr>
-          <a:xfrm>
-            <a:off x="8190174" y="4353708"/>
-            <a:ext cx="801373" cy="369332"/>
-          </a:xfrm>
-          <a:prstGeom prst="rect">
+        </p:nvCxnSpPr>
+        <p:spPr>
+          <a:xfrm>
+            <a:off x="6118688" y="6073178"/>
+            <a:ext cx="518006" cy="0"/>
+          </a:xfrm>
+          <a:prstGeom prst="line">
             <a:avLst/>
           </a:prstGeom>
-          <a:noFill/>
-        </p:spPr>
-        <p:txBody>
-          <a:bodyPr wrap="none" rtlCol="0">
-            <a:spAutoFit/>
-          </a:bodyPr>
-          <a:lstStyle/>
-          <a:p>
-            <a:r>
-              <a:rPr lang="pt-BR" dirty="0" smtClean="0"/>
-              <a:t>Define</a:t>
-            </a:r>
-            <a:endParaRPr lang="pt-BR" dirty="0"/>
-          </a:p>
-        </p:txBody>
-      </p:sp>
-      <p:sp>
-        <p:nvSpPr>
-          <p:cNvPr id="91" name="CaixaDeTexto 90"/>
-          <p:cNvSpPr txBox="1"/>
+          <a:ln w="28575"/>
+        </p:spPr>
+        <p:style>
+          <a:lnRef idx="1">
+            <a:schemeClr val="accent1"/>
+          </a:lnRef>
+          <a:fillRef idx="0">
+            <a:schemeClr val="accent1"/>
+          </a:fillRef>
+          <a:effectRef idx="0">
+            <a:schemeClr val="accent1"/>
+          </a:effectRef>
+          <a:fontRef idx="minor">
+            <a:schemeClr val="tx1"/>
+          </a:fontRef>
+        </p:style>
+      </p:cxnSp>
+      <p:cxnSp>
+        <p:nvCxnSpPr>
+          <p:cNvPr id="80" name="Conector reto 79">
+            <a:extLst>
+              <a:ext uri="{FF2B5EF4-FFF2-40B4-BE49-F238E27FC236}">
+                <a16:creationId xmlns="" xmlns:a16="http://schemas.microsoft.com/office/drawing/2014/main" id="{137CB4A4-DE11-4FFF-B8E7-468BBF3C6BEB}"/>
+              </a:ext>
+            </a:extLst>
+          </p:cNvPr>
+          <p:cNvCxnSpPr>
+            <a:cxnSpLocks/>
+          </p:cNvCxnSpPr>
           <p:nvPr/>
-        </p:nvSpPr>
-        <p:spPr>
-          <a:xfrm>
-            <a:off x="10350449" y="3308937"/>
-            <a:ext cx="816314" cy="369332"/>
-          </a:xfrm>
-          <a:prstGeom prst="rect">
+        </p:nvCxnSpPr>
+        <p:spPr>
+          <a:xfrm>
+            <a:off x="6702783" y="6519455"/>
+            <a:ext cx="824095" cy="19"/>
+          </a:xfrm>
+          <a:prstGeom prst="line">
             <a:avLst/>
           </a:prstGeom>
-          <a:noFill/>
-        </p:spPr>
-        <p:txBody>
-          <a:bodyPr wrap="none" rtlCol="0">
-            <a:spAutoFit/>
-          </a:bodyPr>
-          <a:lstStyle/>
-          <a:p>
-            <a:r>
-              <a:rPr lang="pt-BR" dirty="0" smtClean="0"/>
-              <a:t>Geram</a:t>
-            </a:r>
-            <a:endParaRPr lang="pt-BR" dirty="0"/>
-          </a:p>
-        </p:txBody>
-      </p:sp>
-      <p:sp>
-        <p:nvSpPr>
-          <p:cNvPr id="93" name="CaixaDeTexto 92"/>
-          <p:cNvSpPr txBox="1"/>
+          <a:ln w="28575"/>
+        </p:spPr>
+        <p:style>
+          <a:lnRef idx="1">
+            <a:schemeClr val="accent1"/>
+          </a:lnRef>
+          <a:fillRef idx="0">
+            <a:schemeClr val="accent1"/>
+          </a:fillRef>
+          <a:effectRef idx="0">
+            <a:schemeClr val="accent1"/>
+          </a:effectRef>
+          <a:fontRef idx="minor">
+            <a:schemeClr val="tx1"/>
+          </a:fontRef>
+        </p:style>
+      </p:cxnSp>
+      <p:cxnSp>
+        <p:nvCxnSpPr>
+          <p:cNvPr id="82" name="Conector reto 81">
+            <a:extLst>
+              <a:ext uri="{FF2B5EF4-FFF2-40B4-BE49-F238E27FC236}">
+                <a16:creationId xmlns="" xmlns:a16="http://schemas.microsoft.com/office/drawing/2014/main" id="{84BF3A0B-F685-4B36-B8F8-008B0EF2B694}"/>
+              </a:ext>
+            </a:extLst>
+          </p:cNvPr>
+          <p:cNvCxnSpPr>
+            <a:cxnSpLocks/>
+          </p:cNvCxnSpPr>
           <p:nvPr/>
-        </p:nvSpPr>
-        <p:spPr>
-          <a:xfrm>
-            <a:off x="4254149" y="863712"/>
-            <a:ext cx="1191352" cy="369332"/>
-          </a:xfrm>
-          <a:prstGeom prst="rect">
+        </p:nvCxnSpPr>
+        <p:spPr>
+          <a:xfrm>
+            <a:off x="571500" y="1454150"/>
+            <a:ext cx="906997" cy="0"/>
+          </a:xfrm>
+          <a:prstGeom prst="line">
             <a:avLst/>
           </a:prstGeom>
-          <a:noFill/>
-        </p:spPr>
-        <p:txBody>
-          <a:bodyPr wrap="none" rtlCol="0">
-            <a:spAutoFit/>
-          </a:bodyPr>
-          <a:lstStyle/>
-          <a:p>
-            <a:r>
-              <a:rPr lang="pt-BR" dirty="0" smtClean="0"/>
-              <a:t>Acumulam</a:t>
-            </a:r>
-            <a:endParaRPr lang="pt-BR" dirty="0"/>
-          </a:p>
-        </p:txBody>
-      </p:sp>
+          <a:ln w="28575"/>
+        </p:spPr>
+        <p:style>
+          <a:lnRef idx="1">
+            <a:schemeClr val="accent1"/>
+          </a:lnRef>
+          <a:fillRef idx="0">
+            <a:schemeClr val="accent1"/>
+          </a:fillRef>
+          <a:effectRef idx="0">
+            <a:schemeClr val="accent1"/>
+          </a:effectRef>
+          <a:fontRef idx="minor">
+            <a:schemeClr val="tx1"/>
+          </a:fontRef>
+        </p:style>
+      </p:cxnSp>
+      <p:cxnSp>
+        <p:nvCxnSpPr>
+          <p:cNvPr id="84" name="Conector reto 83">
+            <a:extLst>
+              <a:ext uri="{FF2B5EF4-FFF2-40B4-BE49-F238E27FC236}">
+                <a16:creationId xmlns="" xmlns:a16="http://schemas.microsoft.com/office/drawing/2014/main" id="{45F3DB6C-B02F-44DC-AD25-7A53EFCFE467}"/>
+              </a:ext>
+            </a:extLst>
+          </p:cNvPr>
+          <p:cNvCxnSpPr>
+            <a:cxnSpLocks/>
+          </p:cNvCxnSpPr>
+          <p:nvPr/>
+        </p:nvCxnSpPr>
+        <p:spPr>
+          <a:xfrm flipV="1">
+            <a:off x="565298" y="1461758"/>
+            <a:ext cx="6202" cy="4611420"/>
+          </a:xfrm>
+          <a:prstGeom prst="line">
+            <a:avLst/>
+          </a:prstGeom>
+          <a:ln w="28575"/>
+        </p:spPr>
+        <p:style>
+          <a:lnRef idx="1">
+            <a:schemeClr val="accent1"/>
+          </a:lnRef>
+          <a:fillRef idx="0">
+            <a:schemeClr val="accent1"/>
+          </a:fillRef>
+          <a:effectRef idx="0">
+            <a:schemeClr val="accent1"/>
+          </a:effectRef>
+          <a:fontRef idx="minor">
+            <a:schemeClr val="tx1"/>
+          </a:fontRef>
+        </p:style>
+      </p:cxnSp>
+      <p:cxnSp>
+        <p:nvCxnSpPr>
+          <p:cNvPr id="88" name="Conector reto 87">
+            <a:extLst>
+              <a:ext uri="{FF2B5EF4-FFF2-40B4-BE49-F238E27FC236}">
+                <a16:creationId xmlns="" xmlns:a16="http://schemas.microsoft.com/office/drawing/2014/main" id="{F2096BAB-D5C4-47C8-A930-CDB9C4495E80}"/>
+              </a:ext>
+            </a:extLst>
+          </p:cNvPr>
+          <p:cNvCxnSpPr/>
+          <p:nvPr/>
+        </p:nvCxnSpPr>
+        <p:spPr>
+          <a:xfrm>
+            <a:off x="1422548" y="6073178"/>
+            <a:ext cx="2306998" cy="0"/>
+          </a:xfrm>
+          <a:prstGeom prst="line">
+            <a:avLst/>
+          </a:prstGeom>
+          <a:ln w="28575"/>
+        </p:spPr>
+        <p:style>
+          <a:lnRef idx="1">
+            <a:schemeClr val="accent1"/>
+          </a:lnRef>
+          <a:fillRef idx="0">
+            <a:schemeClr val="accent1"/>
+          </a:fillRef>
+          <a:effectRef idx="0">
+            <a:schemeClr val="accent1"/>
+          </a:effectRef>
+          <a:fontRef idx="minor">
+            <a:schemeClr val="tx1"/>
+          </a:fontRef>
+        </p:style>
+      </p:cxnSp>
+      <p:cxnSp>
+        <p:nvCxnSpPr>
+          <p:cNvPr id="92" name="Conector reto 91">
+            <a:extLst>
+              <a:ext uri="{FF2B5EF4-FFF2-40B4-BE49-F238E27FC236}">
+                <a16:creationId xmlns="" xmlns:a16="http://schemas.microsoft.com/office/drawing/2014/main" id="{F2096BAB-D5C4-47C8-A930-CDB9C4495E80}"/>
+              </a:ext>
+            </a:extLst>
+          </p:cNvPr>
+          <p:cNvCxnSpPr/>
+          <p:nvPr/>
+        </p:nvCxnSpPr>
+        <p:spPr>
+          <a:xfrm>
+            <a:off x="565298" y="6073178"/>
+            <a:ext cx="2306998" cy="0"/>
+          </a:xfrm>
+          <a:prstGeom prst="line">
+            <a:avLst/>
+          </a:prstGeom>
+          <a:ln w="28575"/>
+        </p:spPr>
+        <p:style>
+          <a:lnRef idx="1">
+            <a:schemeClr val="accent1"/>
+          </a:lnRef>
+          <a:fillRef idx="0">
+            <a:schemeClr val="accent1"/>
+          </a:fillRef>
+          <a:effectRef idx="0">
+            <a:schemeClr val="accent1"/>
+          </a:effectRef>
+          <a:fontRef idx="minor">
+            <a:schemeClr val="tx1"/>
+          </a:fontRef>
+        </p:style>
+      </p:cxnSp>
     </p:spTree>
     <p:extLst>
       <p:ext uri="{BB962C8B-B14F-4D97-AF65-F5344CB8AC3E}">
@@ -5394,9 +7874,9 @@
 </file>
 
 <file path=ppt/theme/theme1.xml><?xml version="1.0" encoding="utf-8"?>
-<a:theme xmlns:a="http://schemas.openxmlformats.org/drawingml/2006/main" name="Tema do Office">
+<a:theme xmlns:a="http://schemas.openxmlformats.org/drawingml/2006/main" name="Malha">
   <a:themeElements>
-    <a:clrScheme name="Office">
+    <a:clrScheme name="Malha">
       <a:dk1>
         <a:sysClr val="windowText" lastClr="000000"/>
       </a:dk1>
@@ -5404,100 +7884,48 @@
         <a:sysClr val="window" lastClr="FFFFFF"/>
       </a:lt1>
       <a:dk2>
-        <a:srgbClr val="44546A"/>
+        <a:srgbClr val="363D46"/>
       </a:dk2>
       <a:lt2>
-        <a:srgbClr val="E7E6E6"/>
+        <a:srgbClr val="EBEBEB"/>
       </a:lt2>
       <a:accent1>
-        <a:srgbClr val="4472C4"/>
+        <a:srgbClr val="6F6F6F"/>
       </a:accent1>
       <a:accent2>
-        <a:srgbClr val="ED7D31"/>
+        <a:srgbClr val="BFBFA5"/>
       </a:accent2>
       <a:accent3>
-        <a:srgbClr val="A5A5A5"/>
+        <a:srgbClr val="DCD084"/>
       </a:accent3>
       <a:accent4>
-        <a:srgbClr val="FFC000"/>
+        <a:srgbClr val="E7BF5F"/>
       </a:accent4>
       <a:accent5>
-        <a:srgbClr val="5B9BD5"/>
+        <a:srgbClr val="E9A039"/>
       </a:accent5>
       <a:accent6>
-        <a:srgbClr val="70AD47"/>
+        <a:srgbClr val="CF7133"/>
       </a:accent6>
       <a:hlink>
-        <a:srgbClr val="0563C1"/>
+        <a:srgbClr val="F28943"/>
       </a:hlink>
       <a:folHlink>
-        <a:srgbClr val="954F72"/>
+        <a:srgbClr val="F1B76C"/>
       </a:folHlink>
     </a:clrScheme>
-    <a:fontScheme name="Office">
+    <a:fontScheme name="Malha">
       <a:majorFont>
-        <a:latin typeface="Calibri Light" panose="020F0302020204030204"/>
+        <a:latin typeface="Century Gothic" panose="020B0502020202020204"/>
         <a:ea typeface=""/>
         <a:cs typeface=""/>
-        <a:font script="Jpan" typeface="游ゴシック Light"/>
+        <a:font script="Jpan" typeface="ＭＳ ゴシック"/>
         <a:font script="Hang" typeface="맑은 고딕"/>
-        <a:font script="Hans" typeface="等线 Light"/>
+        <a:font script="Hans" typeface="宋体"/>
         <a:font script="Hant" typeface="新細明體"/>
-        <a:font script="Arab" typeface="Times New Roman"/>
-        <a:font script="Hebr" typeface="Times New Roman"/>
-        <a:font script="Thai" typeface="Angsana New"/>
-        <a:font script="Ethi" typeface="Nyala"/>
-        <a:font script="Beng" typeface="Vrinda"/>
-        <a:font script="Gujr" typeface="Shruti"/>
-        <a:font script="Khmr" typeface="MoolBoran"/>
-        <a:font script="Knda" typeface="Tunga"/>
-        <a:font script="Guru" typeface="Raavi"/>
-        <a:font script="Cans" typeface="Euphemia"/>
-        <a:font script="Cher" typeface="Plantagenet Cherokee"/>
-        <a:font script="Yiii" typeface="Microsoft Yi Baiti"/>
-        <a:font script="Tibt" typeface="Microsoft Himalaya"/>
-        <a:font script="Thaa" typeface="MV Boli"/>
-        <a:font script="Deva" typeface="Mangal"/>
-        <a:font script="Telu" typeface="Gautami"/>
-        <a:font script="Taml" typeface="Latha"/>
-        <a:font script="Syrc" typeface="Estrangelo Edessa"/>
-        <a:font script="Orya" typeface="Kalinga"/>
-        <a:font script="Mlym" typeface="Kartika"/>
-        <a:font script="Laoo" typeface="DokChampa"/>
-        <a:font script="Sinh" typeface="Iskoola Pota"/>
-        <a:font script="Mong" typeface="Mongolian Baiti"/>
-        <a:font script="Viet" typeface="Times New Roman"/>
-        <a:font script="Uigh" typeface="Microsoft Uighur"/>
-        <a:font script="Geor" typeface="Sylfaen"/>
-        <a:font script="Armn" typeface="Arial"/>
-        <a:font script="Bugi" typeface="Leelawadee UI"/>
-        <a:font script="Bopo" typeface="Microsoft JhengHei"/>
-        <a:font script="Java" typeface="Javanese Text"/>
-        <a:font script="Lisu" typeface="Segoe UI"/>
-        <a:font script="Mymr" typeface="Myanmar Text"/>
-        <a:font script="Nkoo" typeface="Ebrima"/>
-        <a:font script="Olck" typeface="Nirmala UI"/>
-        <a:font script="Osma" typeface="Ebrima"/>
-        <a:font script="Phag" typeface="Phagspa"/>
-        <a:font script="Syrn" typeface="Estrangelo Edessa"/>
-        <a:font script="Syrj" typeface="Estrangelo Edessa"/>
-        <a:font script="Syre" typeface="Estrangelo Edessa"/>
-        <a:font script="Sora" typeface="Nirmala UI"/>
-        <a:font script="Tale" typeface="Microsoft Tai Le"/>
-        <a:font script="Talu" typeface="Microsoft New Tai Lue"/>
-        <a:font script="Tfng" typeface="Ebrima"/>
-      </a:majorFont>
-      <a:minorFont>
-        <a:latin typeface="Calibri" panose="020F0502020204030204"/>
-        <a:ea typeface=""/>
-        <a:cs typeface=""/>
-        <a:font script="Jpan" typeface="游ゴシック"/>
-        <a:font script="Hang" typeface="맑은 고딕"/>
-        <a:font script="Hans" typeface="等线"/>
-        <a:font script="Hant" typeface="新細明體"/>
-        <a:font script="Arab" typeface="Arial"/>
-        <a:font script="Hebr" typeface="Arial"/>
-        <a:font script="Thai" typeface="Cordia New"/>
+        <a:font script="Arab" typeface="Tahoma"/>
+        <a:font script="Hebr" typeface="Gisha"/>
+        <a:font script="Thai" typeface="DilleniaUPC"/>
         <a:font script="Ethi" typeface="Nyala"/>
         <a:font script="Beng" typeface="Vrinda"/>
         <a:font script="Gujr" typeface="Shruti"/>
@@ -5518,29 +7946,47 @@
         <a:font script="Laoo" typeface="DokChampa"/>
         <a:font script="Sinh" typeface="Iskoola Pota"/>
         <a:font script="Mong" typeface="Mongolian Baiti"/>
-        <a:font script="Viet" typeface="Arial"/>
+        <a:font script="Viet" typeface="Tahoma"/>
         <a:font script="Uigh" typeface="Microsoft Uighur"/>
         <a:font script="Geor" typeface="Sylfaen"/>
-        <a:font script="Armn" typeface="Arial"/>
-        <a:font script="Bugi" typeface="Leelawadee UI"/>
-        <a:font script="Bopo" typeface="Microsoft JhengHei"/>
-        <a:font script="Java" typeface="Javanese Text"/>
-        <a:font script="Lisu" typeface="Segoe UI"/>
-        <a:font script="Mymr" typeface="Myanmar Text"/>
-        <a:font script="Nkoo" typeface="Ebrima"/>
-        <a:font script="Olck" typeface="Nirmala UI"/>
-        <a:font script="Osma" typeface="Ebrima"/>
-        <a:font script="Phag" typeface="Phagspa"/>
-        <a:font script="Syrn" typeface="Estrangelo Edessa"/>
-        <a:font script="Syrj" typeface="Estrangelo Edessa"/>
-        <a:font script="Syre" typeface="Estrangelo Edessa"/>
-        <a:font script="Sora" typeface="Nirmala UI"/>
-        <a:font script="Tale" typeface="Microsoft Tai Le"/>
-        <a:font script="Talu" typeface="Microsoft New Tai Lue"/>
-        <a:font script="Tfng" typeface="Ebrima"/>
+      </a:majorFont>
+      <a:minorFont>
+        <a:latin typeface="Century Gothic" panose="020B0502020202020204"/>
+        <a:ea typeface=""/>
+        <a:cs typeface=""/>
+        <a:font script="Jpan" typeface="ＭＳ ゴシック"/>
+        <a:font script="Hang" typeface="맑은 고딕"/>
+        <a:font script="Hans" typeface="宋体"/>
+        <a:font script="Hant" typeface="新細明體"/>
+        <a:font script="Arab" typeface="Tahoma"/>
+        <a:font script="Hebr" typeface="Gisha"/>
+        <a:font script="Thai" typeface="DilleniaUPC"/>
+        <a:font script="Ethi" typeface="Nyala"/>
+        <a:font script="Beng" typeface="Vrinda"/>
+        <a:font script="Gujr" typeface="Shruti"/>
+        <a:font script="Khmr" typeface="DaunPenh"/>
+        <a:font script="Knda" typeface="Tunga"/>
+        <a:font script="Guru" typeface="Raavi"/>
+        <a:font script="Cans" typeface="Euphemia"/>
+        <a:font script="Cher" typeface="Plantagenet Cherokee"/>
+        <a:font script="Yiii" typeface="Microsoft Yi Baiti"/>
+        <a:font script="Tibt" typeface="Microsoft Himalaya"/>
+        <a:font script="Thaa" typeface="MV Boli"/>
+        <a:font script="Deva" typeface="Mangal"/>
+        <a:font script="Telu" typeface="Gautami"/>
+        <a:font script="Taml" typeface="Latha"/>
+        <a:font script="Syrc" typeface="Estrangelo Edessa"/>
+        <a:font script="Orya" typeface="Kalinga"/>
+        <a:font script="Mlym" typeface="Kartika"/>
+        <a:font script="Laoo" typeface="DokChampa"/>
+        <a:font script="Sinh" typeface="Iskoola Pota"/>
+        <a:font script="Mong" typeface="Mongolian Baiti"/>
+        <a:font script="Viet" typeface="Verdana"/>
+        <a:font script="Uigh" typeface="Microsoft Uighur"/>
+        <a:font script="Geor" typeface="Sylfaen"/>
       </a:minorFont>
     </a:fontScheme>
-    <a:fmtScheme name="Office">
+    <a:fmtScheme name="Malha">
       <a:fillStyleLst>
         <a:solidFill>
           <a:schemeClr val="phClr"/>
@@ -5549,23 +7995,13 @@
           <a:gsLst>
             <a:gs pos="0">
               <a:schemeClr val="phClr">
+                <a:tint val="60000"/>
                 <a:lumMod val="110000"/>
-                <a:satMod val="105000"/>
-                <a:tint val="67000"/>
-              </a:schemeClr>
-            </a:gs>
-            <a:gs pos="50000">
-              <a:schemeClr val="phClr">
-                <a:lumMod val="105000"/>
-                <a:satMod val="103000"/>
-                <a:tint val="73000"/>
               </a:schemeClr>
             </a:gs>
             <a:gs pos="100000">
               <a:schemeClr val="phClr">
-                <a:lumMod val="105000"/>
-                <a:satMod val="109000"/>
-                <a:tint val="81000"/>
+                <a:tint val="82000"/>
               </a:schemeClr>
             </a:gs>
           </a:gsLst>
@@ -5575,23 +8011,14 @@
           <a:gsLst>
             <a:gs pos="0">
               <a:schemeClr val="phClr">
-                <a:satMod val="103000"/>
-                <a:lumMod val="102000"/>
-                <a:tint val="94000"/>
-              </a:schemeClr>
-            </a:gs>
-            <a:gs pos="50000">
-              <a:schemeClr val="phClr">
-                <a:satMod val="110000"/>
-                <a:lumMod val="100000"/>
-                <a:shade val="100000"/>
+                <a:tint val="96000"/>
+                <a:lumMod val="104000"/>
               </a:schemeClr>
             </a:gs>
             <a:gs pos="100000">
               <a:schemeClr val="phClr">
-                <a:lumMod val="99000"/>
-                <a:satMod val="120000"/>
-                <a:shade val="78000"/>
+                <a:shade val="84000"/>
+                <a:lumMod val="84000"/>
               </a:schemeClr>
             </a:gs>
           </a:gsLst>
@@ -5599,26 +8026,23 @@
         </a:gradFill>
       </a:fillStyleLst>
       <a:lnStyleLst>
-        <a:ln w="6350" cap="flat" cmpd="sng" algn="ctr">
+        <a:ln w="9525" cap="rnd" cmpd="sng" algn="ctr">
           <a:solidFill>
             <a:schemeClr val="phClr"/>
           </a:solidFill>
           <a:prstDash val="solid"/>
-          <a:miter lim="800000"/>
         </a:ln>
-        <a:ln w="12700" cap="flat" cmpd="sng" algn="ctr">
+        <a:ln w="19050" cap="rnd" cmpd="sng" algn="ctr">
           <a:solidFill>
             <a:schemeClr val="phClr"/>
           </a:solidFill>
           <a:prstDash val="solid"/>
-          <a:miter lim="800000"/>
         </a:ln>
-        <a:ln w="19050" cap="flat" cmpd="sng" algn="ctr">
+        <a:ln w="25400" cap="rnd" cmpd="sng" algn="ctr">
           <a:solidFill>
             <a:schemeClr val="phClr"/>
           </a:solidFill>
           <a:prstDash val="solid"/>
-          <a:miter lim="800000"/>
         </a:ln>
       </a:lnStyleLst>
       <a:effectStyleLst>
@@ -5626,55 +8050,72 @@
           <a:effectLst/>
         </a:effectStyle>
         <a:effectStyle>
-          <a:effectLst/>
+          <a:effectLst>
+            <a:innerShdw blurRad="50800" dist="25400" dir="13500000">
+              <a:srgbClr val="000000">
+                <a:alpha val="55000"/>
+              </a:srgbClr>
+            </a:innerShdw>
+          </a:effectLst>
         </a:effectStyle>
         <a:effectStyle>
           <a:effectLst>
-            <a:outerShdw blurRad="57150" dist="19050" dir="5400000" algn="ctr" rotWithShape="0">
+            <a:outerShdw blurRad="50800" dist="38100" dir="5400000" rotWithShape="0">
               <a:srgbClr val="000000">
-                <a:alpha val="63000"/>
+                <a:alpha val="60000"/>
               </a:srgbClr>
             </a:outerShdw>
           </a:effectLst>
+          <a:scene3d>
+            <a:camera prst="orthographicFront">
+              <a:rot lat="0" lon="0" rev="0"/>
+            </a:camera>
+            <a:lightRig rig="threePt" dir="tl"/>
+          </a:scene3d>
+          <a:sp3d>
+            <a:bevelT w="25400" h="25400" prst="slope"/>
+          </a:sp3d>
         </a:effectStyle>
       </a:effectStyleLst>
       <a:bgFillStyleLst>
         <a:solidFill>
           <a:schemeClr val="phClr"/>
         </a:solidFill>
-        <a:solidFill>
-          <a:schemeClr val="phClr">
-            <a:tint val="95000"/>
-            <a:satMod val="170000"/>
-          </a:schemeClr>
-        </a:solidFill>
         <a:gradFill rotWithShape="1">
           <a:gsLst>
             <a:gs pos="0">
               <a:schemeClr val="phClr">
-                <a:tint val="93000"/>
-                <a:satMod val="150000"/>
-                <a:shade val="98000"/>
-                <a:lumMod val="102000"/>
-              </a:schemeClr>
-            </a:gs>
-            <a:gs pos="50000">
-              <a:schemeClr val="phClr">
-                <a:tint val="98000"/>
-                <a:satMod val="130000"/>
-                <a:shade val="90000"/>
-                <a:lumMod val="103000"/>
+                <a:tint val="90000"/>
+                <a:lumMod val="110000"/>
               </a:schemeClr>
             </a:gs>
             <a:gs pos="100000">
               <a:schemeClr val="phClr">
-                <a:shade val="63000"/>
-                <a:satMod val="120000"/>
+                <a:shade val="64000"/>
+                <a:lumMod val="98000"/>
               </a:schemeClr>
             </a:gs>
           </a:gsLst>
           <a:lin ang="5400000" scaled="0"/>
         </a:gradFill>
+        <a:blipFill rotWithShape="1">
+          <a:blip xmlns:r="http://schemas.openxmlformats.org/officeDocument/2006/relationships" r:embed="rId1">
+            <a:duotone>
+              <a:schemeClr val="phClr">
+                <a:shade val="28000"/>
+                <a:satMod val="94000"/>
+                <a:lumMod val="20000"/>
+              </a:schemeClr>
+              <a:schemeClr val="phClr">
+                <a:tint val="94000"/>
+                <a:shade val="84000"/>
+                <a:satMod val="148000"/>
+                <a:lumMod val="114000"/>
+              </a:schemeClr>
+            </a:duotone>
+          </a:blip>
+          <a:stretch/>
+        </a:blipFill>
       </a:bgFillStyleLst>
     </a:fmtScheme>
   </a:themeElements>
@@ -5682,7 +8123,7 @@
   <a:extraClrSchemeLst/>
   <a:extLst>
     <a:ext uri="{05A4C25C-085E-4340-85A3-A5531E510DB2}">
-      <thm15:themeFamily xmlns:thm15="http://schemas.microsoft.com/office/thememl/2012/main" name="Office Theme" id="{62F939B6-93AF-4DB8-9C6B-D6C7DFDC589F}" vid="{4A3C46E8-61CC-4603-A589-7422A47A8E4A}"/>
+      <thm15:themeFamily xmlns:thm15="http://schemas.microsoft.com/office/thememl/2012/main" name="Mesh" id="{789EC3FE-34FD-429C-9918-760025E6C145}" vid="{B8BE45C0-8141-4D58-8C71-A009BC26FBBB}"/>
     </a:ext>
   </a:extLst>
 </a:theme>

--- a/Modelagem PedaleV!VA.pptx
+++ b/Modelagem PedaleV!VA.pptx
@@ -6,7 +6,9 @@
   </p:sldMasterIdLst>
   <p:sldIdLst>
     <p:sldId id="257" r:id="rId2"/>
-    <p:sldId id="256" r:id="rId3"/>
+    <p:sldId id="259" r:id="rId3"/>
+    <p:sldId id="256" r:id="rId4"/>
+    <p:sldId id="258" r:id="rId5"/>
   </p:sldIdLst>
   <p:sldSz cx="12192000" cy="6858000"/>
   <p:notesSz cx="6858000" cy="9144000"/>
@@ -5774,10 +5776,78 @@
   <p:clrMapOvr>
     <a:masterClrMapping/>
   </p:clrMapOvr>
+  <p:timing>
+    <p:tnLst>
+      <p:par>
+        <p:cTn id="1" dur="indefinite" restart="never" nodeType="tmRoot"/>
+      </p:par>
+    </p:tnLst>
+  </p:timing>
 </p:sld>
 </file>
 
 <file path=ppt/slides/slide2.xml><?xml version="1.0" encoding="utf-8"?>
+<p:sld xmlns:a="http://schemas.openxmlformats.org/drawingml/2006/main" xmlns:r="http://schemas.openxmlformats.org/officeDocument/2006/relationships" xmlns:p="http://schemas.openxmlformats.org/presentationml/2006/main">
+  <p:cSld>
+    <p:spTree>
+      <p:nvGrpSpPr>
+        <p:cNvPr id="1" name=""/>
+        <p:cNvGrpSpPr/>
+        <p:nvPr/>
+      </p:nvGrpSpPr>
+      <p:grpSpPr>
+        <a:xfrm>
+          <a:off x="0" y="0"/>
+          <a:ext cx="0" cy="0"/>
+          <a:chOff x="0" y="0"/>
+          <a:chExt cx="0" cy="0"/>
+        </a:xfrm>
+      </p:grpSpPr>
+      <p:pic>
+        <p:nvPicPr>
+          <p:cNvPr id="6" name="Imagem 5"/>
+          <p:cNvPicPr>
+            <a:picLocks noChangeAspect="1"/>
+          </p:cNvPicPr>
+          <p:nvPr/>
+        </p:nvPicPr>
+        <p:blipFill>
+          <a:blip r:embed="rId2"/>
+          <a:stretch>
+            <a:fillRect/>
+          </a:stretch>
+        </p:blipFill>
+        <p:spPr>
+          <a:xfrm>
+            <a:off x="1409700" y="1824037"/>
+            <a:ext cx="9372600" cy="3209925"/>
+          </a:xfrm>
+          <a:prstGeom prst="rect">
+            <a:avLst/>
+          </a:prstGeom>
+        </p:spPr>
+      </p:pic>
+    </p:spTree>
+    <p:extLst>
+      <p:ext uri="{BB962C8B-B14F-4D97-AF65-F5344CB8AC3E}">
+        <p14:creationId xmlns:p14="http://schemas.microsoft.com/office/powerpoint/2010/main" val="3495967674"/>
+      </p:ext>
+    </p:extLst>
+  </p:cSld>
+  <p:clrMapOvr>
+    <a:masterClrMapping/>
+  </p:clrMapOvr>
+  <p:timing>
+    <p:tnLst>
+      <p:par>
+        <p:cTn id="1" dur="indefinite" restart="never" nodeType="tmRoot"/>
+      </p:par>
+    </p:tnLst>
+  </p:timing>
+</p:sld>
+</file>
+
+<file path=ppt/slides/slide3.xml><?xml version="1.0" encoding="utf-8"?>
 <p:sld xmlns:a="http://schemas.openxmlformats.org/drawingml/2006/main" xmlns:r="http://schemas.openxmlformats.org/officeDocument/2006/relationships" xmlns:p="http://schemas.openxmlformats.org/presentationml/2006/main">
   <p:cSld>
     <p:spTree>
@@ -5863,7 +5933,7 @@
           <a:p>
             <a:pPr algn="ctr"/>
             <a:r>
-              <a:rPr lang="pt-BR" dirty="0" err="1" smtClean="0"/>
+              <a:rPr lang="pt-BR" dirty="0" smtClean="0"/>
               <a:t>Usuario</a:t>
             </a:r>
             <a:endParaRPr lang="pt-BR" dirty="0"/>
@@ -6106,7 +6176,7 @@
         </p:nvSpPr>
         <p:spPr>
           <a:xfrm>
-            <a:off x="4578567" y="1137971"/>
+            <a:off x="4604325" y="1137971"/>
             <a:ext cx="1770927" cy="636608"/>
           </a:xfrm>
           <a:prstGeom prst="roundRect">
@@ -7860,6 +7930,148 @@
           </a:fontRef>
         </p:style>
       </p:cxnSp>
+      <p:sp>
+        <p:nvSpPr>
+          <p:cNvPr id="45" name="Retângulo: Cantos Arredondados 9">
+            <a:extLst>
+              <a:ext uri="{FF2B5EF4-FFF2-40B4-BE49-F238E27FC236}">
+                <a16:creationId xmlns="" xmlns:a16="http://schemas.microsoft.com/office/drawing/2014/main" id="{37434C89-D090-4751-833D-FAE29E5C19FD}"/>
+              </a:ext>
+            </a:extLst>
+          </p:cNvPr>
+          <p:cNvSpPr/>
+          <p:nvPr/>
+        </p:nvSpPr>
+        <p:spPr>
+          <a:xfrm>
+            <a:off x="7189307" y="1135846"/>
+            <a:ext cx="1770927" cy="636608"/>
+          </a:xfrm>
+          <a:prstGeom prst="roundRect">
+            <a:avLst/>
+          </a:prstGeom>
+          <a:ln>
+            <a:noFill/>
+          </a:ln>
+          <a:effectLst>
+            <a:outerShdw blurRad="190500" dist="228600" dir="2700000" algn="ctr">
+              <a:srgbClr val="000000">
+                <a:alpha val="30000"/>
+              </a:srgbClr>
+            </a:outerShdw>
+          </a:effectLst>
+          <a:scene3d>
+            <a:camera prst="orthographicFront">
+              <a:rot lat="0" lon="0" rev="0"/>
+            </a:camera>
+            <a:lightRig rig="glow" dir="t">
+              <a:rot lat="0" lon="0" rev="4800000"/>
+            </a:lightRig>
+          </a:scene3d>
+          <a:sp3d prstMaterial="matte">
+            <a:bevelT w="127000" h="63500"/>
+          </a:sp3d>
+        </p:spPr>
+        <p:style>
+          <a:lnRef idx="2">
+            <a:schemeClr val="accent1">
+              <a:shade val="50000"/>
+            </a:schemeClr>
+          </a:lnRef>
+          <a:fillRef idx="1">
+            <a:schemeClr val="accent1"/>
+          </a:fillRef>
+          <a:effectRef idx="0">
+            <a:schemeClr val="accent1"/>
+          </a:effectRef>
+          <a:fontRef idx="minor">
+            <a:schemeClr val="lt1"/>
+          </a:fontRef>
+        </p:style>
+        <p:txBody>
+          <a:bodyPr rtlCol="0" anchor="ctr"/>
+          <a:lstStyle/>
+          <a:p>
+            <a:pPr algn="ctr"/>
+            <a:r>
+              <a:rPr lang="pt-BR" dirty="0" smtClean="0"/>
+              <a:t>Ponto</a:t>
+            </a:r>
+            <a:endParaRPr lang="pt-BR" dirty="0" smtClean="0"/>
+          </a:p>
+        </p:txBody>
+      </p:sp>
+      <p:sp>
+        <p:nvSpPr>
+          <p:cNvPr id="46" name="Retângulo: Cantos Arredondados 9">
+            <a:extLst>
+              <a:ext uri="{FF2B5EF4-FFF2-40B4-BE49-F238E27FC236}">
+                <a16:creationId xmlns="" xmlns:a16="http://schemas.microsoft.com/office/drawing/2014/main" id="{37434C89-D090-4751-833D-FAE29E5C19FD}"/>
+              </a:ext>
+            </a:extLst>
+          </p:cNvPr>
+          <p:cNvSpPr/>
+          <p:nvPr/>
+        </p:nvSpPr>
+        <p:spPr>
+          <a:xfrm>
+            <a:off x="8316103" y="3808052"/>
+            <a:ext cx="1770927" cy="636608"/>
+          </a:xfrm>
+          <a:prstGeom prst="roundRect">
+            <a:avLst/>
+          </a:prstGeom>
+          <a:ln>
+            <a:noFill/>
+          </a:ln>
+          <a:effectLst>
+            <a:outerShdw blurRad="190500" dist="228600" dir="2700000" algn="ctr">
+              <a:srgbClr val="000000">
+                <a:alpha val="30000"/>
+              </a:srgbClr>
+            </a:outerShdw>
+          </a:effectLst>
+          <a:scene3d>
+            <a:camera prst="orthographicFront">
+              <a:rot lat="0" lon="0" rev="0"/>
+            </a:camera>
+            <a:lightRig rig="glow" dir="t">
+              <a:rot lat="0" lon="0" rev="4800000"/>
+            </a:lightRig>
+          </a:scene3d>
+          <a:sp3d prstMaterial="matte">
+            <a:bevelT w="127000" h="63500"/>
+          </a:sp3d>
+        </p:spPr>
+        <p:style>
+          <a:lnRef idx="2">
+            <a:schemeClr val="accent1">
+              <a:shade val="50000"/>
+            </a:schemeClr>
+          </a:lnRef>
+          <a:fillRef idx="1">
+            <a:schemeClr val="accent1"/>
+          </a:fillRef>
+          <a:effectRef idx="0">
+            <a:schemeClr val="accent1"/>
+          </a:effectRef>
+          <a:fontRef idx="minor">
+            <a:schemeClr val="lt1"/>
+          </a:fontRef>
+        </p:style>
+        <p:txBody>
+          <a:bodyPr rtlCol="0" anchor="ctr"/>
+          <a:lstStyle/>
+          <a:p>
+            <a:pPr algn="ctr"/>
+            <a:r>
+              <a:rPr lang="pt-BR" dirty="0" smtClean="0"/>
+              <a:t>Rota</a:t>
+            </a:r>
+            <a:endParaRPr lang="pt-BR" dirty="0" smtClean="0"/>
+          </a:p>
+        </p:txBody>
+      </p:sp>
     </p:spTree>
     <p:extLst>
       <p:ext uri="{BB962C8B-B14F-4D97-AF65-F5344CB8AC3E}">
@@ -7870,6 +8082,79 @@
   <p:clrMapOvr>
     <a:masterClrMapping/>
   </p:clrMapOvr>
+  <p:timing>
+    <p:tnLst>
+      <p:par>
+        <p:cTn id="1" dur="indefinite" restart="never" nodeType="tmRoot"/>
+      </p:par>
+    </p:tnLst>
+  </p:timing>
+</p:sld>
+</file>
+
+<file path=ppt/slides/slide4.xml><?xml version="1.0" encoding="utf-8"?>
+<p:sld xmlns:a="http://schemas.openxmlformats.org/drawingml/2006/main" xmlns:r="http://schemas.openxmlformats.org/officeDocument/2006/relationships" xmlns:p="http://schemas.openxmlformats.org/presentationml/2006/main">
+  <p:cSld>
+    <p:spTree>
+      <p:nvGrpSpPr>
+        <p:cNvPr id="1" name=""/>
+        <p:cNvGrpSpPr/>
+        <p:nvPr/>
+      </p:nvGrpSpPr>
+      <p:grpSpPr>
+        <a:xfrm>
+          <a:off x="0" y="0"/>
+          <a:ext cx="0" cy="0"/>
+          <a:chOff x="0" y="0"/>
+          <a:chExt cx="0" cy="0"/>
+        </a:xfrm>
+      </p:grpSpPr>
+      <p:pic>
+        <p:nvPicPr>
+          <p:cNvPr id="4" name="Espaço Reservado para Conteúdo 3"/>
+          <p:cNvPicPr>
+            <a:picLocks noGrp="1" noChangeAspect="1"/>
+          </p:cNvPicPr>
+          <p:nvPr>
+            <p:ph idx="1"/>
+          </p:nvPr>
+        </p:nvPicPr>
+        <p:blipFill>
+          <a:blip r:embed="rId2">
+            <a:extLst>
+              <a:ext uri="{28A0092B-C50C-407E-A947-70E740481C1C}">
+                <a14:useLocalDpi xmlns:a14="http://schemas.microsoft.com/office/drawing/2010/main" val="0"/>
+              </a:ext>
+            </a:extLst>
+          </a:blip>
+          <a:stretch>
+            <a:fillRect/>
+          </a:stretch>
+        </p:blipFill>
+        <p:spPr>
+          <a:xfrm>
+            <a:off x="-41460" y="0"/>
+            <a:ext cx="12233460" cy="6858000"/>
+          </a:xfrm>
+        </p:spPr>
+      </p:pic>
+    </p:spTree>
+    <p:extLst>
+      <p:ext uri="{BB962C8B-B14F-4D97-AF65-F5344CB8AC3E}">
+        <p14:creationId xmlns:p14="http://schemas.microsoft.com/office/powerpoint/2010/main" val="1275391200"/>
+      </p:ext>
+    </p:extLst>
+  </p:cSld>
+  <p:clrMapOvr>
+    <a:masterClrMapping/>
+  </p:clrMapOvr>
+  <p:timing>
+    <p:tnLst>
+      <p:par>
+        <p:cTn id="1" dur="indefinite" restart="never" nodeType="tmRoot"/>
+      </p:par>
+    </p:tnLst>
+  </p:timing>
 </p:sld>
 </file>
 

--- a/Modelagem PedaleV!VA.pptx
+++ b/Modelagem PedaleV!VA.pptx
@@ -8,7 +8,9 @@
     <p:sldId id="257" r:id="rId2"/>
     <p:sldId id="259" r:id="rId3"/>
     <p:sldId id="256" r:id="rId4"/>
-    <p:sldId id="258" r:id="rId5"/>
+    <p:sldId id="260" r:id="rId5"/>
+    <p:sldId id="258" r:id="rId6"/>
+    <p:sldId id="261" r:id="rId7"/>
   </p:sldIdLst>
   <p:sldSz cx="12192000" cy="6858000"/>
   <p:notesSz cx="6858000" cy="9144000"/>
@@ -5869,7 +5871,7 @@
           <p:cNvPr id="4" name="Retângulo: Cantos Arredondados 3">
             <a:extLst>
               <a:ext uri="{FF2B5EF4-FFF2-40B4-BE49-F238E27FC236}">
-                <a16:creationId xmlns="" xmlns:a16="http://schemas.microsoft.com/office/drawing/2014/main" id="{5617D347-095C-4EDD-8A21-81346285C0AE}"/>
+                <a16:creationId xmlns:a16="http://schemas.microsoft.com/office/drawing/2014/main" xmlns="" id="{5617D347-095C-4EDD-8A21-81346285C0AE}"/>
               </a:ext>
             </a:extLst>
           </p:cNvPr>
@@ -5945,7 +5947,7 @@
           <p:cNvPr id="6" name="Retângulo: Cantos Arredondados 5">
             <a:extLst>
               <a:ext uri="{FF2B5EF4-FFF2-40B4-BE49-F238E27FC236}">
-                <a16:creationId xmlns="" xmlns:a16="http://schemas.microsoft.com/office/drawing/2014/main" id="{B441271A-2DB2-4EA4-9F19-236DDE4A27FA}"/>
+                <a16:creationId xmlns:a16="http://schemas.microsoft.com/office/drawing/2014/main" xmlns="" id="{B441271A-2DB2-4EA4-9F19-236DDE4A27FA}"/>
               </a:ext>
             </a:extLst>
           </p:cNvPr>
@@ -6021,7 +6023,7 @@
           <p:cNvPr id="7" name="Retângulo: Cantos Arredondados 6">
             <a:extLst>
               <a:ext uri="{FF2B5EF4-FFF2-40B4-BE49-F238E27FC236}">
-                <a16:creationId xmlns="" xmlns:a16="http://schemas.microsoft.com/office/drawing/2014/main" id="{247E6EEB-1C24-4EE4-B38B-3C7AEC53C5CD}"/>
+                <a16:creationId xmlns:a16="http://schemas.microsoft.com/office/drawing/2014/main" xmlns="" id="{247E6EEB-1C24-4EE4-B38B-3C7AEC53C5CD}"/>
               </a:ext>
             </a:extLst>
           </p:cNvPr>
@@ -6097,7 +6099,7 @@
           <p:cNvPr id="8" name="Retângulo: Cantos Arredondados 7">
             <a:extLst>
               <a:ext uri="{FF2B5EF4-FFF2-40B4-BE49-F238E27FC236}">
-                <a16:creationId xmlns="" xmlns:a16="http://schemas.microsoft.com/office/drawing/2014/main" id="{86F055F3-A6DB-4930-8BEE-20A5386FCF0D}"/>
+                <a16:creationId xmlns:a16="http://schemas.microsoft.com/office/drawing/2014/main" xmlns="" id="{86F055F3-A6DB-4930-8BEE-20A5386FCF0D}"/>
               </a:ext>
             </a:extLst>
           </p:cNvPr>
@@ -6167,7 +6169,7 @@
           <p:cNvPr id="10" name="Retângulo: Cantos Arredondados 9">
             <a:extLst>
               <a:ext uri="{FF2B5EF4-FFF2-40B4-BE49-F238E27FC236}">
-                <a16:creationId xmlns="" xmlns:a16="http://schemas.microsoft.com/office/drawing/2014/main" id="{37434C89-D090-4751-833D-FAE29E5C19FD}"/>
+                <a16:creationId xmlns:a16="http://schemas.microsoft.com/office/drawing/2014/main" xmlns="" id="{37434C89-D090-4751-833D-FAE29E5C19FD}"/>
               </a:ext>
             </a:extLst>
           </p:cNvPr>
@@ -6237,7 +6239,7 @@
           <p:cNvPr id="11" name="Retângulo: Cantos Arredondados 10">
             <a:extLst>
               <a:ext uri="{FF2B5EF4-FFF2-40B4-BE49-F238E27FC236}">
-                <a16:creationId xmlns="" xmlns:a16="http://schemas.microsoft.com/office/drawing/2014/main" id="{BDC1C57B-3C9C-46B8-BD0A-2D73169D348B}"/>
+                <a16:creationId xmlns:a16="http://schemas.microsoft.com/office/drawing/2014/main" xmlns="" id="{BDC1C57B-3C9C-46B8-BD0A-2D73169D348B}"/>
               </a:ext>
             </a:extLst>
           </p:cNvPr>
@@ -6308,7 +6310,7 @@
           <p:cNvPr id="12" name="Retângulo: Cantos Arredondados 11">
             <a:extLst>
               <a:ext uri="{FF2B5EF4-FFF2-40B4-BE49-F238E27FC236}">
-                <a16:creationId xmlns="" xmlns:a16="http://schemas.microsoft.com/office/drawing/2014/main" id="{4DDDECF0-144A-46B1-B341-DC8FBC986F1B}"/>
+                <a16:creationId xmlns:a16="http://schemas.microsoft.com/office/drawing/2014/main" xmlns="" id="{4DDDECF0-144A-46B1-B341-DC8FBC986F1B}"/>
               </a:ext>
             </a:extLst>
           </p:cNvPr>
@@ -6384,7 +6386,7 @@
           <p:cNvPr id="15" name="Retângulo: Cantos Arredondados 14">
             <a:extLst>
               <a:ext uri="{FF2B5EF4-FFF2-40B4-BE49-F238E27FC236}">
-                <a16:creationId xmlns="" xmlns:a16="http://schemas.microsoft.com/office/drawing/2014/main" id="{4551501D-16D6-43B5-9CC1-38A1D0E37A5C}"/>
+                <a16:creationId xmlns:a16="http://schemas.microsoft.com/office/drawing/2014/main" xmlns="" id="{4551501D-16D6-43B5-9CC1-38A1D0E37A5C}"/>
               </a:ext>
             </a:extLst>
           </p:cNvPr>
@@ -6459,7 +6461,7 @@
           <p:cNvPr id="19" name="Conector reto 18">
             <a:extLst>
               <a:ext uri="{FF2B5EF4-FFF2-40B4-BE49-F238E27FC236}">
-                <a16:creationId xmlns="" xmlns:a16="http://schemas.microsoft.com/office/drawing/2014/main" id="{DA582E47-7B1E-4FC9-AF2B-19816562C53A}"/>
+                <a16:creationId xmlns:a16="http://schemas.microsoft.com/office/drawing/2014/main" xmlns="" id="{DA582E47-7B1E-4FC9-AF2B-19816562C53A}"/>
               </a:ext>
             </a:extLst>
           </p:cNvPr>
@@ -6498,7 +6500,7 @@
           <p:cNvPr id="22" name="Conector reto 21">
             <a:extLst>
               <a:ext uri="{FF2B5EF4-FFF2-40B4-BE49-F238E27FC236}">
-                <a16:creationId xmlns="" xmlns:a16="http://schemas.microsoft.com/office/drawing/2014/main" id="{5F3D12BD-81CB-4A5C-9C22-B4496868062C}"/>
+                <a16:creationId xmlns:a16="http://schemas.microsoft.com/office/drawing/2014/main" xmlns="" id="{5F3D12BD-81CB-4A5C-9C22-B4496868062C}"/>
               </a:ext>
             </a:extLst>
           </p:cNvPr>
@@ -6540,7 +6542,7 @@
           <p:cNvPr id="24" name="Conector reto 23">
             <a:extLst>
               <a:ext uri="{FF2B5EF4-FFF2-40B4-BE49-F238E27FC236}">
-                <a16:creationId xmlns="" xmlns:a16="http://schemas.microsoft.com/office/drawing/2014/main" id="{F2096BAB-D5C4-47C8-A930-CDB9C4495E80}"/>
+                <a16:creationId xmlns:a16="http://schemas.microsoft.com/office/drawing/2014/main" xmlns="" id="{F2096BAB-D5C4-47C8-A930-CDB9C4495E80}"/>
               </a:ext>
             </a:extLst>
           </p:cNvPr>
@@ -6577,7 +6579,7 @@
           <p:cNvPr id="25" name="Conector reto 24">
             <a:extLst>
               <a:ext uri="{FF2B5EF4-FFF2-40B4-BE49-F238E27FC236}">
-                <a16:creationId xmlns="" xmlns:a16="http://schemas.microsoft.com/office/drawing/2014/main" id="{7DC76B42-8877-4509-ADC0-74DFA6AFA042}"/>
+                <a16:creationId xmlns:a16="http://schemas.microsoft.com/office/drawing/2014/main" xmlns="" id="{7DC76B42-8877-4509-ADC0-74DFA6AFA042}"/>
               </a:ext>
             </a:extLst>
           </p:cNvPr>
@@ -6616,7 +6618,7 @@
           <p:cNvPr id="31" name="Conector reto 30">
             <a:extLst>
               <a:ext uri="{FF2B5EF4-FFF2-40B4-BE49-F238E27FC236}">
-                <a16:creationId xmlns="" xmlns:a16="http://schemas.microsoft.com/office/drawing/2014/main" id="{379A6EDB-D8D9-4059-B033-6C43B669DFBE}"/>
+                <a16:creationId xmlns:a16="http://schemas.microsoft.com/office/drawing/2014/main" xmlns="" id="{379A6EDB-D8D9-4059-B033-6C43B669DFBE}"/>
               </a:ext>
             </a:extLst>
           </p:cNvPr>
@@ -6655,7 +6657,7 @@
           <p:cNvPr id="34" name="Conector reto 33">
             <a:extLst>
               <a:ext uri="{FF2B5EF4-FFF2-40B4-BE49-F238E27FC236}">
-                <a16:creationId xmlns="" xmlns:a16="http://schemas.microsoft.com/office/drawing/2014/main" id="{E53D85D2-87E1-48C5-9189-F2F9CCBA8097}"/>
+                <a16:creationId xmlns:a16="http://schemas.microsoft.com/office/drawing/2014/main" xmlns="" id="{E53D85D2-87E1-48C5-9189-F2F9CCBA8097}"/>
               </a:ext>
             </a:extLst>
           </p:cNvPr>
@@ -6694,7 +6696,7 @@
           <p:cNvPr id="36" name="Conector reto 35">
             <a:extLst>
               <a:ext uri="{FF2B5EF4-FFF2-40B4-BE49-F238E27FC236}">
-                <a16:creationId xmlns="" xmlns:a16="http://schemas.microsoft.com/office/drawing/2014/main" id="{137CB4A4-DE11-4FFF-B8E7-468BBF3C6BEB}"/>
+                <a16:creationId xmlns:a16="http://schemas.microsoft.com/office/drawing/2014/main" xmlns="" id="{137CB4A4-DE11-4FFF-B8E7-468BBF3C6BEB}"/>
               </a:ext>
             </a:extLst>
           </p:cNvPr>
@@ -6733,7 +6735,7 @@
           <p:cNvPr id="40" name="Conector reto 39">
             <a:extLst>
               <a:ext uri="{FF2B5EF4-FFF2-40B4-BE49-F238E27FC236}">
-                <a16:creationId xmlns="" xmlns:a16="http://schemas.microsoft.com/office/drawing/2014/main" id="{3B39D23B-96F5-4E63-85CD-581B86C34929}"/>
+                <a16:creationId xmlns:a16="http://schemas.microsoft.com/office/drawing/2014/main" xmlns="" id="{3B39D23B-96F5-4E63-85CD-581B86C34929}"/>
               </a:ext>
             </a:extLst>
           </p:cNvPr>
@@ -6772,7 +6774,7 @@
           <p:cNvPr id="61" name="Conector reto 60">
             <a:extLst>
               <a:ext uri="{FF2B5EF4-FFF2-40B4-BE49-F238E27FC236}">
-                <a16:creationId xmlns="" xmlns:a16="http://schemas.microsoft.com/office/drawing/2014/main" id="{84BF3A0B-F685-4B36-B8F8-008B0EF2B694}"/>
+                <a16:creationId xmlns:a16="http://schemas.microsoft.com/office/drawing/2014/main" xmlns="" id="{84BF3A0B-F685-4B36-B8F8-008B0EF2B694}"/>
               </a:ext>
             </a:extLst>
           </p:cNvPr>
@@ -6811,7 +6813,7 @@
           <p:cNvPr id="67" name="Fluxograma: Decisão 66">
             <a:extLst>
               <a:ext uri="{FF2B5EF4-FFF2-40B4-BE49-F238E27FC236}">
-                <a16:creationId xmlns="" xmlns:a16="http://schemas.microsoft.com/office/drawing/2014/main" id="{508115D7-4056-4CCA-BB18-C941D2FEFE60}"/>
+                <a16:creationId xmlns:a16="http://schemas.microsoft.com/office/drawing/2014/main" xmlns="" id="{508115D7-4056-4CCA-BB18-C941D2FEFE60}"/>
               </a:ext>
             </a:extLst>
           </p:cNvPr>
@@ -6860,7 +6862,7 @@
           <p:cNvPr id="70" name="CaixaDeTexto 69">
             <a:extLst>
               <a:ext uri="{FF2B5EF4-FFF2-40B4-BE49-F238E27FC236}">
-                <a16:creationId xmlns="" xmlns:a16="http://schemas.microsoft.com/office/drawing/2014/main" id="{CB0F5D38-951E-478A-8CA7-9F7D8881AE33}"/>
+                <a16:creationId xmlns:a16="http://schemas.microsoft.com/office/drawing/2014/main" xmlns="" id="{CB0F5D38-951E-478A-8CA7-9F7D8881AE33}"/>
               </a:ext>
             </a:extLst>
           </p:cNvPr>
@@ -6903,7 +6905,7 @@
           <p:cNvPr id="71" name="CaixaDeTexto 70">
             <a:extLst>
               <a:ext uri="{FF2B5EF4-FFF2-40B4-BE49-F238E27FC236}">
-                <a16:creationId xmlns="" xmlns:a16="http://schemas.microsoft.com/office/drawing/2014/main" id="{08A9FFBD-7F95-4273-8323-B353779F9150}"/>
+                <a16:creationId xmlns:a16="http://schemas.microsoft.com/office/drawing/2014/main" xmlns="" id="{08A9FFBD-7F95-4273-8323-B353779F9150}"/>
               </a:ext>
             </a:extLst>
           </p:cNvPr>
@@ -6958,7 +6960,7 @@
           <p:cNvPr id="58" name="Conector reto 57">
             <a:extLst>
               <a:ext uri="{FF2B5EF4-FFF2-40B4-BE49-F238E27FC236}">
-                <a16:creationId xmlns="" xmlns:a16="http://schemas.microsoft.com/office/drawing/2014/main" id="{45F3DB6C-B02F-44DC-AD25-7A53EFCFE467}"/>
+                <a16:creationId xmlns:a16="http://schemas.microsoft.com/office/drawing/2014/main" xmlns="" id="{45F3DB6C-B02F-44DC-AD25-7A53EFCFE467}"/>
               </a:ext>
             </a:extLst>
           </p:cNvPr>
@@ -6997,7 +6999,7 @@
           <p:cNvPr id="59" name="Conector reto 58">
             <a:extLst>
               <a:ext uri="{FF2B5EF4-FFF2-40B4-BE49-F238E27FC236}">
-                <a16:creationId xmlns="" xmlns:a16="http://schemas.microsoft.com/office/drawing/2014/main" id="{137CB4A4-DE11-4FFF-B8E7-468BBF3C6BEB}"/>
+                <a16:creationId xmlns:a16="http://schemas.microsoft.com/office/drawing/2014/main" xmlns="" id="{137CB4A4-DE11-4FFF-B8E7-468BBF3C6BEB}"/>
               </a:ext>
             </a:extLst>
           </p:cNvPr>
@@ -7036,7 +7038,7 @@
           <p:cNvPr id="66" name="Retângulo: Cantos Arredondados 6">
             <a:extLst>
               <a:ext uri="{FF2B5EF4-FFF2-40B4-BE49-F238E27FC236}">
-                <a16:creationId xmlns="" xmlns:a16="http://schemas.microsoft.com/office/drawing/2014/main" id="{247E6EEB-1C24-4EE4-B38B-3C7AEC53C5CD}"/>
+                <a16:creationId xmlns:a16="http://schemas.microsoft.com/office/drawing/2014/main" xmlns="" id="{247E6EEB-1C24-4EE4-B38B-3C7AEC53C5CD}"/>
               </a:ext>
             </a:extLst>
           </p:cNvPr>
@@ -7112,7 +7114,7 @@
           <p:cNvPr id="98" name="Conector reto 97">
             <a:extLst>
               <a:ext uri="{FF2B5EF4-FFF2-40B4-BE49-F238E27FC236}">
-                <a16:creationId xmlns="" xmlns:a16="http://schemas.microsoft.com/office/drawing/2014/main" id="{45F3DB6C-B02F-44DC-AD25-7A53EFCFE467}"/>
+                <a16:creationId xmlns:a16="http://schemas.microsoft.com/office/drawing/2014/main" xmlns="" id="{45F3DB6C-B02F-44DC-AD25-7A53EFCFE467}"/>
               </a:ext>
             </a:extLst>
           </p:cNvPr>
@@ -7151,7 +7153,7 @@
           <p:cNvPr id="53" name="Conector reto 52">
             <a:extLst>
               <a:ext uri="{FF2B5EF4-FFF2-40B4-BE49-F238E27FC236}">
-                <a16:creationId xmlns="" xmlns:a16="http://schemas.microsoft.com/office/drawing/2014/main" id="{84BF3A0B-F685-4B36-B8F8-008B0EF2B694}"/>
+                <a16:creationId xmlns:a16="http://schemas.microsoft.com/office/drawing/2014/main" xmlns="" id="{84BF3A0B-F685-4B36-B8F8-008B0EF2B694}"/>
               </a:ext>
             </a:extLst>
           </p:cNvPr>
@@ -7190,7 +7192,7 @@
           <p:cNvPr id="60" name="Retângulo: Cantos Arredondados 10">
             <a:extLst>
               <a:ext uri="{FF2B5EF4-FFF2-40B4-BE49-F238E27FC236}">
-                <a16:creationId xmlns="" xmlns:a16="http://schemas.microsoft.com/office/drawing/2014/main" id="{BDC1C57B-3C9C-46B8-BD0A-2D73169D348B}"/>
+                <a16:creationId xmlns:a16="http://schemas.microsoft.com/office/drawing/2014/main" xmlns="" id="{BDC1C57B-3C9C-46B8-BD0A-2D73169D348B}"/>
               </a:ext>
             </a:extLst>
           </p:cNvPr>
@@ -7261,7 +7263,7 @@
           <p:cNvPr id="62" name="Conector reto 61">
             <a:extLst>
               <a:ext uri="{FF2B5EF4-FFF2-40B4-BE49-F238E27FC236}">
-                <a16:creationId xmlns="" xmlns:a16="http://schemas.microsoft.com/office/drawing/2014/main" id="{379A6EDB-D8D9-4059-B033-6C43B669DFBE}"/>
+                <a16:creationId xmlns:a16="http://schemas.microsoft.com/office/drawing/2014/main" xmlns="" id="{379A6EDB-D8D9-4059-B033-6C43B669DFBE}"/>
               </a:ext>
             </a:extLst>
           </p:cNvPr>
@@ -7298,7 +7300,7 @@
           <p:cNvPr id="69" name="Conector reto 68">
             <a:extLst>
               <a:ext uri="{FF2B5EF4-FFF2-40B4-BE49-F238E27FC236}">
-                <a16:creationId xmlns="" xmlns:a16="http://schemas.microsoft.com/office/drawing/2014/main" id="{7DC76B42-8877-4509-ADC0-74DFA6AFA042}"/>
+                <a16:creationId xmlns:a16="http://schemas.microsoft.com/office/drawing/2014/main" xmlns="" id="{7DC76B42-8877-4509-ADC0-74DFA6AFA042}"/>
               </a:ext>
             </a:extLst>
           </p:cNvPr>
@@ -7337,7 +7339,7 @@
           <p:cNvPr id="72" name="Conector reto 71">
             <a:extLst>
               <a:ext uri="{FF2B5EF4-FFF2-40B4-BE49-F238E27FC236}">
-                <a16:creationId xmlns="" xmlns:a16="http://schemas.microsoft.com/office/drawing/2014/main" id="{137CB4A4-DE11-4FFF-B8E7-468BBF3C6BEB}"/>
+                <a16:creationId xmlns:a16="http://schemas.microsoft.com/office/drawing/2014/main" xmlns="" id="{137CB4A4-DE11-4FFF-B8E7-468BBF3C6BEB}"/>
               </a:ext>
             </a:extLst>
           </p:cNvPr>
@@ -7376,7 +7378,7 @@
           <p:cNvPr id="73" name="Conector reto 72">
             <a:extLst>
               <a:ext uri="{FF2B5EF4-FFF2-40B4-BE49-F238E27FC236}">
-                <a16:creationId xmlns="" xmlns:a16="http://schemas.microsoft.com/office/drawing/2014/main" id="{7DC76B42-8877-4509-ADC0-74DFA6AFA042}"/>
+                <a16:creationId xmlns:a16="http://schemas.microsoft.com/office/drawing/2014/main" xmlns="" id="{7DC76B42-8877-4509-ADC0-74DFA6AFA042}"/>
               </a:ext>
             </a:extLst>
           </p:cNvPr>
@@ -7415,7 +7417,7 @@
           <p:cNvPr id="74" name="Conector reto 73">
             <a:extLst>
               <a:ext uri="{FF2B5EF4-FFF2-40B4-BE49-F238E27FC236}">
-                <a16:creationId xmlns="" xmlns:a16="http://schemas.microsoft.com/office/drawing/2014/main" id="{137CB4A4-DE11-4FFF-B8E7-468BBF3C6BEB}"/>
+                <a16:creationId xmlns:a16="http://schemas.microsoft.com/office/drawing/2014/main" xmlns="" id="{137CB4A4-DE11-4FFF-B8E7-468BBF3C6BEB}"/>
               </a:ext>
             </a:extLst>
           </p:cNvPr>
@@ -7454,7 +7456,7 @@
           <p:cNvPr id="75" name="Conector reto 74">
             <a:extLst>
               <a:ext uri="{FF2B5EF4-FFF2-40B4-BE49-F238E27FC236}">
-                <a16:creationId xmlns="" xmlns:a16="http://schemas.microsoft.com/office/drawing/2014/main" id="{379A6EDB-D8D9-4059-B033-6C43B669DFBE}"/>
+                <a16:creationId xmlns:a16="http://schemas.microsoft.com/office/drawing/2014/main" xmlns="" id="{379A6EDB-D8D9-4059-B033-6C43B669DFBE}"/>
               </a:ext>
             </a:extLst>
           </p:cNvPr>
@@ -7535,7 +7537,7 @@
           <p:cNvPr id="76" name="Conector reto 75">
             <a:extLst>
               <a:ext uri="{FF2B5EF4-FFF2-40B4-BE49-F238E27FC236}">
-                <a16:creationId xmlns="" xmlns:a16="http://schemas.microsoft.com/office/drawing/2014/main" id="{7DC76B42-8877-4509-ADC0-74DFA6AFA042}"/>
+                <a16:creationId xmlns:a16="http://schemas.microsoft.com/office/drawing/2014/main" xmlns="" id="{7DC76B42-8877-4509-ADC0-74DFA6AFA042}"/>
               </a:ext>
             </a:extLst>
           </p:cNvPr>
@@ -7574,7 +7576,7 @@
           <p:cNvPr id="77" name="Conector reto 76">
             <a:extLst>
               <a:ext uri="{FF2B5EF4-FFF2-40B4-BE49-F238E27FC236}">
-                <a16:creationId xmlns="" xmlns:a16="http://schemas.microsoft.com/office/drawing/2014/main" id="{137CB4A4-DE11-4FFF-B8E7-468BBF3C6BEB}"/>
+                <a16:creationId xmlns:a16="http://schemas.microsoft.com/office/drawing/2014/main" xmlns="" id="{137CB4A4-DE11-4FFF-B8E7-468BBF3C6BEB}"/>
               </a:ext>
             </a:extLst>
           </p:cNvPr>
@@ -7705,7 +7707,7 @@
           <p:cNvPr id="79" name="Conector reto 78">
             <a:extLst>
               <a:ext uri="{FF2B5EF4-FFF2-40B4-BE49-F238E27FC236}">
-                <a16:creationId xmlns="" xmlns:a16="http://schemas.microsoft.com/office/drawing/2014/main" id="{137CB4A4-DE11-4FFF-B8E7-468BBF3C6BEB}"/>
+                <a16:creationId xmlns:a16="http://schemas.microsoft.com/office/drawing/2014/main" xmlns="" id="{137CB4A4-DE11-4FFF-B8E7-468BBF3C6BEB}"/>
               </a:ext>
             </a:extLst>
           </p:cNvPr>
@@ -7744,7 +7746,7 @@
           <p:cNvPr id="80" name="Conector reto 79">
             <a:extLst>
               <a:ext uri="{FF2B5EF4-FFF2-40B4-BE49-F238E27FC236}">
-                <a16:creationId xmlns="" xmlns:a16="http://schemas.microsoft.com/office/drawing/2014/main" id="{137CB4A4-DE11-4FFF-B8E7-468BBF3C6BEB}"/>
+                <a16:creationId xmlns:a16="http://schemas.microsoft.com/office/drawing/2014/main" xmlns="" id="{137CB4A4-DE11-4FFF-B8E7-468BBF3C6BEB}"/>
               </a:ext>
             </a:extLst>
           </p:cNvPr>
@@ -7783,7 +7785,7 @@
           <p:cNvPr id="82" name="Conector reto 81">
             <a:extLst>
               <a:ext uri="{FF2B5EF4-FFF2-40B4-BE49-F238E27FC236}">
-                <a16:creationId xmlns="" xmlns:a16="http://schemas.microsoft.com/office/drawing/2014/main" id="{84BF3A0B-F685-4B36-B8F8-008B0EF2B694}"/>
+                <a16:creationId xmlns:a16="http://schemas.microsoft.com/office/drawing/2014/main" xmlns="" id="{84BF3A0B-F685-4B36-B8F8-008B0EF2B694}"/>
               </a:ext>
             </a:extLst>
           </p:cNvPr>
@@ -7822,7 +7824,7 @@
           <p:cNvPr id="84" name="Conector reto 83">
             <a:extLst>
               <a:ext uri="{FF2B5EF4-FFF2-40B4-BE49-F238E27FC236}">
-                <a16:creationId xmlns="" xmlns:a16="http://schemas.microsoft.com/office/drawing/2014/main" id="{45F3DB6C-B02F-44DC-AD25-7A53EFCFE467}"/>
+                <a16:creationId xmlns:a16="http://schemas.microsoft.com/office/drawing/2014/main" xmlns="" id="{45F3DB6C-B02F-44DC-AD25-7A53EFCFE467}"/>
               </a:ext>
             </a:extLst>
           </p:cNvPr>
@@ -7861,7 +7863,7 @@
           <p:cNvPr id="88" name="Conector reto 87">
             <a:extLst>
               <a:ext uri="{FF2B5EF4-FFF2-40B4-BE49-F238E27FC236}">
-                <a16:creationId xmlns="" xmlns:a16="http://schemas.microsoft.com/office/drawing/2014/main" id="{F2096BAB-D5C4-47C8-A930-CDB9C4495E80}"/>
+                <a16:creationId xmlns:a16="http://schemas.microsoft.com/office/drawing/2014/main" xmlns="" id="{F2096BAB-D5C4-47C8-A930-CDB9C4495E80}"/>
               </a:ext>
             </a:extLst>
           </p:cNvPr>
@@ -7898,7 +7900,7 @@
           <p:cNvPr id="92" name="Conector reto 91">
             <a:extLst>
               <a:ext uri="{FF2B5EF4-FFF2-40B4-BE49-F238E27FC236}">
-                <a16:creationId xmlns="" xmlns:a16="http://schemas.microsoft.com/office/drawing/2014/main" id="{F2096BAB-D5C4-47C8-A930-CDB9C4495E80}"/>
+                <a16:creationId xmlns:a16="http://schemas.microsoft.com/office/drawing/2014/main" xmlns="" id="{F2096BAB-D5C4-47C8-A930-CDB9C4495E80}"/>
               </a:ext>
             </a:extLst>
           </p:cNvPr>
@@ -7935,7 +7937,7 @@
           <p:cNvPr id="45" name="Retângulo: Cantos Arredondados 9">
             <a:extLst>
               <a:ext uri="{FF2B5EF4-FFF2-40B4-BE49-F238E27FC236}">
-                <a16:creationId xmlns="" xmlns:a16="http://schemas.microsoft.com/office/drawing/2014/main" id="{37434C89-D090-4751-833D-FAE29E5C19FD}"/>
+                <a16:creationId xmlns:a16="http://schemas.microsoft.com/office/drawing/2014/main" xmlns="" id="{37434C89-D090-4751-833D-FAE29E5C19FD}"/>
               </a:ext>
             </a:extLst>
           </p:cNvPr>
@@ -7997,7 +7999,6 @@
               <a:rPr lang="pt-BR" dirty="0" smtClean="0"/>
               <a:t>Ponto</a:t>
             </a:r>
-            <a:endParaRPr lang="pt-BR" dirty="0" smtClean="0"/>
           </a:p>
         </p:txBody>
       </p:sp>
@@ -8006,7 +8007,7 @@
           <p:cNvPr id="46" name="Retângulo: Cantos Arredondados 9">
             <a:extLst>
               <a:ext uri="{FF2B5EF4-FFF2-40B4-BE49-F238E27FC236}">
-                <a16:creationId xmlns="" xmlns:a16="http://schemas.microsoft.com/office/drawing/2014/main" id="{37434C89-D090-4751-833D-FAE29E5C19FD}"/>
+                <a16:creationId xmlns:a16="http://schemas.microsoft.com/office/drawing/2014/main" xmlns="" id="{37434C89-D090-4751-833D-FAE29E5C19FD}"/>
               </a:ext>
             </a:extLst>
           </p:cNvPr>
@@ -8068,7 +8069,6 @@
               <a:rPr lang="pt-BR" dirty="0" smtClean="0"/>
               <a:t>Rota</a:t>
             </a:r>
-            <a:endParaRPr lang="pt-BR" dirty="0" smtClean="0"/>
           </a:p>
         </p:txBody>
       </p:sp>
@@ -8109,6 +8109,105 @@
           <a:chExt cx="0" cy="0"/>
         </a:xfrm>
       </p:grpSpPr>
+      <p:sp>
+        <p:nvSpPr>
+          <p:cNvPr id="2" name="Título 1"/>
+          <p:cNvSpPr>
+            <a:spLocks noGrp="1"/>
+          </p:cNvSpPr>
+          <p:nvPr>
+            <p:ph type="title"/>
+          </p:nvPr>
+        </p:nvSpPr>
+        <p:spPr/>
+        <p:txBody>
+          <a:bodyPr/>
+          <a:lstStyle/>
+          <a:p>
+            <a:endParaRPr lang="pt-BR"/>
+          </a:p>
+        </p:txBody>
+      </p:sp>
+      <p:sp>
+        <p:nvSpPr>
+          <p:cNvPr id="3" name="Espaço Reservado para Conteúdo 2"/>
+          <p:cNvSpPr>
+            <a:spLocks noGrp="1"/>
+          </p:cNvSpPr>
+          <p:nvPr>
+            <p:ph idx="1"/>
+          </p:nvPr>
+        </p:nvSpPr>
+        <p:spPr/>
+        <p:txBody>
+          <a:bodyPr/>
+          <a:lstStyle/>
+          <a:p>
+            <a:endParaRPr lang="pt-BR"/>
+          </a:p>
+        </p:txBody>
+      </p:sp>
+      <p:pic>
+        <p:nvPicPr>
+          <p:cNvPr id="4" name="Imagem 3"/>
+          <p:cNvPicPr>
+            <a:picLocks noChangeAspect="1"/>
+          </p:cNvPicPr>
+          <p:nvPr/>
+        </p:nvPicPr>
+        <p:blipFill>
+          <a:blip r:embed="rId2"/>
+          <a:stretch>
+            <a:fillRect/>
+          </a:stretch>
+        </p:blipFill>
+        <p:spPr>
+          <a:xfrm>
+            <a:off x="0" y="0"/>
+            <a:ext cx="12195422" cy="6858000"/>
+          </a:xfrm>
+          <a:prstGeom prst="rect">
+            <a:avLst/>
+          </a:prstGeom>
+        </p:spPr>
+      </p:pic>
+    </p:spTree>
+    <p:extLst>
+      <p:ext uri="{BB962C8B-B14F-4D97-AF65-F5344CB8AC3E}">
+        <p14:creationId xmlns:p14="http://schemas.microsoft.com/office/powerpoint/2010/main" val="1378166558"/>
+      </p:ext>
+    </p:extLst>
+  </p:cSld>
+  <p:clrMapOvr>
+    <a:masterClrMapping/>
+  </p:clrMapOvr>
+  <p:timing>
+    <p:tnLst>
+      <p:par>
+        <p:cTn id="1" dur="indefinite" restart="never" nodeType="tmRoot"/>
+      </p:par>
+    </p:tnLst>
+  </p:timing>
+</p:sld>
+</file>
+
+<file path=ppt/slides/slide5.xml><?xml version="1.0" encoding="utf-8"?>
+<p:sld xmlns:a="http://schemas.openxmlformats.org/drawingml/2006/main" xmlns:r="http://schemas.openxmlformats.org/officeDocument/2006/relationships" xmlns:p="http://schemas.openxmlformats.org/presentationml/2006/main">
+  <p:cSld>
+    <p:spTree>
+      <p:nvGrpSpPr>
+        <p:cNvPr id="1" name=""/>
+        <p:cNvGrpSpPr/>
+        <p:nvPr/>
+      </p:nvGrpSpPr>
+      <p:grpSpPr>
+        <a:xfrm>
+          <a:off x="0" y="0"/>
+          <a:ext cx="0" cy="0"/>
+          <a:chOff x="0" y="0"/>
+          <a:chExt cx="0" cy="0"/>
+        </a:xfrm>
+      </p:grpSpPr>
       <p:pic>
         <p:nvPicPr>
           <p:cNvPr id="4" name="Espaço Reservado para Conteúdo 3"/>
@@ -8142,6 +8241,105 @@
     <p:extLst>
       <p:ext uri="{BB962C8B-B14F-4D97-AF65-F5344CB8AC3E}">
         <p14:creationId xmlns:p14="http://schemas.microsoft.com/office/powerpoint/2010/main" val="1275391200"/>
+      </p:ext>
+    </p:extLst>
+  </p:cSld>
+  <p:clrMapOvr>
+    <a:masterClrMapping/>
+  </p:clrMapOvr>
+  <p:timing>
+    <p:tnLst>
+      <p:par>
+        <p:cTn id="1" dur="indefinite" restart="never" nodeType="tmRoot"/>
+      </p:par>
+    </p:tnLst>
+  </p:timing>
+</p:sld>
+</file>
+
+<file path=ppt/slides/slide6.xml><?xml version="1.0" encoding="utf-8"?>
+<p:sld xmlns:a="http://schemas.openxmlformats.org/drawingml/2006/main" xmlns:r="http://schemas.openxmlformats.org/officeDocument/2006/relationships" xmlns:p="http://schemas.openxmlformats.org/presentationml/2006/main">
+  <p:cSld>
+    <p:spTree>
+      <p:nvGrpSpPr>
+        <p:cNvPr id="1" name=""/>
+        <p:cNvGrpSpPr/>
+        <p:nvPr/>
+      </p:nvGrpSpPr>
+      <p:grpSpPr>
+        <a:xfrm>
+          <a:off x="0" y="0"/>
+          <a:ext cx="0" cy="0"/>
+          <a:chOff x="0" y="0"/>
+          <a:chExt cx="0" cy="0"/>
+        </a:xfrm>
+      </p:grpSpPr>
+      <p:sp>
+        <p:nvSpPr>
+          <p:cNvPr id="2" name="Título 1"/>
+          <p:cNvSpPr>
+            <a:spLocks noGrp="1"/>
+          </p:cNvSpPr>
+          <p:nvPr>
+            <p:ph type="title"/>
+          </p:nvPr>
+        </p:nvSpPr>
+        <p:spPr/>
+        <p:txBody>
+          <a:bodyPr/>
+          <a:lstStyle/>
+          <a:p>
+            <a:endParaRPr lang="pt-BR"/>
+          </a:p>
+        </p:txBody>
+      </p:sp>
+      <p:sp>
+        <p:nvSpPr>
+          <p:cNvPr id="3" name="Espaço Reservado para Conteúdo 2"/>
+          <p:cNvSpPr>
+            <a:spLocks noGrp="1"/>
+          </p:cNvSpPr>
+          <p:nvPr>
+            <p:ph idx="1"/>
+          </p:nvPr>
+        </p:nvSpPr>
+        <p:spPr/>
+        <p:txBody>
+          <a:bodyPr/>
+          <a:lstStyle/>
+          <a:p>
+            <a:endParaRPr lang="pt-BR"/>
+          </a:p>
+        </p:txBody>
+      </p:sp>
+      <p:pic>
+        <p:nvPicPr>
+          <p:cNvPr id="4" name="Imagem 3"/>
+          <p:cNvPicPr>
+            <a:picLocks noChangeAspect="1"/>
+          </p:cNvPicPr>
+          <p:nvPr/>
+        </p:nvPicPr>
+        <p:blipFill>
+          <a:blip r:embed="rId2"/>
+          <a:stretch>
+            <a:fillRect/>
+          </a:stretch>
+        </p:blipFill>
+        <p:spPr>
+          <a:xfrm>
+            <a:off x="0" y="0"/>
+            <a:ext cx="12192000" cy="6858000"/>
+          </a:xfrm>
+          <a:prstGeom prst="rect">
+            <a:avLst/>
+          </a:prstGeom>
+        </p:spPr>
+      </p:pic>
+    </p:spTree>
+    <p:extLst>
+      <p:ext uri="{BB962C8B-B14F-4D97-AF65-F5344CB8AC3E}">
+        <p14:creationId xmlns:p14="http://schemas.microsoft.com/office/powerpoint/2010/main" val="1800898869"/>
       </p:ext>
     </p:extLst>
   </p:cSld>
